--- a/PPT/Code Review.pptx
+++ b/PPT/Code Review.pptx
@@ -5,18 +5,20 @@
     <p:sldMasterId id="2147483649" r:id="rId1"/>
   </p:sldMasterIdLst>
   <p:notesMasterIdLst>
-    <p:notesMasterId r:id="rId8"/>
+    <p:notesMasterId r:id="rId10"/>
   </p:notesMasterIdLst>
   <p:handoutMasterIdLst>
-    <p:handoutMasterId r:id="rId9"/>
+    <p:handoutMasterId r:id="rId11"/>
   </p:handoutMasterIdLst>
   <p:sldIdLst>
     <p:sldId id="1000" r:id="rId2"/>
     <p:sldId id="1483" r:id="rId3"/>
-    <p:sldId id="1484" r:id="rId4"/>
-    <p:sldId id="1485" r:id="rId5"/>
-    <p:sldId id="1486" r:id="rId6"/>
-    <p:sldId id="1477" r:id="rId7"/>
+    <p:sldId id="1488" r:id="rId4"/>
+    <p:sldId id="1484" r:id="rId5"/>
+    <p:sldId id="1485" r:id="rId6"/>
+    <p:sldId id="1487" r:id="rId7"/>
+    <p:sldId id="1486" r:id="rId8"/>
+    <p:sldId id="1477" r:id="rId9"/>
   </p:sldIdLst>
   <p:sldSz cx="9144000" cy="6858000" type="screen4x3"/>
   <p:notesSz cx="6888163" cy="10020300"/>
@@ -269,7 +271,7 @@
               <a:pPr>
                 <a:defRPr/>
               </a:pPr>
-              <a:t>1/20/2017</a:t>
+              <a:t>1/23/2017</a:t>
             </a:fld>
             <a:endParaRPr lang="en-GB"/>
           </a:p>
@@ -6346,7 +6348,7 @@
               <a:pPr>
                 <a:defRPr/>
               </a:pPr>
-              <a:t>6</a:t>
+              <a:t>8</a:t>
             </a:fld>
             <a:endParaRPr lang="fr-FR"/>
           </a:p>
@@ -9880,11 +9882,7 @@
           <a:p>
             <a:r>
               <a:rPr lang="en-US" dirty="0" smtClean="0"/>
-              <a:t>NGM </a:t>
-            </a:r>
-            <a:r>
-              <a:rPr lang="en-US" dirty="0" smtClean="0"/>
-              <a:t>Counter and validation</a:t>
+              <a:t>NGM Counter and validation</a:t>
             </a:r>
           </a:p>
           <a:p>
@@ -9996,7 +9994,7 @@
           <a:p>
             <a:r>
               <a:rPr lang="en-US" dirty="0" smtClean="0"/>
-              <a:t>Transaction</a:t>
+              <a:t>Transaction – 1</a:t>
             </a:r>
             <a:endParaRPr lang="en-US" dirty="0"/>
           </a:p>
@@ -10018,36 +10016,8 @@
           <a:lstStyle/>
           <a:p>
             <a:r>
-              <a:rPr lang="en-US" b="1" dirty="0" smtClean="0">
-                <a:solidFill>
-                  <a:srgbClr val="FF0000"/>
-                </a:solidFill>
-              </a:rPr>
-              <a:t>62</a:t>
-            </a:r>
-            <a:r>
-              <a:rPr lang="en-US" dirty="0" smtClean="0"/>
-              <a:t> </a:t>
-            </a:r>
-            <a:r>
-              <a:rPr lang="en-US" dirty="0" err="1"/>
-              <a:t>TransactionAttributeType.</a:t>
-            </a:r>
-            <a:r>
-              <a:rPr lang="en-US" b="1" i="1" dirty="0" err="1"/>
-              <a:t>REQUIRES_NEW</a:t>
-            </a:r>
-            <a:endParaRPr lang="en-US" dirty="0" smtClean="0"/>
-          </a:p>
-          <a:p>
-            <a:pPr lvl="1"/>
-            <a:r>
-              <a:rPr lang="en-US" dirty="0" err="1" smtClean="0"/>
-              <a:t>ProvisionTaskGenerationServiceBean.generateProvisioningTask</a:t>
-            </a:r>
-            <a:r>
-              <a:rPr lang="en-US" dirty="0" smtClean="0"/>
-              <a:t>(String</a:t>
+              <a:rPr lang="en-US" dirty="0"/>
+              <a:t>com.gemalto.osmsr.provisioning.clustering.SmsrSingletonProvisioningService.ProvisioningFileScanTimer.timerExpired(Timer</a:t>
             </a:r>
             <a:r>
               <a:rPr lang="en-US" dirty="0" smtClean="0"/>
@@ -10055,117 +10025,29 @@
             </a:r>
           </a:p>
           <a:p>
-            <a:pPr lvl="2"/>
+            <a:endParaRPr lang="en-US" dirty="0"/>
+          </a:p>
+          <a:p>
             <a:r>
               <a:rPr lang="en-US" dirty="0"/>
-              <a:t>provisionTaskGenerationService.generateProvisioningTaskInNewTransaction(</a:t>
+              <a:t>com.gemalto.osmsr.service.impl.EisService.validateECASDAndStoreEIS4SrChange(</a:t>
             </a:r>
             <a:r>
               <a:rPr lang="en-US" dirty="0" err="1"/>
-              <a:t>batchFile</a:t>
-            </a:r>
-            <a:r>
-              <a:rPr lang="en-US" dirty="0" smtClean="0"/>
-              <a:t>);</a:t>
-            </a:r>
-          </a:p>
-          <a:p>
-            <a:pPr lvl="1"/>
-            <a:r>
-              <a:rPr lang="en-US" dirty="0" err="1" smtClean="0"/>
-              <a:t>ProcessControllerBean.cancelUseCase</a:t>
-            </a:r>
-            <a:r>
-              <a:rPr lang="en-US" dirty="0" smtClean="0"/>
-              <a:t>(Long)</a:t>
-            </a:r>
-          </a:p>
-          <a:p>
-            <a:pPr lvl="2"/>
-            <a:r>
-              <a:rPr lang="en-US" dirty="0" smtClean="0"/>
-              <a:t>Not necessary </a:t>
+              <a:t>EISType</a:t>
             </a:r>
             <a:r>
               <a:rPr lang="en-US" dirty="0"/>
-              <a:t>to start a new </a:t>
-            </a:r>
-            <a:r>
-              <a:rPr lang="en-US" dirty="0" smtClean="0"/>
-              <a:t>one, </a:t>
-            </a:r>
-            <a:r>
-              <a:rPr lang="en-US" dirty="0" err="1" smtClean="0"/>
-              <a:t>UseCaseUIService.cancelOperation</a:t>
-            </a:r>
-            <a:r>
-              <a:rPr lang="en-US" dirty="0" smtClean="0"/>
-              <a:t>(Long) already start one</a:t>
-            </a:r>
-            <a:endParaRPr lang="en-US" dirty="0" smtClean="0"/>
-          </a:p>
-          <a:p>
-            <a:pPr lvl="2"/>
-            <a:endParaRPr lang="en-US" dirty="0"/>
-          </a:p>
-          <a:p>
-            <a:r>
-              <a:rPr lang="en-US" dirty="0" err="1" smtClean="0"/>
-              <a:t>TransactionAttributeType.</a:t>
-            </a:r>
-            <a:r>
-              <a:rPr lang="en-US" b="1" i="1" dirty="0" err="1" smtClean="0"/>
-              <a:t>NOT_SUPPORTED</a:t>
-            </a:r>
-            <a:endParaRPr lang="en-US" b="1" i="1" dirty="0" smtClean="0"/>
-          </a:p>
-          <a:p>
-            <a:pPr lvl="1"/>
-            <a:r>
-              <a:rPr lang="en-US" dirty="0"/>
-              <a:t>com.gemalto.osmsr.core.control.impl.ProcessControllerBean.cleanStuckUseCases</a:t>
-            </a:r>
-            <a:r>
-              <a:rPr lang="en-US" dirty="0" smtClean="0"/>
-              <a:t>()</a:t>
-            </a:r>
-          </a:p>
-          <a:p>
-            <a:pPr lvl="2"/>
-            <a:r>
-              <a:rPr lang="en-US" dirty="0" smtClean="0"/>
-              <a:t>Maybe </a:t>
-            </a:r>
-            <a:r>
-              <a:rPr lang="en-US" dirty="0"/>
-              <a:t>‘</a:t>
-            </a:r>
-            <a:r>
-              <a:rPr lang="en-US" dirty="0" err="1" smtClean="0"/>
-              <a:t>TransactionAttributeType.Never</a:t>
-            </a:r>
-            <a:r>
-              <a:rPr lang="en-US" dirty="0" smtClean="0"/>
-              <a:t>’ is better.</a:t>
-            </a:r>
-          </a:p>
-          <a:p>
-            <a:endParaRPr lang="en-US" dirty="0"/>
-          </a:p>
-          <a:p>
-            <a:r>
-              <a:rPr lang="en-US" dirty="0" err="1" smtClean="0"/>
-              <a:t>ViewController</a:t>
-            </a:r>
-            <a:r>
-              <a:rPr lang="en-US" dirty="0" smtClean="0"/>
-              <a:t> won’t start a transaction</a:t>
-            </a:r>
-          </a:p>
-          <a:p>
-            <a:endParaRPr lang="en-US" dirty="0"/>
-          </a:p>
-          <a:p>
+              <a:t>, String, </a:t>
+            </a:r>
+            <a:r>
+              <a:rPr lang="en-US" dirty="0" err="1"/>
+              <a:t>boolean</a:t>
+            </a:r>
+            <a:r>
+              <a:rPr lang="en-US"/>
+              <a:t>)</a:t>
+            </a:r>
             <a:endParaRPr lang="en-US" dirty="0"/>
           </a:p>
         </p:txBody>
@@ -10228,7 +10110,7 @@
     </p:spTree>
     <p:extLst>
       <p:ext uri="{BB962C8B-B14F-4D97-AF65-F5344CB8AC3E}">
-        <p14:creationId xmlns:p14="http://schemas.microsoft.com/office/powerpoint/2010/main" val="4057870096"/>
+        <p14:creationId xmlns:p14="http://schemas.microsoft.com/office/powerpoint/2010/main" val="1143786802"/>
       </p:ext>
     </p:extLst>
   </p:cSld>
@@ -10272,7 +10154,7 @@
           <a:p>
             <a:r>
               <a:rPr lang="en-US" dirty="0" smtClean="0"/>
-              <a:t>Method with too many parameters</a:t>
+              <a:t>Transaction – 2</a:t>
             </a:r>
             <a:endParaRPr lang="en-US" dirty="0"/>
           </a:p>
@@ -10290,119 +10172,193 @@
         </p:nvSpPr>
         <p:spPr/>
         <p:txBody>
-          <a:bodyPr/>
+          <a:bodyPr>
+            <a:normAutofit fontScale="85000" lnSpcReduction="20000"/>
+          </a:bodyPr>
           <a:lstStyle/>
           <a:p>
             <a:r>
+              <a:rPr lang="en-US" b="1" dirty="0" smtClean="0">
+                <a:solidFill>
+                  <a:srgbClr val="FF0000"/>
+                </a:solidFill>
+              </a:rPr>
+              <a:t>62</a:t>
+            </a:r>
+            <a:r>
               <a:rPr lang="en-US" dirty="0" smtClean="0"/>
-              <a:t>It’s better no more than 4</a:t>
-            </a:r>
+              <a:t> </a:t>
+            </a:r>
+            <a:r>
+              <a:rPr lang="en-US" dirty="0" err="1"/>
+              <a:t>TransactionAttributeType.</a:t>
+            </a:r>
+            <a:r>
+              <a:rPr lang="en-US" b="1" i="1" dirty="0" err="1"/>
+              <a:t>REQUIRES_NEW</a:t>
+            </a:r>
+            <a:endParaRPr lang="en-US" dirty="0" smtClean="0"/>
           </a:p>
           <a:p>
             <a:pPr lvl="1"/>
             <a:r>
+              <a:rPr lang="en-US" dirty="0" err="1" smtClean="0"/>
+              <a:t>ProvisionTaskGenerationServiceBean.generateProvisioningTask</a:t>
+            </a:r>
+            <a:r>
               <a:rPr lang="en-US" dirty="0" smtClean="0"/>
-              <a:t>EisHandler.toES7EISTypeVO(</a:t>
-            </a:r>
+              <a:t>(String)</a:t>
+            </a:r>
+          </a:p>
+          <a:p>
+            <a:pPr lvl="2"/>
+            <a:r>
+              <a:rPr lang="en-US" dirty="0"/>
+              <a:t>provisionTaskGenerationService.generateProvisioningTaskInNewTransaction(</a:t>
+            </a:r>
+            <a:r>
+              <a:rPr lang="en-US" dirty="0" err="1"/>
+              <a:t>batchFile</a:t>
+            </a:r>
+            <a:r>
+              <a:rPr lang="en-US" dirty="0" smtClean="0"/>
+              <a:t>);</a:t>
+            </a:r>
+          </a:p>
+          <a:p>
+            <a:pPr lvl="1"/>
             <a:r>
               <a:rPr lang="en-US" dirty="0" err="1" smtClean="0"/>
-              <a:t>Hashtable</a:t>
+              <a:t>ProcessControllerBean.cancelUseCase</a:t>
             </a:r>
             <a:r>
               <a:rPr lang="en-US" dirty="0" smtClean="0"/>
-              <a:t>&lt;String</a:t>
+              <a:t>(Long)</a:t>
+            </a:r>
+          </a:p>
+          <a:p>
+            <a:pPr lvl="2"/>
+            <a:r>
+              <a:rPr lang="en-US" dirty="0" smtClean="0"/>
+              <a:t>Not necessary </a:t>
             </a:r>
             <a:r>
               <a:rPr lang="en-US" dirty="0"/>
-              <a:t>, String&gt;, </a:t>
-            </a:r>
-            <a:r>
-              <a:rPr lang="en-US" dirty="0" err="1"/>
-              <a:t>ISecurityServiceLocal</a:t>
-            </a:r>
+              <a:t>to start a new </a:t>
+            </a:r>
+            <a:r>
+              <a:rPr lang="en-US" dirty="0" smtClean="0"/>
+              <a:t>one, </a:t>
+            </a:r>
+            <a:r>
+              <a:rPr lang="en-US" dirty="0" err="1" smtClean="0"/>
+              <a:t>UseCaseUIService.cancelOperation</a:t>
+            </a:r>
+            <a:r>
+              <a:rPr lang="en-US" dirty="0" smtClean="0"/>
+              <a:t>(Long) already start one</a:t>
+            </a:r>
+          </a:p>
+          <a:p>
+            <a:pPr lvl="2"/>
+            <a:endParaRPr lang="en-US" dirty="0"/>
+          </a:p>
+          <a:p>
+            <a:r>
+              <a:rPr lang="en-US" dirty="0" err="1" smtClean="0"/>
+              <a:t>TransactionAttributeType.</a:t>
+            </a:r>
+            <a:r>
+              <a:rPr lang="en-US" b="1" i="1" dirty="0" err="1" smtClean="0"/>
+              <a:t>NOT_SUPPORTED</a:t>
+            </a:r>
+            <a:endParaRPr lang="en-US" b="1" i="1" dirty="0" smtClean="0"/>
+          </a:p>
+          <a:p>
+            <a:pPr lvl="1"/>
             <a:r>
               <a:rPr lang="en-US" dirty="0"/>
-              <a:t>, </a:t>
-            </a:r>
-            <a:r>
-              <a:rPr lang="en-US" dirty="0" err="1"/>
-              <a:t>IEmbeddedCardCRUDLocal</a:t>
+              <a:t>com.gemalto.osmsr.core.control.impl.ProcessControllerBean.cleanStuckUseCases</a:t>
+            </a:r>
+            <a:r>
+              <a:rPr lang="en-US" dirty="0" smtClean="0"/>
+              <a:t>()</a:t>
+            </a:r>
+          </a:p>
+          <a:p>
+            <a:pPr lvl="2"/>
+            <a:r>
+              <a:rPr lang="en-US" dirty="0" smtClean="0"/>
+              <a:t>Maybe </a:t>
             </a:r>
             <a:r>
               <a:rPr lang="en-US" dirty="0"/>
-              <a:t>, </a:t>
-            </a:r>
-            <a:r>
-              <a:rPr lang="en-US" dirty="0" err="1"/>
-              <a:t>IOrganizationTrigramsCRUDLocal</a:t>
-            </a:r>
+              <a:t>‘</a:t>
+            </a:r>
+            <a:r>
+              <a:rPr lang="en-US" dirty="0" err="1" smtClean="0"/>
+              <a:t>TransactionAttributeType.Never</a:t>
+            </a:r>
+            <a:r>
+              <a:rPr lang="en-US" dirty="0" smtClean="0"/>
+              <a:t>’.</a:t>
+            </a:r>
+          </a:p>
+          <a:p>
+            <a:endParaRPr lang="en-US" dirty="0" smtClean="0"/>
+          </a:p>
+          <a:p>
+            <a:r>
+              <a:rPr lang="en-US" dirty="0" err="1" smtClean="0"/>
+              <a:t>com.gemalto.osmsr.provisioning.file.impl.FileSystemManagerBean</a:t>
+            </a:r>
+            <a:endParaRPr lang="en-US" dirty="0" smtClean="0"/>
+          </a:p>
+          <a:p>
+            <a:pPr lvl="1"/>
+            <a:r>
+              <a:rPr lang="en-US" dirty="0" smtClean="0"/>
+              <a:t>No Transaction needed</a:t>
+            </a:r>
+            <a:endParaRPr lang="en-US" dirty="0"/>
+          </a:p>
+          <a:p>
+            <a:endParaRPr lang="en-US" dirty="0" smtClean="0"/>
+          </a:p>
+          <a:p>
+            <a:r>
+              <a:rPr lang="en-US" dirty="0" err="1" smtClean="0"/>
+              <a:t>SingletonService</a:t>
+            </a:r>
+            <a:r>
+              <a:rPr lang="en-US" dirty="0" smtClean="0"/>
+              <a:t> won’t start a transaction</a:t>
+            </a:r>
+          </a:p>
+          <a:p>
+            <a:pPr lvl="1"/>
             <a:r>
               <a:rPr lang="en-US" dirty="0"/>
-              <a:t>, </a:t>
-            </a:r>
-            <a:r>
-              <a:rPr lang="en-US" dirty="0" err="1"/>
-              <a:t>IEuiccPropertyServiceLocal</a:t>
-            </a:r>
-            <a:r>
-              <a:rPr lang="en-US" dirty="0"/>
-              <a:t>, </a:t>
-            </a:r>
-            <a:r>
-              <a:rPr lang="en-US" dirty="0" err="1"/>
-              <a:t>IOperationHistoryCRUDLocal</a:t>
-            </a:r>
-            <a:r>
-              <a:rPr lang="en-US" dirty="0"/>
-              <a:t>, </a:t>
-            </a:r>
-            <a:r>
-              <a:rPr lang="en-US" dirty="0" err="1"/>
-              <a:t>IEmbeddedCardHistoryCRUDLocal</a:t>
-            </a:r>
-            <a:r>
-              <a:rPr lang="en-US" dirty="0"/>
-              <a:t>, </a:t>
-            </a:r>
-            <a:r>
-              <a:rPr lang="en-US" dirty="0" err="1"/>
-              <a:t>IConfigurationManagerLocal</a:t>
-            </a:r>
-            <a:r>
-              <a:rPr lang="en-US" dirty="0"/>
-              <a:t>)</a:t>
-            </a:r>
-          </a:p>
-          <a:p>
+              <a:t>com.gemalto.osmsr.provisioning.clustering.SmsrSingletonProvisioningService.ProvisioningFileScanTimer.timerExpired(Timer)</a:t>
+            </a:r>
+          </a:p>
+          <a:p>
+            <a:endParaRPr lang="en-US" dirty="0" smtClean="0"/>
+          </a:p>
+          <a:p>
+            <a:r>
+              <a:rPr lang="en-US" dirty="0" err="1" smtClean="0"/>
+              <a:t>ViewController</a:t>
+            </a:r>
             <a:r>
               <a:rPr lang="en-US" dirty="0" smtClean="0"/>
-              <a:t>How to reduce the number of parameters</a:t>
-            </a:r>
-          </a:p>
-          <a:p>
-            <a:pPr lvl="1"/>
-            <a:r>
-              <a:rPr lang="en-US" dirty="0" smtClean="0"/>
-              <a:t>For constructor, think about ‘Builder’</a:t>
-            </a:r>
-          </a:p>
-          <a:p>
-            <a:pPr lvl="1"/>
-            <a:r>
-              <a:rPr lang="en-US" dirty="0" smtClean="0"/>
-              <a:t>Split one method into many</a:t>
-            </a:r>
-          </a:p>
-          <a:p>
-            <a:pPr lvl="1"/>
-            <a:r>
-              <a:rPr lang="en-US" dirty="0" smtClean="0"/>
-              <a:t>Create helper class: </a:t>
-            </a:r>
-            <a:r>
-              <a:rPr lang="en-US" dirty="0" err="1" smtClean="0"/>
-              <a:t>XXXContext</a:t>
-            </a:r>
+              <a:t> won’t start a transaction</a:t>
+            </a:r>
+          </a:p>
+          <a:p>
+            <a:endParaRPr lang="en-US" dirty="0"/>
+          </a:p>
+          <a:p>
             <a:endParaRPr lang="en-US" dirty="0"/>
           </a:p>
         </p:txBody>
@@ -10465,7 +10421,7 @@
     </p:spTree>
     <p:extLst>
       <p:ext uri="{BB962C8B-B14F-4D97-AF65-F5344CB8AC3E}">
-        <p14:creationId xmlns:p14="http://schemas.microsoft.com/office/powerpoint/2010/main" val="1573037011"/>
+        <p14:creationId xmlns:p14="http://schemas.microsoft.com/office/powerpoint/2010/main" val="4057870096"/>
       </p:ext>
     </p:extLst>
   </p:cSld>
@@ -10509,7 +10465,7 @@
           <a:p>
             <a:r>
               <a:rPr lang="en-US" dirty="0" smtClean="0"/>
-              <a:t>MDC</a:t>
+              <a:t>Method with too many parameters</a:t>
             </a:r>
             <a:endParaRPr lang="en-US" dirty="0"/>
           </a:p>
@@ -10530,7 +10486,117 @@
           <a:bodyPr/>
           <a:lstStyle/>
           <a:p>
-            <a:endParaRPr lang="en-US"/>
+            <a:r>
+              <a:rPr lang="en-US" dirty="0" smtClean="0"/>
+              <a:t>It’s better no more than 4</a:t>
+            </a:r>
+          </a:p>
+          <a:p>
+            <a:pPr lvl="1"/>
+            <a:r>
+              <a:rPr lang="en-US" dirty="0" smtClean="0"/>
+              <a:t>EisHandler.toES7EISTypeVO(</a:t>
+            </a:r>
+            <a:r>
+              <a:rPr lang="en-US" dirty="0" err="1" smtClean="0"/>
+              <a:t>Hashtable</a:t>
+            </a:r>
+            <a:r>
+              <a:rPr lang="en-US" dirty="0" smtClean="0"/>
+              <a:t>&lt;String</a:t>
+            </a:r>
+            <a:r>
+              <a:rPr lang="en-US" dirty="0"/>
+              <a:t>, String&gt;, </a:t>
+            </a:r>
+            <a:r>
+              <a:rPr lang="en-US" dirty="0" err="1"/>
+              <a:t>ISecurityServiceLocal</a:t>
+            </a:r>
+            <a:r>
+              <a:rPr lang="en-US" dirty="0"/>
+              <a:t>, </a:t>
+            </a:r>
+            <a:r>
+              <a:rPr lang="en-US" dirty="0" err="1"/>
+              <a:t>IEmbeddedCardCRUDLocal</a:t>
+            </a:r>
+            <a:r>
+              <a:rPr lang="en-US" dirty="0"/>
+              <a:t>, </a:t>
+            </a:r>
+            <a:r>
+              <a:rPr lang="en-US" dirty="0" err="1"/>
+              <a:t>IOrganizationTrigramsCRUDLocal</a:t>
+            </a:r>
+            <a:r>
+              <a:rPr lang="en-US" dirty="0"/>
+              <a:t>, </a:t>
+            </a:r>
+            <a:r>
+              <a:rPr lang="en-US" dirty="0" err="1"/>
+              <a:t>IEuiccPropertyServiceLocal</a:t>
+            </a:r>
+            <a:r>
+              <a:rPr lang="en-US" dirty="0"/>
+              <a:t>, </a:t>
+            </a:r>
+            <a:r>
+              <a:rPr lang="en-US" dirty="0" err="1"/>
+              <a:t>IOperationHistoryCRUDLocal</a:t>
+            </a:r>
+            <a:r>
+              <a:rPr lang="en-US" dirty="0"/>
+              <a:t>, </a:t>
+            </a:r>
+            <a:r>
+              <a:rPr lang="en-US" dirty="0" err="1"/>
+              <a:t>IEmbeddedCardHistoryCRUDLocal</a:t>
+            </a:r>
+            <a:r>
+              <a:rPr lang="en-US" dirty="0"/>
+              <a:t>, </a:t>
+            </a:r>
+            <a:r>
+              <a:rPr lang="en-US" dirty="0" err="1"/>
+              <a:t>IConfigurationManagerLocal</a:t>
+            </a:r>
+            <a:r>
+              <a:rPr lang="en-US" dirty="0"/>
+              <a:t>)</a:t>
+            </a:r>
+          </a:p>
+          <a:p>
+            <a:r>
+              <a:rPr lang="en-US" dirty="0" smtClean="0"/>
+              <a:t>How to reduce the number of parameters</a:t>
+            </a:r>
+          </a:p>
+          <a:p>
+            <a:pPr lvl="1"/>
+            <a:r>
+              <a:rPr lang="en-US" dirty="0" smtClean="0"/>
+              <a:t>For constructor, think about ‘Builder’</a:t>
+            </a:r>
+          </a:p>
+          <a:p>
+            <a:pPr lvl="1"/>
+            <a:r>
+              <a:rPr lang="en-US" dirty="0" smtClean="0"/>
+              <a:t>Split one method into many</a:t>
+            </a:r>
+          </a:p>
+          <a:p>
+            <a:pPr lvl="1"/>
+            <a:r>
+              <a:rPr lang="en-US" dirty="0" smtClean="0"/>
+              <a:t>Create helper class: </a:t>
+            </a:r>
+            <a:r>
+              <a:rPr lang="en-US" dirty="0" err="1" smtClean="0"/>
+              <a:t>XXXContext</a:t>
+            </a:r>
+            <a:endParaRPr lang="en-US" dirty="0"/>
           </a:p>
         </p:txBody>
       </p:sp>
@@ -10592,6 +10658,398 @@
     </p:spTree>
     <p:extLst>
       <p:ext uri="{BB962C8B-B14F-4D97-AF65-F5344CB8AC3E}">
+        <p14:creationId xmlns:p14="http://schemas.microsoft.com/office/powerpoint/2010/main" val="1573037011"/>
+      </p:ext>
+    </p:extLst>
+  </p:cSld>
+  <p:clrMapOvr>
+    <a:masterClrMapping/>
+  </p:clrMapOvr>
+</p:sld>
+</file>
+
+<file path=ppt/slides/slide6.xml><?xml version="1.0" encoding="utf-8"?>
+<p:sld xmlns:a="http://schemas.openxmlformats.org/drawingml/2006/main" xmlns:r="http://schemas.openxmlformats.org/officeDocument/2006/relationships" xmlns:p="http://schemas.openxmlformats.org/presentationml/2006/main">
+  <p:cSld>
+    <p:spTree>
+      <p:nvGrpSpPr>
+        <p:cNvPr id="1" name=""/>
+        <p:cNvGrpSpPr/>
+        <p:nvPr/>
+      </p:nvGrpSpPr>
+      <p:grpSpPr>
+        <a:xfrm>
+          <a:off x="0" y="0"/>
+          <a:ext cx="0" cy="0"/>
+          <a:chOff x="0" y="0"/>
+          <a:chExt cx="0" cy="0"/>
+        </a:xfrm>
+      </p:grpSpPr>
+      <p:sp>
+        <p:nvSpPr>
+          <p:cNvPr id="2" name="Title 1"/>
+          <p:cNvSpPr>
+            <a:spLocks noGrp="1"/>
+          </p:cNvSpPr>
+          <p:nvPr>
+            <p:ph type="title"/>
+          </p:nvPr>
+        </p:nvSpPr>
+        <p:spPr/>
+        <p:txBody>
+          <a:bodyPr/>
+          <a:lstStyle/>
+          <a:p>
+            <a:r>
+              <a:rPr lang="en-US" dirty="0" smtClean="0"/>
+              <a:t>Interceptor</a:t>
+            </a:r>
+            <a:endParaRPr lang="en-US" dirty="0"/>
+          </a:p>
+        </p:txBody>
+      </p:sp>
+      <p:sp>
+        <p:nvSpPr>
+          <p:cNvPr id="3" name="Content Placeholder 2"/>
+          <p:cNvSpPr>
+            <a:spLocks noGrp="1"/>
+          </p:cNvSpPr>
+          <p:nvPr>
+            <p:ph idx="1"/>
+          </p:nvPr>
+        </p:nvSpPr>
+        <p:spPr>
+          <a:xfrm>
+            <a:off x="790574" y="1446213"/>
+            <a:ext cx="7597849" cy="4646612"/>
+          </a:xfrm>
+        </p:spPr>
+        <p:txBody>
+          <a:bodyPr>
+            <a:normAutofit fontScale="85000" lnSpcReduction="10000"/>
+          </a:bodyPr>
+          <a:lstStyle/>
+          <a:p>
+            <a:r>
+              <a:rPr lang="en-US" dirty="0" smtClean="0"/>
+              <a:t>com.gemalto.osmsr.service.v31.interceptors.WSIncomingInterceptor</a:t>
+            </a:r>
+          </a:p>
+          <a:p>
+            <a:pPr lvl="1"/>
+            <a:r>
+              <a:rPr lang="en-US" dirty="0" err="1" smtClean="0">
+                <a:solidFill>
+                  <a:srgbClr val="FF0000"/>
+                </a:solidFill>
+              </a:rPr>
+              <a:t>objectNames</a:t>
+            </a:r>
+            <a:endParaRPr lang="en-US" dirty="0" smtClean="0">
+              <a:solidFill>
+                <a:srgbClr val="FF0000"/>
+              </a:solidFill>
+            </a:endParaRPr>
+          </a:p>
+          <a:p>
+            <a:endParaRPr lang="en-US" dirty="0" smtClean="0">
+              <a:solidFill>
+                <a:srgbClr val="FF0000"/>
+              </a:solidFill>
+            </a:endParaRPr>
+          </a:p>
+          <a:p>
+            <a:r>
+              <a:rPr lang="en-US" strike="sngStrike" dirty="0" smtClean="0"/>
+              <a:t>com.gemalto.osmsr.component.ats.api.interceptor.AuditInterceptor</a:t>
+            </a:r>
+          </a:p>
+          <a:p>
+            <a:endParaRPr lang="en-US" dirty="0" smtClean="0"/>
+          </a:p>
+          <a:p>
+            <a:r>
+              <a:rPr lang="en-US" dirty="0" err="1" smtClean="0"/>
+              <a:t>com.gemalto.osmsr.core.interceptors.UseCaseFinishedInterceptor</a:t>
+            </a:r>
+            <a:endParaRPr lang="en-US" dirty="0" smtClean="0"/>
+          </a:p>
+          <a:p>
+            <a:pPr lvl="1"/>
+            <a:r>
+              <a:rPr lang="en-US" dirty="0" err="1" smtClean="0">
+                <a:solidFill>
+                  <a:srgbClr val="FF0000"/>
+                </a:solidFill>
+              </a:rPr>
+              <a:t>AbstractUseCasePerformInterceptor.objectNames</a:t>
+            </a:r>
+            <a:endParaRPr lang="en-US" dirty="0" smtClean="0">
+              <a:solidFill>
+                <a:srgbClr val="FF0000"/>
+              </a:solidFill>
+            </a:endParaRPr>
+          </a:p>
+          <a:p>
+            <a:pPr lvl="1"/>
+            <a:endParaRPr lang="en-US" dirty="0" smtClean="0"/>
+          </a:p>
+          <a:p>
+            <a:r>
+              <a:rPr lang="en-US" dirty="0" err="1" smtClean="0"/>
+              <a:t>com.gemalto.osmsr.core.interceptors.UseCaseStartedInterceptor</a:t>
+            </a:r>
+            <a:endParaRPr lang="en-US" dirty="0" smtClean="0"/>
+          </a:p>
+          <a:p>
+            <a:pPr lvl="1"/>
+            <a:r>
+              <a:rPr lang="en-US" dirty="0" err="1" smtClean="0">
+                <a:solidFill>
+                  <a:srgbClr val="FF0000"/>
+                </a:solidFill>
+              </a:rPr>
+              <a:t>AbstractUseCasePerformInterceptor.objectNames</a:t>
+            </a:r>
+            <a:endParaRPr lang="en-US" dirty="0" smtClean="0">
+              <a:solidFill>
+                <a:srgbClr val="FF0000"/>
+              </a:solidFill>
+            </a:endParaRPr>
+          </a:p>
+          <a:p>
+            <a:pPr lvl="1"/>
+            <a:endParaRPr lang="en-US" dirty="0" smtClean="0"/>
+          </a:p>
+          <a:p>
+            <a:r>
+              <a:rPr lang="en-US" dirty="0" smtClean="0"/>
+              <a:t>com.gemalto.osmsr.monitoring.interceptors.ProvisionCounterInterceptor</a:t>
+            </a:r>
+          </a:p>
+          <a:p>
+            <a:endParaRPr lang="en-US" dirty="0" smtClean="0"/>
+          </a:p>
+          <a:p>
+            <a:r>
+              <a:rPr lang="en-US" dirty="0" err="1" smtClean="0"/>
+              <a:t>com.gemalto.osmsr.monitoring.interceptors.WSOutgoingInterceptor</a:t>
+            </a:r>
+            <a:endParaRPr lang="en-US" dirty="0" smtClean="0"/>
+          </a:p>
+          <a:p>
+            <a:pPr lvl="1"/>
+            <a:r>
+              <a:rPr lang="en-US" dirty="0">
+                <a:solidFill>
+                  <a:srgbClr val="FF0000"/>
+                </a:solidFill>
+              </a:rPr>
+              <a:t>es3ObjectNames, es4ObjectNames, es4ExtObjectNames, es4EvoObjectNames</a:t>
+            </a:r>
+            <a:endParaRPr lang="en-US" dirty="0" smtClean="0">
+              <a:solidFill>
+                <a:srgbClr val="FF0000"/>
+              </a:solidFill>
+            </a:endParaRPr>
+          </a:p>
+          <a:p>
+            <a:endParaRPr lang="en-US" dirty="0"/>
+          </a:p>
+          <a:p>
+            <a:r>
+              <a:rPr lang="en-US" dirty="0" err="1"/>
+              <a:t>com.gemalto.common.tools.interceptor.ApiLoggerInterceptor</a:t>
+            </a:r>
+            <a:endParaRPr lang="en-US" dirty="0" smtClean="0"/>
+          </a:p>
+        </p:txBody>
+      </p:sp>
+      <p:sp>
+        <p:nvSpPr>
+          <p:cNvPr id="4" name="Slide Number Placeholder 3"/>
+          <p:cNvSpPr>
+            <a:spLocks noGrp="1"/>
+          </p:cNvSpPr>
+          <p:nvPr>
+            <p:ph type="sldNum" sz="quarter" idx="10"/>
+          </p:nvPr>
+        </p:nvSpPr>
+        <p:spPr/>
+        <p:txBody>
+          <a:bodyPr/>
+          <a:lstStyle/>
+          <a:p>
+            <a:pPr>
+              <a:defRPr/>
+            </a:pPr>
+            <a:fld id="{924122BF-7BF8-427C-B7B6-4209414200B1}" type="slidenum">
+              <a:rPr lang="en-US" smtClean="0"/>
+              <a:pPr>
+                <a:defRPr/>
+              </a:pPr>
+              <a:t>6</a:t>
+            </a:fld>
+            <a:endParaRPr lang="en-US"/>
+          </a:p>
+        </p:txBody>
+      </p:sp>
+      <p:sp>
+        <p:nvSpPr>
+          <p:cNvPr id="5" name="Footer Placeholder 4"/>
+          <p:cNvSpPr>
+            <a:spLocks noGrp="1"/>
+          </p:cNvSpPr>
+          <p:nvPr>
+            <p:ph type="ftr" sz="quarter" idx="11"/>
+          </p:nvPr>
+        </p:nvSpPr>
+        <p:spPr/>
+        <p:txBody>
+          <a:bodyPr/>
+          <a:lstStyle/>
+          <a:p>
+            <a:pPr>
+              <a:defRPr/>
+            </a:pPr>
+            <a:r>
+              <a:rPr lang="en-US" smtClean="0"/>
+              <a:t>Gemalto Private</a:t>
+            </a:r>
+            <a:endParaRPr lang="en-US"/>
+          </a:p>
+        </p:txBody>
+      </p:sp>
+    </p:spTree>
+    <p:extLst>
+      <p:ext uri="{BB962C8B-B14F-4D97-AF65-F5344CB8AC3E}">
+        <p14:creationId xmlns:p14="http://schemas.microsoft.com/office/powerpoint/2010/main" val="2199713593"/>
+      </p:ext>
+    </p:extLst>
+  </p:cSld>
+  <p:clrMapOvr>
+    <a:masterClrMapping/>
+  </p:clrMapOvr>
+</p:sld>
+</file>
+
+<file path=ppt/slides/slide7.xml><?xml version="1.0" encoding="utf-8"?>
+<p:sld xmlns:a="http://schemas.openxmlformats.org/drawingml/2006/main" xmlns:r="http://schemas.openxmlformats.org/officeDocument/2006/relationships" xmlns:p="http://schemas.openxmlformats.org/presentationml/2006/main">
+  <p:cSld>
+    <p:spTree>
+      <p:nvGrpSpPr>
+        <p:cNvPr id="1" name=""/>
+        <p:cNvGrpSpPr/>
+        <p:nvPr/>
+      </p:nvGrpSpPr>
+      <p:grpSpPr>
+        <a:xfrm>
+          <a:off x="0" y="0"/>
+          <a:ext cx="0" cy="0"/>
+          <a:chOff x="0" y="0"/>
+          <a:chExt cx="0" cy="0"/>
+        </a:xfrm>
+      </p:grpSpPr>
+      <p:sp>
+        <p:nvSpPr>
+          <p:cNvPr id="2" name="Title 1"/>
+          <p:cNvSpPr>
+            <a:spLocks noGrp="1"/>
+          </p:cNvSpPr>
+          <p:nvPr>
+            <p:ph type="title"/>
+          </p:nvPr>
+        </p:nvSpPr>
+        <p:spPr/>
+        <p:txBody>
+          <a:bodyPr/>
+          <a:lstStyle/>
+          <a:p>
+            <a:r>
+              <a:rPr lang="en-US" dirty="0" smtClean="0"/>
+              <a:t>MDC</a:t>
+            </a:r>
+            <a:endParaRPr lang="en-US" dirty="0"/>
+          </a:p>
+        </p:txBody>
+      </p:sp>
+      <p:sp>
+        <p:nvSpPr>
+          <p:cNvPr id="3" name="Content Placeholder 2"/>
+          <p:cNvSpPr>
+            <a:spLocks noGrp="1"/>
+          </p:cNvSpPr>
+          <p:nvPr>
+            <p:ph idx="1"/>
+          </p:nvPr>
+        </p:nvSpPr>
+        <p:spPr/>
+        <p:txBody>
+          <a:bodyPr/>
+          <a:lstStyle/>
+          <a:p>
+            <a:endParaRPr lang="en-US"/>
+          </a:p>
+        </p:txBody>
+      </p:sp>
+      <p:sp>
+        <p:nvSpPr>
+          <p:cNvPr id="4" name="Slide Number Placeholder 3"/>
+          <p:cNvSpPr>
+            <a:spLocks noGrp="1"/>
+          </p:cNvSpPr>
+          <p:nvPr>
+            <p:ph type="sldNum" sz="quarter" idx="10"/>
+          </p:nvPr>
+        </p:nvSpPr>
+        <p:spPr/>
+        <p:txBody>
+          <a:bodyPr/>
+          <a:lstStyle/>
+          <a:p>
+            <a:pPr>
+              <a:defRPr/>
+            </a:pPr>
+            <a:fld id="{924122BF-7BF8-427C-B7B6-4209414200B1}" type="slidenum">
+              <a:rPr lang="en-US" smtClean="0"/>
+              <a:pPr>
+                <a:defRPr/>
+              </a:pPr>
+              <a:t>7</a:t>
+            </a:fld>
+            <a:endParaRPr lang="en-US"/>
+          </a:p>
+        </p:txBody>
+      </p:sp>
+      <p:sp>
+        <p:nvSpPr>
+          <p:cNvPr id="5" name="Footer Placeholder 4"/>
+          <p:cNvSpPr>
+            <a:spLocks noGrp="1"/>
+          </p:cNvSpPr>
+          <p:nvPr>
+            <p:ph type="ftr" sz="quarter" idx="11"/>
+          </p:nvPr>
+        </p:nvSpPr>
+        <p:spPr/>
+        <p:txBody>
+          <a:bodyPr/>
+          <a:lstStyle/>
+          <a:p>
+            <a:pPr>
+              <a:defRPr/>
+            </a:pPr>
+            <a:r>
+              <a:rPr lang="en-US" smtClean="0"/>
+              <a:t>Gemalto Private</a:t>
+            </a:r>
+            <a:endParaRPr lang="en-US"/>
+          </a:p>
+        </p:txBody>
+      </p:sp>
+    </p:spTree>
+    <p:extLst>
+      <p:ext uri="{BB962C8B-B14F-4D97-AF65-F5344CB8AC3E}">
         <p14:creationId xmlns:p14="http://schemas.microsoft.com/office/powerpoint/2010/main" val="2934454010"/>
       </p:ext>
     </p:extLst>
@@ -10602,7 +11060,7 @@
 </p:sld>
 </file>
 
-<file path=ppt/slides/slide6.xml><?xml version="1.0" encoding="utf-8"?>
+<file path=ppt/slides/slide8.xml><?xml version="1.0" encoding="utf-8"?>
 <p:sld xmlns:a="http://schemas.openxmlformats.org/drawingml/2006/main" xmlns:r="http://schemas.openxmlformats.org/officeDocument/2006/relationships" xmlns:p="http://schemas.openxmlformats.org/presentationml/2006/main">
   <p:cSld>
     <p:spTree>
@@ -10871,7 +11329,7 @@
             <a:fld id="{65E5F03D-E4FB-4D20-ADDD-2FFC593848C5}" type="slidenum">
               <a:rPr lang="en-US" smtClean="0"/>
               <a:pPr/>
-              <a:t>6</a:t>
+              <a:t>8</a:t>
             </a:fld>
             <a:endParaRPr lang="en-US" smtClean="0"/>
           </a:p>

--- a/PPT/Code Review.pptx
+++ b/PPT/Code Review.pptx
@@ -5,10 +5,10 @@
     <p:sldMasterId id="2147483649" r:id="rId1"/>
   </p:sldMasterIdLst>
   <p:notesMasterIdLst>
-    <p:notesMasterId r:id="rId10"/>
+    <p:notesMasterId r:id="rId13"/>
   </p:notesMasterIdLst>
   <p:handoutMasterIdLst>
-    <p:handoutMasterId r:id="rId11"/>
+    <p:handoutMasterId r:id="rId14"/>
   </p:handoutMasterIdLst>
   <p:sldIdLst>
     <p:sldId id="1000" r:id="rId2"/>
@@ -18,7 +18,10 @@
     <p:sldId id="1485" r:id="rId6"/>
     <p:sldId id="1487" r:id="rId7"/>
     <p:sldId id="1486" r:id="rId8"/>
-    <p:sldId id="1477" r:id="rId9"/>
+    <p:sldId id="1489" r:id="rId9"/>
+    <p:sldId id="1490" r:id="rId10"/>
+    <p:sldId id="1491" r:id="rId11"/>
+    <p:sldId id="1477" r:id="rId12"/>
   </p:sldIdLst>
   <p:sldSz cx="9144000" cy="6858000" type="screen4x3"/>
   <p:notesSz cx="6888163" cy="10020300"/>
@@ -271,7 +274,7 @@
               <a:pPr>
                 <a:defRPr/>
               </a:pPr>
-              <a:t>1/23/2017</a:t>
+              <a:t>2/6/2017</a:t>
             </a:fld>
             <a:endParaRPr lang="en-GB"/>
           </a:p>
@@ -1037,44 +1040,861 @@
         </p:nvSpPr>
         <p:spPr/>
         <p:txBody>
-          <a:bodyPr>
-            <a:normAutofit fontScale="25000" lnSpcReduction="20000"/>
-          </a:bodyPr>
+          <a:bodyPr/>
           <a:lstStyle/>
           <a:p>
             <a:r>
-              <a:rPr lang="en-US" sz="1200" i="1" kern="1200" dirty="0" smtClean="0">
+              <a:rPr lang="en-US" dirty="0" smtClean="0"/>
+              <a:t>Maybe the reason: </a:t>
+            </a:r>
+          </a:p>
+          <a:p>
+            <a:r>
+              <a:rPr lang="en-US" dirty="0" smtClean="0"/>
+              <a:t>	After a block is executed all local variables defined inside the block is discarded, go out of scope</a:t>
+            </a:r>
+          </a:p>
+          <a:p>
+            <a:endParaRPr lang="en-US" dirty="0" smtClean="0"/>
+          </a:p>
+          <a:p>
+            <a:r>
+              <a:rPr lang="en-US" dirty="0" smtClean="0"/>
+              <a:t>Why</a:t>
+            </a:r>
+            <a:r>
+              <a:rPr lang="en-US" baseline="0" dirty="0" smtClean="0"/>
+              <a:t> not to extract the code block into one method:</a:t>
+            </a:r>
+          </a:p>
+          <a:p>
+            <a:r>
+              <a:rPr lang="en-US" baseline="0" dirty="0" smtClean="0"/>
+              <a:t>	</a:t>
+            </a:r>
+            <a:r>
+              <a:rPr lang="en-US" dirty="0" smtClean="0"/>
+              <a:t>The method will only be used once yet exposed to a wider audience, even if it is a private instance method.</a:t>
+            </a:r>
+          </a:p>
+          <a:p>
+            <a:r>
+              <a:rPr lang="en-US" dirty="0" smtClean="0"/>
+              <a:t>	It's harder to read, imagining a deeper more complex component tree, you'd have to drill down to find the code you're interested, and then loose visual context.</a:t>
+            </a:r>
+          </a:p>
+        </p:txBody>
+      </p:sp>
+      <p:sp>
+        <p:nvSpPr>
+          <p:cNvPr id="4" name="Slide Number Placeholder 3"/>
+          <p:cNvSpPr>
+            <a:spLocks noGrp="1"/>
+          </p:cNvSpPr>
+          <p:nvPr>
+            <p:ph type="sldNum" sz="quarter" idx="10"/>
+          </p:nvPr>
+        </p:nvSpPr>
+        <p:spPr/>
+        <p:txBody>
+          <a:bodyPr/>
+          <a:lstStyle/>
+          <a:p>
+            <a:pPr>
+              <a:defRPr/>
+            </a:pPr>
+            <a:fld id="{C291F52E-180F-4BF8-88D7-B3DDCEAB137E}" type="slidenum">
+              <a:rPr lang="fr-FR" smtClean="0"/>
+              <a:pPr>
+                <a:defRPr/>
+              </a:pPr>
+              <a:t>8</a:t>
+            </a:fld>
+            <a:endParaRPr lang="fr-FR"/>
+          </a:p>
+        </p:txBody>
+      </p:sp>
+    </p:spTree>
+    <p:extLst>
+      <p:ext uri="{BB962C8B-B14F-4D97-AF65-F5344CB8AC3E}">
+        <p14:creationId xmlns:p14="http://schemas.microsoft.com/office/powerpoint/2010/main" val="3375477744"/>
+      </p:ext>
+    </p:extLst>
+  </p:cSld>
+  <p:clrMapOvr>
+    <a:masterClrMapping/>
+  </p:clrMapOvr>
+</p:notes>
+</file>
+
+<file path=ppt/notesSlides/notesSlide4.xml><?xml version="1.0" encoding="utf-8"?>
+<p:notes xmlns:a="http://schemas.openxmlformats.org/drawingml/2006/main" xmlns:r="http://schemas.openxmlformats.org/officeDocument/2006/relationships" xmlns:p="http://schemas.openxmlformats.org/presentationml/2006/main">
+  <p:cSld>
+    <p:spTree>
+      <p:nvGrpSpPr>
+        <p:cNvPr id="1" name=""/>
+        <p:cNvGrpSpPr/>
+        <p:nvPr/>
+      </p:nvGrpSpPr>
+      <p:grpSpPr>
+        <a:xfrm>
+          <a:off x="0" y="0"/>
+          <a:ext cx="0" cy="0"/>
+          <a:chOff x="0" y="0"/>
+          <a:chExt cx="0" cy="0"/>
+        </a:xfrm>
+      </p:grpSpPr>
+      <p:sp>
+        <p:nvSpPr>
+          <p:cNvPr id="2" name="Slide Image Placeholder 1"/>
+          <p:cNvSpPr>
+            <a:spLocks noGrp="1" noRot="1" noChangeAspect="1"/>
+          </p:cNvSpPr>
+          <p:nvPr>
+            <p:ph type="sldImg"/>
+          </p:nvPr>
+        </p:nvSpPr>
+        <p:spPr/>
+      </p:sp>
+      <p:sp>
+        <p:nvSpPr>
+          <p:cNvPr id="3" name="Notes Placeholder 2"/>
+          <p:cNvSpPr>
+            <a:spLocks noGrp="1"/>
+          </p:cNvSpPr>
+          <p:nvPr>
+            <p:ph type="body" idx="1"/>
+          </p:nvPr>
+        </p:nvSpPr>
+        <p:spPr/>
+        <p:txBody>
+          <a:bodyPr/>
+          <a:lstStyle/>
+          <a:p>
+            <a:r>
+              <a:rPr lang="en-US" sz="1200" kern="1200" dirty="0" smtClean="0">
                 <a:solidFill>
                   <a:schemeClr val="tx1"/>
                 </a:solidFill>
+                <a:effectLst/>
                 <a:latin typeface="Arial" charset="0"/>
                 <a:ea typeface="+mn-ea"/>
                 <a:cs typeface="+mn-cs"/>
               </a:rPr>
-              <a:t>      &lt;</a:t>
-            </a:r>
-            <a:r>
-              <a:rPr lang="en-US" sz="1200" i="1" kern="1200" dirty="0" err="1" smtClean="0">
+              <a:t>private static Map&lt;String, String&gt; </a:t>
+            </a:r>
+            <a:r>
+              <a:rPr lang="en-US" sz="1200" kern="1200" dirty="0" err="1" smtClean="0">
                 <a:solidFill>
                   <a:schemeClr val="tx1"/>
                 </a:solidFill>
+                <a:effectLst/>
                 <a:latin typeface="Arial" charset="0"/>
                 <a:ea typeface="+mn-ea"/>
                 <a:cs typeface="+mn-cs"/>
               </a:rPr>
-              <a:t>gsepml:ExecuteProvisioningSet</a:t>
-            </a:r>
-            <a:r>
-              <a:rPr lang="en-US" sz="1200" i="1" kern="1200" dirty="0" smtClean="0">
+              <a:t>parseSuccessLine</a:t>
+            </a:r>
+            <a:r>
+              <a:rPr lang="en-US" sz="1200" kern="1200" dirty="0" smtClean="0">
                 <a:solidFill>
                   <a:schemeClr val="tx1"/>
                 </a:solidFill>
+                <a:effectLst/>
                 <a:latin typeface="Arial" charset="0"/>
                 <a:ea typeface="+mn-ea"/>
                 <a:cs typeface="+mn-cs"/>
               </a:rPr>
-              <a:t>  </a:t>
-            </a:r>
+              <a:t>(final String </a:t>
+            </a:r>
+            <a:r>
+              <a:rPr lang="en-US" sz="1200" kern="1200" dirty="0" err="1" smtClean="0">
+                <a:solidFill>
+                  <a:schemeClr val="tx1"/>
+                </a:solidFill>
+                <a:effectLst/>
+                <a:latin typeface="Arial" charset="0"/>
+                <a:ea typeface="+mn-ea"/>
+                <a:cs typeface="+mn-cs"/>
+              </a:rPr>
+              <a:t>resultLine</a:t>
+            </a:r>
+            <a:r>
+              <a:rPr lang="en-US" sz="1200" kern="1200" dirty="0" smtClean="0">
+                <a:solidFill>
+                  <a:schemeClr val="tx1"/>
+                </a:solidFill>
+                <a:effectLst/>
+                <a:latin typeface="Arial" charset="0"/>
+                <a:ea typeface="+mn-ea"/>
+                <a:cs typeface="+mn-cs"/>
+              </a:rPr>
+              <a:t>) {</a:t>
+            </a:r>
+          </a:p>
+          <a:p>
+            <a:r>
+              <a:rPr lang="en-US" sz="1200" kern="1200" dirty="0" smtClean="0">
+                <a:solidFill>
+                  <a:schemeClr val="tx1"/>
+                </a:solidFill>
+                <a:effectLst/>
+                <a:latin typeface="Arial" charset="0"/>
+                <a:ea typeface="+mn-ea"/>
+                <a:cs typeface="+mn-cs"/>
+              </a:rPr>
+              <a:t>                String[] </a:t>
+            </a:r>
+            <a:r>
+              <a:rPr lang="en-US" sz="1200" kern="1200" dirty="0" err="1" smtClean="0">
+                <a:solidFill>
+                  <a:schemeClr val="tx1"/>
+                </a:solidFill>
+                <a:effectLst/>
+                <a:latin typeface="Arial" charset="0"/>
+                <a:ea typeface="+mn-ea"/>
+                <a:cs typeface="+mn-cs"/>
+              </a:rPr>
+              <a:t>result_labels</a:t>
+            </a:r>
+            <a:r>
+              <a:rPr lang="en-US" sz="1200" kern="1200" dirty="0" smtClean="0">
+                <a:solidFill>
+                  <a:schemeClr val="tx1"/>
+                </a:solidFill>
+                <a:effectLst/>
+                <a:latin typeface="Arial" charset="0"/>
+                <a:ea typeface="+mn-ea"/>
+                <a:cs typeface="+mn-cs"/>
+              </a:rPr>
+              <a:t> = {RESULT_REPORTINFO, RESULT_VOLUMES, RESULT_ORIGINATOR_OID, RESULT_DESCRIPTION};</a:t>
+            </a:r>
+          </a:p>
+          <a:p>
+            <a:r>
+              <a:rPr lang="en-US" sz="1200" kern="1200" dirty="0" smtClean="0">
+                <a:solidFill>
+                  <a:schemeClr val="tx1"/>
+                </a:solidFill>
+                <a:effectLst/>
+                <a:latin typeface="Arial" charset="0"/>
+                <a:ea typeface="+mn-ea"/>
+                <a:cs typeface="+mn-cs"/>
+              </a:rPr>
+              <a:t>                final String[] </a:t>
+            </a:r>
+            <a:r>
+              <a:rPr lang="en-US" sz="1200" kern="1200" dirty="0" err="1" smtClean="0">
+                <a:solidFill>
+                  <a:schemeClr val="tx1"/>
+                </a:solidFill>
+                <a:effectLst/>
+                <a:latin typeface="Arial" charset="0"/>
+                <a:ea typeface="+mn-ea"/>
+                <a:cs typeface="+mn-cs"/>
+              </a:rPr>
+              <a:t>resultSet</a:t>
+            </a:r>
+            <a:r>
+              <a:rPr lang="en-US" sz="1200" kern="1200" dirty="0" smtClean="0">
+                <a:solidFill>
+                  <a:schemeClr val="tx1"/>
+                </a:solidFill>
+                <a:effectLst/>
+                <a:latin typeface="Arial" charset="0"/>
+                <a:ea typeface="+mn-ea"/>
+                <a:cs typeface="+mn-cs"/>
+              </a:rPr>
+              <a:t> = </a:t>
+            </a:r>
+            <a:r>
+              <a:rPr lang="en-US" sz="1200" kern="1200" dirty="0" err="1" smtClean="0">
+                <a:solidFill>
+                  <a:schemeClr val="tx1"/>
+                </a:solidFill>
+                <a:effectLst/>
+                <a:latin typeface="Arial" charset="0"/>
+                <a:ea typeface="+mn-ea"/>
+                <a:cs typeface="+mn-cs"/>
+              </a:rPr>
+              <a:t>StringUtil.parseStringArray</a:t>
+            </a:r>
+            <a:r>
+              <a:rPr lang="en-US" sz="1200" kern="1200" dirty="0" smtClean="0">
+                <a:solidFill>
+                  <a:schemeClr val="tx1"/>
+                </a:solidFill>
+                <a:effectLst/>
+                <a:latin typeface="Arial" charset="0"/>
+                <a:ea typeface="+mn-ea"/>
+                <a:cs typeface="+mn-cs"/>
+              </a:rPr>
+              <a:t>(</a:t>
+            </a:r>
+            <a:r>
+              <a:rPr lang="en-US" sz="1200" kern="1200" dirty="0" err="1" smtClean="0">
+                <a:solidFill>
+                  <a:schemeClr val="tx1"/>
+                </a:solidFill>
+                <a:effectLst/>
+                <a:latin typeface="Arial" charset="0"/>
+                <a:ea typeface="+mn-ea"/>
+                <a:cs typeface="+mn-cs"/>
+              </a:rPr>
+              <a:t>resultLine</a:t>
+            </a:r>
+            <a:r>
+              <a:rPr lang="en-US" sz="1200" kern="1200" dirty="0" smtClean="0">
+                <a:solidFill>
+                  <a:schemeClr val="tx1"/>
+                </a:solidFill>
+                <a:effectLst/>
+                <a:latin typeface="Arial" charset="0"/>
+                <a:ea typeface="+mn-ea"/>
+                <a:cs typeface="+mn-cs"/>
+              </a:rPr>
+              <a:t>, </a:t>
+            </a:r>
+            <a:r>
+              <a:rPr lang="en-US" sz="1200" kern="1200" dirty="0" err="1" smtClean="0">
+                <a:solidFill>
+                  <a:schemeClr val="tx1"/>
+                </a:solidFill>
+                <a:effectLst/>
+                <a:latin typeface="Arial" charset="0"/>
+                <a:ea typeface="+mn-ea"/>
+                <a:cs typeface="+mn-cs"/>
+              </a:rPr>
+              <a:t>result_labels.length</a:t>
+            </a:r>
+            <a:r>
+              <a:rPr lang="en-US" sz="1200" kern="1200" dirty="0" smtClean="0">
+                <a:solidFill>
+                  <a:schemeClr val="tx1"/>
+                </a:solidFill>
+                <a:effectLst/>
+                <a:latin typeface="Arial" charset="0"/>
+                <a:ea typeface="+mn-ea"/>
+                <a:cs typeface="+mn-cs"/>
+              </a:rPr>
+              <a:t>);</a:t>
+            </a:r>
+          </a:p>
+          <a:p>
+            <a:r>
+              <a:rPr lang="en-US" sz="1200" kern="1200" dirty="0" smtClean="0">
+                <a:solidFill>
+                  <a:schemeClr val="tx1"/>
+                </a:solidFill>
+                <a:effectLst/>
+                <a:latin typeface="Arial" charset="0"/>
+                <a:ea typeface="+mn-ea"/>
+                <a:cs typeface="+mn-cs"/>
+              </a:rPr>
+              <a:t>                final Map&lt;String, String&gt; </a:t>
+            </a:r>
+            <a:r>
+              <a:rPr lang="en-US" sz="1200" kern="1200" dirty="0" err="1" smtClean="0">
+                <a:solidFill>
+                  <a:schemeClr val="tx1"/>
+                </a:solidFill>
+                <a:effectLst/>
+                <a:latin typeface="Arial" charset="0"/>
+                <a:ea typeface="+mn-ea"/>
+                <a:cs typeface="+mn-cs"/>
+              </a:rPr>
+              <a:t>resultMap</a:t>
+            </a:r>
+            <a:r>
+              <a:rPr lang="en-US" sz="1200" kern="1200" dirty="0" smtClean="0">
+                <a:solidFill>
+                  <a:schemeClr val="tx1"/>
+                </a:solidFill>
+                <a:effectLst/>
+                <a:latin typeface="Arial" charset="0"/>
+                <a:ea typeface="+mn-ea"/>
+                <a:cs typeface="+mn-cs"/>
+              </a:rPr>
+              <a:t> = new </a:t>
+            </a:r>
+            <a:r>
+              <a:rPr lang="en-US" sz="1200" kern="1200" dirty="0" err="1" smtClean="0">
+                <a:solidFill>
+                  <a:schemeClr val="tx1"/>
+                </a:solidFill>
+                <a:effectLst/>
+                <a:latin typeface="Arial" charset="0"/>
+                <a:ea typeface="+mn-ea"/>
+                <a:cs typeface="+mn-cs"/>
+              </a:rPr>
+              <a:t>HashMap</a:t>
+            </a:r>
+            <a:r>
+              <a:rPr lang="en-US" sz="1200" kern="1200" dirty="0" smtClean="0">
+                <a:solidFill>
+                  <a:schemeClr val="tx1"/>
+                </a:solidFill>
+                <a:effectLst/>
+                <a:latin typeface="Arial" charset="0"/>
+                <a:ea typeface="+mn-ea"/>
+                <a:cs typeface="+mn-cs"/>
+              </a:rPr>
+              <a:t>&lt;String, String&gt;();</a:t>
+            </a:r>
+          </a:p>
+          <a:p>
+            <a:r>
+              <a:rPr lang="en-US" sz="1200" kern="1200" dirty="0" smtClean="0">
+                <a:solidFill>
+                  <a:schemeClr val="tx1"/>
+                </a:solidFill>
+                <a:effectLst/>
+                <a:latin typeface="Arial" charset="0"/>
+                <a:ea typeface="+mn-ea"/>
+                <a:cs typeface="+mn-cs"/>
+              </a:rPr>
+              <a:t>                </a:t>
+            </a:r>
+          </a:p>
+          <a:p>
+            <a:r>
+              <a:rPr lang="en-US" sz="1200" kern="1200" dirty="0" smtClean="0">
+                <a:solidFill>
+                  <a:schemeClr val="tx1"/>
+                </a:solidFill>
+                <a:effectLst/>
+                <a:latin typeface="Arial" charset="0"/>
+                <a:ea typeface="+mn-ea"/>
+                <a:cs typeface="+mn-cs"/>
+              </a:rPr>
+              <a:t>                for (</a:t>
+            </a:r>
+            <a:r>
+              <a:rPr lang="en-US" sz="1200" kern="1200" dirty="0" err="1" smtClean="0">
+                <a:solidFill>
+                  <a:schemeClr val="tx1"/>
+                </a:solidFill>
+                <a:effectLst/>
+                <a:latin typeface="Arial" charset="0"/>
+                <a:ea typeface="+mn-ea"/>
+                <a:cs typeface="+mn-cs"/>
+              </a:rPr>
+              <a:t>int</a:t>
+            </a:r>
+            <a:r>
+              <a:rPr lang="en-US" sz="1200" kern="1200" dirty="0" smtClean="0">
+                <a:solidFill>
+                  <a:schemeClr val="tx1"/>
+                </a:solidFill>
+                <a:effectLst/>
+                <a:latin typeface="Arial" charset="0"/>
+                <a:ea typeface="+mn-ea"/>
+                <a:cs typeface="+mn-cs"/>
+              </a:rPr>
+              <a:t> </a:t>
+            </a:r>
+            <a:r>
+              <a:rPr lang="en-US" sz="1200" kern="1200" dirty="0" err="1" smtClean="0">
+                <a:solidFill>
+                  <a:schemeClr val="tx1"/>
+                </a:solidFill>
+                <a:effectLst/>
+                <a:latin typeface="Arial" charset="0"/>
+                <a:ea typeface="+mn-ea"/>
+                <a:cs typeface="+mn-cs"/>
+              </a:rPr>
+              <a:t>i</a:t>
+            </a:r>
+            <a:r>
+              <a:rPr lang="en-US" sz="1200" kern="1200" dirty="0" smtClean="0">
+                <a:solidFill>
+                  <a:schemeClr val="tx1"/>
+                </a:solidFill>
+                <a:effectLst/>
+                <a:latin typeface="Arial" charset="0"/>
+                <a:ea typeface="+mn-ea"/>
+                <a:cs typeface="+mn-cs"/>
+              </a:rPr>
+              <a:t>=0; </a:t>
+            </a:r>
+            <a:r>
+              <a:rPr lang="en-US" sz="1200" kern="1200" dirty="0" err="1" smtClean="0">
+                <a:solidFill>
+                  <a:schemeClr val="tx1"/>
+                </a:solidFill>
+                <a:effectLst/>
+                <a:latin typeface="Arial" charset="0"/>
+                <a:ea typeface="+mn-ea"/>
+                <a:cs typeface="+mn-cs"/>
+              </a:rPr>
+              <a:t>i</a:t>
+            </a:r>
+            <a:r>
+              <a:rPr lang="en-US" sz="1200" kern="1200" dirty="0" smtClean="0">
+                <a:solidFill>
+                  <a:schemeClr val="tx1"/>
+                </a:solidFill>
+                <a:effectLst/>
+                <a:latin typeface="Arial" charset="0"/>
+                <a:ea typeface="+mn-ea"/>
+                <a:cs typeface="+mn-cs"/>
+              </a:rPr>
+              <a:t>&lt;</a:t>
+            </a:r>
+            <a:r>
+              <a:rPr lang="en-US" sz="1200" kern="1200" dirty="0" err="1" smtClean="0">
+                <a:solidFill>
+                  <a:schemeClr val="tx1"/>
+                </a:solidFill>
+                <a:effectLst/>
+                <a:latin typeface="Arial" charset="0"/>
+                <a:ea typeface="+mn-ea"/>
+                <a:cs typeface="+mn-cs"/>
+              </a:rPr>
+              <a:t>result_labels.length</a:t>
+            </a:r>
+            <a:r>
+              <a:rPr lang="en-US" sz="1200" kern="1200" dirty="0" smtClean="0">
+                <a:solidFill>
+                  <a:schemeClr val="tx1"/>
+                </a:solidFill>
+                <a:effectLst/>
+                <a:latin typeface="Arial" charset="0"/>
+                <a:ea typeface="+mn-ea"/>
+                <a:cs typeface="+mn-cs"/>
+              </a:rPr>
+              <a:t>; </a:t>
+            </a:r>
+            <a:r>
+              <a:rPr lang="en-US" sz="1200" kern="1200" dirty="0" err="1" smtClean="0">
+                <a:solidFill>
+                  <a:schemeClr val="tx1"/>
+                </a:solidFill>
+                <a:effectLst/>
+                <a:latin typeface="Arial" charset="0"/>
+                <a:ea typeface="+mn-ea"/>
+                <a:cs typeface="+mn-cs"/>
+              </a:rPr>
+              <a:t>i</a:t>
+            </a:r>
+            <a:r>
+              <a:rPr lang="en-US" sz="1200" kern="1200" dirty="0" smtClean="0">
+                <a:solidFill>
+                  <a:schemeClr val="tx1"/>
+                </a:solidFill>
+                <a:effectLst/>
+                <a:latin typeface="Arial" charset="0"/>
+                <a:ea typeface="+mn-ea"/>
+                <a:cs typeface="+mn-cs"/>
+              </a:rPr>
+              <a:t>++) {</a:t>
+            </a:r>
+          </a:p>
+          <a:p>
+            <a:r>
+              <a:rPr lang="en-US" sz="1200" kern="1200" dirty="0" smtClean="0">
+                <a:solidFill>
+                  <a:schemeClr val="tx1"/>
+                </a:solidFill>
+                <a:effectLst/>
+                <a:latin typeface="Arial" charset="0"/>
+                <a:ea typeface="+mn-ea"/>
+                <a:cs typeface="+mn-cs"/>
+              </a:rPr>
+              <a:t>                                </a:t>
+            </a:r>
+            <a:r>
+              <a:rPr lang="en-US" sz="1200" kern="1200" dirty="0" err="1" smtClean="0">
+                <a:solidFill>
+                  <a:schemeClr val="tx1"/>
+                </a:solidFill>
+                <a:effectLst/>
+                <a:latin typeface="Arial" charset="0"/>
+                <a:ea typeface="+mn-ea"/>
+                <a:cs typeface="+mn-cs"/>
+              </a:rPr>
+              <a:t>resultMap.put</a:t>
+            </a:r>
+            <a:r>
+              <a:rPr lang="en-US" sz="1200" kern="1200" dirty="0" smtClean="0">
+                <a:solidFill>
+                  <a:schemeClr val="tx1"/>
+                </a:solidFill>
+                <a:effectLst/>
+                <a:latin typeface="Arial" charset="0"/>
+                <a:ea typeface="+mn-ea"/>
+                <a:cs typeface="+mn-cs"/>
+              </a:rPr>
+              <a:t>(</a:t>
+            </a:r>
+            <a:r>
+              <a:rPr lang="en-US" sz="1200" kern="1200" dirty="0" err="1" smtClean="0">
+                <a:solidFill>
+                  <a:schemeClr val="tx1"/>
+                </a:solidFill>
+                <a:effectLst/>
+                <a:latin typeface="Arial" charset="0"/>
+                <a:ea typeface="+mn-ea"/>
+                <a:cs typeface="+mn-cs"/>
+              </a:rPr>
+              <a:t>result_labels</a:t>
+            </a:r>
+            <a:r>
+              <a:rPr lang="en-US" sz="1200" kern="1200" dirty="0" smtClean="0">
+                <a:solidFill>
+                  <a:schemeClr val="tx1"/>
+                </a:solidFill>
+                <a:effectLst/>
+                <a:latin typeface="Arial" charset="0"/>
+                <a:ea typeface="+mn-ea"/>
+                <a:cs typeface="+mn-cs"/>
+              </a:rPr>
+              <a:t>[</a:t>
+            </a:r>
+            <a:r>
+              <a:rPr lang="en-US" sz="1200" kern="1200" dirty="0" err="1" smtClean="0">
+                <a:solidFill>
+                  <a:schemeClr val="tx1"/>
+                </a:solidFill>
+                <a:effectLst/>
+                <a:latin typeface="Arial" charset="0"/>
+                <a:ea typeface="+mn-ea"/>
+                <a:cs typeface="+mn-cs"/>
+              </a:rPr>
+              <a:t>i</a:t>
+            </a:r>
+            <a:r>
+              <a:rPr lang="en-US" sz="1200" kern="1200" dirty="0" smtClean="0">
+                <a:solidFill>
+                  <a:schemeClr val="tx1"/>
+                </a:solidFill>
+                <a:effectLst/>
+                <a:latin typeface="Arial" charset="0"/>
+                <a:ea typeface="+mn-ea"/>
+                <a:cs typeface="+mn-cs"/>
+              </a:rPr>
+              <a:t>], </a:t>
+            </a:r>
+            <a:r>
+              <a:rPr lang="en-US" sz="1200" kern="1200" dirty="0" err="1" smtClean="0">
+                <a:solidFill>
+                  <a:schemeClr val="tx1"/>
+                </a:solidFill>
+                <a:effectLst/>
+                <a:latin typeface="Arial" charset="0"/>
+                <a:ea typeface="+mn-ea"/>
+                <a:cs typeface="+mn-cs"/>
+              </a:rPr>
+              <a:t>resultSet</a:t>
+            </a:r>
+            <a:r>
+              <a:rPr lang="en-US" sz="1200" kern="1200" dirty="0" smtClean="0">
+                <a:solidFill>
+                  <a:schemeClr val="tx1"/>
+                </a:solidFill>
+                <a:effectLst/>
+                <a:latin typeface="Arial" charset="0"/>
+                <a:ea typeface="+mn-ea"/>
+                <a:cs typeface="+mn-cs"/>
+              </a:rPr>
+              <a:t>[</a:t>
+            </a:r>
+            <a:r>
+              <a:rPr lang="en-US" sz="1200" kern="1200" dirty="0" err="1" smtClean="0">
+                <a:solidFill>
+                  <a:schemeClr val="tx1"/>
+                </a:solidFill>
+                <a:effectLst/>
+                <a:latin typeface="Arial" charset="0"/>
+                <a:ea typeface="+mn-ea"/>
+                <a:cs typeface="+mn-cs"/>
+              </a:rPr>
+              <a:t>i</a:t>
+            </a:r>
+            <a:r>
+              <a:rPr lang="en-US" sz="1200" kern="1200" dirty="0" smtClean="0">
+                <a:solidFill>
+                  <a:schemeClr val="tx1"/>
+                </a:solidFill>
+                <a:effectLst/>
+                <a:latin typeface="Arial" charset="0"/>
+                <a:ea typeface="+mn-ea"/>
+                <a:cs typeface="+mn-cs"/>
+              </a:rPr>
+              <a:t>]);</a:t>
+            </a:r>
+          </a:p>
+          <a:p>
+            <a:r>
+              <a:rPr lang="en-US" sz="1200" kern="1200" dirty="0" smtClean="0">
+                <a:solidFill>
+                  <a:schemeClr val="tx1"/>
+                </a:solidFill>
+                <a:effectLst/>
+                <a:latin typeface="Arial" charset="0"/>
+                <a:ea typeface="+mn-ea"/>
+                <a:cs typeface="+mn-cs"/>
+              </a:rPr>
+              <a:t>                }</a:t>
+            </a:r>
+          </a:p>
+          <a:p>
+            <a:r>
+              <a:rPr lang="en-US" sz="1200" kern="1200" dirty="0" smtClean="0">
+                <a:solidFill>
+                  <a:schemeClr val="tx1"/>
+                </a:solidFill>
+                <a:effectLst/>
+                <a:latin typeface="Arial" charset="0"/>
+                <a:ea typeface="+mn-ea"/>
+                <a:cs typeface="+mn-cs"/>
+              </a:rPr>
+              <a:t>                </a:t>
+            </a:r>
+          </a:p>
+          <a:p>
+            <a:r>
+              <a:rPr lang="en-US" sz="1200" kern="1200" dirty="0" smtClean="0">
+                <a:solidFill>
+                  <a:schemeClr val="tx1"/>
+                </a:solidFill>
+                <a:effectLst/>
+                <a:latin typeface="Arial" charset="0"/>
+                <a:ea typeface="+mn-ea"/>
+                <a:cs typeface="+mn-cs"/>
+              </a:rPr>
+              <a:t>                return </a:t>
+            </a:r>
+            <a:r>
+              <a:rPr lang="en-US" sz="1200" kern="1200" dirty="0" err="1" smtClean="0">
+                <a:solidFill>
+                  <a:schemeClr val="tx1"/>
+                </a:solidFill>
+                <a:effectLst/>
+                <a:latin typeface="Arial" charset="0"/>
+                <a:ea typeface="+mn-ea"/>
+                <a:cs typeface="+mn-cs"/>
+              </a:rPr>
+              <a:t>resultMap</a:t>
+            </a:r>
+            <a:r>
+              <a:rPr lang="en-US" sz="1200" kern="1200" dirty="0" smtClean="0">
+                <a:solidFill>
+                  <a:schemeClr val="tx1"/>
+                </a:solidFill>
+                <a:effectLst/>
+                <a:latin typeface="Arial" charset="0"/>
+                <a:ea typeface="+mn-ea"/>
+                <a:cs typeface="+mn-cs"/>
+              </a:rPr>
+              <a:t>;</a:t>
+            </a:r>
+          </a:p>
+          <a:p>
+            <a:r>
+              <a:rPr lang="en-US" sz="1200" kern="1200" dirty="0" smtClean="0">
+                <a:solidFill>
+                  <a:schemeClr val="tx1"/>
+                </a:solidFill>
+                <a:effectLst/>
+                <a:latin typeface="Arial" charset="0"/>
+                <a:ea typeface="+mn-ea"/>
+                <a:cs typeface="+mn-cs"/>
+              </a:rPr>
+              <a:t>}</a:t>
+            </a:r>
+            <a:endParaRPr lang="en-US" dirty="0"/>
+          </a:p>
+        </p:txBody>
+      </p:sp>
+      <p:sp>
+        <p:nvSpPr>
+          <p:cNvPr id="4" name="Slide Number Placeholder 3"/>
+          <p:cNvSpPr>
+            <a:spLocks noGrp="1"/>
+          </p:cNvSpPr>
+          <p:nvPr>
+            <p:ph type="sldNum" sz="quarter" idx="10"/>
+          </p:nvPr>
+        </p:nvSpPr>
+        <p:spPr/>
+        <p:txBody>
+          <a:bodyPr/>
+          <a:lstStyle/>
+          <a:p>
+            <a:pPr>
+              <a:defRPr/>
+            </a:pPr>
+            <a:fld id="{C291F52E-180F-4BF8-88D7-B3DDCEAB137E}" type="slidenum">
+              <a:rPr lang="fr-FR" smtClean="0"/>
+              <a:pPr>
+                <a:defRPr/>
+              </a:pPr>
+              <a:t>9</a:t>
+            </a:fld>
+            <a:endParaRPr lang="fr-FR"/>
+          </a:p>
+        </p:txBody>
+      </p:sp>
+    </p:spTree>
+    <p:extLst>
+      <p:ext uri="{BB962C8B-B14F-4D97-AF65-F5344CB8AC3E}">
+        <p14:creationId xmlns:p14="http://schemas.microsoft.com/office/powerpoint/2010/main" val="2022824539"/>
+      </p:ext>
+    </p:extLst>
+  </p:cSld>
+  <p:clrMapOvr>
+    <a:masterClrMapping/>
+  </p:clrMapOvr>
+</p:notes>
+</file>
+
+<file path=ppt/notesSlides/notesSlide5.xml><?xml version="1.0" encoding="utf-8"?>
+<p:notes xmlns:a="http://schemas.openxmlformats.org/drawingml/2006/main" xmlns:r="http://schemas.openxmlformats.org/officeDocument/2006/relationships" xmlns:p="http://schemas.openxmlformats.org/presentationml/2006/main">
+  <p:cSld>
+    <p:spTree>
+      <p:nvGrpSpPr>
+        <p:cNvPr id="1" name=""/>
+        <p:cNvGrpSpPr/>
+        <p:nvPr/>
+      </p:nvGrpSpPr>
+      <p:grpSpPr>
+        <a:xfrm>
+          <a:off x="0" y="0"/>
+          <a:ext cx="0" cy="0"/>
+          <a:chOff x="0" y="0"/>
+          <a:chExt cx="0" cy="0"/>
+        </a:xfrm>
+      </p:grpSpPr>
+      <p:sp>
+        <p:nvSpPr>
+          <p:cNvPr id="2" name="Slide Image Placeholder 1"/>
+          <p:cNvSpPr>
+            <a:spLocks noGrp="1" noRot="1" noChangeAspect="1"/>
+          </p:cNvSpPr>
+          <p:nvPr>
+            <p:ph type="sldImg"/>
+          </p:nvPr>
+        </p:nvSpPr>
+        <p:spPr/>
+      </p:sp>
+      <p:sp>
+        <p:nvSpPr>
+          <p:cNvPr id="3" name="Notes Placeholder 2"/>
+          <p:cNvSpPr>
+            <a:spLocks noGrp="1"/>
+          </p:cNvSpPr>
+          <p:nvPr>
+            <p:ph type="body" idx="1"/>
+          </p:nvPr>
+        </p:nvSpPr>
+        <p:spPr/>
+        <p:txBody>
+          <a:bodyPr>
+            <a:normAutofit/>
+          </a:bodyPr>
+          <a:lstStyle/>
+          <a:p>
             <a:endParaRPr lang="fr-FR" sz="1200" i="1" kern="1200" dirty="0" smtClean="0">
               <a:solidFill>
                 <a:schemeClr val="tx1"/>
@@ -1084,5245 +1904,6 @@
               <a:cs typeface="+mn-cs"/>
             </a:endParaRPr>
           </a:p>
-          <a:p>
-            <a:r>
-              <a:rPr lang="en-US" sz="1200" i="1" kern="1200" dirty="0" smtClean="0">
-                <a:solidFill>
-                  <a:schemeClr val="tx1"/>
-                </a:solidFill>
-                <a:latin typeface="Arial" charset="0"/>
-                <a:ea typeface="+mn-ea"/>
-                <a:cs typeface="+mn-cs"/>
-              </a:rPr>
-              <a:t>                  </a:t>
-            </a:r>
-            <a:r>
-              <a:rPr lang="en-US" sz="1200" i="1" kern="1200" dirty="0" err="1" smtClean="0">
-                <a:solidFill>
-                  <a:schemeClr val="tx1"/>
-                </a:solidFill>
-                <a:latin typeface="Arial" charset="0"/>
-                <a:ea typeface="+mn-ea"/>
-                <a:cs typeface="+mn-cs"/>
-              </a:rPr>
-              <a:t>xmlns:sps</a:t>
-            </a:r>
-            <a:r>
-              <a:rPr lang="en-US" sz="1200" i="1" kern="1200" dirty="0" smtClean="0">
-                <a:solidFill>
-                  <a:schemeClr val="tx1"/>
-                </a:solidFill>
-                <a:latin typeface="Arial" charset="0"/>
-                <a:ea typeface="+mn-ea"/>
-                <a:cs typeface="+mn-cs"/>
-              </a:rPr>
-              <a:t>="</a:t>
-            </a:r>
-            <a:r>
-              <a:rPr lang="en-US" sz="1200" i="1" u="sng" kern="1200" dirty="0" smtClean="0">
-                <a:solidFill>
-                  <a:schemeClr val="tx1"/>
-                </a:solidFill>
-                <a:latin typeface="Arial" charset="0"/>
-                <a:ea typeface="+mn-ea"/>
-                <a:cs typeface="+mn-cs"/>
-                <a:hlinkClick r:id="rId3"/>
-              </a:rPr>
-              <a:t>http://www.gemalto.com/schema/sps/v1</a:t>
-            </a:r>
-            <a:r>
-              <a:rPr lang="en-US" sz="1200" i="1" kern="1200" dirty="0" smtClean="0">
-                <a:solidFill>
-                  <a:schemeClr val="tx1"/>
-                </a:solidFill>
-                <a:latin typeface="Arial" charset="0"/>
-                <a:ea typeface="+mn-ea"/>
-                <a:cs typeface="+mn-cs"/>
-              </a:rPr>
-              <a:t>" </a:t>
-            </a:r>
-          </a:p>
-          <a:p>
-            <a:r>
-              <a:rPr lang="en-US" sz="1200" i="1" kern="1200" dirty="0" smtClean="0">
-                <a:solidFill>
-                  <a:schemeClr val="tx1"/>
-                </a:solidFill>
-                <a:latin typeface="Arial" charset="0"/>
-                <a:ea typeface="+mn-ea"/>
-                <a:cs typeface="+mn-cs"/>
-              </a:rPr>
-              <a:t>                  </a:t>
-            </a:r>
-            <a:r>
-              <a:rPr lang="en-US" sz="1200" i="1" kern="1200" dirty="0" err="1" smtClean="0">
-                <a:solidFill>
-                  <a:schemeClr val="tx1"/>
-                </a:solidFill>
-                <a:latin typeface="Arial" charset="0"/>
-                <a:ea typeface="+mn-ea"/>
-                <a:cs typeface="+mn-cs"/>
-              </a:rPr>
-              <a:t>xmlns:lpm</a:t>
-            </a:r>
-            <a:r>
-              <a:rPr lang="en-US" sz="1200" i="1" kern="1200" dirty="0" smtClean="0">
-                <a:solidFill>
-                  <a:schemeClr val="tx1"/>
-                </a:solidFill>
-                <a:latin typeface="Arial" charset="0"/>
-                <a:ea typeface="+mn-ea"/>
-                <a:cs typeface="+mn-cs"/>
-              </a:rPr>
-              <a:t>="</a:t>
-            </a:r>
-            <a:r>
-              <a:rPr lang="en-US" sz="1200" i="1" u="sng" kern="1200" dirty="0" smtClean="0">
-                <a:solidFill>
-                  <a:schemeClr val="tx1"/>
-                </a:solidFill>
-                <a:latin typeface="Arial" charset="0"/>
-                <a:ea typeface="+mn-ea"/>
-                <a:cs typeface="+mn-cs"/>
-                <a:hlinkClick r:id="rId4"/>
-              </a:rPr>
-              <a:t>http://www.gemalto.com/schema/pm</a:t>
-            </a:r>
-            <a:r>
-              <a:rPr lang="en-US" sz="1200" i="1" kern="1200" dirty="0" smtClean="0">
-                <a:solidFill>
-                  <a:schemeClr val="tx1"/>
-                </a:solidFill>
-                <a:latin typeface="Arial" charset="0"/>
-                <a:ea typeface="+mn-ea"/>
-                <a:cs typeface="+mn-cs"/>
-              </a:rPr>
-              <a:t>" </a:t>
-            </a:r>
-            <a:endParaRPr lang="fr-FR" sz="1200" i="1" kern="1200" dirty="0" smtClean="0">
-              <a:solidFill>
-                <a:schemeClr val="tx1"/>
-              </a:solidFill>
-              <a:latin typeface="Arial" charset="0"/>
-              <a:ea typeface="+mn-ea"/>
-              <a:cs typeface="+mn-cs"/>
-            </a:endParaRPr>
-          </a:p>
-          <a:p>
-            <a:r>
-              <a:rPr lang="en-US" sz="1200" i="1" kern="1200" dirty="0" smtClean="0">
-                <a:solidFill>
-                  <a:schemeClr val="tx1"/>
-                </a:solidFill>
-                <a:latin typeface="Arial" charset="0"/>
-                <a:ea typeface="+mn-ea"/>
-                <a:cs typeface="+mn-cs"/>
-              </a:rPr>
-              <a:t>                  </a:t>
-            </a:r>
-            <a:r>
-              <a:rPr lang="en-US" sz="1200" i="1" kern="1200" dirty="0" err="1" smtClean="0">
-                <a:solidFill>
-                  <a:schemeClr val="tx1"/>
-                </a:solidFill>
-                <a:latin typeface="Arial" charset="0"/>
-                <a:ea typeface="+mn-ea"/>
-                <a:cs typeface="+mn-cs"/>
-              </a:rPr>
-              <a:t>xmlns:xsi</a:t>
-            </a:r>
-            <a:r>
-              <a:rPr lang="en-US" sz="1200" i="1" kern="1200" dirty="0" smtClean="0">
-                <a:solidFill>
-                  <a:schemeClr val="tx1"/>
-                </a:solidFill>
-                <a:latin typeface="Arial" charset="0"/>
-                <a:ea typeface="+mn-ea"/>
-                <a:cs typeface="+mn-cs"/>
-              </a:rPr>
-              <a:t>="</a:t>
-            </a:r>
-            <a:r>
-              <a:rPr lang="en-US" sz="1200" i="1" u="sng" kern="1200" dirty="0" smtClean="0">
-                <a:solidFill>
-                  <a:schemeClr val="tx1"/>
-                </a:solidFill>
-                <a:latin typeface="Arial" charset="0"/>
-                <a:ea typeface="+mn-ea"/>
-                <a:cs typeface="+mn-cs"/>
-                <a:hlinkClick r:id="rId5"/>
-              </a:rPr>
-              <a:t>http://www.w3.org/2001/XMLSchema-instance</a:t>
-            </a:r>
-            <a:r>
-              <a:rPr lang="en-US" sz="1200" i="1" kern="1200" dirty="0" smtClean="0">
-                <a:solidFill>
-                  <a:schemeClr val="tx1"/>
-                </a:solidFill>
-                <a:latin typeface="Arial" charset="0"/>
-                <a:ea typeface="+mn-ea"/>
-                <a:cs typeface="+mn-cs"/>
-              </a:rPr>
-              <a:t>" </a:t>
-            </a:r>
-            <a:endParaRPr lang="fr-FR" sz="1200" i="1" kern="1200" dirty="0" smtClean="0">
-              <a:solidFill>
-                <a:schemeClr val="tx1"/>
-              </a:solidFill>
-              <a:latin typeface="Arial" charset="0"/>
-              <a:ea typeface="+mn-ea"/>
-              <a:cs typeface="+mn-cs"/>
-            </a:endParaRPr>
-          </a:p>
-          <a:p>
-            <a:r>
-              <a:rPr lang="en-US" sz="1200" i="1" kern="1200" dirty="0" smtClean="0">
-                <a:solidFill>
-                  <a:schemeClr val="tx1"/>
-                </a:solidFill>
-                <a:latin typeface="Arial" charset="0"/>
-                <a:ea typeface="+mn-ea"/>
-                <a:cs typeface="+mn-cs"/>
-              </a:rPr>
-              <a:t>                  </a:t>
-            </a:r>
-            <a:r>
-              <a:rPr lang="en-US" sz="1200" i="1" kern="1200" dirty="0" err="1" smtClean="0">
-                <a:solidFill>
-                  <a:schemeClr val="tx1"/>
-                </a:solidFill>
-                <a:latin typeface="Arial" charset="0"/>
-                <a:ea typeface="+mn-ea"/>
-                <a:cs typeface="+mn-cs"/>
-              </a:rPr>
-              <a:t>xsi:schemaLocation</a:t>
-            </a:r>
-            <a:r>
-              <a:rPr lang="en-US" sz="1200" i="1" kern="1200" dirty="0" smtClean="0">
-                <a:solidFill>
-                  <a:schemeClr val="tx1"/>
-                </a:solidFill>
-                <a:latin typeface="Arial" charset="0"/>
-                <a:ea typeface="+mn-ea"/>
-                <a:cs typeface="+mn-cs"/>
-              </a:rPr>
-              <a:t>=</a:t>
-            </a:r>
-            <a:r>
-              <a:rPr lang="en-US" sz="1200" i="1" kern="1200" dirty="0" smtClean="0">
-                <a:solidFill>
-                  <a:schemeClr val="tx1"/>
-                </a:solidFill>
-                <a:latin typeface="Arial" charset="0"/>
-                <a:ea typeface="+mn-ea"/>
-                <a:cs typeface="+mn-cs"/>
-                <a:hlinkClick r:id="rId6"/>
-              </a:rPr>
-              <a:t>“</a:t>
-            </a:r>
-            <a:endParaRPr lang="en-US" sz="1200" i="1" kern="1200" dirty="0" smtClean="0">
-              <a:solidFill>
-                <a:schemeClr val="tx1"/>
-              </a:solidFill>
-              <a:latin typeface="Arial" charset="0"/>
-              <a:ea typeface="+mn-ea"/>
-              <a:cs typeface="+mn-cs"/>
-            </a:endParaRPr>
-          </a:p>
-          <a:p>
-            <a:pPr lvl="2"/>
-            <a:r>
-              <a:rPr lang="en-US" sz="1200" i="1" u="sng" kern="1200" dirty="0" smtClean="0">
-                <a:solidFill>
-                  <a:schemeClr val="tx1"/>
-                </a:solidFill>
-                <a:latin typeface="Arial" charset="0"/>
-                <a:ea typeface="+mn-ea"/>
-                <a:cs typeface="+mn-cs"/>
-                <a:hlinkClick r:id="rId6"/>
-              </a:rPr>
-              <a:t>http://www.gemalto.com/schema/gsepml/v1 ../gsepml.xsd</a:t>
-            </a:r>
-            <a:endParaRPr lang="en-US" sz="1200" i="1" u="sng" kern="1200" dirty="0" smtClean="0">
-              <a:solidFill>
-                <a:schemeClr val="tx1"/>
-              </a:solidFill>
-              <a:latin typeface="Arial" charset="0"/>
-              <a:ea typeface="+mn-ea"/>
-              <a:cs typeface="+mn-cs"/>
-            </a:endParaRPr>
-          </a:p>
-          <a:p>
-            <a:pPr marL="914400" marR="0" lvl="2" indent="0" algn="l" defTabSz="914400" rtl="0" eaLnBrk="0" fontAlgn="base" latinLnBrk="0" hangingPunct="0">
-              <a:lnSpc>
-                <a:spcPct val="100000"/>
-              </a:lnSpc>
-              <a:spcBef>
-                <a:spcPct val="30000"/>
-              </a:spcBef>
-              <a:spcAft>
-                <a:spcPct val="0"/>
-              </a:spcAft>
-              <a:buClrTx/>
-              <a:buSzTx/>
-              <a:buFontTx/>
-              <a:buNone/>
-              <a:tabLst/>
-              <a:defRPr/>
-            </a:pPr>
-            <a:r>
-              <a:rPr lang="en-US" sz="1200" i="1" u="sng" kern="1200" dirty="0" smtClean="0">
-                <a:solidFill>
-                  <a:schemeClr val="tx1"/>
-                </a:solidFill>
-                <a:latin typeface="Arial" charset="0"/>
-                <a:ea typeface="+mn-ea"/>
-                <a:cs typeface="+mn-cs"/>
-                <a:hlinkClick r:id="rId6"/>
-              </a:rPr>
-              <a:t>http://www.gemalto.com/schema/pm ../pmBatchFile.xsd</a:t>
-            </a:r>
-            <a:endParaRPr lang="en-US" sz="1200" i="1" u="sng" kern="1200" dirty="0" smtClean="0">
-              <a:solidFill>
-                <a:schemeClr val="tx1"/>
-              </a:solidFill>
-              <a:latin typeface="Arial" charset="0"/>
-              <a:ea typeface="+mn-ea"/>
-              <a:cs typeface="+mn-cs"/>
-            </a:endParaRPr>
-          </a:p>
-          <a:p>
-            <a:pPr lvl="2"/>
-            <a:r>
-              <a:rPr lang="en-US" sz="1200" i="1" u="sng" kern="1200" dirty="0" smtClean="0">
-                <a:solidFill>
-                  <a:schemeClr val="tx1"/>
-                </a:solidFill>
-                <a:latin typeface="Arial" charset="0"/>
-                <a:ea typeface="+mn-ea"/>
-                <a:cs typeface="+mn-cs"/>
-                <a:hlinkClick r:id="rId7"/>
-              </a:rPr>
-              <a:t>http://www.gemalto.com/schema/sps/v1 ../spsBatchFile-v1.0.xsd</a:t>
-            </a:r>
-            <a:r>
-              <a:rPr lang="en-US" sz="1200" i="1" kern="1200" dirty="0" smtClean="0">
-                <a:solidFill>
-                  <a:schemeClr val="tx1"/>
-                </a:solidFill>
-                <a:latin typeface="Arial" charset="0"/>
-                <a:ea typeface="+mn-ea"/>
-                <a:cs typeface="+mn-cs"/>
-              </a:rPr>
-              <a:t>"  </a:t>
-            </a:r>
-            <a:endParaRPr lang="fr-FR" sz="1200" i="1" kern="1200" dirty="0" smtClean="0">
-              <a:solidFill>
-                <a:schemeClr val="tx1"/>
-              </a:solidFill>
-              <a:latin typeface="Arial" charset="0"/>
-              <a:ea typeface="+mn-ea"/>
-              <a:cs typeface="+mn-cs"/>
-            </a:endParaRPr>
-          </a:p>
-          <a:p>
-            <a:r>
-              <a:rPr lang="en-US" sz="1200" i="1" kern="1200" dirty="0" smtClean="0">
-                <a:solidFill>
-                  <a:schemeClr val="tx1"/>
-                </a:solidFill>
-                <a:latin typeface="Arial" charset="0"/>
-                <a:ea typeface="+mn-ea"/>
-                <a:cs typeface="+mn-cs"/>
-              </a:rPr>
-              <a:t>                  timestamp="2001-12-17T09:30:47Z"  version="1.0.0"&gt;</a:t>
-            </a:r>
-            <a:endParaRPr lang="fr-FR" sz="1200" i="1" kern="1200" dirty="0" smtClean="0">
-              <a:solidFill>
-                <a:schemeClr val="tx1"/>
-              </a:solidFill>
-              <a:latin typeface="Arial" charset="0"/>
-              <a:ea typeface="+mn-ea"/>
-              <a:cs typeface="+mn-cs"/>
-            </a:endParaRPr>
-          </a:p>
-          <a:p>
-            <a:pPr lvl="1"/>
-            <a:r>
-              <a:rPr lang="en-US" sz="1200" i="1" kern="1200" dirty="0" smtClean="0">
-                <a:solidFill>
-                  <a:schemeClr val="tx1"/>
-                </a:solidFill>
-                <a:latin typeface="Arial" charset="0"/>
-                <a:ea typeface="+mn-ea"/>
-                <a:cs typeface="+mn-cs"/>
-              </a:rPr>
-              <a:t>      &lt;</a:t>
-            </a:r>
-            <a:r>
-              <a:rPr lang="en-US" sz="1200" i="1" kern="1200" dirty="0" err="1" smtClean="0">
-                <a:solidFill>
-                  <a:schemeClr val="tx1"/>
-                </a:solidFill>
-                <a:latin typeface="Arial" charset="0"/>
-                <a:ea typeface="+mn-ea"/>
-                <a:cs typeface="+mn-cs"/>
-              </a:rPr>
-              <a:t>sps:Order</a:t>
-            </a:r>
-            <a:r>
-              <a:rPr lang="en-US" sz="1200" i="1" kern="1200" dirty="0" smtClean="0">
-                <a:solidFill>
-                  <a:schemeClr val="tx1"/>
-                </a:solidFill>
-                <a:latin typeface="Arial" charset="0"/>
-                <a:ea typeface="+mn-ea"/>
-                <a:cs typeface="+mn-cs"/>
-              </a:rPr>
-              <a:t> </a:t>
-            </a:r>
-            <a:r>
-              <a:rPr lang="en-US" sz="1200" i="1" kern="1200" dirty="0" err="1" smtClean="0">
-                <a:solidFill>
-                  <a:schemeClr val="tx1"/>
-                </a:solidFill>
-                <a:latin typeface="Arial" charset="0"/>
-                <a:ea typeface="+mn-ea"/>
-                <a:cs typeface="+mn-cs"/>
-              </a:rPr>
-              <a:t>transactionId</a:t>
-            </a:r>
-            <a:r>
-              <a:rPr lang="en-US" sz="1200" i="1" kern="1200" dirty="0" smtClean="0">
-                <a:solidFill>
-                  <a:schemeClr val="tx1"/>
-                </a:solidFill>
-                <a:latin typeface="Arial" charset="0"/>
-                <a:ea typeface="+mn-ea"/>
-                <a:cs typeface="+mn-cs"/>
-              </a:rPr>
-              <a:t>="Trans9911111111“</a:t>
-            </a:r>
-            <a:r>
-              <a:rPr lang="en-US" sz="900" i="1" dirty="0" smtClean="0"/>
-              <a:t>&gt;</a:t>
-            </a:r>
-          </a:p>
-          <a:p>
-            <a:pPr marL="457200" marR="0" lvl="1" indent="0" algn="l" defTabSz="914400" rtl="0" eaLnBrk="0" fontAlgn="base" latinLnBrk="0" hangingPunct="0">
-              <a:lnSpc>
-                <a:spcPct val="100000"/>
-              </a:lnSpc>
-              <a:spcBef>
-                <a:spcPct val="30000"/>
-              </a:spcBef>
-              <a:spcAft>
-                <a:spcPct val="0"/>
-              </a:spcAft>
-              <a:buClrTx/>
-              <a:buSzTx/>
-              <a:buFontTx/>
-              <a:buNone/>
-              <a:tabLst/>
-              <a:defRPr/>
-            </a:pPr>
-            <a:r>
-              <a:rPr lang="fr-FR" sz="900" i="1" baseline="0" dirty="0" smtClean="0"/>
-              <a:t>         </a:t>
-            </a:r>
-            <a:r>
-              <a:rPr lang="fr-FR" sz="900" i="1" dirty="0" smtClean="0"/>
-              <a:t>&lt;</a:t>
-            </a:r>
-            <a:r>
-              <a:rPr lang="fr-FR" sz="900" i="1" dirty="0" err="1" smtClean="0"/>
-              <a:t>sps:CreateSubscription</a:t>
-            </a:r>
-            <a:r>
-              <a:rPr lang="fr-FR" sz="900" i="1" dirty="0" smtClean="0"/>
-              <a:t>&gt;</a:t>
-            </a:r>
-          </a:p>
-          <a:p>
-            <a:pPr>
-              <a:buNone/>
-            </a:pPr>
-            <a:r>
-              <a:rPr lang="en-US" sz="900" i="1" dirty="0" smtClean="0"/>
-              <a:t>	&lt;</a:t>
-            </a:r>
-            <a:r>
-              <a:rPr lang="en-US" sz="900" i="1" dirty="0" err="1" smtClean="0"/>
-              <a:t>sps:SubscriptionIdentifier</a:t>
-            </a:r>
-            <a:r>
-              <a:rPr lang="en-US" sz="900" i="1" dirty="0" smtClean="0"/>
-              <a:t>&gt;</a:t>
-            </a:r>
-            <a:endParaRPr lang="fr-FR" sz="900" i="1" dirty="0" smtClean="0"/>
-          </a:p>
-          <a:p>
-            <a:pPr>
-              <a:buNone/>
-            </a:pPr>
-            <a:r>
-              <a:rPr lang="en-US" sz="900" i="1" dirty="0" smtClean="0"/>
-              <a:t>	    &lt;</a:t>
-            </a:r>
-            <a:r>
-              <a:rPr lang="en-US" sz="900" i="1" dirty="0" err="1" smtClean="0"/>
-              <a:t>sps:msisdn</a:t>
-            </a:r>
-            <a:r>
-              <a:rPr lang="en-US" sz="900" i="1" dirty="0" smtClean="0"/>
-              <a:t>&gt;</a:t>
-            </a:r>
-            <a:r>
-              <a:rPr lang="fr-FR" sz="900" i="1" kern="1200" dirty="0" smtClean="0">
-                <a:solidFill>
-                  <a:schemeClr val="tx1"/>
-                </a:solidFill>
-                <a:latin typeface="Arial" charset="0"/>
-                <a:ea typeface="+mn-ea"/>
-                <a:cs typeface="+mn-cs"/>
-              </a:rPr>
-              <a:t>0612131313</a:t>
-            </a:r>
-            <a:r>
-              <a:rPr lang="en-US" sz="900" i="1" dirty="0" smtClean="0"/>
-              <a:t>&lt;/</a:t>
-            </a:r>
-            <a:r>
-              <a:rPr lang="en-US" sz="900" i="1" dirty="0" err="1" smtClean="0"/>
-              <a:t>sps:msisdn</a:t>
-            </a:r>
-            <a:r>
-              <a:rPr lang="en-US" sz="900" i="1" dirty="0" smtClean="0"/>
-              <a:t>&gt;</a:t>
-            </a:r>
-            <a:endParaRPr lang="fr-FR" sz="900" i="1" dirty="0" smtClean="0"/>
-          </a:p>
-          <a:p>
-            <a:pPr>
-              <a:buNone/>
-            </a:pPr>
-            <a:r>
-              <a:rPr lang="en-US" sz="900" i="1" dirty="0" smtClean="0"/>
-              <a:t>	    &lt;</a:t>
-            </a:r>
-            <a:r>
-              <a:rPr lang="en-US" sz="900" i="1" dirty="0" err="1" smtClean="0"/>
-              <a:t>sps:iccid</a:t>
-            </a:r>
-            <a:r>
-              <a:rPr lang="en-US" sz="900" i="1" dirty="0" smtClean="0"/>
-              <a:t>&gt;</a:t>
-            </a:r>
-            <a:r>
-              <a:rPr lang="fr-FR" sz="900" i="1" kern="1200" dirty="0" smtClean="0">
-                <a:solidFill>
-                  <a:schemeClr val="tx1"/>
-                </a:solidFill>
-                <a:latin typeface="Arial" charset="0"/>
-                <a:ea typeface="+mn-ea"/>
-                <a:cs typeface="+mn-cs"/>
-              </a:rPr>
-              <a:t>99492011110000000</a:t>
-            </a:r>
-            <a:r>
-              <a:rPr lang="en-US" sz="900" i="1" dirty="0" smtClean="0"/>
-              <a:t>&lt;/</a:t>
-            </a:r>
-            <a:r>
-              <a:rPr lang="en-US" sz="900" i="1" dirty="0" err="1" smtClean="0"/>
-              <a:t>sps:iccid</a:t>
-            </a:r>
-            <a:r>
-              <a:rPr lang="en-US" sz="900" i="1" dirty="0" smtClean="0"/>
-              <a:t>&gt;</a:t>
-            </a:r>
-            <a:endParaRPr lang="fr-FR" sz="900" i="1" dirty="0" smtClean="0"/>
-          </a:p>
-          <a:p>
-            <a:pPr>
-              <a:buNone/>
-            </a:pPr>
-            <a:r>
-              <a:rPr lang="en-US" sz="900" i="1" dirty="0" smtClean="0"/>
-              <a:t>	    </a:t>
-            </a:r>
-            <a:r>
-              <a:rPr lang="fr-FR" sz="900" i="1" dirty="0" smtClean="0"/>
-              <a:t>&lt;</a:t>
-            </a:r>
-            <a:r>
-              <a:rPr lang="fr-FR" sz="900" i="1" dirty="0" err="1" smtClean="0"/>
-              <a:t>sps:imsi</a:t>
-            </a:r>
-            <a:r>
-              <a:rPr lang="fr-FR" sz="900" i="1" dirty="0" smtClean="0"/>
-              <a:t>&gt;</a:t>
-            </a:r>
-            <a:r>
-              <a:rPr lang="fr-FR" sz="900" i="1" kern="1200" dirty="0" smtClean="0">
-                <a:solidFill>
-                  <a:schemeClr val="tx1"/>
-                </a:solidFill>
-                <a:latin typeface="Arial" charset="0"/>
-                <a:ea typeface="+mn-ea"/>
-                <a:cs typeface="+mn-cs"/>
-              </a:rPr>
-              <a:t>00894922220000000</a:t>
-            </a:r>
-            <a:r>
-              <a:rPr lang="fr-FR" sz="900" i="1" dirty="0" smtClean="0"/>
-              <a:t>&lt;/</a:t>
-            </a:r>
-            <a:r>
-              <a:rPr lang="fr-FR" sz="900" i="1" dirty="0" err="1" smtClean="0"/>
-              <a:t>sps:imsi</a:t>
-            </a:r>
-            <a:r>
-              <a:rPr lang="fr-FR" sz="900" i="1" dirty="0" smtClean="0"/>
-              <a:t>&gt;</a:t>
-            </a:r>
-          </a:p>
-          <a:p>
-            <a:pPr>
-              <a:buNone/>
-            </a:pPr>
-            <a:r>
-              <a:rPr lang="fr-FR" sz="900" i="1" dirty="0" smtClean="0"/>
-              <a:t>	&lt;/</a:t>
-            </a:r>
-            <a:r>
-              <a:rPr lang="fr-FR" sz="900" i="1" dirty="0" err="1" smtClean="0"/>
-              <a:t>sps:SubscriptionIdentifier</a:t>
-            </a:r>
-            <a:r>
-              <a:rPr lang="fr-FR" sz="900" i="1" dirty="0" smtClean="0"/>
-              <a:t>&gt;</a:t>
-            </a:r>
-          </a:p>
-          <a:p>
-            <a:pPr>
-              <a:buNone/>
-            </a:pPr>
-            <a:endParaRPr lang="fr-FR" sz="900" i="1" kern="1200" dirty="0" smtClean="0">
-              <a:solidFill>
-                <a:schemeClr val="tx1"/>
-              </a:solidFill>
-              <a:latin typeface="Arial" charset="0"/>
-              <a:ea typeface="+mn-ea"/>
-              <a:cs typeface="+mn-cs"/>
-            </a:endParaRPr>
-          </a:p>
-          <a:p>
-            <a:pPr lvl="2">
-              <a:buNone/>
-            </a:pPr>
-            <a:r>
-              <a:rPr lang="fr-FR" sz="1200" i="1" kern="1200" dirty="0" smtClean="0">
-                <a:solidFill>
-                  <a:schemeClr val="tx1"/>
-                </a:solidFill>
-                <a:latin typeface="Arial" charset="0"/>
-                <a:ea typeface="+mn-ea"/>
-                <a:cs typeface="+mn-cs"/>
-              </a:rPr>
-              <a:t>&lt;</a:t>
-            </a:r>
-            <a:r>
-              <a:rPr lang="fr-FR" sz="1200" i="1" kern="1200" dirty="0" err="1" smtClean="0">
-                <a:solidFill>
-                  <a:schemeClr val="tx1"/>
-                </a:solidFill>
-                <a:latin typeface="Arial" charset="0"/>
-                <a:ea typeface="+mn-ea"/>
-                <a:cs typeface="+mn-cs"/>
-              </a:rPr>
-              <a:t>sps:elements</a:t>
-            </a:r>
-            <a:r>
-              <a:rPr lang="fr-FR" sz="1200" i="1" kern="1200" dirty="0" smtClean="0">
-                <a:solidFill>
-                  <a:schemeClr val="tx1"/>
-                </a:solidFill>
-                <a:latin typeface="Arial" charset="0"/>
-                <a:ea typeface="+mn-ea"/>
-                <a:cs typeface="+mn-cs"/>
-              </a:rPr>
-              <a:t>&gt;</a:t>
-            </a:r>
-          </a:p>
-          <a:p>
-            <a:pPr marL="1371600" marR="0" lvl="3" indent="0" algn="l" defTabSz="914400" rtl="0" eaLnBrk="0" fontAlgn="base" latinLnBrk="0" hangingPunct="0">
-              <a:lnSpc>
-                <a:spcPct val="100000"/>
-              </a:lnSpc>
-              <a:spcBef>
-                <a:spcPct val="30000"/>
-              </a:spcBef>
-              <a:spcAft>
-                <a:spcPct val="0"/>
-              </a:spcAft>
-              <a:buClrTx/>
-              <a:buSzTx/>
-              <a:buFontTx/>
-              <a:buNone/>
-              <a:tabLst/>
-              <a:defRPr/>
-            </a:pPr>
-            <a:r>
-              <a:rPr lang="en-US" sz="1200" i="1" dirty="0" smtClean="0"/>
-              <a:t>&lt;</a:t>
-            </a:r>
-            <a:r>
-              <a:rPr lang="en-US" sz="1200" i="1" dirty="0" err="1" smtClean="0"/>
-              <a:t>sps:cardProfile</a:t>
-            </a:r>
-            <a:r>
-              <a:rPr lang="en-US" sz="1200" i="1" dirty="0" smtClean="0"/>
-              <a:t>&gt;GXX_v3.2_128K&lt;/</a:t>
-            </a:r>
-            <a:r>
-              <a:rPr lang="en-US" sz="1200" i="1" dirty="0" err="1" smtClean="0"/>
-              <a:t>sps:cardProfile</a:t>
-            </a:r>
-            <a:r>
-              <a:rPr lang="en-US" sz="1200" i="1" dirty="0" smtClean="0"/>
-              <a:t>&gt;</a:t>
-            </a:r>
-          </a:p>
-          <a:p>
-            <a:pPr marL="1371600" marR="0" lvl="3" indent="0" algn="l" defTabSz="914400" rtl="0" eaLnBrk="0" fontAlgn="base" latinLnBrk="0" hangingPunct="0">
-              <a:lnSpc>
-                <a:spcPct val="100000"/>
-              </a:lnSpc>
-              <a:spcBef>
-                <a:spcPct val="30000"/>
-              </a:spcBef>
-              <a:spcAft>
-                <a:spcPct val="0"/>
-              </a:spcAft>
-              <a:buClrTx/>
-              <a:buSzTx/>
-              <a:buFontTx/>
-              <a:buNone/>
-              <a:tabLst/>
-              <a:defRPr/>
-            </a:pPr>
-            <a:r>
-              <a:rPr lang="en-US" sz="1200" i="1" dirty="0" smtClean="0"/>
-              <a:t>&lt;</a:t>
-            </a:r>
-            <a:r>
-              <a:rPr lang="en-US" sz="1200" i="1" dirty="0" err="1" smtClean="0"/>
-              <a:t>sps:cardAdditionalInfo</a:t>
-            </a:r>
-            <a:r>
-              <a:rPr lang="en-US" sz="1200" i="1" dirty="0" smtClean="0"/>
-              <a:t>&gt;4367547687587,84648767765&lt;/</a:t>
-            </a:r>
-            <a:r>
-              <a:rPr lang="en-US" sz="1200" i="1" dirty="0" err="1" smtClean="0"/>
-              <a:t>sps:cardAdditionalInfo</a:t>
-            </a:r>
-            <a:r>
-              <a:rPr lang="en-US" sz="1200" i="1" dirty="0" smtClean="0"/>
-              <a:t>&gt;</a:t>
-            </a:r>
-          </a:p>
-          <a:p>
-            <a:pPr marL="1371600" marR="0" lvl="3" indent="0" algn="l" defTabSz="914400" rtl="0" eaLnBrk="0" fontAlgn="base" latinLnBrk="0" hangingPunct="0">
-              <a:lnSpc>
-                <a:spcPct val="100000"/>
-              </a:lnSpc>
-              <a:spcBef>
-                <a:spcPct val="30000"/>
-              </a:spcBef>
-              <a:spcAft>
-                <a:spcPct val="0"/>
-              </a:spcAft>
-              <a:buClrTx/>
-              <a:buSzTx/>
-              <a:buFontTx/>
-              <a:buNone/>
-              <a:tabLst/>
-              <a:defRPr/>
-            </a:pPr>
-            <a:r>
-              <a:rPr lang="en-US" sz="1200" i="1" kern="1200" dirty="0" smtClean="0">
-                <a:solidFill>
-                  <a:schemeClr val="tx1"/>
-                </a:solidFill>
-                <a:latin typeface="Arial" charset="0"/>
-                <a:ea typeface="+mn-ea"/>
-                <a:cs typeface="+mn-cs"/>
-              </a:rPr>
-              <a:t>&lt;</a:t>
-            </a:r>
-            <a:r>
-              <a:rPr lang="en-US" sz="1200" i="1" kern="1200" dirty="0" err="1" smtClean="0">
-                <a:solidFill>
-                  <a:schemeClr val="tx1"/>
-                </a:solidFill>
-                <a:latin typeface="Arial" charset="0"/>
-                <a:ea typeface="+mn-ea"/>
-                <a:cs typeface="+mn-cs"/>
-              </a:rPr>
-              <a:t>sps:subscriptionState</a:t>
-            </a:r>
-            <a:r>
-              <a:rPr lang="en-US" sz="1200" i="1" kern="1200" dirty="0" smtClean="0">
-                <a:solidFill>
-                  <a:schemeClr val="tx1"/>
-                </a:solidFill>
-                <a:latin typeface="Arial" charset="0"/>
-                <a:ea typeface="+mn-ea"/>
-                <a:cs typeface="+mn-cs"/>
-              </a:rPr>
-              <a:t>&gt;CREATED&lt;/</a:t>
-            </a:r>
-            <a:r>
-              <a:rPr lang="en-US" sz="1200" i="1" kern="1200" dirty="0" err="1" smtClean="0">
-                <a:solidFill>
-                  <a:schemeClr val="tx1"/>
-                </a:solidFill>
-                <a:latin typeface="Arial" charset="0"/>
-                <a:ea typeface="+mn-ea"/>
-                <a:cs typeface="+mn-cs"/>
-              </a:rPr>
-              <a:t>sps:subscriptionState</a:t>
-            </a:r>
-            <a:r>
-              <a:rPr lang="en-US" sz="1200" i="1" kern="1200" dirty="0" smtClean="0">
-                <a:solidFill>
-                  <a:schemeClr val="tx1"/>
-                </a:solidFill>
-                <a:latin typeface="Arial" charset="0"/>
-                <a:ea typeface="+mn-ea"/>
-                <a:cs typeface="+mn-cs"/>
-              </a:rPr>
-              <a:t>&gt;</a:t>
-            </a:r>
-          </a:p>
-          <a:p>
-            <a:pPr marL="1371600" marR="0" lvl="3" indent="0" algn="l" defTabSz="914400" rtl="0" eaLnBrk="0" fontAlgn="base" latinLnBrk="0" hangingPunct="0">
-              <a:lnSpc>
-                <a:spcPct val="100000"/>
-              </a:lnSpc>
-              <a:spcBef>
-                <a:spcPct val="30000"/>
-              </a:spcBef>
-              <a:spcAft>
-                <a:spcPct val="0"/>
-              </a:spcAft>
-              <a:buClrTx/>
-              <a:buSzTx/>
-              <a:buFontTx/>
-              <a:buNone/>
-              <a:tabLst/>
-              <a:defRPr/>
-            </a:pPr>
-            <a:endParaRPr lang="en-US" sz="1200" i="1" kern="1200" dirty="0" smtClean="0">
-              <a:solidFill>
-                <a:schemeClr val="tx1"/>
-              </a:solidFill>
-              <a:latin typeface="Arial" charset="0"/>
-              <a:ea typeface="+mn-ea"/>
-              <a:cs typeface="+mn-cs"/>
-            </a:endParaRPr>
-          </a:p>
-          <a:p>
-            <a:pPr marL="1371600" marR="0" lvl="3" indent="0" algn="l" defTabSz="914400" rtl="0" eaLnBrk="0" fontAlgn="base" latinLnBrk="0" hangingPunct="0">
-              <a:lnSpc>
-                <a:spcPct val="100000"/>
-              </a:lnSpc>
-              <a:spcBef>
-                <a:spcPct val="30000"/>
-              </a:spcBef>
-              <a:spcAft>
-                <a:spcPct val="0"/>
-              </a:spcAft>
-              <a:buClrTx/>
-              <a:buSzTx/>
-              <a:buFontTx/>
-              <a:buNone/>
-              <a:tabLst/>
-              <a:defRPr/>
-            </a:pPr>
-            <a:r>
-              <a:rPr lang="en-US" sz="1200" i="1" kern="1200" dirty="0" smtClean="0">
-                <a:solidFill>
-                  <a:schemeClr val="tx1"/>
-                </a:solidFill>
-                <a:latin typeface="Arial" charset="0"/>
-                <a:ea typeface="+mn-ea"/>
-                <a:cs typeface="+mn-cs"/>
-              </a:rPr>
-              <a:t>&lt;</a:t>
-            </a:r>
-            <a:r>
-              <a:rPr lang="en-US" sz="1200" i="1" kern="1200" dirty="0" err="1" smtClean="0">
-                <a:solidFill>
-                  <a:schemeClr val="tx1"/>
-                </a:solidFill>
-                <a:latin typeface="Arial" charset="0"/>
-                <a:ea typeface="+mn-ea"/>
-                <a:cs typeface="+mn-cs"/>
-              </a:rPr>
-              <a:t>sps:ese</a:t>
-            </a:r>
-            <a:r>
-              <a:rPr lang="en-US" sz="1200" i="1" kern="1200" dirty="0" smtClean="0">
-                <a:solidFill>
-                  <a:schemeClr val="tx1"/>
-                </a:solidFill>
-                <a:latin typeface="Arial" charset="0"/>
-                <a:ea typeface="+mn-ea"/>
-                <a:cs typeface="+mn-cs"/>
-              </a:rPr>
-              <a:t> cud=“564375347654”  </a:t>
-            </a:r>
-            <a:r>
-              <a:rPr lang="en-US" sz="1200" i="1" kern="1200" dirty="0" err="1" smtClean="0">
-                <a:solidFill>
-                  <a:schemeClr val="tx1"/>
-                </a:solidFill>
-                <a:latin typeface="Arial" charset="0"/>
-                <a:ea typeface="+mn-ea"/>
-                <a:cs typeface="+mn-cs"/>
-              </a:rPr>
-              <a:t>imei</a:t>
-            </a:r>
-            <a:r>
-              <a:rPr lang="en-US" sz="1200" i="1" kern="1200" dirty="0" smtClean="0">
-                <a:solidFill>
-                  <a:schemeClr val="tx1"/>
-                </a:solidFill>
-                <a:latin typeface="Arial" charset="0"/>
-                <a:ea typeface="+mn-ea"/>
-                <a:cs typeface="+mn-cs"/>
-              </a:rPr>
-              <a:t>=“76548765998”/&gt;</a:t>
-            </a:r>
-          </a:p>
-          <a:p>
-            <a:pPr marL="1371600" marR="0" lvl="3" indent="0" algn="l" defTabSz="914400" rtl="0" eaLnBrk="0" fontAlgn="base" latinLnBrk="0" hangingPunct="0">
-              <a:lnSpc>
-                <a:spcPct val="100000"/>
-              </a:lnSpc>
-              <a:spcBef>
-                <a:spcPct val="30000"/>
-              </a:spcBef>
-              <a:spcAft>
-                <a:spcPct val="0"/>
-              </a:spcAft>
-              <a:buClrTx/>
-              <a:buSzTx/>
-              <a:buFontTx/>
-              <a:buNone/>
-              <a:tabLst/>
-              <a:defRPr/>
-            </a:pPr>
-            <a:r>
-              <a:rPr lang="en-US" sz="1200" i="1" kern="1200" dirty="0" smtClean="0">
-                <a:solidFill>
-                  <a:schemeClr val="tx1"/>
-                </a:solidFill>
-                <a:latin typeface="Arial" charset="0"/>
-                <a:ea typeface="+mn-ea"/>
-                <a:cs typeface="+mn-cs"/>
-              </a:rPr>
-              <a:t>&lt;</a:t>
-            </a:r>
-            <a:r>
-              <a:rPr lang="en-US" sz="1200" i="1" kern="1200" dirty="0" err="1" smtClean="0">
-                <a:solidFill>
-                  <a:schemeClr val="tx1"/>
-                </a:solidFill>
-                <a:latin typeface="Arial" charset="0"/>
-                <a:ea typeface="+mn-ea"/>
-                <a:cs typeface="+mn-cs"/>
-              </a:rPr>
-              <a:t>sps:smc</a:t>
-            </a:r>
-            <a:r>
-              <a:rPr lang="en-US" sz="1200" i="1" kern="1200" dirty="0" smtClean="0">
-                <a:solidFill>
-                  <a:schemeClr val="tx1"/>
-                </a:solidFill>
-                <a:latin typeface="Arial" charset="0"/>
-                <a:ea typeface="+mn-ea"/>
-                <a:cs typeface="+mn-cs"/>
-              </a:rPr>
-              <a:t> </a:t>
-            </a:r>
-            <a:r>
-              <a:rPr lang="en-US" sz="1200" i="1" kern="1200" dirty="0" err="1" smtClean="0">
-                <a:solidFill>
-                  <a:schemeClr val="tx1"/>
-                </a:solidFill>
-                <a:latin typeface="Arial" charset="0"/>
-                <a:ea typeface="+mn-ea"/>
-                <a:cs typeface="+mn-cs"/>
-              </a:rPr>
-              <a:t>cplc</a:t>
-            </a:r>
-            <a:r>
-              <a:rPr lang="en-US" sz="1200" i="1" kern="1200" dirty="0" smtClean="0">
-                <a:solidFill>
-                  <a:schemeClr val="tx1"/>
-                </a:solidFill>
-                <a:latin typeface="Arial" charset="0"/>
-                <a:ea typeface="+mn-ea"/>
-                <a:cs typeface="+mn-cs"/>
-              </a:rPr>
-              <a:t>=“14321543245454”/&gt;</a:t>
-            </a:r>
-          </a:p>
-          <a:p>
-            <a:pPr marL="1371600" marR="0" lvl="3" indent="0" algn="l" defTabSz="914400" rtl="0" eaLnBrk="0" fontAlgn="base" latinLnBrk="0" hangingPunct="0">
-              <a:lnSpc>
-                <a:spcPct val="100000"/>
-              </a:lnSpc>
-              <a:spcBef>
-                <a:spcPct val="30000"/>
-              </a:spcBef>
-              <a:spcAft>
-                <a:spcPct val="0"/>
-              </a:spcAft>
-              <a:buClrTx/>
-              <a:buSzTx/>
-              <a:buFontTx/>
-              <a:buNone/>
-              <a:tabLst/>
-              <a:defRPr/>
-            </a:pPr>
-            <a:r>
-              <a:rPr lang="en-US" sz="1200" i="1" kern="1200" dirty="0" smtClean="0">
-                <a:solidFill>
-                  <a:schemeClr val="tx1"/>
-                </a:solidFill>
-                <a:latin typeface="Arial" charset="0"/>
-                <a:ea typeface="+mn-ea"/>
-                <a:cs typeface="+mn-cs"/>
-              </a:rPr>
-              <a:t>&lt;</a:t>
-            </a:r>
-            <a:r>
-              <a:rPr lang="en-US" sz="1200" i="1" kern="1200" dirty="0" err="1" smtClean="0">
-                <a:solidFill>
-                  <a:schemeClr val="tx1"/>
-                </a:solidFill>
-                <a:latin typeface="Arial" charset="0"/>
-                <a:ea typeface="+mn-ea"/>
-                <a:cs typeface="+mn-cs"/>
-              </a:rPr>
-              <a:t>sps:mobileEquipment</a:t>
-            </a:r>
-            <a:r>
-              <a:rPr lang="en-US" sz="1200" i="1" kern="1200" baseline="0" dirty="0" smtClean="0">
-                <a:solidFill>
-                  <a:schemeClr val="tx1"/>
-                </a:solidFill>
-                <a:latin typeface="Arial" charset="0"/>
-                <a:ea typeface="+mn-ea"/>
-                <a:cs typeface="+mn-cs"/>
-              </a:rPr>
-              <a:t> </a:t>
-            </a:r>
-            <a:r>
-              <a:rPr lang="en-US" sz="1200" i="1" kern="1200" baseline="0" dirty="0" err="1" smtClean="0">
-                <a:solidFill>
-                  <a:schemeClr val="tx1"/>
-                </a:solidFill>
-                <a:latin typeface="Arial" charset="0"/>
-                <a:ea typeface="+mn-ea"/>
-                <a:cs typeface="+mn-cs"/>
-              </a:rPr>
-              <a:t>imei</a:t>
-            </a:r>
-            <a:r>
-              <a:rPr lang="en-US" sz="1200" i="1" kern="1200" baseline="0" dirty="0" smtClean="0">
-                <a:solidFill>
-                  <a:schemeClr val="tx1"/>
-                </a:solidFill>
-                <a:latin typeface="Arial" charset="0"/>
-                <a:ea typeface="+mn-ea"/>
-                <a:cs typeface="+mn-cs"/>
-              </a:rPr>
-              <a:t>=</a:t>
-            </a:r>
-            <a:r>
-              <a:rPr lang="en-US" sz="1200" i="1" kern="1200" dirty="0" smtClean="0">
-                <a:solidFill>
-                  <a:schemeClr val="tx1"/>
-                </a:solidFill>
-                <a:latin typeface="Arial" charset="0"/>
-                <a:ea typeface="+mn-ea"/>
-                <a:cs typeface="+mn-cs"/>
-              </a:rPr>
-              <a:t>“97689654337567” model=“”N309 manufacturer=“”Samsung/&gt;</a:t>
-            </a:r>
-          </a:p>
-          <a:p>
-            <a:pPr lvl="3"/>
-            <a:endParaRPr lang="en-US" sz="1200" i="1" kern="1200" dirty="0" smtClean="0">
-              <a:solidFill>
-                <a:schemeClr val="tx1"/>
-              </a:solidFill>
-              <a:latin typeface="Arial" charset="0"/>
-              <a:ea typeface="+mn-ea"/>
-              <a:cs typeface="+mn-cs"/>
-            </a:endParaRPr>
-          </a:p>
-          <a:p>
-            <a:pPr lvl="3"/>
-            <a:r>
-              <a:rPr lang="en-US" sz="1200" i="1" kern="1200" dirty="0" smtClean="0">
-                <a:solidFill>
-                  <a:schemeClr val="tx1"/>
-                </a:solidFill>
-                <a:latin typeface="Arial" charset="0"/>
-                <a:ea typeface="+mn-ea"/>
-                <a:cs typeface="+mn-cs"/>
-              </a:rPr>
-              <a:t>&lt;!–-------</a:t>
-            </a:r>
-            <a:r>
-              <a:rPr lang="en-US" sz="1200" i="1" kern="1200" baseline="0" dirty="0" smtClean="0">
-                <a:solidFill>
-                  <a:schemeClr val="tx1"/>
-                </a:solidFill>
-                <a:latin typeface="Arial" charset="0"/>
-                <a:ea typeface="+mn-ea"/>
-                <a:cs typeface="+mn-cs"/>
-              </a:rPr>
-              <a:t> </a:t>
-            </a:r>
-            <a:r>
-              <a:rPr lang="en-US" sz="1200" i="1" kern="1200" dirty="0" smtClean="0">
-                <a:solidFill>
-                  <a:schemeClr val="tx1"/>
-                </a:solidFill>
-                <a:latin typeface="Arial" charset="0"/>
-                <a:ea typeface="+mn-ea"/>
-                <a:cs typeface="+mn-cs"/>
-              </a:rPr>
-              <a:t>SPS sends this section to SE-KMS --------- -&gt;</a:t>
-            </a:r>
-          </a:p>
-          <a:p>
-            <a:pPr lvl="3"/>
-            <a:r>
-              <a:rPr lang="fr-FR" sz="1200" i="1" kern="1200" dirty="0" smtClean="0">
-                <a:solidFill>
-                  <a:schemeClr val="tx1"/>
-                </a:solidFill>
-                <a:latin typeface="Arial" charset="0"/>
-                <a:ea typeface="+mn-ea"/>
-                <a:cs typeface="+mn-cs"/>
-              </a:rPr>
-              <a:t>&lt;</a:t>
-            </a:r>
-            <a:r>
-              <a:rPr lang="fr-FR" sz="1200" i="1" kern="1200" dirty="0" err="1" smtClean="0">
-                <a:solidFill>
-                  <a:schemeClr val="tx1"/>
-                </a:solidFill>
-                <a:latin typeface="Arial" charset="0"/>
-                <a:ea typeface="+mn-ea"/>
-                <a:cs typeface="+mn-cs"/>
-              </a:rPr>
-              <a:t>sps:Ota-security</a:t>
-            </a:r>
-            <a:r>
-              <a:rPr lang="fr-FR" sz="1200" i="1" kern="1200" dirty="0" smtClean="0">
-                <a:solidFill>
-                  <a:schemeClr val="tx1"/>
-                </a:solidFill>
-                <a:latin typeface="Arial" charset="0"/>
-                <a:ea typeface="+mn-ea"/>
-                <a:cs typeface="+mn-cs"/>
-              </a:rPr>
-              <a:t>&gt;</a:t>
-            </a:r>
-          </a:p>
-          <a:p>
-            <a:pPr lvl="4"/>
-            <a:r>
-              <a:rPr lang="en-US" sz="1200" b="0" i="1" kern="1200" dirty="0" smtClean="0">
-                <a:solidFill>
-                  <a:schemeClr val="tx1"/>
-                </a:solidFill>
-                <a:latin typeface="Arial" charset="0"/>
-                <a:ea typeface="+mn-ea"/>
-                <a:cs typeface="+mn-cs"/>
-              </a:rPr>
-              <a:t>&lt;![CDATA[</a:t>
-            </a:r>
-            <a:endParaRPr lang="fr-FR" sz="1200" b="0" i="1" kern="1200" dirty="0" smtClean="0">
-              <a:solidFill>
-                <a:schemeClr val="tx1"/>
-              </a:solidFill>
-              <a:latin typeface="Arial" charset="0"/>
-              <a:ea typeface="+mn-ea"/>
-              <a:cs typeface="+mn-cs"/>
-            </a:endParaRPr>
-          </a:p>
-          <a:p>
-            <a:pPr lvl="5"/>
-            <a:r>
-              <a:rPr lang="fr-FR" sz="1200" i="1" kern="1200" dirty="0" smtClean="0">
-                <a:solidFill>
-                  <a:schemeClr val="tx1"/>
-                </a:solidFill>
-                <a:latin typeface="Arial" charset="0"/>
-                <a:ea typeface="+mn-ea"/>
-                <a:cs typeface="+mn-cs"/>
-              </a:rPr>
-              <a:t>&lt;</a:t>
-            </a:r>
-            <a:r>
-              <a:rPr lang="fr-FR" sz="1200" i="1" kern="1200" dirty="0" err="1" smtClean="0">
-                <a:solidFill>
-                  <a:schemeClr val="tx1"/>
-                </a:solidFill>
-                <a:latin typeface="Arial" charset="0"/>
-                <a:ea typeface="+mn-ea"/>
-                <a:cs typeface="+mn-cs"/>
-              </a:rPr>
-              <a:t>MBCard</a:t>
-            </a:r>
-            <a:r>
-              <a:rPr lang="fr-FR" sz="1200" i="1" kern="1200" dirty="0" smtClean="0">
-                <a:solidFill>
-                  <a:schemeClr val="tx1"/>
-                </a:solidFill>
-                <a:latin typeface="Arial" charset="0"/>
-                <a:ea typeface="+mn-ea"/>
-                <a:cs typeface="+mn-cs"/>
-              </a:rPr>
-              <a:t> </a:t>
-            </a:r>
-            <a:r>
-              <a:rPr lang="fr-FR" sz="1200" i="1" kern="1200" dirty="0" err="1" smtClean="0">
-                <a:solidFill>
-                  <a:schemeClr val="tx1"/>
-                </a:solidFill>
-                <a:latin typeface="Arial" charset="0"/>
-                <a:ea typeface="+mn-ea"/>
-                <a:cs typeface="+mn-cs"/>
-              </a:rPr>
-              <a:t>serialNumber</a:t>
-            </a:r>
-            <a:r>
-              <a:rPr lang="fr-FR" sz="1200" i="1" kern="1200" dirty="0" smtClean="0">
-                <a:solidFill>
-                  <a:schemeClr val="tx1"/>
-                </a:solidFill>
-                <a:latin typeface="Arial" charset="0"/>
-                <a:ea typeface="+mn-ea"/>
-                <a:cs typeface="+mn-cs"/>
-              </a:rPr>
-              <a:t>="99492011110000000"&gt;</a:t>
-            </a:r>
-          </a:p>
-          <a:p>
-            <a:pPr lvl="6"/>
-            <a:r>
-              <a:rPr lang="fr-FR" sz="1200" i="1" kern="1200" dirty="0" smtClean="0">
-                <a:solidFill>
-                  <a:schemeClr val="tx1"/>
-                </a:solidFill>
-                <a:latin typeface="Arial" charset="0"/>
-                <a:ea typeface="+mn-ea"/>
-                <a:cs typeface="+mn-cs"/>
-              </a:rPr>
-              <a:t>&lt;</a:t>
-            </a:r>
-            <a:r>
-              <a:rPr lang="fr-FR" sz="1200" i="1" kern="1200" dirty="0" err="1" smtClean="0">
-                <a:solidFill>
-                  <a:schemeClr val="tx1"/>
-                </a:solidFill>
-                <a:latin typeface="Arial" charset="0"/>
-                <a:ea typeface="+mn-ea"/>
-                <a:cs typeface="+mn-cs"/>
-              </a:rPr>
-              <a:t>SecurityDomain</a:t>
-            </a:r>
-            <a:r>
-              <a:rPr lang="fr-FR" sz="1200" i="1" kern="1200" dirty="0" smtClean="0">
-                <a:solidFill>
-                  <a:schemeClr val="tx1"/>
-                </a:solidFill>
-                <a:latin typeface="Arial" charset="0"/>
-                <a:ea typeface="+mn-ea"/>
-                <a:cs typeface="+mn-cs"/>
-              </a:rPr>
-              <a:t> </a:t>
-            </a:r>
-            <a:r>
-              <a:rPr lang="fr-FR" sz="1200" i="1" kern="1200" dirty="0" err="1" smtClean="0">
-                <a:solidFill>
-                  <a:schemeClr val="tx1"/>
-                </a:solidFill>
-                <a:latin typeface="Arial" charset="0"/>
-                <a:ea typeface="+mn-ea"/>
-                <a:cs typeface="+mn-cs"/>
-              </a:rPr>
-              <a:t>securityDomainID</a:t>
-            </a:r>
-            <a:r>
-              <a:rPr lang="fr-FR" sz="1200" i="1" kern="1200" dirty="0" smtClean="0">
-                <a:solidFill>
-                  <a:schemeClr val="tx1"/>
-                </a:solidFill>
-                <a:latin typeface="Arial" charset="0"/>
-                <a:ea typeface="+mn-ea"/>
-                <a:cs typeface="+mn-cs"/>
-              </a:rPr>
-              <a:t>="A000000018434D08090A0B0C000000" </a:t>
-            </a:r>
-            <a:r>
-              <a:rPr lang="fr-FR" sz="1200" i="1" kern="1200" dirty="0" err="1" smtClean="0">
-                <a:solidFill>
-                  <a:schemeClr val="tx1"/>
-                </a:solidFill>
-                <a:latin typeface="Arial" charset="0"/>
-                <a:ea typeface="+mn-ea"/>
-                <a:cs typeface="+mn-cs"/>
-              </a:rPr>
-              <a:t>defaultSyncID</a:t>
-            </a:r>
-            <a:r>
-              <a:rPr lang="fr-FR" sz="1200" i="1" kern="1200" dirty="0" smtClean="0">
-                <a:solidFill>
-                  <a:schemeClr val="tx1"/>
-                </a:solidFill>
-                <a:latin typeface="Arial" charset="0"/>
-                <a:ea typeface="+mn-ea"/>
-                <a:cs typeface="+mn-cs"/>
-              </a:rPr>
-              <a:t>="default" </a:t>
-            </a:r>
-            <a:r>
-              <a:rPr lang="fr-FR" sz="1200" i="1" kern="1200" dirty="0" err="1" smtClean="0">
-                <a:solidFill>
-                  <a:schemeClr val="tx1"/>
-                </a:solidFill>
-                <a:latin typeface="Arial" charset="0"/>
-                <a:ea typeface="+mn-ea"/>
-                <a:cs typeface="+mn-cs"/>
-              </a:rPr>
-              <a:t>implicitRcAlgoNumber</a:t>
-            </a:r>
-            <a:r>
-              <a:rPr lang="fr-FR" sz="1200" i="1" kern="1200" dirty="0" smtClean="0">
-                <a:solidFill>
-                  <a:schemeClr val="tx1"/>
-                </a:solidFill>
-                <a:latin typeface="Arial" charset="0"/>
-                <a:ea typeface="+mn-ea"/>
-                <a:cs typeface="+mn-cs"/>
-              </a:rPr>
-              <a:t>="6" </a:t>
-            </a:r>
-            <a:r>
-              <a:rPr lang="fr-FR" sz="1200" i="1" kern="1200" dirty="0" err="1" smtClean="0">
-                <a:solidFill>
-                  <a:schemeClr val="tx1"/>
-                </a:solidFill>
-                <a:latin typeface="Arial" charset="0"/>
-                <a:ea typeface="+mn-ea"/>
-                <a:cs typeface="+mn-cs"/>
-              </a:rPr>
-              <a:t>proprietaryRcAlgoNumber</a:t>
-            </a:r>
-            <a:r>
-              <a:rPr lang="fr-FR" sz="1200" i="1" kern="1200" dirty="0" smtClean="0">
-                <a:solidFill>
-                  <a:schemeClr val="tx1"/>
-                </a:solidFill>
-                <a:latin typeface="Arial" charset="0"/>
-                <a:ea typeface="+mn-ea"/>
-                <a:cs typeface="+mn-cs"/>
-              </a:rPr>
-              <a:t>="6" &gt;</a:t>
-            </a:r>
-          </a:p>
-          <a:p>
-            <a:pPr lvl="7"/>
-            <a:r>
-              <a:rPr lang="fr-FR" sz="1200" i="1" kern="1200" dirty="0" smtClean="0">
-                <a:solidFill>
-                  <a:schemeClr val="tx1"/>
-                </a:solidFill>
-                <a:latin typeface="Arial" charset="0"/>
-                <a:ea typeface="+mn-ea"/>
-                <a:cs typeface="+mn-cs"/>
-              </a:rPr>
-              <a:t>&lt;</a:t>
-            </a:r>
-            <a:r>
-              <a:rPr lang="fr-FR" sz="1200" i="1" kern="1200" dirty="0" err="1" smtClean="0">
-                <a:solidFill>
-                  <a:schemeClr val="tx1"/>
-                </a:solidFill>
-                <a:latin typeface="Arial" charset="0"/>
-                <a:ea typeface="+mn-ea"/>
-                <a:cs typeface="+mn-cs"/>
-              </a:rPr>
-              <a:t>Sync</a:t>
-            </a:r>
-            <a:r>
-              <a:rPr lang="fr-FR" sz="1200" i="1" kern="1200" dirty="0" smtClean="0">
-                <a:solidFill>
-                  <a:schemeClr val="tx1"/>
-                </a:solidFill>
-                <a:latin typeface="Arial" charset="0"/>
-                <a:ea typeface="+mn-ea"/>
-                <a:cs typeface="+mn-cs"/>
-              </a:rPr>
-              <a:t> value="0000000000"/&gt;</a:t>
-            </a:r>
-          </a:p>
-          <a:p>
-            <a:pPr lvl="7"/>
-            <a:r>
-              <a:rPr lang="en-US" sz="1200" i="1" kern="1200" dirty="0" smtClean="0">
-                <a:solidFill>
-                  <a:schemeClr val="tx1"/>
-                </a:solidFill>
-                <a:latin typeface="Arial" charset="0"/>
-                <a:ea typeface="+mn-ea"/>
-                <a:cs typeface="+mn-cs"/>
-              </a:rPr>
-              <a:t>&lt;Keyset </a:t>
-            </a:r>
-            <a:r>
-              <a:rPr lang="en-US" sz="1200" i="1" kern="1200" dirty="0" err="1" smtClean="0">
-                <a:solidFill>
-                  <a:schemeClr val="tx1"/>
-                </a:solidFill>
-                <a:latin typeface="Arial" charset="0"/>
-                <a:ea typeface="+mn-ea"/>
-                <a:cs typeface="+mn-cs"/>
-              </a:rPr>
-              <a:t>versionNumber</a:t>
-            </a:r>
-            <a:r>
-              <a:rPr lang="en-US" sz="1200" i="1" kern="1200" dirty="0" smtClean="0">
-                <a:solidFill>
-                  <a:schemeClr val="tx1"/>
-                </a:solidFill>
-                <a:latin typeface="Arial" charset="0"/>
-                <a:ea typeface="+mn-ea"/>
-                <a:cs typeface="+mn-cs"/>
-              </a:rPr>
-              <a:t>="1" </a:t>
-            </a:r>
-            <a:r>
-              <a:rPr lang="en-US" sz="1200" i="1" kern="1200" dirty="0" err="1" smtClean="0">
-                <a:solidFill>
-                  <a:schemeClr val="tx1"/>
-                </a:solidFill>
-                <a:latin typeface="Arial" charset="0"/>
-                <a:ea typeface="+mn-ea"/>
-                <a:cs typeface="+mn-cs"/>
-              </a:rPr>
-              <a:t>syncID</a:t>
-            </a:r>
-            <a:r>
-              <a:rPr lang="en-US" sz="1200" i="1" kern="1200" dirty="0" smtClean="0">
-                <a:solidFill>
-                  <a:schemeClr val="tx1"/>
-                </a:solidFill>
-                <a:latin typeface="Arial" charset="0"/>
-                <a:ea typeface="+mn-ea"/>
-                <a:cs typeface="+mn-cs"/>
-              </a:rPr>
-              <a:t>="Domain1KeySet1"&gt;</a:t>
-            </a:r>
-          </a:p>
-          <a:p>
-            <a:pPr lvl="8"/>
-            <a:r>
-              <a:rPr lang="fr-FR" sz="1200" i="1" kern="1200" dirty="0" smtClean="0">
-                <a:solidFill>
-                  <a:schemeClr val="tx1"/>
-                </a:solidFill>
-                <a:latin typeface="Arial" charset="0"/>
-                <a:ea typeface="+mn-ea"/>
-                <a:cs typeface="+mn-cs"/>
-              </a:rPr>
-              <a:t>&lt;</a:t>
-            </a:r>
-            <a:r>
-              <a:rPr lang="fr-FR" sz="1200" i="1" kern="1200" dirty="0" err="1" smtClean="0">
-                <a:solidFill>
-                  <a:schemeClr val="tx1"/>
-                </a:solidFill>
-                <a:latin typeface="Arial" charset="0"/>
-                <a:ea typeface="+mn-ea"/>
-                <a:cs typeface="+mn-cs"/>
-              </a:rPr>
-              <a:t>Sync</a:t>
-            </a:r>
-            <a:r>
-              <a:rPr lang="fr-FR" sz="1200" i="1" kern="1200" dirty="0" smtClean="0">
-                <a:solidFill>
-                  <a:schemeClr val="tx1"/>
-                </a:solidFill>
-                <a:latin typeface="Arial" charset="0"/>
-                <a:ea typeface="+mn-ea"/>
-                <a:cs typeface="+mn-cs"/>
-              </a:rPr>
-              <a:t> value="0000000001"/&gt;</a:t>
-            </a:r>
-          </a:p>
-          <a:p>
-            <a:pPr lvl="8"/>
-            <a:r>
-              <a:rPr lang="en-US" sz="1200" i="1" kern="1200" dirty="0" smtClean="0">
-                <a:solidFill>
-                  <a:schemeClr val="tx1"/>
-                </a:solidFill>
-                <a:latin typeface="Arial" charset="0"/>
-                <a:ea typeface="+mn-ea"/>
-                <a:cs typeface="+mn-cs"/>
-              </a:rPr>
-              <a:t>&lt;</a:t>
-            </a:r>
-            <a:r>
-              <a:rPr lang="en-US" sz="1200" i="1" kern="1200" dirty="0" err="1" smtClean="0">
-                <a:solidFill>
-                  <a:schemeClr val="tx1"/>
-                </a:solidFill>
-                <a:latin typeface="Arial" charset="0"/>
-                <a:ea typeface="+mn-ea"/>
-                <a:cs typeface="+mn-cs"/>
-              </a:rPr>
-              <a:t>Kic</a:t>
-            </a:r>
-            <a:r>
-              <a:rPr lang="en-US" sz="1200" i="1" kern="1200" dirty="0" smtClean="0">
-                <a:solidFill>
-                  <a:schemeClr val="tx1"/>
-                </a:solidFill>
-                <a:latin typeface="Arial" charset="0"/>
-                <a:ea typeface="+mn-ea"/>
-                <a:cs typeface="+mn-cs"/>
-              </a:rPr>
-              <a:t> value="000102030405060708090A0B0C0D0E0F" </a:t>
-            </a:r>
-            <a:r>
-              <a:rPr lang="en-US" sz="1200" i="1" kern="1200" dirty="0" err="1" smtClean="0">
-                <a:solidFill>
-                  <a:schemeClr val="tx1"/>
-                </a:solidFill>
-                <a:latin typeface="Arial" charset="0"/>
-                <a:ea typeface="+mn-ea"/>
-                <a:cs typeface="+mn-cs"/>
-              </a:rPr>
-              <a:t>algoNumber</a:t>
-            </a:r>
-            <a:r>
-              <a:rPr lang="en-US" sz="1200" i="1" kern="1200" dirty="0" smtClean="0">
-                <a:solidFill>
-                  <a:schemeClr val="tx1"/>
-                </a:solidFill>
-                <a:latin typeface="Arial" charset="0"/>
-                <a:ea typeface="+mn-ea"/>
-                <a:cs typeface="+mn-cs"/>
-              </a:rPr>
-              <a:t>="12"/&gt; </a:t>
-            </a:r>
-          </a:p>
-          <a:p>
-            <a:pPr lvl="8"/>
-            <a:r>
-              <a:rPr lang="en-US" sz="1200" i="1" kern="1200" dirty="0" smtClean="0">
-                <a:solidFill>
-                  <a:schemeClr val="tx1"/>
-                </a:solidFill>
-                <a:latin typeface="Arial" charset="0"/>
-                <a:ea typeface="+mn-ea"/>
-                <a:cs typeface="+mn-cs"/>
-              </a:rPr>
-              <a:t>&lt;Kid value="000102030405060708090A0B0C0D0E0F" </a:t>
-            </a:r>
-            <a:r>
-              <a:rPr lang="en-US" sz="1200" i="1" kern="1200" dirty="0" err="1" smtClean="0">
-                <a:solidFill>
-                  <a:schemeClr val="tx1"/>
-                </a:solidFill>
-                <a:latin typeface="Arial" charset="0"/>
-                <a:ea typeface="+mn-ea"/>
-                <a:cs typeface="+mn-cs"/>
-              </a:rPr>
-              <a:t>algoNumber</a:t>
-            </a:r>
-            <a:r>
-              <a:rPr lang="en-US" sz="1200" i="1" kern="1200" dirty="0" smtClean="0">
-                <a:solidFill>
-                  <a:schemeClr val="tx1"/>
-                </a:solidFill>
-                <a:latin typeface="Arial" charset="0"/>
-                <a:ea typeface="+mn-ea"/>
-                <a:cs typeface="+mn-cs"/>
-              </a:rPr>
-              <a:t>="3"/&gt; </a:t>
-            </a:r>
-          </a:p>
-          <a:p>
-            <a:pPr lvl="7"/>
-            <a:r>
-              <a:rPr lang="fr-FR" sz="1200" i="1" kern="1200" dirty="0" smtClean="0">
-                <a:solidFill>
-                  <a:schemeClr val="tx1"/>
-                </a:solidFill>
-                <a:latin typeface="Arial" charset="0"/>
-                <a:ea typeface="+mn-ea"/>
-                <a:cs typeface="+mn-cs"/>
-              </a:rPr>
-              <a:t>&lt;/</a:t>
-            </a:r>
-            <a:r>
-              <a:rPr lang="fr-FR" sz="1200" i="1" kern="1200" dirty="0" err="1" smtClean="0">
-                <a:solidFill>
-                  <a:schemeClr val="tx1"/>
-                </a:solidFill>
-                <a:latin typeface="Arial" charset="0"/>
-                <a:ea typeface="+mn-ea"/>
-                <a:cs typeface="+mn-cs"/>
-              </a:rPr>
-              <a:t>Keyset</a:t>
-            </a:r>
-            <a:r>
-              <a:rPr lang="fr-FR" sz="1200" i="1" kern="1200" dirty="0" smtClean="0">
-                <a:solidFill>
-                  <a:schemeClr val="tx1"/>
-                </a:solidFill>
-                <a:latin typeface="Arial" charset="0"/>
-                <a:ea typeface="+mn-ea"/>
-                <a:cs typeface="+mn-cs"/>
-              </a:rPr>
-              <a:t>&gt;</a:t>
-            </a:r>
-          </a:p>
-          <a:p>
-            <a:pPr lvl="7"/>
-            <a:r>
-              <a:rPr lang="en-US" sz="1200" i="1" kern="1200" dirty="0" smtClean="0">
-                <a:solidFill>
-                  <a:schemeClr val="tx1"/>
-                </a:solidFill>
-                <a:latin typeface="Arial" charset="0"/>
-                <a:ea typeface="+mn-ea"/>
-                <a:cs typeface="+mn-cs"/>
-              </a:rPr>
-              <a:t>&lt;Keyset </a:t>
-            </a:r>
-            <a:r>
-              <a:rPr lang="en-US" sz="1200" i="1" kern="1200" dirty="0" err="1" smtClean="0">
-                <a:solidFill>
-                  <a:schemeClr val="tx1"/>
-                </a:solidFill>
-                <a:latin typeface="Arial" charset="0"/>
-                <a:ea typeface="+mn-ea"/>
-                <a:cs typeface="+mn-cs"/>
-              </a:rPr>
-              <a:t>versionNumber</a:t>
-            </a:r>
-            <a:r>
-              <a:rPr lang="en-US" sz="1200" i="1" kern="1200" dirty="0" smtClean="0">
-                <a:solidFill>
-                  <a:schemeClr val="tx1"/>
-                </a:solidFill>
-                <a:latin typeface="Arial" charset="0"/>
-                <a:ea typeface="+mn-ea"/>
-                <a:cs typeface="+mn-cs"/>
-              </a:rPr>
-              <a:t>="2" </a:t>
-            </a:r>
-            <a:r>
-              <a:rPr lang="en-US" sz="1200" i="1" kern="1200" dirty="0" err="1" smtClean="0">
-                <a:solidFill>
-                  <a:schemeClr val="tx1"/>
-                </a:solidFill>
-                <a:latin typeface="Arial" charset="0"/>
-                <a:ea typeface="+mn-ea"/>
-                <a:cs typeface="+mn-cs"/>
-              </a:rPr>
-              <a:t>syncID</a:t>
-            </a:r>
-            <a:r>
-              <a:rPr lang="en-US" sz="1200" i="1" kern="1200" dirty="0" smtClean="0">
-                <a:solidFill>
-                  <a:schemeClr val="tx1"/>
-                </a:solidFill>
-                <a:latin typeface="Arial" charset="0"/>
-                <a:ea typeface="+mn-ea"/>
-                <a:cs typeface="+mn-cs"/>
-              </a:rPr>
-              <a:t>="Domain1KeySet2" &gt;</a:t>
-            </a:r>
-          </a:p>
-          <a:p>
-            <a:pPr lvl="8"/>
-            <a:r>
-              <a:rPr lang="fr-FR" sz="1200" i="1" kern="1200" dirty="0" smtClean="0">
-                <a:solidFill>
-                  <a:schemeClr val="tx1"/>
-                </a:solidFill>
-                <a:latin typeface="Arial" charset="0"/>
-                <a:ea typeface="+mn-ea"/>
-                <a:cs typeface="+mn-cs"/>
-              </a:rPr>
-              <a:t>&lt;</a:t>
-            </a:r>
-            <a:r>
-              <a:rPr lang="fr-FR" sz="1200" i="1" kern="1200" dirty="0" err="1" smtClean="0">
-                <a:solidFill>
-                  <a:schemeClr val="tx1"/>
-                </a:solidFill>
-                <a:latin typeface="Arial" charset="0"/>
-                <a:ea typeface="+mn-ea"/>
-                <a:cs typeface="+mn-cs"/>
-              </a:rPr>
-              <a:t>Sync</a:t>
-            </a:r>
-            <a:r>
-              <a:rPr lang="fr-FR" sz="1200" i="1" kern="1200" dirty="0" smtClean="0">
-                <a:solidFill>
-                  <a:schemeClr val="tx1"/>
-                </a:solidFill>
-                <a:latin typeface="Arial" charset="0"/>
-                <a:ea typeface="+mn-ea"/>
-                <a:cs typeface="+mn-cs"/>
-              </a:rPr>
-              <a:t> value="0000000001"/&gt;</a:t>
-            </a:r>
-          </a:p>
-          <a:p>
-            <a:pPr lvl="8"/>
-            <a:r>
-              <a:rPr lang="en-US" sz="1200" i="1" kern="1200" dirty="0" smtClean="0">
-                <a:solidFill>
-                  <a:schemeClr val="tx1"/>
-                </a:solidFill>
-                <a:latin typeface="Arial" charset="0"/>
-                <a:ea typeface="+mn-ea"/>
-                <a:cs typeface="+mn-cs"/>
-              </a:rPr>
-              <a:t>&lt;</a:t>
-            </a:r>
-            <a:r>
-              <a:rPr lang="en-US" sz="1200" i="1" kern="1200" dirty="0" err="1" smtClean="0">
-                <a:solidFill>
-                  <a:schemeClr val="tx1"/>
-                </a:solidFill>
-                <a:latin typeface="Arial" charset="0"/>
-                <a:ea typeface="+mn-ea"/>
-                <a:cs typeface="+mn-cs"/>
-              </a:rPr>
-              <a:t>Kic</a:t>
-            </a:r>
-            <a:r>
-              <a:rPr lang="en-US" sz="1200" i="1" kern="1200" dirty="0" smtClean="0">
-                <a:solidFill>
-                  <a:schemeClr val="tx1"/>
-                </a:solidFill>
-                <a:latin typeface="Arial" charset="0"/>
-                <a:ea typeface="+mn-ea"/>
-                <a:cs typeface="+mn-cs"/>
-              </a:rPr>
-              <a:t> value="000102030405060708090A0B0C0D0E0F" </a:t>
-            </a:r>
-            <a:r>
-              <a:rPr lang="en-US" sz="1200" i="1" kern="1200" dirty="0" err="1" smtClean="0">
-                <a:solidFill>
-                  <a:schemeClr val="tx1"/>
-                </a:solidFill>
-                <a:latin typeface="Arial" charset="0"/>
-                <a:ea typeface="+mn-ea"/>
-                <a:cs typeface="+mn-cs"/>
-              </a:rPr>
-              <a:t>algoNumber</a:t>
-            </a:r>
-            <a:r>
-              <a:rPr lang="en-US" sz="1200" i="1" kern="1200" dirty="0" smtClean="0">
-                <a:solidFill>
-                  <a:schemeClr val="tx1"/>
-                </a:solidFill>
-                <a:latin typeface="Arial" charset="0"/>
-                <a:ea typeface="+mn-ea"/>
-                <a:cs typeface="+mn-cs"/>
-              </a:rPr>
-              <a:t>="12"/&gt; </a:t>
-            </a:r>
-          </a:p>
-          <a:p>
-            <a:pPr lvl="8"/>
-            <a:r>
-              <a:rPr lang="en-US" sz="1200" i="1" kern="1200" dirty="0" smtClean="0">
-                <a:solidFill>
-                  <a:schemeClr val="tx1"/>
-                </a:solidFill>
-                <a:latin typeface="Arial" charset="0"/>
-                <a:ea typeface="+mn-ea"/>
-                <a:cs typeface="+mn-cs"/>
-              </a:rPr>
-              <a:t>&lt;Kid value="000102030405060708090A0B0C0D0E0F" </a:t>
-            </a:r>
-            <a:r>
-              <a:rPr lang="en-US" sz="1200" i="1" kern="1200" dirty="0" err="1" smtClean="0">
-                <a:solidFill>
-                  <a:schemeClr val="tx1"/>
-                </a:solidFill>
-                <a:latin typeface="Arial" charset="0"/>
-                <a:ea typeface="+mn-ea"/>
-                <a:cs typeface="+mn-cs"/>
-              </a:rPr>
-              <a:t>algoNumber</a:t>
-            </a:r>
-            <a:r>
-              <a:rPr lang="en-US" sz="1200" i="1" kern="1200" dirty="0" smtClean="0">
-                <a:solidFill>
-                  <a:schemeClr val="tx1"/>
-                </a:solidFill>
-                <a:latin typeface="Arial" charset="0"/>
-                <a:ea typeface="+mn-ea"/>
-                <a:cs typeface="+mn-cs"/>
-              </a:rPr>
-              <a:t>="3"/&gt; </a:t>
-            </a:r>
-          </a:p>
-          <a:p>
-            <a:pPr lvl="7"/>
-            <a:r>
-              <a:rPr lang="fr-FR" sz="1200" i="1" kern="1200" dirty="0" smtClean="0">
-                <a:solidFill>
-                  <a:schemeClr val="tx1"/>
-                </a:solidFill>
-                <a:latin typeface="Arial" charset="0"/>
-                <a:ea typeface="+mn-ea"/>
-                <a:cs typeface="+mn-cs"/>
-              </a:rPr>
-              <a:t>&lt;/</a:t>
-            </a:r>
-            <a:r>
-              <a:rPr lang="fr-FR" sz="1200" i="1" kern="1200" dirty="0" err="1" smtClean="0">
-                <a:solidFill>
-                  <a:schemeClr val="tx1"/>
-                </a:solidFill>
-                <a:latin typeface="Arial" charset="0"/>
-                <a:ea typeface="+mn-ea"/>
-                <a:cs typeface="+mn-cs"/>
-              </a:rPr>
-              <a:t>Keyset</a:t>
-            </a:r>
-            <a:r>
-              <a:rPr lang="fr-FR" sz="1200" i="1" kern="1200" dirty="0" smtClean="0">
-                <a:solidFill>
-                  <a:schemeClr val="tx1"/>
-                </a:solidFill>
-                <a:latin typeface="Arial" charset="0"/>
-                <a:ea typeface="+mn-ea"/>
-                <a:cs typeface="+mn-cs"/>
-              </a:rPr>
-              <a:t>&gt;</a:t>
-            </a:r>
-          </a:p>
-          <a:p>
-            <a:pPr lvl="6"/>
-            <a:r>
-              <a:rPr lang="fr-FR" sz="1200" i="1" kern="1200" dirty="0" smtClean="0">
-                <a:solidFill>
-                  <a:schemeClr val="tx1"/>
-                </a:solidFill>
-                <a:latin typeface="Arial" charset="0"/>
-                <a:ea typeface="+mn-ea"/>
-                <a:cs typeface="+mn-cs"/>
-              </a:rPr>
-              <a:t>&lt;/</a:t>
-            </a:r>
-            <a:r>
-              <a:rPr lang="fr-FR" sz="1200" i="1" kern="1200" dirty="0" err="1" smtClean="0">
-                <a:solidFill>
-                  <a:schemeClr val="tx1"/>
-                </a:solidFill>
-                <a:latin typeface="Arial" charset="0"/>
-                <a:ea typeface="+mn-ea"/>
-                <a:cs typeface="+mn-cs"/>
-              </a:rPr>
-              <a:t>SecurityDomain</a:t>
-            </a:r>
-            <a:r>
-              <a:rPr lang="fr-FR" sz="1200" i="1" kern="1200" dirty="0" smtClean="0">
-                <a:solidFill>
-                  <a:schemeClr val="tx1"/>
-                </a:solidFill>
-                <a:latin typeface="Arial" charset="0"/>
-                <a:ea typeface="+mn-ea"/>
-                <a:cs typeface="+mn-cs"/>
-              </a:rPr>
-              <a:t>&gt;</a:t>
-            </a:r>
-          </a:p>
-          <a:p>
-            <a:pPr lvl="5"/>
-            <a:r>
-              <a:rPr lang="fr-FR" sz="1200" i="1" kern="1200" dirty="0" smtClean="0">
-                <a:solidFill>
-                  <a:schemeClr val="tx1"/>
-                </a:solidFill>
-                <a:latin typeface="Arial" charset="0"/>
-                <a:ea typeface="+mn-ea"/>
-                <a:cs typeface="+mn-cs"/>
-              </a:rPr>
-              <a:t>&lt;/</a:t>
-            </a:r>
-            <a:r>
-              <a:rPr lang="fr-FR" sz="1200" i="1" kern="1200" dirty="0" err="1" smtClean="0">
-                <a:solidFill>
-                  <a:schemeClr val="tx1"/>
-                </a:solidFill>
-                <a:latin typeface="Arial" charset="0"/>
-                <a:ea typeface="+mn-ea"/>
-                <a:cs typeface="+mn-cs"/>
-              </a:rPr>
-              <a:t>MBCard</a:t>
-            </a:r>
-            <a:r>
-              <a:rPr lang="fr-FR" sz="1200" i="1" kern="1200" dirty="0" smtClean="0">
-                <a:solidFill>
-                  <a:schemeClr val="tx1"/>
-                </a:solidFill>
-                <a:latin typeface="Arial" charset="0"/>
-                <a:ea typeface="+mn-ea"/>
-                <a:cs typeface="+mn-cs"/>
-              </a:rPr>
-              <a:t>&gt;</a:t>
-            </a:r>
-          </a:p>
-          <a:p>
-            <a:pPr lvl="3"/>
-            <a:r>
-              <a:rPr lang="fr-FR" sz="1200" i="1" kern="1200" dirty="0" smtClean="0">
-                <a:solidFill>
-                  <a:schemeClr val="tx1"/>
-                </a:solidFill>
-                <a:latin typeface="Arial" charset="0"/>
-                <a:ea typeface="+mn-ea"/>
-                <a:cs typeface="+mn-cs"/>
-              </a:rPr>
-              <a:t>	]]&gt;</a:t>
-            </a:r>
-          </a:p>
-          <a:p>
-            <a:pPr lvl="3"/>
-            <a:r>
-              <a:rPr lang="fr-FR" sz="1200" i="1" kern="1200" dirty="0" smtClean="0">
-                <a:solidFill>
-                  <a:schemeClr val="tx1"/>
-                </a:solidFill>
-                <a:latin typeface="Arial" charset="0"/>
-                <a:ea typeface="+mn-ea"/>
-                <a:cs typeface="+mn-cs"/>
-              </a:rPr>
-              <a:t>&lt;/</a:t>
-            </a:r>
-            <a:r>
-              <a:rPr lang="fr-FR" sz="1200" i="1" kern="1200" dirty="0" err="1" smtClean="0">
-                <a:solidFill>
-                  <a:schemeClr val="tx1"/>
-                </a:solidFill>
-                <a:latin typeface="Arial" charset="0"/>
-                <a:ea typeface="+mn-ea"/>
-                <a:cs typeface="+mn-cs"/>
-              </a:rPr>
-              <a:t>sps:Ota-security</a:t>
-            </a:r>
-            <a:r>
-              <a:rPr lang="fr-FR" sz="1200" i="1" kern="1200" dirty="0" smtClean="0">
-                <a:solidFill>
-                  <a:schemeClr val="tx1"/>
-                </a:solidFill>
-                <a:latin typeface="Arial" charset="0"/>
-                <a:ea typeface="+mn-ea"/>
-                <a:cs typeface="+mn-cs"/>
-              </a:rPr>
-              <a:t>&gt;</a:t>
-            </a:r>
-          </a:p>
-          <a:p>
-            <a:pPr marL="914400" marR="0" lvl="2" indent="0" algn="l" defTabSz="914400" rtl="0" eaLnBrk="0" fontAlgn="base" latinLnBrk="0" hangingPunct="0">
-              <a:lnSpc>
-                <a:spcPct val="100000"/>
-              </a:lnSpc>
-              <a:spcBef>
-                <a:spcPct val="30000"/>
-              </a:spcBef>
-              <a:spcAft>
-                <a:spcPct val="0"/>
-              </a:spcAft>
-              <a:buClrTx/>
-              <a:buSzTx/>
-              <a:buFontTx/>
-              <a:buNone/>
-              <a:tabLst/>
-              <a:defRPr/>
-            </a:pPr>
-            <a:endParaRPr lang="en-US" sz="1200" i="1" kern="1200" dirty="0" smtClean="0">
-              <a:solidFill>
-                <a:schemeClr val="tx1"/>
-              </a:solidFill>
-              <a:latin typeface="Arial" charset="0"/>
-              <a:ea typeface="+mn-ea"/>
-              <a:cs typeface="+mn-cs"/>
-            </a:endParaRPr>
-          </a:p>
-          <a:p>
-            <a:pPr marL="1371600" marR="0" lvl="3" indent="0" algn="l" defTabSz="914400" rtl="0" eaLnBrk="0" fontAlgn="base" latinLnBrk="0" hangingPunct="0">
-              <a:lnSpc>
-                <a:spcPct val="100000"/>
-              </a:lnSpc>
-              <a:spcBef>
-                <a:spcPct val="30000"/>
-              </a:spcBef>
-              <a:spcAft>
-                <a:spcPct val="0"/>
-              </a:spcAft>
-              <a:buClrTx/>
-              <a:buSzTx/>
-              <a:buFontTx/>
-              <a:buNone/>
-              <a:tabLst/>
-              <a:defRPr/>
-            </a:pPr>
-            <a:r>
-              <a:rPr lang="fr-FR" sz="1200" i="1" kern="1200" dirty="0" smtClean="0">
-                <a:solidFill>
-                  <a:schemeClr val="tx1"/>
-                </a:solidFill>
-                <a:latin typeface="Arial" charset="0"/>
-                <a:ea typeface="+mn-ea"/>
-                <a:cs typeface="+mn-cs"/>
-              </a:rPr>
-              <a:t>&lt;</a:t>
-            </a:r>
-            <a:r>
-              <a:rPr lang="fr-FR" sz="1200" i="1" kern="1200" dirty="0" err="1" smtClean="0">
-                <a:solidFill>
-                  <a:schemeClr val="tx1"/>
-                </a:solidFill>
-                <a:latin typeface="Arial" charset="0"/>
-                <a:ea typeface="+mn-ea"/>
-                <a:cs typeface="+mn-cs"/>
-              </a:rPr>
-              <a:t>sps:SubscribeTo</a:t>
-            </a:r>
-            <a:r>
-              <a:rPr lang="fr-FR" sz="1200" i="1" kern="1200" dirty="0" smtClean="0">
-                <a:solidFill>
-                  <a:schemeClr val="tx1"/>
-                </a:solidFill>
-                <a:latin typeface="Arial" charset="0"/>
-                <a:ea typeface="+mn-ea"/>
-                <a:cs typeface="+mn-cs"/>
-              </a:rPr>
-              <a:t>&gt;</a:t>
-            </a:r>
-          </a:p>
-          <a:p>
-            <a:pPr lvl="2"/>
-            <a:r>
-              <a:rPr lang="fr-FR" sz="1200" i="1" kern="1200" dirty="0" smtClean="0">
-                <a:solidFill>
-                  <a:schemeClr val="tx1"/>
-                </a:solidFill>
-                <a:latin typeface="Arial" charset="0"/>
-                <a:ea typeface="+mn-ea"/>
-                <a:cs typeface="+mn-cs"/>
-              </a:rPr>
-              <a:t>           &lt;</a:t>
-            </a:r>
-            <a:r>
-              <a:rPr lang="fr-FR" sz="1200" i="1" kern="1200" dirty="0" err="1" smtClean="0">
-                <a:solidFill>
-                  <a:schemeClr val="tx1"/>
-                </a:solidFill>
-                <a:latin typeface="Arial" charset="0"/>
-                <a:ea typeface="+mn-ea"/>
-                <a:cs typeface="+mn-cs"/>
-              </a:rPr>
-              <a:t>sps:Capabilities</a:t>
-            </a:r>
-            <a:r>
-              <a:rPr lang="fr-FR" sz="1200" i="1" kern="1200" dirty="0" smtClean="0">
-                <a:solidFill>
-                  <a:schemeClr val="tx1"/>
-                </a:solidFill>
-                <a:latin typeface="Arial" charset="0"/>
-                <a:ea typeface="+mn-ea"/>
-                <a:cs typeface="+mn-cs"/>
-              </a:rPr>
-              <a:t>&gt;</a:t>
-            </a:r>
-          </a:p>
-          <a:p>
-            <a:pPr lvl="3"/>
-            <a:r>
-              <a:rPr lang="en-US" sz="1200" i="1" kern="1200" dirty="0" smtClean="0">
-                <a:solidFill>
-                  <a:schemeClr val="tx1"/>
-                </a:solidFill>
-                <a:latin typeface="Arial" charset="0"/>
-                <a:ea typeface="+mn-ea"/>
-                <a:cs typeface="+mn-cs"/>
-              </a:rPr>
-              <a:t>      &lt;</a:t>
-            </a:r>
-            <a:r>
-              <a:rPr lang="en-US" sz="1200" i="1" kern="1200" dirty="0" err="1" smtClean="0">
-                <a:solidFill>
-                  <a:schemeClr val="tx1"/>
-                </a:solidFill>
-                <a:latin typeface="Arial" charset="0"/>
-                <a:ea typeface="+mn-ea"/>
-                <a:cs typeface="+mn-cs"/>
-              </a:rPr>
-              <a:t>sps:Capability</a:t>
-            </a:r>
-            <a:r>
-              <a:rPr lang="en-US" sz="1200" i="1" kern="1200" dirty="0" smtClean="0">
-                <a:solidFill>
-                  <a:schemeClr val="tx1"/>
-                </a:solidFill>
-                <a:latin typeface="Arial" charset="0"/>
-                <a:ea typeface="+mn-ea"/>
-                <a:cs typeface="+mn-cs"/>
-              </a:rPr>
-              <a:t> key="Prepaid" value="false"/&gt;</a:t>
-            </a:r>
-          </a:p>
-          <a:p>
-            <a:pPr lvl="3"/>
-            <a:r>
-              <a:rPr lang="en-US" sz="1200" i="1" kern="1200" dirty="0" smtClean="0">
-                <a:solidFill>
-                  <a:schemeClr val="tx1"/>
-                </a:solidFill>
-                <a:latin typeface="Arial" charset="0"/>
-                <a:ea typeface="+mn-ea"/>
-                <a:cs typeface="+mn-cs"/>
-              </a:rPr>
-              <a:t>      &lt;</a:t>
-            </a:r>
-            <a:r>
-              <a:rPr lang="en-US" sz="1200" i="1" kern="1200" dirty="0" err="1" smtClean="0">
-                <a:solidFill>
-                  <a:schemeClr val="tx1"/>
-                </a:solidFill>
-                <a:latin typeface="Arial" charset="0"/>
-                <a:ea typeface="+mn-ea"/>
-                <a:cs typeface="+mn-cs"/>
-              </a:rPr>
-              <a:t>sps:Capability</a:t>
-            </a:r>
-            <a:r>
-              <a:rPr lang="en-US" sz="1200" i="1" kern="1200" dirty="0" smtClean="0">
-                <a:solidFill>
-                  <a:schemeClr val="tx1"/>
-                </a:solidFill>
-                <a:latin typeface="Arial" charset="0"/>
-                <a:ea typeface="+mn-ea"/>
-                <a:cs typeface="+mn-cs"/>
-              </a:rPr>
-              <a:t> key="Postpaid" value="true"/&gt;</a:t>
-            </a:r>
-          </a:p>
-          <a:p>
-            <a:pPr lvl="2"/>
-            <a:r>
-              <a:rPr lang="fr-FR" sz="1200" i="1" kern="1200" dirty="0" smtClean="0">
-                <a:solidFill>
-                  <a:schemeClr val="tx1"/>
-                </a:solidFill>
-                <a:latin typeface="Arial" charset="0"/>
-                <a:ea typeface="+mn-ea"/>
-                <a:cs typeface="+mn-cs"/>
-              </a:rPr>
-              <a:t>          &lt;/</a:t>
-            </a:r>
-            <a:r>
-              <a:rPr lang="fr-FR" sz="1200" i="1" kern="1200" dirty="0" err="1" smtClean="0">
-                <a:solidFill>
-                  <a:schemeClr val="tx1"/>
-                </a:solidFill>
-                <a:latin typeface="Arial" charset="0"/>
-                <a:ea typeface="+mn-ea"/>
-                <a:cs typeface="+mn-cs"/>
-              </a:rPr>
-              <a:t>sps:Capabilities</a:t>
-            </a:r>
-            <a:r>
-              <a:rPr lang="fr-FR" sz="1200" i="1" kern="1200" dirty="0" smtClean="0">
-                <a:solidFill>
-                  <a:schemeClr val="tx1"/>
-                </a:solidFill>
-                <a:latin typeface="Arial" charset="0"/>
-                <a:ea typeface="+mn-ea"/>
-                <a:cs typeface="+mn-cs"/>
-              </a:rPr>
-              <a:t>&gt;</a:t>
-            </a:r>
-          </a:p>
-          <a:p>
-            <a:pPr lvl="2"/>
-            <a:r>
-              <a:rPr lang="fr-FR" sz="1200" i="1" kern="1200" dirty="0" smtClean="0">
-                <a:solidFill>
-                  <a:schemeClr val="tx1"/>
-                </a:solidFill>
-                <a:latin typeface="Arial" charset="0"/>
-                <a:ea typeface="+mn-ea"/>
-                <a:cs typeface="+mn-cs"/>
-              </a:rPr>
-              <a:t>          &lt;</a:t>
-            </a:r>
-            <a:r>
-              <a:rPr lang="fr-FR" sz="1200" i="1" kern="1200" dirty="0" err="1" smtClean="0">
-                <a:solidFill>
-                  <a:schemeClr val="tx1"/>
-                </a:solidFill>
-                <a:latin typeface="Arial" charset="0"/>
-                <a:ea typeface="+mn-ea"/>
-                <a:cs typeface="+mn-cs"/>
-              </a:rPr>
-              <a:t>sps:SubscribedOptions</a:t>
-            </a:r>
-            <a:r>
-              <a:rPr lang="fr-FR" sz="1200" i="1" kern="1200" dirty="0" smtClean="0">
-                <a:solidFill>
-                  <a:schemeClr val="tx1"/>
-                </a:solidFill>
-                <a:latin typeface="Arial" charset="0"/>
-                <a:ea typeface="+mn-ea"/>
-                <a:cs typeface="+mn-cs"/>
-              </a:rPr>
-              <a:t>&gt;</a:t>
-            </a:r>
-          </a:p>
-          <a:p>
-            <a:pPr lvl="2"/>
-            <a:r>
-              <a:rPr lang="en-US" sz="1200" i="1" kern="1200" dirty="0" smtClean="0">
-                <a:solidFill>
-                  <a:schemeClr val="tx1"/>
-                </a:solidFill>
-                <a:latin typeface="Arial" charset="0"/>
-                <a:ea typeface="+mn-ea"/>
-                <a:cs typeface="+mn-cs"/>
-              </a:rPr>
-              <a:t>               &lt;</a:t>
-            </a:r>
-            <a:r>
-              <a:rPr lang="fr-FR" sz="1200" i="1" kern="1200" dirty="0" err="1" smtClean="0">
-                <a:solidFill>
-                  <a:schemeClr val="tx1"/>
-                </a:solidFill>
-                <a:latin typeface="Arial" charset="0"/>
-                <a:ea typeface="+mn-ea"/>
-                <a:cs typeface="+mn-cs"/>
-              </a:rPr>
-              <a:t>sps</a:t>
-            </a:r>
-            <a:r>
-              <a:rPr lang="fr-FR" sz="1200" i="1" kern="1200" dirty="0" smtClean="0">
-                <a:solidFill>
-                  <a:schemeClr val="tx1"/>
-                </a:solidFill>
-                <a:latin typeface="Arial" charset="0"/>
-                <a:ea typeface="+mn-ea"/>
-                <a:cs typeface="+mn-cs"/>
-              </a:rPr>
-              <a:t>:</a:t>
-            </a:r>
-            <a:r>
-              <a:rPr lang="en-US" sz="1200" i="1" kern="1200" dirty="0" err="1" smtClean="0">
-                <a:solidFill>
-                  <a:schemeClr val="tx1"/>
-                </a:solidFill>
-                <a:latin typeface="Arial" charset="0"/>
-                <a:ea typeface="+mn-ea"/>
-                <a:cs typeface="+mn-cs"/>
-              </a:rPr>
-              <a:t>SubscribedOption</a:t>
-            </a:r>
-            <a:r>
-              <a:rPr lang="en-US" sz="1200" i="1" kern="1200" dirty="0" smtClean="0">
-                <a:solidFill>
-                  <a:schemeClr val="tx1"/>
-                </a:solidFill>
-                <a:latin typeface="Arial" charset="0"/>
-                <a:ea typeface="+mn-ea"/>
-                <a:cs typeface="+mn-cs"/>
-              </a:rPr>
-              <a:t> name="SFR family" state="ACTIVATED"/&gt;</a:t>
-            </a:r>
-          </a:p>
-          <a:p>
-            <a:pPr lvl="2"/>
-            <a:r>
-              <a:rPr lang="fr-FR" sz="1200" i="1" kern="1200" dirty="0" smtClean="0">
-                <a:solidFill>
-                  <a:schemeClr val="tx1"/>
-                </a:solidFill>
-                <a:latin typeface="Arial" charset="0"/>
-                <a:ea typeface="+mn-ea"/>
-                <a:cs typeface="+mn-cs"/>
-              </a:rPr>
-              <a:t>          &lt;/</a:t>
-            </a:r>
-            <a:r>
-              <a:rPr lang="fr-FR" sz="1200" i="1" kern="1200" dirty="0" err="1" smtClean="0">
-                <a:solidFill>
-                  <a:schemeClr val="tx1"/>
-                </a:solidFill>
-                <a:latin typeface="Arial" charset="0"/>
-                <a:ea typeface="+mn-ea"/>
-                <a:cs typeface="+mn-cs"/>
-              </a:rPr>
-              <a:t>sps:SubscribedOptions</a:t>
-            </a:r>
-            <a:r>
-              <a:rPr lang="fr-FR" sz="1200" i="1" kern="1200" dirty="0" smtClean="0">
-                <a:solidFill>
-                  <a:schemeClr val="tx1"/>
-                </a:solidFill>
-                <a:latin typeface="Arial" charset="0"/>
-                <a:ea typeface="+mn-ea"/>
-                <a:cs typeface="+mn-cs"/>
-              </a:rPr>
-              <a:t>&gt;</a:t>
-            </a:r>
-          </a:p>
-          <a:p>
-            <a:pPr lvl="2"/>
-            <a:r>
-              <a:rPr lang="fr-FR" sz="1200" i="1" kern="1200" dirty="0" smtClean="0">
-                <a:solidFill>
-                  <a:schemeClr val="tx1"/>
-                </a:solidFill>
-                <a:latin typeface="Arial" charset="0"/>
-                <a:ea typeface="+mn-ea"/>
-                <a:cs typeface="+mn-cs"/>
-              </a:rPr>
-              <a:t>      &lt;/</a:t>
-            </a:r>
-            <a:r>
-              <a:rPr lang="fr-FR" sz="1200" i="1" kern="1200" dirty="0" err="1" smtClean="0">
-                <a:solidFill>
-                  <a:schemeClr val="tx1"/>
-                </a:solidFill>
-                <a:latin typeface="Arial" charset="0"/>
-                <a:ea typeface="+mn-ea"/>
-                <a:cs typeface="+mn-cs"/>
-              </a:rPr>
-              <a:t>sps:SubscribeTo</a:t>
-            </a:r>
-            <a:r>
-              <a:rPr lang="fr-FR" sz="1200" i="1" kern="1200" dirty="0" smtClean="0">
-                <a:solidFill>
-                  <a:schemeClr val="tx1"/>
-                </a:solidFill>
-                <a:latin typeface="Arial" charset="0"/>
-                <a:ea typeface="+mn-ea"/>
-                <a:cs typeface="+mn-cs"/>
-              </a:rPr>
-              <a:t>&gt;</a:t>
-            </a:r>
-          </a:p>
-          <a:p>
-            <a:pPr marL="914400" marR="0" lvl="2" indent="0" algn="l" defTabSz="914400" rtl="0" eaLnBrk="0" fontAlgn="base" latinLnBrk="0" hangingPunct="0">
-              <a:lnSpc>
-                <a:spcPct val="100000"/>
-              </a:lnSpc>
-              <a:spcBef>
-                <a:spcPct val="30000"/>
-              </a:spcBef>
-              <a:spcAft>
-                <a:spcPct val="0"/>
-              </a:spcAft>
-              <a:buClrTx/>
-              <a:buSzTx/>
-              <a:buFontTx/>
-              <a:buNone/>
-              <a:tabLst/>
-              <a:defRPr/>
-            </a:pPr>
-            <a:endParaRPr lang="fr-FR" sz="1200" i="1" kern="1200" dirty="0" smtClean="0">
-              <a:solidFill>
-                <a:schemeClr val="tx1"/>
-              </a:solidFill>
-              <a:latin typeface="Arial" charset="0"/>
-              <a:ea typeface="+mn-ea"/>
-              <a:cs typeface="+mn-cs"/>
-            </a:endParaRPr>
-          </a:p>
-          <a:p>
-            <a:pPr marL="914400" marR="0" lvl="2" indent="0" algn="l" defTabSz="914400" rtl="0" eaLnBrk="0" fontAlgn="base" latinLnBrk="0" hangingPunct="0">
-              <a:lnSpc>
-                <a:spcPct val="100000"/>
-              </a:lnSpc>
-              <a:spcBef>
-                <a:spcPct val="30000"/>
-              </a:spcBef>
-              <a:spcAft>
-                <a:spcPct val="0"/>
-              </a:spcAft>
-              <a:buClrTx/>
-              <a:buSzTx/>
-              <a:buFontTx/>
-              <a:buNone/>
-              <a:tabLst/>
-              <a:defRPr/>
-            </a:pPr>
-            <a:r>
-              <a:rPr lang="fr-FR" sz="1200" i="1" kern="1200" dirty="0" smtClean="0">
-                <a:solidFill>
-                  <a:schemeClr val="tx1"/>
-                </a:solidFill>
-                <a:latin typeface="Arial" charset="0"/>
-                <a:ea typeface="+mn-ea"/>
-                <a:cs typeface="+mn-cs"/>
-              </a:rPr>
-              <a:t>&lt;/</a:t>
-            </a:r>
-            <a:r>
-              <a:rPr lang="fr-FR" sz="1200" i="1" kern="1200" dirty="0" err="1" smtClean="0">
-                <a:solidFill>
-                  <a:schemeClr val="tx1"/>
-                </a:solidFill>
-                <a:latin typeface="Arial" charset="0"/>
-                <a:ea typeface="+mn-ea"/>
-                <a:cs typeface="+mn-cs"/>
-              </a:rPr>
-              <a:t>sps:elements</a:t>
-            </a:r>
-            <a:r>
-              <a:rPr lang="fr-FR" sz="1200" i="1" kern="1200" dirty="0" smtClean="0">
-                <a:solidFill>
-                  <a:schemeClr val="tx1"/>
-                </a:solidFill>
-                <a:latin typeface="Arial" charset="0"/>
-                <a:ea typeface="+mn-ea"/>
-                <a:cs typeface="+mn-cs"/>
-              </a:rPr>
-              <a:t>&gt;</a:t>
-            </a:r>
-          </a:p>
-          <a:p>
-            <a:pPr lvl="2"/>
-            <a:endParaRPr lang="fr-FR" sz="1200" i="1" kern="1200" dirty="0" smtClean="0">
-              <a:solidFill>
-                <a:schemeClr val="tx1"/>
-              </a:solidFill>
-              <a:latin typeface="Arial" charset="0"/>
-              <a:ea typeface="+mn-ea"/>
-              <a:cs typeface="+mn-cs"/>
-            </a:endParaRPr>
-          </a:p>
-          <a:p>
-            <a:pPr lvl="2"/>
-            <a:r>
-              <a:rPr lang="en-US" sz="1200" i="1" kern="1200" dirty="0" smtClean="0">
-                <a:solidFill>
-                  <a:schemeClr val="tx1"/>
-                </a:solidFill>
-                <a:latin typeface="Arial" charset="0"/>
-                <a:ea typeface="+mn-ea"/>
-                <a:cs typeface="+mn-cs"/>
-              </a:rPr>
-              <a:t>&lt;!–-------</a:t>
-            </a:r>
-            <a:r>
-              <a:rPr lang="en-US" sz="1200" i="1" kern="1200" baseline="0" dirty="0" smtClean="0">
-                <a:solidFill>
-                  <a:schemeClr val="tx1"/>
-                </a:solidFill>
-                <a:latin typeface="Arial" charset="0"/>
-                <a:ea typeface="+mn-ea"/>
-                <a:cs typeface="+mn-cs"/>
-              </a:rPr>
-              <a:t> </a:t>
-            </a:r>
-            <a:r>
-              <a:rPr lang="en-US" sz="1200" i="1" kern="1200" dirty="0" smtClean="0">
-                <a:solidFill>
-                  <a:schemeClr val="tx1"/>
-                </a:solidFill>
-                <a:latin typeface="Arial" charset="0"/>
-                <a:ea typeface="+mn-ea"/>
-                <a:cs typeface="+mn-cs"/>
-              </a:rPr>
-              <a:t>SPS sends this section to LPM --------- -&gt;</a:t>
-            </a:r>
-          </a:p>
-          <a:p>
-            <a:pPr marL="914400" marR="0" lvl="2" indent="0" algn="l" defTabSz="914400" rtl="0" eaLnBrk="0" fontAlgn="base" latinLnBrk="0" hangingPunct="0">
-              <a:lnSpc>
-                <a:spcPct val="100000"/>
-              </a:lnSpc>
-              <a:spcBef>
-                <a:spcPct val="30000"/>
-              </a:spcBef>
-              <a:spcAft>
-                <a:spcPct val="0"/>
-              </a:spcAft>
-              <a:buClrTx/>
-              <a:buSzTx/>
-              <a:buFontTx/>
-              <a:buNone/>
-              <a:tabLst/>
-              <a:defRPr/>
-            </a:pPr>
-            <a:r>
-              <a:rPr lang="fr-FR" sz="1200" i="1" kern="1200" dirty="0" smtClean="0">
-                <a:solidFill>
-                  <a:schemeClr val="tx1"/>
-                </a:solidFill>
-                <a:latin typeface="Arial" charset="0"/>
-                <a:ea typeface="+mn-ea"/>
-                <a:cs typeface="+mn-cs"/>
-              </a:rPr>
-              <a:t>&lt;</a:t>
-            </a:r>
-            <a:r>
-              <a:rPr lang="fr-FR" sz="1200" i="1" kern="1200" dirty="0" err="1" smtClean="0">
-                <a:solidFill>
-                  <a:schemeClr val="tx1"/>
-                </a:solidFill>
-                <a:latin typeface="Arial" charset="0"/>
-                <a:ea typeface="+mn-ea"/>
-                <a:cs typeface="+mn-cs"/>
-              </a:rPr>
-              <a:t>lpm:CreateSubscription</a:t>
-            </a:r>
-            <a:r>
-              <a:rPr lang="fr-FR" sz="1200" i="1" kern="1200" dirty="0" smtClean="0">
-                <a:solidFill>
-                  <a:schemeClr val="tx1"/>
-                </a:solidFill>
-                <a:latin typeface="Arial" charset="0"/>
-                <a:ea typeface="+mn-ea"/>
-                <a:cs typeface="+mn-cs"/>
-              </a:rPr>
-              <a:t> </a:t>
-            </a:r>
-            <a:r>
-              <a:rPr lang="fr-FR" sz="1200" i="1" kern="1200" dirty="0" err="1" smtClean="0">
-                <a:solidFill>
-                  <a:schemeClr val="tx1"/>
-                </a:solidFill>
-                <a:latin typeface="Arial" charset="0"/>
-                <a:ea typeface="+mn-ea"/>
-                <a:cs typeface="+mn-cs"/>
-              </a:rPr>
-              <a:t>iccid</a:t>
-            </a:r>
-            <a:r>
-              <a:rPr lang="fr-FR" sz="1200" i="1" kern="1200" dirty="0" smtClean="0">
-                <a:solidFill>
-                  <a:schemeClr val="tx1"/>
-                </a:solidFill>
-                <a:latin typeface="Arial" charset="0"/>
-                <a:ea typeface="+mn-ea"/>
-                <a:cs typeface="+mn-cs"/>
-              </a:rPr>
-              <a:t>=«99492011110000000» </a:t>
-            </a:r>
-            <a:r>
-              <a:rPr lang="fr-FR" sz="1200" i="1" kern="1200" dirty="0" err="1" smtClean="0">
-                <a:solidFill>
-                  <a:schemeClr val="tx1"/>
-                </a:solidFill>
-                <a:latin typeface="Arial" charset="0"/>
-                <a:ea typeface="+mn-ea"/>
-                <a:cs typeface="+mn-cs"/>
-              </a:rPr>
-              <a:t>imsi</a:t>
-            </a:r>
-            <a:r>
-              <a:rPr lang="fr-FR" sz="1200" i="1" kern="1200" dirty="0" smtClean="0">
-                <a:solidFill>
-                  <a:schemeClr val="tx1"/>
-                </a:solidFill>
-                <a:latin typeface="Arial" charset="0"/>
-                <a:ea typeface="+mn-ea"/>
-                <a:cs typeface="+mn-cs"/>
-              </a:rPr>
-              <a:t>=«00894922220000000» </a:t>
-            </a:r>
-            <a:r>
-              <a:rPr lang="fr-FR" sz="1200" i="1" kern="1200" dirty="0" err="1" smtClean="0">
-                <a:solidFill>
-                  <a:schemeClr val="tx1"/>
-                </a:solidFill>
-                <a:latin typeface="Arial" charset="0"/>
-                <a:ea typeface="+mn-ea"/>
-                <a:cs typeface="+mn-cs"/>
-              </a:rPr>
-              <a:t>msisdn</a:t>
-            </a:r>
-            <a:r>
-              <a:rPr lang="fr-FR" sz="1200" i="1" kern="1200" dirty="0" smtClean="0">
-                <a:solidFill>
-                  <a:schemeClr val="tx1"/>
-                </a:solidFill>
-                <a:latin typeface="Arial" charset="0"/>
-                <a:ea typeface="+mn-ea"/>
-                <a:cs typeface="+mn-cs"/>
-              </a:rPr>
-              <a:t>=«0612131313»</a:t>
-            </a:r>
-          </a:p>
-          <a:p>
-            <a:pPr lvl="3"/>
-            <a:r>
-              <a:rPr lang="en-US" sz="900" i="1" dirty="0" err="1" smtClean="0"/>
-              <a:t>initalState</a:t>
-            </a:r>
-            <a:r>
-              <a:rPr lang="en-US" sz="900" i="1" dirty="0" smtClean="0"/>
-              <a:t>=“ACTIVE”  </a:t>
-            </a:r>
-            <a:r>
-              <a:rPr lang="en-US" sz="900" i="1" dirty="0" err="1" smtClean="0"/>
-              <a:t>imei</a:t>
-            </a:r>
-            <a:r>
-              <a:rPr lang="en-US" sz="900" i="1" dirty="0" smtClean="0"/>
-              <a:t>=“?”  </a:t>
-            </a:r>
-            <a:r>
-              <a:rPr lang="en-US" sz="900" i="1" dirty="0" err="1" smtClean="0"/>
-              <a:t>groupId</a:t>
-            </a:r>
-            <a:r>
-              <a:rPr lang="en-US" sz="900" i="1" dirty="0" smtClean="0"/>
-              <a:t>=“?” </a:t>
-            </a:r>
-            <a:r>
-              <a:rPr lang="en-US" sz="900" i="1" dirty="0" err="1" smtClean="0"/>
-              <a:t>communicationProtocol</a:t>
-            </a:r>
-            <a:r>
-              <a:rPr lang="en-US" sz="900" i="1" dirty="0" smtClean="0"/>
-              <a:t>=“?” </a:t>
-            </a:r>
-            <a:r>
-              <a:rPr lang="en-US" sz="900" i="1" dirty="0" err="1" smtClean="0"/>
-              <a:t>serviceExceutionProtocol</a:t>
-            </a:r>
-            <a:r>
-              <a:rPr lang="en-US" sz="900" i="1" dirty="0" smtClean="0"/>
-              <a:t>=“?”</a:t>
-            </a:r>
-            <a:r>
-              <a:rPr lang="en-US" sz="900" i="1" baseline="0" dirty="0" smtClean="0"/>
-              <a:t> </a:t>
-            </a:r>
-            <a:r>
-              <a:rPr lang="en-US" sz="900" i="1" dirty="0" smtClean="0"/>
-              <a:t>&gt;</a:t>
-            </a:r>
-          </a:p>
-          <a:p>
-            <a:pPr lvl="2"/>
-            <a:endParaRPr lang="fr-FR" sz="1200" i="1" kern="1200" dirty="0" smtClean="0">
-              <a:solidFill>
-                <a:schemeClr val="tx1"/>
-              </a:solidFill>
-              <a:latin typeface="Arial" charset="0"/>
-              <a:ea typeface="+mn-ea"/>
-              <a:cs typeface="+mn-cs"/>
-            </a:endParaRPr>
-          </a:p>
-          <a:p>
-            <a:pPr lvl="1"/>
-            <a:r>
-              <a:rPr lang="fr-FR" sz="1200" kern="1200" dirty="0" smtClean="0">
-                <a:solidFill>
-                  <a:schemeClr val="tx1"/>
-                </a:solidFill>
-                <a:latin typeface="Arial" charset="0"/>
-                <a:ea typeface="+mn-ea"/>
-                <a:cs typeface="+mn-cs"/>
-              </a:rPr>
-              <a:t>	       </a:t>
-            </a:r>
-            <a:r>
-              <a:rPr lang="fr-FR" sz="1200" i="1" kern="1200" dirty="0" smtClean="0">
-                <a:solidFill>
-                  <a:schemeClr val="tx1"/>
-                </a:solidFill>
-                <a:latin typeface="Arial" charset="0"/>
-                <a:ea typeface="+mn-ea"/>
-                <a:cs typeface="+mn-cs"/>
-              </a:rPr>
-              <a:t>&lt;</a:t>
-            </a:r>
-            <a:r>
-              <a:rPr lang="fr-FR" sz="1200" i="1" kern="1200" dirty="0" err="1" smtClean="0">
-                <a:solidFill>
-                  <a:schemeClr val="tx1"/>
-                </a:solidFill>
-                <a:latin typeface="Arial" charset="0"/>
-                <a:ea typeface="+mn-ea"/>
-                <a:cs typeface="+mn-cs"/>
-              </a:rPr>
-              <a:t>lpm:ExecScript</a:t>
-            </a:r>
-            <a:r>
-              <a:rPr lang="fr-FR" sz="1200" i="1" kern="1200" dirty="0" smtClean="0">
-                <a:solidFill>
-                  <a:schemeClr val="tx1"/>
-                </a:solidFill>
-                <a:latin typeface="Arial" charset="0"/>
-                <a:ea typeface="+mn-ea"/>
-                <a:cs typeface="+mn-cs"/>
-              </a:rPr>
-              <a:t>&gt;</a:t>
-            </a:r>
-          </a:p>
-          <a:p>
-            <a:pPr lvl="4"/>
-            <a:r>
-              <a:rPr lang="fr-FR" sz="1200" i="1" kern="1200" dirty="0" smtClean="0">
-                <a:solidFill>
-                  <a:schemeClr val="tx1"/>
-                </a:solidFill>
-                <a:latin typeface="Arial" charset="0"/>
-                <a:ea typeface="+mn-ea"/>
-                <a:cs typeface="+mn-cs"/>
-              </a:rPr>
-              <a:t>public class UpdateHPLMN2</a:t>
-            </a:r>
-          </a:p>
-          <a:p>
-            <a:pPr lvl="4"/>
-            <a:r>
-              <a:rPr lang="fr-FR" sz="1200" i="1" kern="1200" dirty="0" smtClean="0">
-                <a:solidFill>
-                  <a:schemeClr val="tx1"/>
-                </a:solidFill>
-                <a:latin typeface="Arial" charset="0"/>
-                <a:ea typeface="+mn-ea"/>
-                <a:cs typeface="+mn-cs"/>
-              </a:rPr>
-              <a:t>{</a:t>
-            </a:r>
-          </a:p>
-          <a:p>
-            <a:pPr lvl="4"/>
-            <a:r>
-              <a:rPr lang="fr-FR" sz="1200" i="1" kern="1200" dirty="0" smtClean="0">
-                <a:solidFill>
-                  <a:schemeClr val="tx1"/>
-                </a:solidFill>
-                <a:latin typeface="Arial" charset="0"/>
-                <a:ea typeface="+mn-ea"/>
-                <a:cs typeface="+mn-cs"/>
-              </a:rPr>
-              <a:t>  public </a:t>
-            </a:r>
-            <a:r>
-              <a:rPr lang="fr-FR" sz="1200" i="1" kern="1200" dirty="0" err="1" smtClean="0">
-                <a:solidFill>
-                  <a:schemeClr val="tx1"/>
-                </a:solidFill>
-                <a:latin typeface="Arial" charset="0"/>
-                <a:ea typeface="+mn-ea"/>
-                <a:cs typeface="+mn-cs"/>
-              </a:rPr>
-              <a:t>void</a:t>
-            </a:r>
-            <a:r>
-              <a:rPr lang="fr-FR" sz="1200" i="1" kern="1200" dirty="0" smtClean="0">
-                <a:solidFill>
-                  <a:schemeClr val="tx1"/>
-                </a:solidFill>
-                <a:latin typeface="Arial" charset="0"/>
-                <a:ea typeface="+mn-ea"/>
-                <a:cs typeface="+mn-cs"/>
-              </a:rPr>
-              <a:t> script ()</a:t>
-            </a:r>
-          </a:p>
-          <a:p>
-            <a:pPr lvl="4"/>
-            <a:r>
-              <a:rPr lang="fr-FR" sz="1200" i="1" kern="1200" dirty="0" smtClean="0">
-                <a:solidFill>
-                  <a:schemeClr val="tx1"/>
-                </a:solidFill>
-                <a:latin typeface="Arial" charset="0"/>
-                <a:ea typeface="+mn-ea"/>
-                <a:cs typeface="+mn-cs"/>
-              </a:rPr>
-              <a:t>  {</a:t>
-            </a:r>
-          </a:p>
-          <a:p>
-            <a:pPr lvl="4"/>
-            <a:r>
-              <a:rPr lang="fr-FR" sz="1200" i="1" kern="1200" dirty="0" smtClean="0">
-                <a:solidFill>
-                  <a:schemeClr val="tx1"/>
-                </a:solidFill>
-                <a:latin typeface="Arial" charset="0"/>
-                <a:ea typeface="+mn-ea"/>
-                <a:cs typeface="+mn-cs"/>
-              </a:rPr>
-              <a:t>    // variables </a:t>
-            </a:r>
-            <a:r>
-              <a:rPr lang="fr-FR" sz="1200" i="1" kern="1200" dirty="0" err="1" smtClean="0">
-                <a:solidFill>
-                  <a:schemeClr val="tx1"/>
-                </a:solidFill>
-                <a:latin typeface="Arial" charset="0"/>
-                <a:ea typeface="+mn-ea"/>
-                <a:cs typeface="+mn-cs"/>
-              </a:rPr>
-              <a:t>definitions</a:t>
-            </a:r>
-            <a:endParaRPr lang="fr-FR" sz="1200" i="1" kern="1200" dirty="0" smtClean="0">
-              <a:solidFill>
-                <a:schemeClr val="tx1"/>
-              </a:solidFill>
-              <a:latin typeface="Arial" charset="0"/>
-              <a:ea typeface="+mn-ea"/>
-              <a:cs typeface="+mn-cs"/>
-            </a:endParaRPr>
-          </a:p>
-          <a:p>
-            <a:pPr lvl="4"/>
-            <a:r>
-              <a:rPr lang="fr-FR" sz="1200" i="1" kern="1200" dirty="0" smtClean="0">
-                <a:solidFill>
-                  <a:schemeClr val="tx1"/>
-                </a:solidFill>
-                <a:latin typeface="Arial" charset="0"/>
-                <a:ea typeface="+mn-ea"/>
-                <a:cs typeface="+mn-cs"/>
-              </a:rPr>
-              <a:t>    short MF = 0x3F00;</a:t>
-            </a:r>
-          </a:p>
-          <a:p>
-            <a:pPr lvl="4"/>
-            <a:r>
-              <a:rPr lang="fr-FR" sz="1200" i="1" kern="1200" dirty="0" smtClean="0">
-                <a:solidFill>
-                  <a:schemeClr val="tx1"/>
-                </a:solidFill>
-                <a:latin typeface="Arial" charset="0"/>
-                <a:ea typeface="+mn-ea"/>
-                <a:cs typeface="+mn-cs"/>
-              </a:rPr>
-              <a:t>    short DFGSM = 0x7F20;</a:t>
-            </a:r>
-          </a:p>
-          <a:p>
-            <a:pPr lvl="4"/>
-            <a:r>
-              <a:rPr lang="fr-FR" sz="1200" i="1" kern="1200" dirty="0" smtClean="0">
-                <a:solidFill>
-                  <a:schemeClr val="tx1"/>
-                </a:solidFill>
-                <a:latin typeface="Arial" charset="0"/>
-                <a:ea typeface="+mn-ea"/>
-                <a:cs typeface="+mn-cs"/>
-              </a:rPr>
-              <a:t>    short HPLMN = 0x6F31;    </a:t>
-            </a:r>
-          </a:p>
-          <a:p>
-            <a:pPr lvl="4"/>
-            <a:r>
-              <a:rPr lang="fr-FR" sz="1200" i="1" kern="1200" dirty="0" smtClean="0">
-                <a:solidFill>
-                  <a:schemeClr val="tx1"/>
-                </a:solidFill>
-                <a:latin typeface="Arial" charset="0"/>
-                <a:ea typeface="+mn-ea"/>
-                <a:cs typeface="+mn-cs"/>
-              </a:rPr>
-              <a:t>	</a:t>
-            </a:r>
-          </a:p>
-          <a:p>
-            <a:pPr lvl="4"/>
-            <a:r>
-              <a:rPr lang="fr-FR" sz="1200" i="1" kern="1200" dirty="0" smtClean="0">
-                <a:solidFill>
-                  <a:schemeClr val="tx1"/>
-                </a:solidFill>
-                <a:latin typeface="Arial" charset="0"/>
-                <a:ea typeface="+mn-ea"/>
-                <a:cs typeface="+mn-cs"/>
-              </a:rPr>
-              <a:t>    // </a:t>
-            </a:r>
-            <a:r>
-              <a:rPr lang="fr-FR" sz="1200" i="1" kern="1200" dirty="0" err="1" smtClean="0">
-                <a:solidFill>
-                  <a:schemeClr val="tx1"/>
-                </a:solidFill>
-                <a:latin typeface="Arial" charset="0"/>
-                <a:ea typeface="+mn-ea"/>
-                <a:cs typeface="+mn-cs"/>
-              </a:rPr>
-              <a:t>Selection</a:t>
-            </a:r>
-            <a:r>
-              <a:rPr lang="fr-FR" sz="1200" i="1" kern="1200" dirty="0" smtClean="0">
-                <a:solidFill>
-                  <a:schemeClr val="tx1"/>
-                </a:solidFill>
-                <a:latin typeface="Arial" charset="0"/>
-                <a:ea typeface="+mn-ea"/>
-                <a:cs typeface="+mn-cs"/>
-              </a:rPr>
-              <a:t> du fichier HPLMN</a:t>
-            </a:r>
-          </a:p>
-          <a:p>
-            <a:pPr lvl="4"/>
-            <a:r>
-              <a:rPr lang="fr-FR" sz="1200" i="1" kern="1200" dirty="0" smtClean="0">
-                <a:solidFill>
-                  <a:schemeClr val="tx1"/>
-                </a:solidFill>
-                <a:latin typeface="Arial" charset="0"/>
-                <a:ea typeface="+mn-ea"/>
-                <a:cs typeface="+mn-cs"/>
-              </a:rPr>
-              <a:t>    </a:t>
-            </a:r>
-            <a:r>
-              <a:rPr lang="fr-FR" sz="1200" i="1" kern="1200" dirty="0" err="1" smtClean="0">
-                <a:solidFill>
-                  <a:schemeClr val="tx1"/>
-                </a:solidFill>
-                <a:latin typeface="Arial" charset="0"/>
-                <a:ea typeface="+mn-ea"/>
-                <a:cs typeface="+mn-cs"/>
-              </a:rPr>
-              <a:t>selectById</a:t>
-            </a:r>
-            <a:r>
-              <a:rPr lang="fr-FR" sz="1200" i="1" kern="1200" dirty="0" smtClean="0">
-                <a:solidFill>
-                  <a:schemeClr val="tx1"/>
-                </a:solidFill>
-                <a:latin typeface="Arial" charset="0"/>
-                <a:ea typeface="+mn-ea"/>
-                <a:cs typeface="+mn-cs"/>
-              </a:rPr>
-              <a:t>(MF);</a:t>
-            </a:r>
-          </a:p>
-          <a:p>
-            <a:pPr lvl="4"/>
-            <a:r>
-              <a:rPr lang="fr-FR" sz="1200" i="1" kern="1200" dirty="0" smtClean="0">
-                <a:solidFill>
-                  <a:schemeClr val="tx1"/>
-                </a:solidFill>
-                <a:latin typeface="Arial" charset="0"/>
-                <a:ea typeface="+mn-ea"/>
-                <a:cs typeface="+mn-cs"/>
-              </a:rPr>
-              <a:t>    </a:t>
-            </a:r>
-            <a:r>
-              <a:rPr lang="fr-FR" sz="1200" i="1" kern="1200" dirty="0" err="1" smtClean="0">
-                <a:solidFill>
-                  <a:schemeClr val="tx1"/>
-                </a:solidFill>
-                <a:latin typeface="Arial" charset="0"/>
-                <a:ea typeface="+mn-ea"/>
-                <a:cs typeface="+mn-cs"/>
-              </a:rPr>
-              <a:t>selectById</a:t>
-            </a:r>
-            <a:r>
-              <a:rPr lang="fr-FR" sz="1200" i="1" kern="1200" dirty="0" smtClean="0">
-                <a:solidFill>
-                  <a:schemeClr val="tx1"/>
-                </a:solidFill>
-                <a:latin typeface="Arial" charset="0"/>
-                <a:ea typeface="+mn-ea"/>
-                <a:cs typeface="+mn-cs"/>
-              </a:rPr>
-              <a:t>(DFGSM);</a:t>
-            </a:r>
-          </a:p>
-          <a:p>
-            <a:pPr lvl="4"/>
-            <a:r>
-              <a:rPr lang="fr-FR" sz="1200" i="1" kern="1200" dirty="0" smtClean="0">
-                <a:solidFill>
-                  <a:schemeClr val="tx1"/>
-                </a:solidFill>
-                <a:latin typeface="Arial" charset="0"/>
-                <a:ea typeface="+mn-ea"/>
-                <a:cs typeface="+mn-cs"/>
-              </a:rPr>
-              <a:t>    </a:t>
-            </a:r>
-            <a:r>
-              <a:rPr lang="fr-FR" sz="1200" i="1" kern="1200" dirty="0" err="1" smtClean="0">
-                <a:solidFill>
-                  <a:schemeClr val="tx1"/>
-                </a:solidFill>
-                <a:latin typeface="Arial" charset="0"/>
-                <a:ea typeface="+mn-ea"/>
-                <a:cs typeface="+mn-cs"/>
-              </a:rPr>
-              <a:t>selectById</a:t>
-            </a:r>
-            <a:r>
-              <a:rPr lang="fr-FR" sz="1200" i="1" kern="1200" dirty="0" smtClean="0">
-                <a:solidFill>
-                  <a:schemeClr val="tx1"/>
-                </a:solidFill>
-                <a:latin typeface="Arial" charset="0"/>
-                <a:ea typeface="+mn-ea"/>
-                <a:cs typeface="+mn-cs"/>
-              </a:rPr>
-              <a:t>(HPLMN);</a:t>
-            </a:r>
-          </a:p>
-          <a:p>
-            <a:pPr lvl="4"/>
-            <a:r>
-              <a:rPr lang="fr-FR" sz="1200" i="1" kern="1200" dirty="0" smtClean="0">
-                <a:solidFill>
-                  <a:schemeClr val="tx1"/>
-                </a:solidFill>
-                <a:latin typeface="Arial" charset="0"/>
-                <a:ea typeface="+mn-ea"/>
-                <a:cs typeface="+mn-cs"/>
-              </a:rPr>
-              <a:t>			    </a:t>
-            </a:r>
-          </a:p>
-          <a:p>
-            <a:pPr lvl="4"/>
-            <a:r>
-              <a:rPr lang="en-US" sz="1200" i="1" kern="1200" dirty="0" smtClean="0">
-                <a:solidFill>
-                  <a:schemeClr val="tx1"/>
-                </a:solidFill>
-                <a:latin typeface="Arial" charset="0"/>
-                <a:ea typeface="+mn-ea"/>
-                <a:cs typeface="+mn-cs"/>
-              </a:rPr>
-              <a:t>    </a:t>
-            </a:r>
-            <a:r>
-              <a:rPr lang="en-US" sz="1200" i="1" kern="1200" dirty="0" err="1" smtClean="0">
-                <a:solidFill>
-                  <a:schemeClr val="tx1"/>
-                </a:solidFill>
-                <a:latin typeface="Arial" charset="0"/>
-                <a:ea typeface="+mn-ea"/>
-                <a:cs typeface="+mn-cs"/>
-              </a:rPr>
-              <a:t>updateBinary</a:t>
-            </a:r>
-            <a:r>
-              <a:rPr lang="en-US" sz="1200" i="1" kern="1200" dirty="0" smtClean="0">
-                <a:solidFill>
-                  <a:schemeClr val="tx1"/>
-                </a:solidFill>
-                <a:latin typeface="Arial" charset="0"/>
-                <a:ea typeface="+mn-ea"/>
-                <a:cs typeface="+mn-cs"/>
-              </a:rPr>
-              <a:t>((short)0, new byte[] {(byte)0x0B});</a:t>
-            </a:r>
-          </a:p>
-          <a:p>
-            <a:pPr lvl="4"/>
-            <a:r>
-              <a:rPr lang="fr-FR" sz="1200" i="1" kern="1200" dirty="0" smtClean="0">
-                <a:solidFill>
-                  <a:schemeClr val="tx1"/>
-                </a:solidFill>
-                <a:latin typeface="Arial" charset="0"/>
-                <a:ea typeface="+mn-ea"/>
-                <a:cs typeface="+mn-cs"/>
-              </a:rPr>
-              <a:t>  }</a:t>
-            </a:r>
-          </a:p>
-          <a:p>
-            <a:pPr lvl="4"/>
-            <a:r>
-              <a:rPr lang="fr-FR" sz="1200" i="1" kern="1200" dirty="0" smtClean="0">
-                <a:solidFill>
-                  <a:schemeClr val="tx1"/>
-                </a:solidFill>
-                <a:latin typeface="Arial" charset="0"/>
-                <a:ea typeface="+mn-ea"/>
-                <a:cs typeface="+mn-cs"/>
-              </a:rPr>
-              <a:t>}</a:t>
-            </a:r>
-          </a:p>
-          <a:p>
-            <a:r>
-              <a:rPr lang="fr-FR" sz="1200" i="1" kern="1200" dirty="0" smtClean="0">
-                <a:solidFill>
-                  <a:schemeClr val="tx1"/>
-                </a:solidFill>
-                <a:latin typeface="Arial" charset="0"/>
-                <a:ea typeface="+mn-ea"/>
-                <a:cs typeface="+mn-cs"/>
-              </a:rPr>
-              <a:t>	       &lt;/</a:t>
-            </a:r>
-            <a:r>
-              <a:rPr lang="fr-FR" sz="1200" i="1" kern="1200" dirty="0" err="1" smtClean="0">
-                <a:solidFill>
-                  <a:schemeClr val="tx1"/>
-                </a:solidFill>
-                <a:latin typeface="Arial" charset="0"/>
-                <a:ea typeface="+mn-ea"/>
-                <a:cs typeface="+mn-cs"/>
-              </a:rPr>
-              <a:t>lpm:ExecScript</a:t>
-            </a:r>
-            <a:r>
-              <a:rPr lang="fr-FR" sz="1200" i="1" kern="1200" dirty="0" smtClean="0">
-                <a:solidFill>
-                  <a:schemeClr val="tx1"/>
-                </a:solidFill>
-                <a:latin typeface="Arial" charset="0"/>
-                <a:ea typeface="+mn-ea"/>
-                <a:cs typeface="+mn-cs"/>
-              </a:rPr>
-              <a:t>&gt;</a:t>
-            </a:r>
-          </a:p>
-          <a:p>
-            <a:r>
-              <a:rPr lang="fr-FR" sz="1200" i="1" kern="1200" dirty="0" smtClean="0">
-                <a:solidFill>
-                  <a:schemeClr val="tx1"/>
-                </a:solidFill>
-                <a:latin typeface="Arial" charset="0"/>
-                <a:ea typeface="+mn-ea"/>
-                <a:cs typeface="+mn-cs"/>
-              </a:rPr>
-              <a:t>	</a:t>
-            </a:r>
-          </a:p>
-          <a:p>
-            <a:pPr lvl="2"/>
-            <a:endParaRPr lang="fr-FR" sz="1200" i="1" kern="1200" dirty="0" smtClean="0">
-              <a:solidFill>
-                <a:schemeClr val="tx1"/>
-              </a:solidFill>
-              <a:latin typeface="Arial" charset="0"/>
-              <a:ea typeface="+mn-ea"/>
-              <a:cs typeface="+mn-cs"/>
-            </a:endParaRPr>
-          </a:p>
-          <a:p>
-            <a:pPr lvl="1"/>
-            <a:r>
-              <a:rPr lang="fr-FR" sz="1200" i="1" kern="1200" dirty="0" smtClean="0">
-                <a:solidFill>
-                  <a:schemeClr val="tx1"/>
-                </a:solidFill>
-                <a:latin typeface="Arial" charset="0"/>
-                <a:ea typeface="+mn-ea"/>
-                <a:cs typeface="+mn-cs"/>
-              </a:rPr>
-              <a:t>	       &lt;</a:t>
-            </a:r>
-            <a:r>
-              <a:rPr lang="fr-FR" sz="1200" i="1" kern="1200" dirty="0" err="1" smtClean="0">
-                <a:solidFill>
-                  <a:schemeClr val="tx1"/>
-                </a:solidFill>
-                <a:latin typeface="Arial" charset="0"/>
-                <a:ea typeface="+mn-ea"/>
-                <a:cs typeface="+mn-cs"/>
-              </a:rPr>
-              <a:t>lpm:ServiceContent</a:t>
-            </a:r>
-            <a:r>
-              <a:rPr lang="fr-FR" sz="1200" i="1" kern="1200" dirty="0" smtClean="0">
-                <a:solidFill>
-                  <a:schemeClr val="tx1"/>
-                </a:solidFill>
-                <a:latin typeface="Arial" charset="0"/>
-                <a:ea typeface="+mn-ea"/>
-                <a:cs typeface="+mn-cs"/>
-              </a:rPr>
-              <a:t>&gt;</a:t>
-            </a:r>
-          </a:p>
-          <a:p>
-            <a:pPr lvl="4"/>
-            <a:r>
-              <a:rPr lang="fr-FR" sz="1200" i="1" kern="1200" dirty="0" smtClean="0">
-                <a:solidFill>
-                  <a:schemeClr val="tx1"/>
-                </a:solidFill>
-                <a:latin typeface="Arial" charset="0"/>
-                <a:ea typeface="+mn-ea"/>
-                <a:cs typeface="+mn-cs"/>
-              </a:rPr>
-              <a:t>&lt;</a:t>
-            </a:r>
-            <a:r>
-              <a:rPr lang="fr-FR" sz="1200" i="1" kern="1200" dirty="0" err="1" smtClean="0">
-                <a:solidFill>
-                  <a:schemeClr val="tx1"/>
-                </a:solidFill>
-                <a:latin typeface="Arial" charset="0"/>
-                <a:ea typeface="+mn-ea"/>
-                <a:cs typeface="+mn-cs"/>
-              </a:rPr>
-              <a:t>lpm:Portal</a:t>
-            </a:r>
-            <a:r>
-              <a:rPr lang="fr-FR" sz="1200" i="1" kern="1200" dirty="0" smtClean="0">
-                <a:solidFill>
-                  <a:schemeClr val="tx1"/>
-                </a:solidFill>
-                <a:latin typeface="Arial" charset="0"/>
-                <a:ea typeface="+mn-ea"/>
-                <a:cs typeface="+mn-cs"/>
-              </a:rPr>
-              <a:t>&gt;</a:t>
-            </a:r>
-          </a:p>
-          <a:p>
-            <a:pPr lvl="5"/>
-            <a:r>
-              <a:rPr lang="fr-FR" sz="1200" i="1" kern="1200" dirty="0" smtClean="0">
-                <a:solidFill>
-                  <a:schemeClr val="tx1"/>
-                </a:solidFill>
-                <a:latin typeface="Arial" charset="0"/>
-                <a:ea typeface="+mn-ea"/>
-                <a:cs typeface="+mn-cs"/>
-              </a:rPr>
-              <a:t>&lt;</a:t>
-            </a:r>
-            <a:r>
-              <a:rPr lang="fr-FR" sz="1200" i="1" kern="1200" dirty="0" err="1" smtClean="0">
-                <a:solidFill>
-                  <a:schemeClr val="tx1"/>
-                </a:solidFill>
-                <a:latin typeface="Arial" charset="0"/>
-                <a:ea typeface="+mn-ea"/>
-                <a:cs typeface="+mn-cs"/>
-              </a:rPr>
-              <a:t>lpm:Perso</a:t>
-            </a:r>
-            <a:r>
-              <a:rPr lang="fr-FR" sz="1200" i="1" kern="1200" dirty="0" smtClean="0">
-                <a:solidFill>
-                  <a:schemeClr val="tx1"/>
-                </a:solidFill>
-                <a:latin typeface="Arial" charset="0"/>
-                <a:ea typeface="+mn-ea"/>
-                <a:cs typeface="+mn-cs"/>
-              </a:rPr>
-              <a:t> label="test" </a:t>
-            </a:r>
-            <a:r>
-              <a:rPr lang="fr-FR" sz="1200" i="1" kern="1200" dirty="0" err="1" smtClean="0">
-                <a:solidFill>
-                  <a:schemeClr val="tx1"/>
-                </a:solidFill>
-                <a:latin typeface="Arial" charset="0"/>
-                <a:ea typeface="+mn-ea"/>
-                <a:cs typeface="+mn-cs"/>
-              </a:rPr>
-              <a:t>majorVersion</a:t>
-            </a:r>
-            <a:r>
-              <a:rPr lang="fr-FR" sz="1200" i="1" kern="1200" dirty="0" smtClean="0">
-                <a:solidFill>
-                  <a:schemeClr val="tx1"/>
-                </a:solidFill>
-                <a:latin typeface="Arial" charset="0"/>
-                <a:ea typeface="+mn-ea"/>
-                <a:cs typeface="+mn-cs"/>
-              </a:rPr>
-              <a:t>="1" </a:t>
-            </a:r>
-            <a:r>
-              <a:rPr lang="fr-FR" sz="1200" i="1" kern="1200" dirty="0" err="1" smtClean="0">
-                <a:solidFill>
-                  <a:schemeClr val="tx1"/>
-                </a:solidFill>
-                <a:latin typeface="Arial" charset="0"/>
-                <a:ea typeface="+mn-ea"/>
-                <a:cs typeface="+mn-cs"/>
-              </a:rPr>
-              <a:t>minorVersion</a:t>
-            </a:r>
-            <a:r>
-              <a:rPr lang="fr-FR" sz="1200" i="1" kern="1200" dirty="0" smtClean="0">
-                <a:solidFill>
-                  <a:schemeClr val="tx1"/>
-                </a:solidFill>
-                <a:latin typeface="Arial" charset="0"/>
-                <a:ea typeface="+mn-ea"/>
-                <a:cs typeface="+mn-cs"/>
-              </a:rPr>
-              <a:t>="0"/&gt;</a:t>
-            </a:r>
-          </a:p>
-          <a:p>
-            <a:pPr lvl="4"/>
-            <a:r>
-              <a:rPr lang="fr-FR" sz="1200" i="1" kern="1200" dirty="0" smtClean="0">
-                <a:solidFill>
-                  <a:schemeClr val="tx1"/>
-                </a:solidFill>
-                <a:latin typeface="Arial" charset="0"/>
-                <a:ea typeface="+mn-ea"/>
-                <a:cs typeface="+mn-cs"/>
-              </a:rPr>
-              <a:t>&lt;/</a:t>
-            </a:r>
-            <a:r>
-              <a:rPr lang="fr-FR" sz="1200" i="1" kern="1200" dirty="0" err="1" smtClean="0">
-                <a:solidFill>
-                  <a:schemeClr val="tx1"/>
-                </a:solidFill>
-                <a:latin typeface="Arial" charset="0"/>
-                <a:ea typeface="+mn-ea"/>
-                <a:cs typeface="+mn-cs"/>
-              </a:rPr>
-              <a:t>lpm:Portal</a:t>
-            </a:r>
-            <a:r>
-              <a:rPr lang="fr-FR" sz="1200" i="1" kern="1200" dirty="0" smtClean="0">
-                <a:solidFill>
-                  <a:schemeClr val="tx1"/>
-                </a:solidFill>
-                <a:latin typeface="Arial" charset="0"/>
-                <a:ea typeface="+mn-ea"/>
-                <a:cs typeface="+mn-cs"/>
-              </a:rPr>
-              <a:t>&gt;</a:t>
-            </a:r>
-          </a:p>
-          <a:p>
-            <a:pPr lvl="1"/>
-            <a:r>
-              <a:rPr lang="fr-FR" sz="1200" i="1" kern="1200" dirty="0" smtClean="0">
-                <a:solidFill>
-                  <a:schemeClr val="tx1"/>
-                </a:solidFill>
-                <a:latin typeface="Arial" charset="0"/>
-                <a:ea typeface="+mn-ea"/>
-                <a:cs typeface="+mn-cs"/>
-              </a:rPr>
-              <a:t>	       &lt;/</a:t>
-            </a:r>
-            <a:r>
-              <a:rPr lang="fr-FR" sz="1200" i="1" kern="1200" dirty="0" err="1" smtClean="0">
-                <a:solidFill>
-                  <a:schemeClr val="tx1"/>
-                </a:solidFill>
-                <a:latin typeface="Arial" charset="0"/>
-                <a:ea typeface="+mn-ea"/>
-                <a:cs typeface="+mn-cs"/>
-              </a:rPr>
-              <a:t>lpm:ServiceContent</a:t>
-            </a:r>
-            <a:r>
-              <a:rPr lang="fr-FR" sz="1200" i="1" kern="1200" dirty="0" smtClean="0">
-                <a:solidFill>
-                  <a:schemeClr val="tx1"/>
-                </a:solidFill>
-                <a:latin typeface="Arial" charset="0"/>
-                <a:ea typeface="+mn-ea"/>
-                <a:cs typeface="+mn-cs"/>
-              </a:rPr>
-              <a:t>&gt;</a:t>
-            </a:r>
-          </a:p>
-          <a:p>
-            <a:pPr lvl="2"/>
-            <a:endParaRPr lang="fr-FR" sz="1200" i="1" kern="1200" dirty="0" smtClean="0">
-              <a:solidFill>
-                <a:schemeClr val="tx1"/>
-              </a:solidFill>
-              <a:latin typeface="Arial" charset="0"/>
-              <a:ea typeface="+mn-ea"/>
-              <a:cs typeface="+mn-cs"/>
-            </a:endParaRPr>
-          </a:p>
-          <a:p>
-            <a:pPr lvl="2"/>
-            <a:endParaRPr lang="fr-FR" sz="1200" i="1" kern="1200" dirty="0" smtClean="0">
-              <a:solidFill>
-                <a:schemeClr val="tx1"/>
-              </a:solidFill>
-              <a:latin typeface="Arial" charset="0"/>
-              <a:ea typeface="+mn-ea"/>
-              <a:cs typeface="+mn-cs"/>
-            </a:endParaRPr>
-          </a:p>
-          <a:p>
-            <a:pPr lvl="2"/>
-            <a:r>
-              <a:rPr lang="fr-FR" sz="1200" i="1" kern="1200" dirty="0" smtClean="0">
-                <a:solidFill>
-                  <a:schemeClr val="tx1"/>
-                </a:solidFill>
-                <a:latin typeface="Arial" charset="0"/>
-                <a:ea typeface="+mn-ea"/>
-                <a:cs typeface="+mn-cs"/>
-              </a:rPr>
-              <a:t>       &lt;</a:t>
-            </a:r>
-            <a:r>
-              <a:rPr lang="fr-FR" sz="1200" i="1" kern="1200" dirty="0" err="1" smtClean="0">
-                <a:solidFill>
-                  <a:schemeClr val="tx1"/>
-                </a:solidFill>
-                <a:latin typeface="Arial" charset="0"/>
-                <a:ea typeface="+mn-ea"/>
-                <a:cs typeface="+mn-cs"/>
-              </a:rPr>
-              <a:t>lpm:Handset</a:t>
-            </a:r>
-            <a:r>
-              <a:rPr lang="fr-FR" sz="1200" i="1" kern="1200" dirty="0" smtClean="0">
-                <a:solidFill>
-                  <a:schemeClr val="tx1"/>
-                </a:solidFill>
-                <a:latin typeface="Arial" charset="0"/>
-                <a:ea typeface="+mn-ea"/>
-                <a:cs typeface="+mn-cs"/>
-              </a:rPr>
-              <a:t>&gt;</a:t>
-            </a:r>
-          </a:p>
-          <a:p>
-            <a:pPr lvl="3"/>
-            <a:r>
-              <a:rPr lang="en-US" sz="1200" i="1" kern="1200" dirty="0" smtClean="0">
-                <a:solidFill>
-                  <a:schemeClr val="tx1"/>
-                </a:solidFill>
-                <a:latin typeface="Arial" charset="0"/>
-                <a:ea typeface="+mn-ea"/>
-                <a:cs typeface="+mn-cs"/>
-              </a:rPr>
-              <a:t>    &lt;</a:t>
-            </a:r>
-            <a:r>
-              <a:rPr lang="fr-FR" sz="1200" i="1" kern="1200" dirty="0" err="1" smtClean="0">
-                <a:solidFill>
-                  <a:schemeClr val="tx1"/>
-                </a:solidFill>
-                <a:latin typeface="Arial" charset="0"/>
-                <a:ea typeface="+mn-ea"/>
-                <a:cs typeface="+mn-cs"/>
-              </a:rPr>
-              <a:t>lpm</a:t>
-            </a:r>
-            <a:r>
-              <a:rPr lang="fr-FR" sz="1200" i="1" kern="1200" dirty="0" smtClean="0">
-                <a:solidFill>
-                  <a:schemeClr val="tx1"/>
-                </a:solidFill>
-                <a:latin typeface="Arial" charset="0"/>
-                <a:ea typeface="+mn-ea"/>
-                <a:cs typeface="+mn-cs"/>
-              </a:rPr>
-              <a:t>:</a:t>
-            </a:r>
-            <a:r>
-              <a:rPr lang="en-US" sz="1200" i="1" kern="1200" dirty="0" smtClean="0">
-                <a:solidFill>
-                  <a:schemeClr val="tx1"/>
-                </a:solidFill>
-                <a:latin typeface="Arial" charset="0"/>
-                <a:ea typeface="+mn-ea"/>
-                <a:cs typeface="+mn-cs"/>
-              </a:rPr>
-              <a:t>Model manufacturer="LG" name="U300"/&gt;</a:t>
-            </a:r>
-          </a:p>
-          <a:p>
-            <a:pPr lvl="3"/>
-            <a:r>
-              <a:rPr lang="fr-FR" sz="1200" i="1" kern="1200" dirty="0" smtClean="0">
-                <a:solidFill>
-                  <a:schemeClr val="tx1"/>
-                </a:solidFill>
-                <a:latin typeface="Arial" charset="0"/>
-                <a:ea typeface="+mn-ea"/>
-                <a:cs typeface="+mn-cs"/>
-              </a:rPr>
-              <a:t>    &lt;</a:t>
-            </a:r>
-            <a:r>
-              <a:rPr lang="fr-FR" sz="1200" i="1" kern="1200" dirty="0" err="1" smtClean="0">
-                <a:solidFill>
-                  <a:schemeClr val="tx1"/>
-                </a:solidFill>
-                <a:latin typeface="Arial" charset="0"/>
-                <a:ea typeface="+mn-ea"/>
-                <a:cs typeface="+mn-cs"/>
-              </a:rPr>
-              <a:t>lpm:SubscriptionList</a:t>
-            </a:r>
-            <a:r>
-              <a:rPr lang="fr-FR" sz="1200" i="1" kern="1200" dirty="0" smtClean="0">
-                <a:solidFill>
-                  <a:schemeClr val="tx1"/>
-                </a:solidFill>
-                <a:latin typeface="Arial" charset="0"/>
-                <a:ea typeface="+mn-ea"/>
-                <a:cs typeface="+mn-cs"/>
-              </a:rPr>
-              <a:t>&gt;</a:t>
-            </a:r>
-          </a:p>
-          <a:p>
-            <a:pPr lvl="3"/>
-            <a:r>
-              <a:rPr lang="fr-FR" sz="1200" i="1" kern="1200" dirty="0" smtClean="0">
-                <a:solidFill>
-                  <a:schemeClr val="tx1"/>
-                </a:solidFill>
-                <a:latin typeface="Arial" charset="0"/>
-                <a:ea typeface="+mn-ea"/>
-                <a:cs typeface="+mn-cs"/>
-              </a:rPr>
-              <a:t>        &lt;</a:t>
-            </a:r>
-            <a:r>
-              <a:rPr lang="fr-FR" sz="1200" i="1" kern="1200" dirty="0" err="1" smtClean="0">
-                <a:solidFill>
-                  <a:schemeClr val="tx1"/>
-                </a:solidFill>
-                <a:latin typeface="Arial" charset="0"/>
-                <a:ea typeface="+mn-ea"/>
-                <a:cs typeface="+mn-cs"/>
-              </a:rPr>
-              <a:t>lpm:Subscription</a:t>
-            </a:r>
-            <a:r>
-              <a:rPr lang="fr-FR" sz="1200" i="1" kern="1200" dirty="0" smtClean="0">
-                <a:solidFill>
-                  <a:schemeClr val="tx1"/>
-                </a:solidFill>
-                <a:latin typeface="Arial" charset="0"/>
-                <a:ea typeface="+mn-ea"/>
-                <a:cs typeface="+mn-cs"/>
-              </a:rPr>
-              <a:t>  service="EMAIL"&gt;&lt;/</a:t>
-            </a:r>
-            <a:r>
-              <a:rPr lang="fr-FR" sz="1200" i="1" kern="1200" dirty="0" err="1" smtClean="0">
-                <a:solidFill>
-                  <a:schemeClr val="tx1"/>
-                </a:solidFill>
-                <a:latin typeface="Arial" charset="0"/>
-                <a:ea typeface="+mn-ea"/>
-                <a:cs typeface="+mn-cs"/>
-              </a:rPr>
-              <a:t>lpm:Subscription</a:t>
-            </a:r>
-            <a:r>
-              <a:rPr lang="fr-FR" sz="1200" i="1" kern="1200" dirty="0" smtClean="0">
-                <a:solidFill>
-                  <a:schemeClr val="tx1"/>
-                </a:solidFill>
-                <a:latin typeface="Arial" charset="0"/>
-                <a:ea typeface="+mn-ea"/>
-                <a:cs typeface="+mn-cs"/>
-              </a:rPr>
-              <a:t>&gt;</a:t>
-            </a:r>
-          </a:p>
-          <a:p>
-            <a:pPr lvl="3"/>
-            <a:r>
-              <a:rPr lang="fr-FR" sz="1200" i="1" kern="1200" dirty="0" smtClean="0">
-                <a:solidFill>
-                  <a:schemeClr val="tx1"/>
-                </a:solidFill>
-                <a:latin typeface="Arial" charset="0"/>
-                <a:ea typeface="+mn-ea"/>
-                <a:cs typeface="+mn-cs"/>
-              </a:rPr>
-              <a:t>    &lt;/</a:t>
-            </a:r>
-            <a:r>
-              <a:rPr lang="fr-FR" sz="1200" i="1" kern="1200" dirty="0" err="1" smtClean="0">
-                <a:solidFill>
-                  <a:schemeClr val="tx1"/>
-                </a:solidFill>
-                <a:latin typeface="Arial" charset="0"/>
-                <a:ea typeface="+mn-ea"/>
-                <a:cs typeface="+mn-cs"/>
-              </a:rPr>
-              <a:t>lpm:SubscriptionList</a:t>
-            </a:r>
-            <a:r>
-              <a:rPr lang="fr-FR" sz="1200" i="1" kern="1200" dirty="0" smtClean="0">
-                <a:solidFill>
-                  <a:schemeClr val="tx1"/>
-                </a:solidFill>
-                <a:latin typeface="Arial" charset="0"/>
-                <a:ea typeface="+mn-ea"/>
-                <a:cs typeface="+mn-cs"/>
-              </a:rPr>
-              <a:t>&gt;</a:t>
-            </a:r>
-          </a:p>
-          <a:p>
-            <a:pPr lvl="3"/>
-            <a:r>
-              <a:rPr lang="fr-FR" sz="1200" i="1" kern="1200" dirty="0" smtClean="0">
-                <a:solidFill>
-                  <a:schemeClr val="tx1"/>
-                </a:solidFill>
-                <a:latin typeface="Arial" charset="0"/>
-                <a:ea typeface="+mn-ea"/>
-                <a:cs typeface="+mn-cs"/>
-              </a:rPr>
-              <a:t>    &lt;</a:t>
-            </a:r>
-            <a:r>
-              <a:rPr lang="fr-FR" sz="1200" i="1" kern="1200" dirty="0" err="1" smtClean="0">
-                <a:solidFill>
-                  <a:schemeClr val="tx1"/>
-                </a:solidFill>
-                <a:latin typeface="Arial" charset="0"/>
-                <a:ea typeface="+mn-ea"/>
-                <a:cs typeface="+mn-cs"/>
-              </a:rPr>
-              <a:t>lpm:ServiceConfigurations</a:t>
-            </a:r>
-            <a:r>
-              <a:rPr lang="fr-FR" sz="1200" i="1" kern="1200" dirty="0" smtClean="0">
-                <a:solidFill>
-                  <a:schemeClr val="tx1"/>
-                </a:solidFill>
-                <a:latin typeface="Arial" charset="0"/>
-                <a:ea typeface="+mn-ea"/>
-                <a:cs typeface="+mn-cs"/>
-              </a:rPr>
-              <a:t>&gt;</a:t>
-            </a:r>
-          </a:p>
-          <a:p>
-            <a:pPr lvl="3"/>
-            <a:r>
-              <a:rPr lang="fr-FR" sz="1200" i="1" kern="1200" dirty="0" smtClean="0">
-                <a:solidFill>
-                  <a:schemeClr val="tx1"/>
-                </a:solidFill>
-                <a:latin typeface="Arial" charset="0"/>
-                <a:ea typeface="+mn-ea"/>
-                <a:cs typeface="+mn-cs"/>
-              </a:rPr>
-              <a:t>        &lt;</a:t>
-            </a:r>
-            <a:r>
-              <a:rPr lang="fr-FR" sz="1200" i="1" kern="1200" dirty="0" err="1" smtClean="0">
-                <a:solidFill>
-                  <a:schemeClr val="tx1"/>
-                </a:solidFill>
-                <a:latin typeface="Arial" charset="0"/>
-                <a:ea typeface="+mn-ea"/>
-                <a:cs typeface="+mn-cs"/>
-              </a:rPr>
-              <a:t>lpm:Service</a:t>
-            </a:r>
-            <a:r>
-              <a:rPr lang="fr-FR" sz="1200" i="1" kern="1200" dirty="0" smtClean="0">
-                <a:solidFill>
-                  <a:schemeClr val="tx1"/>
-                </a:solidFill>
-                <a:latin typeface="Arial" charset="0"/>
-                <a:ea typeface="+mn-ea"/>
-                <a:cs typeface="+mn-cs"/>
-              </a:rPr>
-              <a:t> type="EMAI"  </a:t>
-            </a:r>
-            <a:r>
-              <a:rPr lang="fr-FR" sz="1200" i="1" kern="1200" dirty="0" err="1" smtClean="0">
-                <a:solidFill>
-                  <a:schemeClr val="tx1"/>
-                </a:solidFill>
-                <a:latin typeface="Arial" charset="0"/>
-                <a:ea typeface="+mn-ea"/>
-                <a:cs typeface="+mn-cs"/>
-              </a:rPr>
-              <a:t>configured</a:t>
-            </a:r>
-            <a:r>
-              <a:rPr lang="fr-FR" sz="1200" i="1" kern="1200" dirty="0" smtClean="0">
-                <a:solidFill>
-                  <a:schemeClr val="tx1"/>
-                </a:solidFill>
-                <a:latin typeface="Arial" charset="0"/>
-                <a:ea typeface="+mn-ea"/>
-                <a:cs typeface="+mn-cs"/>
-              </a:rPr>
-              <a:t>="</a:t>
-            </a:r>
-            <a:r>
-              <a:rPr lang="fr-FR" sz="1200" i="1" kern="1200" dirty="0" err="1" smtClean="0">
-                <a:solidFill>
-                  <a:schemeClr val="tx1"/>
-                </a:solidFill>
-                <a:latin typeface="Arial" charset="0"/>
-                <a:ea typeface="+mn-ea"/>
-                <a:cs typeface="+mn-cs"/>
-              </a:rPr>
-              <a:t>true</a:t>
-            </a:r>
-            <a:r>
-              <a:rPr lang="fr-FR" sz="1200" i="1" kern="1200" dirty="0" smtClean="0">
-                <a:solidFill>
-                  <a:schemeClr val="tx1"/>
-                </a:solidFill>
-                <a:latin typeface="Arial" charset="0"/>
-                <a:ea typeface="+mn-ea"/>
-                <a:cs typeface="+mn-cs"/>
-              </a:rPr>
-              <a:t>"&gt;</a:t>
-            </a:r>
-          </a:p>
-          <a:p>
-            <a:pPr lvl="3"/>
-            <a:r>
-              <a:rPr lang="fr-FR" sz="1200" i="1" kern="1200" dirty="0" smtClean="0">
-                <a:solidFill>
-                  <a:schemeClr val="tx1"/>
-                </a:solidFill>
-                <a:latin typeface="Arial" charset="0"/>
-                <a:ea typeface="+mn-ea"/>
-                <a:cs typeface="+mn-cs"/>
-              </a:rPr>
-              <a:t>            &lt;</a:t>
-            </a:r>
-            <a:r>
-              <a:rPr lang="fr-FR" sz="1200" i="1" kern="1200" dirty="0" err="1" smtClean="0">
-                <a:solidFill>
-                  <a:schemeClr val="tx1"/>
-                </a:solidFill>
-                <a:latin typeface="Arial" charset="0"/>
-                <a:ea typeface="+mn-ea"/>
-                <a:cs typeface="+mn-cs"/>
-              </a:rPr>
-              <a:t>lpm:GenericParameters</a:t>
-            </a:r>
-            <a:r>
-              <a:rPr lang="fr-FR" sz="1200" i="1" kern="1200" dirty="0" smtClean="0">
-                <a:solidFill>
-                  <a:schemeClr val="tx1"/>
-                </a:solidFill>
-                <a:latin typeface="Arial" charset="0"/>
-                <a:ea typeface="+mn-ea"/>
-                <a:cs typeface="+mn-cs"/>
-              </a:rPr>
-              <a:t> </a:t>
-            </a:r>
-            <a:r>
-              <a:rPr lang="fr-FR" sz="1200" i="1" kern="1200" dirty="0" err="1" smtClean="0">
-                <a:solidFill>
-                  <a:schemeClr val="tx1"/>
-                </a:solidFill>
-                <a:latin typeface="Arial" charset="0"/>
-                <a:ea typeface="+mn-ea"/>
-                <a:cs typeface="+mn-cs"/>
-              </a:rPr>
-              <a:t>name</a:t>
-            </a:r>
-            <a:r>
-              <a:rPr lang="fr-FR" sz="1200" i="1" kern="1200" dirty="0" smtClean="0">
-                <a:solidFill>
-                  <a:schemeClr val="tx1"/>
-                </a:solidFill>
-                <a:latin typeface="Arial" charset="0"/>
-                <a:ea typeface="+mn-ea"/>
-                <a:cs typeface="+mn-cs"/>
-              </a:rPr>
-              <a:t>="email_vd2" /&gt;</a:t>
-            </a:r>
-          </a:p>
-          <a:p>
-            <a:pPr lvl="4"/>
-            <a:r>
-              <a:rPr lang="fr-FR" sz="1200" i="1" kern="1200" dirty="0" smtClean="0">
-                <a:solidFill>
-                  <a:schemeClr val="tx1"/>
-                </a:solidFill>
-                <a:latin typeface="Arial" charset="0"/>
-                <a:ea typeface="+mn-ea"/>
-                <a:cs typeface="+mn-cs"/>
-              </a:rPr>
-              <a:t>&lt;</a:t>
-            </a:r>
-            <a:r>
-              <a:rPr lang="fr-FR" sz="1200" i="1" kern="1200" dirty="0" err="1" smtClean="0">
-                <a:solidFill>
-                  <a:schemeClr val="tx1"/>
-                </a:solidFill>
-                <a:latin typeface="Arial" charset="0"/>
-                <a:ea typeface="+mn-ea"/>
-                <a:cs typeface="+mn-cs"/>
-              </a:rPr>
-              <a:t>lpm:UserDependentParameters</a:t>
-            </a:r>
-            <a:r>
-              <a:rPr lang="fr-FR" sz="1200" i="1" kern="1200" dirty="0" smtClean="0">
-                <a:solidFill>
-                  <a:schemeClr val="tx1"/>
-                </a:solidFill>
-                <a:latin typeface="Arial" charset="0"/>
-                <a:ea typeface="+mn-ea"/>
-                <a:cs typeface="+mn-cs"/>
-              </a:rPr>
-              <a:t>&gt;</a:t>
-            </a:r>
-          </a:p>
-          <a:p>
-            <a:pPr lvl="3"/>
-            <a:r>
-              <a:rPr lang="fr-FR" sz="1200" i="1" kern="1200" dirty="0" smtClean="0">
-                <a:solidFill>
-                  <a:schemeClr val="tx1"/>
-                </a:solidFill>
-                <a:latin typeface="Arial" charset="0"/>
-                <a:ea typeface="+mn-ea"/>
-                <a:cs typeface="+mn-cs"/>
-              </a:rPr>
-              <a:t>                &lt;</a:t>
-            </a:r>
-            <a:r>
-              <a:rPr lang="fr-FR" sz="1200" i="1" kern="1200" dirty="0" err="1" smtClean="0">
-                <a:solidFill>
-                  <a:schemeClr val="tx1"/>
-                </a:solidFill>
-                <a:latin typeface="Arial" charset="0"/>
-                <a:ea typeface="+mn-ea"/>
-                <a:cs typeface="+mn-cs"/>
-              </a:rPr>
-              <a:t>lpm:characteristic</a:t>
-            </a:r>
-            <a:r>
-              <a:rPr lang="fr-FR" sz="1200" i="1" kern="1200" dirty="0" smtClean="0">
-                <a:solidFill>
-                  <a:schemeClr val="tx1"/>
-                </a:solidFill>
-                <a:latin typeface="Arial" charset="0"/>
-                <a:ea typeface="+mn-ea"/>
-                <a:cs typeface="+mn-cs"/>
-              </a:rPr>
-              <a:t> type="APPLICATION"&gt;</a:t>
-            </a:r>
-          </a:p>
-          <a:p>
-            <a:pPr lvl="3"/>
-            <a:r>
-              <a:rPr lang="fr-FR" sz="1200" i="1" kern="1200" dirty="0" smtClean="0">
-                <a:solidFill>
-                  <a:schemeClr val="tx1"/>
-                </a:solidFill>
-                <a:latin typeface="Arial" charset="0"/>
-                <a:ea typeface="+mn-ea"/>
-                <a:cs typeface="+mn-cs"/>
-              </a:rPr>
-              <a:t>                    &lt;</a:t>
-            </a:r>
-            <a:r>
-              <a:rPr lang="fr-FR" sz="1200" i="1" kern="1200" dirty="0" err="1" smtClean="0">
-                <a:solidFill>
-                  <a:schemeClr val="tx1"/>
-                </a:solidFill>
-                <a:latin typeface="Arial" charset="0"/>
-                <a:ea typeface="+mn-ea"/>
-                <a:cs typeface="+mn-cs"/>
-              </a:rPr>
-              <a:t>lpm:characteristic</a:t>
-            </a:r>
-            <a:r>
-              <a:rPr lang="fr-FR" sz="1200" i="1" kern="1200" dirty="0" smtClean="0">
-                <a:solidFill>
-                  <a:schemeClr val="tx1"/>
-                </a:solidFill>
-                <a:latin typeface="Arial" charset="0"/>
-                <a:ea typeface="+mn-ea"/>
-                <a:cs typeface="+mn-cs"/>
-              </a:rPr>
-              <a:t> type="APPADDR"&gt;</a:t>
-            </a:r>
-          </a:p>
-          <a:p>
-            <a:pPr lvl="3"/>
-            <a:r>
-              <a:rPr lang="fr-FR" sz="1200" i="1" kern="1200" dirty="0" smtClean="0">
-                <a:solidFill>
-                  <a:schemeClr val="tx1"/>
-                </a:solidFill>
-                <a:latin typeface="Arial" charset="0"/>
-                <a:ea typeface="+mn-ea"/>
-                <a:cs typeface="+mn-cs"/>
-              </a:rPr>
-              <a:t>                        &lt;</a:t>
-            </a:r>
-            <a:r>
-              <a:rPr lang="fr-FR" sz="1200" i="1" kern="1200" dirty="0" err="1" smtClean="0">
-                <a:solidFill>
-                  <a:schemeClr val="tx1"/>
-                </a:solidFill>
-                <a:latin typeface="Arial" charset="0"/>
-                <a:ea typeface="+mn-ea"/>
-                <a:cs typeface="+mn-cs"/>
-              </a:rPr>
-              <a:t>lpm:characteristic</a:t>
-            </a:r>
-            <a:r>
-              <a:rPr lang="fr-FR" sz="1200" i="1" kern="1200" dirty="0" smtClean="0">
-                <a:solidFill>
-                  <a:schemeClr val="tx1"/>
-                </a:solidFill>
-                <a:latin typeface="Arial" charset="0"/>
-                <a:ea typeface="+mn-ea"/>
-                <a:cs typeface="+mn-cs"/>
-              </a:rPr>
-              <a:t> type="PORT"&gt;</a:t>
-            </a:r>
-          </a:p>
-          <a:p>
-            <a:pPr lvl="3"/>
-            <a:r>
-              <a:rPr lang="fr-FR" sz="1200" i="1" kern="1200" dirty="0" smtClean="0">
-                <a:solidFill>
-                  <a:schemeClr val="tx1"/>
-                </a:solidFill>
-                <a:latin typeface="Arial" charset="0"/>
-                <a:ea typeface="+mn-ea"/>
-                <a:cs typeface="+mn-cs"/>
-              </a:rPr>
-              <a:t>                             &lt;</a:t>
-            </a:r>
-            <a:r>
-              <a:rPr lang="fr-FR" sz="1200" i="1" kern="1200" dirty="0" err="1" smtClean="0">
-                <a:solidFill>
-                  <a:schemeClr val="tx1"/>
-                </a:solidFill>
-                <a:latin typeface="Arial" charset="0"/>
-                <a:ea typeface="+mn-ea"/>
-                <a:cs typeface="+mn-cs"/>
-              </a:rPr>
-              <a:t>lpm:parm</a:t>
-            </a:r>
-            <a:r>
-              <a:rPr lang="fr-FR" sz="1200" i="1" kern="1200" dirty="0" smtClean="0">
-                <a:solidFill>
-                  <a:schemeClr val="tx1"/>
-                </a:solidFill>
-                <a:latin typeface="Arial" charset="0"/>
-                <a:ea typeface="+mn-ea"/>
-                <a:cs typeface="+mn-cs"/>
-              </a:rPr>
-              <a:t> </a:t>
-            </a:r>
-            <a:r>
-              <a:rPr lang="fr-FR" sz="1200" i="1" kern="1200" dirty="0" err="1" smtClean="0">
-                <a:solidFill>
-                  <a:schemeClr val="tx1"/>
-                </a:solidFill>
-                <a:latin typeface="Arial" charset="0"/>
-                <a:ea typeface="+mn-ea"/>
-                <a:cs typeface="+mn-cs"/>
-              </a:rPr>
-              <a:t>name</a:t>
-            </a:r>
-            <a:r>
-              <a:rPr lang="fr-FR" sz="1200" i="1" kern="1200" dirty="0" smtClean="0">
-                <a:solidFill>
-                  <a:schemeClr val="tx1"/>
-                </a:solidFill>
-                <a:latin typeface="Arial" charset="0"/>
-                <a:ea typeface="+mn-ea"/>
-                <a:cs typeface="+mn-cs"/>
-              </a:rPr>
-              <a:t>="PORTNBR«  value="587"/&gt;</a:t>
-            </a:r>
-          </a:p>
-          <a:p>
-            <a:pPr lvl="3"/>
-            <a:r>
-              <a:rPr lang="fr-FR" sz="1200" i="1" kern="1200" dirty="0" smtClean="0">
-                <a:solidFill>
-                  <a:schemeClr val="tx1"/>
-                </a:solidFill>
-                <a:latin typeface="Arial" charset="0"/>
-                <a:ea typeface="+mn-ea"/>
-                <a:cs typeface="+mn-cs"/>
-              </a:rPr>
-              <a:t>                        &lt;/</a:t>
-            </a:r>
-            <a:r>
-              <a:rPr lang="fr-FR" sz="1200" i="1" kern="1200" dirty="0" err="1" smtClean="0">
-                <a:solidFill>
-                  <a:schemeClr val="tx1"/>
-                </a:solidFill>
-                <a:latin typeface="Arial" charset="0"/>
-                <a:ea typeface="+mn-ea"/>
-                <a:cs typeface="+mn-cs"/>
-              </a:rPr>
-              <a:t>lpm:characteristic</a:t>
-            </a:r>
-            <a:r>
-              <a:rPr lang="fr-FR" sz="1200" i="1" kern="1200" dirty="0" smtClean="0">
-                <a:solidFill>
-                  <a:schemeClr val="tx1"/>
-                </a:solidFill>
-                <a:latin typeface="Arial" charset="0"/>
-                <a:ea typeface="+mn-ea"/>
-                <a:cs typeface="+mn-cs"/>
-              </a:rPr>
-              <a:t>&gt;</a:t>
-            </a:r>
-          </a:p>
-          <a:p>
-            <a:pPr lvl="3"/>
-            <a:r>
-              <a:rPr lang="fr-FR" sz="1200" i="1" kern="1200" dirty="0" smtClean="0">
-                <a:solidFill>
-                  <a:schemeClr val="tx1"/>
-                </a:solidFill>
-                <a:latin typeface="Arial" charset="0"/>
-                <a:ea typeface="+mn-ea"/>
-                <a:cs typeface="+mn-cs"/>
-              </a:rPr>
-              <a:t>                        &lt;</a:t>
-            </a:r>
-            <a:r>
-              <a:rPr lang="fr-FR" sz="1200" i="1" kern="1200" dirty="0" err="1" smtClean="0">
-                <a:solidFill>
-                  <a:schemeClr val="tx1"/>
-                </a:solidFill>
-                <a:latin typeface="Arial" charset="0"/>
-                <a:ea typeface="+mn-ea"/>
-                <a:cs typeface="+mn-cs"/>
-              </a:rPr>
-              <a:t>lpm:parm</a:t>
-            </a:r>
-            <a:r>
-              <a:rPr lang="fr-FR" sz="1200" i="1" kern="1200" dirty="0" smtClean="0">
-                <a:solidFill>
-                  <a:schemeClr val="tx1"/>
-                </a:solidFill>
-                <a:latin typeface="Arial" charset="0"/>
-                <a:ea typeface="+mn-ea"/>
-                <a:cs typeface="+mn-cs"/>
-              </a:rPr>
-              <a:t> </a:t>
-            </a:r>
-            <a:r>
-              <a:rPr lang="fr-FR" sz="1200" i="1" kern="1200" dirty="0" err="1" smtClean="0">
-                <a:solidFill>
-                  <a:schemeClr val="tx1"/>
-                </a:solidFill>
-                <a:latin typeface="Arial" charset="0"/>
-                <a:ea typeface="+mn-ea"/>
-                <a:cs typeface="+mn-cs"/>
-              </a:rPr>
-              <a:t>name</a:t>
-            </a:r>
-            <a:r>
-              <a:rPr lang="fr-FR" sz="1200" i="1" kern="1200" dirty="0" smtClean="0">
-                <a:solidFill>
-                  <a:schemeClr val="tx1"/>
-                </a:solidFill>
-                <a:latin typeface="Arial" charset="0"/>
-                <a:ea typeface="+mn-ea"/>
-                <a:cs typeface="+mn-cs"/>
-              </a:rPr>
-              <a:t>="ADDR" value="smtp.mail.yahoo.fr"/&gt;</a:t>
-            </a:r>
-          </a:p>
-          <a:p>
-            <a:pPr lvl="3"/>
-            <a:r>
-              <a:rPr lang="fr-FR" sz="1200" i="1" kern="1200" dirty="0" smtClean="0">
-                <a:solidFill>
-                  <a:schemeClr val="tx1"/>
-                </a:solidFill>
-                <a:latin typeface="Arial" charset="0"/>
-                <a:ea typeface="+mn-ea"/>
-                <a:cs typeface="+mn-cs"/>
-              </a:rPr>
-              <a:t>                    &lt;/</a:t>
-            </a:r>
-            <a:r>
-              <a:rPr lang="fr-FR" sz="1200" i="1" kern="1200" dirty="0" err="1" smtClean="0">
-                <a:solidFill>
-                  <a:schemeClr val="tx1"/>
-                </a:solidFill>
-                <a:latin typeface="Arial" charset="0"/>
-                <a:ea typeface="+mn-ea"/>
-                <a:cs typeface="+mn-cs"/>
-              </a:rPr>
-              <a:t>lpm:characteristic</a:t>
-            </a:r>
-            <a:r>
-              <a:rPr lang="fr-FR" sz="1200" i="1" kern="1200" dirty="0" smtClean="0">
-                <a:solidFill>
-                  <a:schemeClr val="tx1"/>
-                </a:solidFill>
-                <a:latin typeface="Arial" charset="0"/>
-                <a:ea typeface="+mn-ea"/>
-                <a:cs typeface="+mn-cs"/>
-              </a:rPr>
-              <a:t>&gt;</a:t>
-            </a:r>
-          </a:p>
-          <a:p>
-            <a:pPr lvl="3"/>
-            <a:r>
-              <a:rPr lang="fr-FR" sz="1200" i="1" kern="1200" dirty="0" smtClean="0">
-                <a:solidFill>
-                  <a:schemeClr val="tx1"/>
-                </a:solidFill>
-                <a:latin typeface="Arial" charset="0"/>
-                <a:ea typeface="+mn-ea"/>
-                <a:cs typeface="+mn-cs"/>
-              </a:rPr>
-              <a:t>                    &lt;</a:t>
-            </a:r>
-            <a:r>
-              <a:rPr lang="fr-FR" sz="1200" i="1" kern="1200" dirty="0" err="1" smtClean="0">
-                <a:solidFill>
-                  <a:schemeClr val="tx1"/>
-                </a:solidFill>
-                <a:latin typeface="Arial" charset="0"/>
-                <a:ea typeface="+mn-ea"/>
-                <a:cs typeface="+mn-cs"/>
-              </a:rPr>
-              <a:t>lpm:characteristic</a:t>
-            </a:r>
-            <a:r>
-              <a:rPr lang="fr-FR" sz="1200" i="1" kern="1200" dirty="0" smtClean="0">
-                <a:solidFill>
-                  <a:schemeClr val="tx1"/>
-                </a:solidFill>
-                <a:latin typeface="Arial" charset="0"/>
-                <a:ea typeface="+mn-ea"/>
-                <a:cs typeface="+mn-cs"/>
-              </a:rPr>
-              <a:t> type="APPAUTH"&gt;</a:t>
-            </a:r>
-          </a:p>
-          <a:p>
-            <a:pPr lvl="3"/>
-            <a:r>
-              <a:rPr lang="fr-FR" sz="1200" i="1" kern="1200" dirty="0" smtClean="0">
-                <a:solidFill>
-                  <a:schemeClr val="tx1"/>
-                </a:solidFill>
-                <a:latin typeface="Arial" charset="0"/>
-                <a:ea typeface="+mn-ea"/>
-                <a:cs typeface="+mn-cs"/>
-              </a:rPr>
-              <a:t>                        &lt;</a:t>
-            </a:r>
-            <a:r>
-              <a:rPr lang="fr-FR" sz="1200" i="1" kern="1200" dirty="0" err="1" smtClean="0">
-                <a:solidFill>
-                  <a:schemeClr val="tx1"/>
-                </a:solidFill>
-                <a:latin typeface="Arial" charset="0"/>
-                <a:ea typeface="+mn-ea"/>
-                <a:cs typeface="+mn-cs"/>
-              </a:rPr>
-              <a:t>lpm:parm</a:t>
-            </a:r>
-            <a:r>
-              <a:rPr lang="fr-FR" sz="1200" i="1" kern="1200" dirty="0" smtClean="0">
-                <a:solidFill>
-                  <a:schemeClr val="tx1"/>
-                </a:solidFill>
-                <a:latin typeface="Arial" charset="0"/>
-                <a:ea typeface="+mn-ea"/>
-                <a:cs typeface="+mn-cs"/>
-              </a:rPr>
-              <a:t> </a:t>
-            </a:r>
-            <a:r>
-              <a:rPr lang="fr-FR" sz="1200" i="1" kern="1200" dirty="0" err="1" smtClean="0">
-                <a:solidFill>
-                  <a:schemeClr val="tx1"/>
-                </a:solidFill>
-                <a:latin typeface="Arial" charset="0"/>
-                <a:ea typeface="+mn-ea"/>
-                <a:cs typeface="+mn-cs"/>
-              </a:rPr>
-              <a:t>name</a:t>
-            </a:r>
-            <a:r>
-              <a:rPr lang="fr-FR" sz="1200" i="1" kern="1200" dirty="0" smtClean="0">
-                <a:solidFill>
-                  <a:schemeClr val="tx1"/>
-                </a:solidFill>
-                <a:latin typeface="Arial" charset="0"/>
-                <a:ea typeface="+mn-ea"/>
-                <a:cs typeface="+mn-cs"/>
-              </a:rPr>
-              <a:t>="AAUTHTYPE" value="None"/&gt;</a:t>
-            </a:r>
-          </a:p>
-          <a:p>
-            <a:pPr lvl="3"/>
-            <a:r>
-              <a:rPr lang="fr-FR" sz="1200" i="1" kern="1200" dirty="0" smtClean="0">
-                <a:solidFill>
-                  <a:schemeClr val="tx1"/>
-                </a:solidFill>
-                <a:latin typeface="Arial" charset="0"/>
-                <a:ea typeface="+mn-ea"/>
-                <a:cs typeface="+mn-cs"/>
-              </a:rPr>
-              <a:t>                        &lt;</a:t>
-            </a:r>
-            <a:r>
-              <a:rPr lang="fr-FR" sz="1200" i="1" kern="1200" dirty="0" err="1" smtClean="0">
-                <a:solidFill>
-                  <a:schemeClr val="tx1"/>
-                </a:solidFill>
-                <a:latin typeface="Arial" charset="0"/>
-                <a:ea typeface="+mn-ea"/>
-                <a:cs typeface="+mn-cs"/>
-              </a:rPr>
-              <a:t>lpm:parm</a:t>
-            </a:r>
-            <a:r>
-              <a:rPr lang="fr-FR" sz="1200" i="1" kern="1200" dirty="0" smtClean="0">
-                <a:solidFill>
-                  <a:schemeClr val="tx1"/>
-                </a:solidFill>
-                <a:latin typeface="Arial" charset="0"/>
-                <a:ea typeface="+mn-ea"/>
-                <a:cs typeface="+mn-cs"/>
-              </a:rPr>
-              <a:t> </a:t>
-            </a:r>
-            <a:r>
-              <a:rPr lang="fr-FR" sz="1200" i="1" kern="1200" dirty="0" err="1" smtClean="0">
-                <a:solidFill>
-                  <a:schemeClr val="tx1"/>
-                </a:solidFill>
-                <a:latin typeface="Arial" charset="0"/>
-                <a:ea typeface="+mn-ea"/>
-                <a:cs typeface="+mn-cs"/>
-              </a:rPr>
-              <a:t>name</a:t>
-            </a:r>
-            <a:r>
-              <a:rPr lang="fr-FR" sz="1200" i="1" kern="1200" dirty="0" smtClean="0">
-                <a:solidFill>
-                  <a:schemeClr val="tx1"/>
-                </a:solidFill>
-                <a:latin typeface="Arial" charset="0"/>
-                <a:ea typeface="+mn-ea"/>
-                <a:cs typeface="+mn-cs"/>
-              </a:rPr>
-              <a:t>="AAUTHNAME" value="benoit"/&gt;</a:t>
-            </a:r>
-          </a:p>
-          <a:p>
-            <a:pPr lvl="3"/>
-            <a:r>
-              <a:rPr lang="fr-FR" sz="1200" i="1" kern="1200" dirty="0" smtClean="0">
-                <a:solidFill>
-                  <a:schemeClr val="tx1"/>
-                </a:solidFill>
-                <a:latin typeface="Arial" charset="0"/>
-                <a:ea typeface="+mn-ea"/>
-                <a:cs typeface="+mn-cs"/>
-              </a:rPr>
-              <a:t>                        &lt;</a:t>
-            </a:r>
-            <a:r>
-              <a:rPr lang="fr-FR" sz="1200" i="1" kern="1200" dirty="0" err="1" smtClean="0">
-                <a:solidFill>
-                  <a:schemeClr val="tx1"/>
-                </a:solidFill>
-                <a:latin typeface="Arial" charset="0"/>
-                <a:ea typeface="+mn-ea"/>
-                <a:cs typeface="+mn-cs"/>
-              </a:rPr>
-              <a:t>lpm:parm</a:t>
-            </a:r>
-            <a:r>
-              <a:rPr lang="fr-FR" sz="1200" i="1" kern="1200" dirty="0" smtClean="0">
-                <a:solidFill>
-                  <a:schemeClr val="tx1"/>
-                </a:solidFill>
-                <a:latin typeface="Arial" charset="0"/>
-                <a:ea typeface="+mn-ea"/>
-                <a:cs typeface="+mn-cs"/>
-              </a:rPr>
-              <a:t> </a:t>
-            </a:r>
-            <a:r>
-              <a:rPr lang="fr-FR" sz="1200" i="1" kern="1200" dirty="0" err="1" smtClean="0">
-                <a:solidFill>
-                  <a:schemeClr val="tx1"/>
-                </a:solidFill>
-                <a:latin typeface="Arial" charset="0"/>
-                <a:ea typeface="+mn-ea"/>
-                <a:cs typeface="+mn-cs"/>
-              </a:rPr>
-              <a:t>name</a:t>
-            </a:r>
-            <a:r>
-              <a:rPr lang="fr-FR" sz="1200" i="1" kern="1200" dirty="0" smtClean="0">
-                <a:solidFill>
-                  <a:schemeClr val="tx1"/>
-                </a:solidFill>
-                <a:latin typeface="Arial" charset="0"/>
-                <a:ea typeface="+mn-ea"/>
-                <a:cs typeface="+mn-cs"/>
-              </a:rPr>
-              <a:t>="AAUTHSECRET" value="</a:t>
-            </a:r>
-            <a:r>
-              <a:rPr lang="fr-FR" sz="1200" i="1" kern="1200" dirty="0" err="1" smtClean="0">
-                <a:solidFill>
-                  <a:schemeClr val="tx1"/>
-                </a:solidFill>
-                <a:latin typeface="Arial" charset="0"/>
-                <a:ea typeface="+mn-ea"/>
-                <a:cs typeface="+mn-cs"/>
-              </a:rPr>
-              <a:t>lpm</a:t>
-            </a:r>
-            <a:r>
-              <a:rPr lang="fr-FR" sz="1200" i="1" kern="1200" dirty="0" smtClean="0">
-                <a:solidFill>
-                  <a:schemeClr val="tx1"/>
-                </a:solidFill>
-                <a:latin typeface="Arial" charset="0"/>
-                <a:ea typeface="+mn-ea"/>
-                <a:cs typeface="+mn-cs"/>
-              </a:rPr>
-              <a:t>"/&gt;</a:t>
-            </a:r>
-          </a:p>
-          <a:p>
-            <a:pPr lvl="3"/>
-            <a:r>
-              <a:rPr lang="fr-FR" sz="1200" i="1" kern="1200" dirty="0" smtClean="0">
-                <a:solidFill>
-                  <a:schemeClr val="tx1"/>
-                </a:solidFill>
-                <a:latin typeface="Arial" charset="0"/>
-                <a:ea typeface="+mn-ea"/>
-                <a:cs typeface="+mn-cs"/>
-              </a:rPr>
-              <a:t>                    &lt;/</a:t>
-            </a:r>
-            <a:r>
-              <a:rPr lang="fr-FR" sz="1200" i="1" kern="1200" dirty="0" err="1" smtClean="0">
-                <a:solidFill>
-                  <a:schemeClr val="tx1"/>
-                </a:solidFill>
-                <a:latin typeface="Arial" charset="0"/>
-                <a:ea typeface="+mn-ea"/>
-                <a:cs typeface="+mn-cs"/>
-              </a:rPr>
-              <a:t>lpm:characteristic</a:t>
-            </a:r>
-            <a:r>
-              <a:rPr lang="fr-FR" sz="1200" i="1" kern="1200" dirty="0" smtClean="0">
-                <a:solidFill>
-                  <a:schemeClr val="tx1"/>
-                </a:solidFill>
-                <a:latin typeface="Arial" charset="0"/>
-                <a:ea typeface="+mn-ea"/>
-                <a:cs typeface="+mn-cs"/>
-              </a:rPr>
-              <a:t>&gt;</a:t>
-            </a:r>
-          </a:p>
-          <a:p>
-            <a:pPr lvl="3"/>
-            <a:r>
-              <a:rPr lang="fr-FR" sz="1200" i="1" kern="1200" dirty="0" smtClean="0">
-                <a:solidFill>
-                  <a:schemeClr val="tx1"/>
-                </a:solidFill>
-                <a:latin typeface="Arial" charset="0"/>
-                <a:ea typeface="+mn-ea"/>
-                <a:cs typeface="+mn-cs"/>
-              </a:rPr>
-              <a:t>                    &lt;</a:t>
-            </a:r>
-            <a:r>
-              <a:rPr lang="fr-FR" sz="1200" i="1" kern="1200" dirty="0" err="1" smtClean="0">
-                <a:solidFill>
-                  <a:schemeClr val="tx1"/>
-                </a:solidFill>
-                <a:latin typeface="Arial" charset="0"/>
-                <a:ea typeface="+mn-ea"/>
-                <a:cs typeface="+mn-cs"/>
-              </a:rPr>
-              <a:t>lpm:parm</a:t>
-            </a:r>
-            <a:r>
-              <a:rPr lang="fr-FR" sz="1200" i="1" kern="1200" dirty="0" smtClean="0">
-                <a:solidFill>
-                  <a:schemeClr val="tx1"/>
-                </a:solidFill>
-                <a:latin typeface="Arial" charset="0"/>
-                <a:ea typeface="+mn-ea"/>
-                <a:cs typeface="+mn-cs"/>
-              </a:rPr>
-              <a:t> </a:t>
-            </a:r>
-            <a:r>
-              <a:rPr lang="fr-FR" sz="1200" i="1" kern="1200" dirty="0" err="1" smtClean="0">
-                <a:solidFill>
-                  <a:schemeClr val="tx1"/>
-                </a:solidFill>
-                <a:latin typeface="Arial" charset="0"/>
-                <a:ea typeface="+mn-ea"/>
-                <a:cs typeface="+mn-cs"/>
-              </a:rPr>
-              <a:t>name</a:t>
-            </a:r>
-            <a:r>
-              <a:rPr lang="fr-FR" sz="1200" i="1" kern="1200" dirty="0" smtClean="0">
-                <a:solidFill>
-                  <a:schemeClr val="tx1"/>
-                </a:solidFill>
-                <a:latin typeface="Arial" charset="0"/>
-                <a:ea typeface="+mn-ea"/>
-                <a:cs typeface="+mn-cs"/>
-              </a:rPr>
-              <a:t>="TO-NAPID" value="NAP2"/&gt;</a:t>
-            </a:r>
-          </a:p>
-          <a:p>
-            <a:pPr lvl="3"/>
-            <a:r>
-              <a:rPr lang="fr-FR" sz="1200" i="1" kern="1200" dirty="0" smtClean="0">
-                <a:solidFill>
-                  <a:schemeClr val="tx1"/>
-                </a:solidFill>
-                <a:latin typeface="Arial" charset="0"/>
-                <a:ea typeface="+mn-ea"/>
-                <a:cs typeface="+mn-cs"/>
-              </a:rPr>
-              <a:t>                    &lt;</a:t>
-            </a:r>
-            <a:r>
-              <a:rPr lang="fr-FR" sz="1200" i="1" kern="1200" dirty="0" err="1" smtClean="0">
-                <a:solidFill>
-                  <a:schemeClr val="tx1"/>
-                </a:solidFill>
-                <a:latin typeface="Arial" charset="0"/>
-                <a:ea typeface="+mn-ea"/>
-                <a:cs typeface="+mn-cs"/>
-              </a:rPr>
-              <a:t>lpm:parm</a:t>
-            </a:r>
-            <a:r>
-              <a:rPr lang="fr-FR" sz="1200" i="1" kern="1200" dirty="0" smtClean="0">
-                <a:solidFill>
-                  <a:schemeClr val="tx1"/>
-                </a:solidFill>
-                <a:latin typeface="Arial" charset="0"/>
-                <a:ea typeface="+mn-ea"/>
-                <a:cs typeface="+mn-cs"/>
-              </a:rPr>
-              <a:t> </a:t>
-            </a:r>
-            <a:r>
-              <a:rPr lang="fr-FR" sz="1200" i="1" kern="1200" dirty="0" err="1" smtClean="0">
-                <a:solidFill>
-                  <a:schemeClr val="tx1"/>
-                </a:solidFill>
-                <a:latin typeface="Arial" charset="0"/>
-                <a:ea typeface="+mn-ea"/>
-                <a:cs typeface="+mn-cs"/>
-              </a:rPr>
-              <a:t>name</a:t>
-            </a:r>
-            <a:r>
-              <a:rPr lang="fr-FR" sz="1200" i="1" kern="1200" dirty="0" smtClean="0">
-                <a:solidFill>
-                  <a:schemeClr val="tx1"/>
-                </a:solidFill>
-                <a:latin typeface="Arial" charset="0"/>
-                <a:ea typeface="+mn-ea"/>
-                <a:cs typeface="+mn-cs"/>
-              </a:rPr>
-              <a:t>="TO-NAPID" value="NAP1"/&gt;</a:t>
-            </a:r>
-          </a:p>
-          <a:p>
-            <a:pPr lvl="3"/>
-            <a:r>
-              <a:rPr lang="fr-FR" sz="1200" i="1" kern="1200" dirty="0" smtClean="0">
-                <a:solidFill>
-                  <a:schemeClr val="tx1"/>
-                </a:solidFill>
-                <a:latin typeface="Arial" charset="0"/>
-                <a:ea typeface="+mn-ea"/>
-                <a:cs typeface="+mn-cs"/>
-              </a:rPr>
-              <a:t>                    &lt;</a:t>
-            </a:r>
-            <a:r>
-              <a:rPr lang="fr-FR" sz="1200" i="1" kern="1200" dirty="0" err="1" smtClean="0">
-                <a:solidFill>
-                  <a:schemeClr val="tx1"/>
-                </a:solidFill>
-                <a:latin typeface="Arial" charset="0"/>
-                <a:ea typeface="+mn-ea"/>
-                <a:cs typeface="+mn-cs"/>
-              </a:rPr>
-              <a:t>lpm:parm</a:t>
-            </a:r>
-            <a:r>
-              <a:rPr lang="fr-FR" sz="1200" i="1" kern="1200" dirty="0" smtClean="0">
-                <a:solidFill>
-                  <a:schemeClr val="tx1"/>
-                </a:solidFill>
-                <a:latin typeface="Arial" charset="0"/>
-                <a:ea typeface="+mn-ea"/>
-                <a:cs typeface="+mn-cs"/>
-              </a:rPr>
-              <a:t> </a:t>
-            </a:r>
-            <a:r>
-              <a:rPr lang="fr-FR" sz="1200" i="1" kern="1200" dirty="0" err="1" smtClean="0">
-                <a:solidFill>
-                  <a:schemeClr val="tx1"/>
-                </a:solidFill>
-                <a:latin typeface="Arial" charset="0"/>
-                <a:ea typeface="+mn-ea"/>
-                <a:cs typeface="+mn-cs"/>
-              </a:rPr>
-              <a:t>name</a:t>
-            </a:r>
-            <a:r>
-              <a:rPr lang="fr-FR" sz="1200" i="1" kern="1200" dirty="0" smtClean="0">
-                <a:solidFill>
-                  <a:schemeClr val="tx1"/>
-                </a:solidFill>
-                <a:latin typeface="Arial" charset="0"/>
-                <a:ea typeface="+mn-ea"/>
-                <a:cs typeface="+mn-cs"/>
-              </a:rPr>
-              <a:t>="PROVIDER-ID" value="PROVIDER1"/&gt;</a:t>
-            </a:r>
-          </a:p>
-          <a:p>
-            <a:pPr lvl="3"/>
-            <a:r>
-              <a:rPr lang="fr-FR" sz="1200" i="1" kern="1200" dirty="0" smtClean="0">
-                <a:solidFill>
-                  <a:schemeClr val="tx1"/>
-                </a:solidFill>
-                <a:latin typeface="Arial" charset="0"/>
-                <a:ea typeface="+mn-ea"/>
-                <a:cs typeface="+mn-cs"/>
-              </a:rPr>
-              <a:t>                    &lt;</a:t>
-            </a:r>
-            <a:r>
-              <a:rPr lang="fr-FR" sz="1200" i="1" kern="1200" dirty="0" err="1" smtClean="0">
-                <a:solidFill>
-                  <a:schemeClr val="tx1"/>
-                </a:solidFill>
-                <a:latin typeface="Arial" charset="0"/>
-                <a:ea typeface="+mn-ea"/>
-                <a:cs typeface="+mn-cs"/>
-              </a:rPr>
-              <a:t>lpm:parm</a:t>
-            </a:r>
-            <a:r>
-              <a:rPr lang="fr-FR" sz="1200" i="1" kern="1200" dirty="0" smtClean="0">
-                <a:solidFill>
-                  <a:schemeClr val="tx1"/>
-                </a:solidFill>
-                <a:latin typeface="Arial" charset="0"/>
-                <a:ea typeface="+mn-ea"/>
-                <a:cs typeface="+mn-cs"/>
-              </a:rPr>
-              <a:t> </a:t>
-            </a:r>
-            <a:r>
-              <a:rPr lang="fr-FR" sz="1200" i="1" kern="1200" dirty="0" err="1" smtClean="0">
-                <a:solidFill>
-                  <a:schemeClr val="tx1"/>
-                </a:solidFill>
-                <a:latin typeface="Arial" charset="0"/>
-                <a:ea typeface="+mn-ea"/>
-                <a:cs typeface="+mn-cs"/>
-              </a:rPr>
-              <a:t>name</a:t>
-            </a:r>
-            <a:r>
-              <a:rPr lang="fr-FR" sz="1200" i="1" kern="1200" dirty="0" smtClean="0">
-                <a:solidFill>
-                  <a:schemeClr val="tx1"/>
-                </a:solidFill>
-                <a:latin typeface="Arial" charset="0"/>
-                <a:ea typeface="+mn-ea"/>
-                <a:cs typeface="+mn-cs"/>
-              </a:rPr>
-              <a:t>="NAME" value="</a:t>
-            </a:r>
-            <a:r>
-              <a:rPr lang="fr-FR" sz="1200" i="1" kern="1200" dirty="0" err="1" smtClean="0">
-                <a:solidFill>
-                  <a:schemeClr val="tx1"/>
-                </a:solidFill>
-                <a:latin typeface="Arial" charset="0"/>
-                <a:ea typeface="+mn-ea"/>
-                <a:cs typeface="+mn-cs"/>
-              </a:rPr>
-              <a:t>ben_gemalto</a:t>
-            </a:r>
-            <a:r>
-              <a:rPr lang="fr-FR" sz="1200" i="1" kern="1200" dirty="0" smtClean="0">
-                <a:solidFill>
-                  <a:schemeClr val="tx1"/>
-                </a:solidFill>
-                <a:latin typeface="Arial" charset="0"/>
-                <a:ea typeface="+mn-ea"/>
-                <a:cs typeface="+mn-cs"/>
-              </a:rPr>
-              <a:t>"/&gt;</a:t>
-            </a:r>
-          </a:p>
-          <a:p>
-            <a:pPr lvl="3"/>
-            <a:r>
-              <a:rPr lang="fr-FR" sz="1200" i="1" kern="1200" dirty="0" smtClean="0">
-                <a:solidFill>
-                  <a:schemeClr val="tx1"/>
-                </a:solidFill>
-                <a:latin typeface="Arial" charset="0"/>
-                <a:ea typeface="+mn-ea"/>
-                <a:cs typeface="+mn-cs"/>
-              </a:rPr>
-              <a:t>                    &lt;</a:t>
-            </a:r>
-            <a:r>
-              <a:rPr lang="fr-FR" sz="1200" i="1" kern="1200" dirty="0" err="1" smtClean="0">
-                <a:solidFill>
-                  <a:schemeClr val="tx1"/>
-                </a:solidFill>
-                <a:latin typeface="Arial" charset="0"/>
-                <a:ea typeface="+mn-ea"/>
-                <a:cs typeface="+mn-cs"/>
-              </a:rPr>
-              <a:t>lpm:parm</a:t>
-            </a:r>
-            <a:r>
-              <a:rPr lang="fr-FR" sz="1200" i="1" kern="1200" dirty="0" smtClean="0">
-                <a:solidFill>
-                  <a:schemeClr val="tx1"/>
-                </a:solidFill>
-                <a:latin typeface="Arial" charset="0"/>
-                <a:ea typeface="+mn-ea"/>
-                <a:cs typeface="+mn-cs"/>
-              </a:rPr>
-              <a:t> </a:t>
-            </a:r>
-            <a:r>
-              <a:rPr lang="fr-FR" sz="1200" i="1" kern="1200" dirty="0" err="1" smtClean="0">
-                <a:solidFill>
-                  <a:schemeClr val="tx1"/>
-                </a:solidFill>
-                <a:latin typeface="Arial" charset="0"/>
-                <a:ea typeface="+mn-ea"/>
-                <a:cs typeface="+mn-cs"/>
-              </a:rPr>
-              <a:t>name</a:t>
-            </a:r>
-            <a:r>
-              <a:rPr lang="fr-FR" sz="1200" i="1" kern="1200" dirty="0" smtClean="0">
-                <a:solidFill>
-                  <a:schemeClr val="tx1"/>
-                </a:solidFill>
-                <a:latin typeface="Arial" charset="0"/>
-                <a:ea typeface="+mn-ea"/>
-                <a:cs typeface="+mn-cs"/>
-              </a:rPr>
-              <a:t>="RT-ADDR" value="ben_gemalto@yahoo.fr"/&gt;</a:t>
-            </a:r>
-          </a:p>
-          <a:p>
-            <a:pPr lvl="3"/>
-            <a:r>
-              <a:rPr lang="fr-FR" sz="1200" i="1" kern="1200" dirty="0" smtClean="0">
-                <a:solidFill>
-                  <a:schemeClr val="tx1"/>
-                </a:solidFill>
-                <a:latin typeface="Arial" charset="0"/>
-                <a:ea typeface="+mn-ea"/>
-                <a:cs typeface="+mn-cs"/>
-              </a:rPr>
-              <a:t>                    &lt;</a:t>
-            </a:r>
-            <a:r>
-              <a:rPr lang="fr-FR" sz="1200" i="1" kern="1200" dirty="0" err="1" smtClean="0">
-                <a:solidFill>
-                  <a:schemeClr val="tx1"/>
-                </a:solidFill>
-                <a:latin typeface="Arial" charset="0"/>
-                <a:ea typeface="+mn-ea"/>
-                <a:cs typeface="+mn-cs"/>
-              </a:rPr>
-              <a:t>lpm:parm</a:t>
-            </a:r>
-            <a:r>
-              <a:rPr lang="fr-FR" sz="1200" i="1" kern="1200" dirty="0" smtClean="0">
-                <a:solidFill>
-                  <a:schemeClr val="tx1"/>
-                </a:solidFill>
-                <a:latin typeface="Arial" charset="0"/>
-                <a:ea typeface="+mn-ea"/>
-                <a:cs typeface="+mn-cs"/>
-              </a:rPr>
-              <a:t> </a:t>
-            </a:r>
-            <a:r>
-              <a:rPr lang="fr-FR" sz="1200" i="1" kern="1200" dirty="0" err="1" smtClean="0">
-                <a:solidFill>
-                  <a:schemeClr val="tx1"/>
-                </a:solidFill>
-                <a:latin typeface="Arial" charset="0"/>
-                <a:ea typeface="+mn-ea"/>
-                <a:cs typeface="+mn-cs"/>
-              </a:rPr>
-              <a:t>name</a:t>
-            </a:r>
-            <a:r>
-              <a:rPr lang="fr-FR" sz="1200" i="1" kern="1200" dirty="0" smtClean="0">
-                <a:solidFill>
-                  <a:schemeClr val="tx1"/>
-                </a:solidFill>
-                <a:latin typeface="Arial" charset="0"/>
-                <a:ea typeface="+mn-ea"/>
-                <a:cs typeface="+mn-cs"/>
-              </a:rPr>
-              <a:t>="FROM" value="ben_gemalto@yahoo.fr"/&gt;</a:t>
-            </a:r>
-          </a:p>
-          <a:p>
-            <a:pPr lvl="3"/>
-            <a:r>
-              <a:rPr lang="fr-FR" sz="1200" i="1" kern="1200" dirty="0" smtClean="0">
-                <a:solidFill>
-                  <a:schemeClr val="tx1"/>
-                </a:solidFill>
-                <a:latin typeface="Arial" charset="0"/>
-                <a:ea typeface="+mn-ea"/>
-                <a:cs typeface="+mn-cs"/>
-              </a:rPr>
-              <a:t>                    &lt;</a:t>
-            </a:r>
-            <a:r>
-              <a:rPr lang="fr-FR" sz="1200" i="1" kern="1200" dirty="0" err="1" smtClean="0">
-                <a:solidFill>
-                  <a:schemeClr val="tx1"/>
-                </a:solidFill>
-                <a:latin typeface="Arial" charset="0"/>
-                <a:ea typeface="+mn-ea"/>
-                <a:cs typeface="+mn-cs"/>
-              </a:rPr>
-              <a:t>lpm:parm</a:t>
-            </a:r>
-            <a:r>
-              <a:rPr lang="fr-FR" sz="1200" i="1" kern="1200" dirty="0" smtClean="0">
-                <a:solidFill>
-                  <a:schemeClr val="tx1"/>
-                </a:solidFill>
-                <a:latin typeface="Arial" charset="0"/>
-                <a:ea typeface="+mn-ea"/>
-                <a:cs typeface="+mn-cs"/>
-              </a:rPr>
-              <a:t> </a:t>
-            </a:r>
-            <a:r>
-              <a:rPr lang="fr-FR" sz="1200" i="1" kern="1200" dirty="0" err="1" smtClean="0">
-                <a:solidFill>
-                  <a:schemeClr val="tx1"/>
-                </a:solidFill>
-                <a:latin typeface="Arial" charset="0"/>
-                <a:ea typeface="+mn-ea"/>
-                <a:cs typeface="+mn-cs"/>
-              </a:rPr>
-              <a:t>name</a:t>
-            </a:r>
-            <a:r>
-              <a:rPr lang="fr-FR" sz="1200" i="1" kern="1200" dirty="0" smtClean="0">
-                <a:solidFill>
-                  <a:schemeClr val="tx1"/>
-                </a:solidFill>
-                <a:latin typeface="Arial" charset="0"/>
-                <a:ea typeface="+mn-ea"/>
-                <a:cs typeface="+mn-cs"/>
-              </a:rPr>
-              <a:t>="TO-NAPID" value="NAP3"/&gt;</a:t>
-            </a:r>
-          </a:p>
-          <a:p>
-            <a:pPr lvl="3"/>
-            <a:r>
-              <a:rPr lang="fr-FR" sz="1200" i="1" kern="1200" dirty="0" smtClean="0">
-                <a:solidFill>
-                  <a:schemeClr val="tx1"/>
-                </a:solidFill>
-                <a:latin typeface="Arial" charset="0"/>
-                <a:ea typeface="+mn-ea"/>
-                <a:cs typeface="+mn-cs"/>
-              </a:rPr>
-              <a:t>                    &lt;</a:t>
-            </a:r>
-            <a:r>
-              <a:rPr lang="fr-FR" sz="1200" i="1" kern="1200" dirty="0" err="1" smtClean="0">
-                <a:solidFill>
-                  <a:schemeClr val="tx1"/>
-                </a:solidFill>
-                <a:latin typeface="Arial" charset="0"/>
-                <a:ea typeface="+mn-ea"/>
-                <a:cs typeface="+mn-cs"/>
-              </a:rPr>
-              <a:t>lpm:parm</a:t>
-            </a:r>
-            <a:r>
-              <a:rPr lang="fr-FR" sz="1200" i="1" kern="1200" dirty="0" smtClean="0">
-                <a:solidFill>
-                  <a:schemeClr val="tx1"/>
-                </a:solidFill>
-                <a:latin typeface="Arial" charset="0"/>
-                <a:ea typeface="+mn-ea"/>
-                <a:cs typeface="+mn-cs"/>
-              </a:rPr>
-              <a:t> </a:t>
-            </a:r>
-            <a:r>
-              <a:rPr lang="fr-FR" sz="1200" i="1" kern="1200" dirty="0" err="1" smtClean="0">
-                <a:solidFill>
-                  <a:schemeClr val="tx1"/>
-                </a:solidFill>
-                <a:latin typeface="Arial" charset="0"/>
-                <a:ea typeface="+mn-ea"/>
-                <a:cs typeface="+mn-cs"/>
-              </a:rPr>
-              <a:t>name</a:t>
-            </a:r>
-            <a:r>
-              <a:rPr lang="fr-FR" sz="1200" i="1" kern="1200" dirty="0" smtClean="0">
-                <a:solidFill>
-                  <a:schemeClr val="tx1"/>
-                </a:solidFill>
-                <a:latin typeface="Arial" charset="0"/>
-                <a:ea typeface="+mn-ea"/>
-                <a:cs typeface="+mn-cs"/>
-              </a:rPr>
-              <a:t>="APPID" value="25"/&gt;</a:t>
-            </a:r>
-          </a:p>
-          <a:p>
-            <a:pPr lvl="3"/>
-            <a:r>
-              <a:rPr lang="fr-FR" sz="1200" i="1" kern="1200" dirty="0" smtClean="0">
-                <a:solidFill>
-                  <a:schemeClr val="tx1"/>
-                </a:solidFill>
-                <a:latin typeface="Arial" charset="0"/>
-                <a:ea typeface="+mn-ea"/>
-                <a:cs typeface="+mn-cs"/>
-              </a:rPr>
-              <a:t>                &lt;/</a:t>
-            </a:r>
-            <a:r>
-              <a:rPr lang="fr-FR" sz="1200" i="1" kern="1200" dirty="0" err="1" smtClean="0">
-                <a:solidFill>
-                  <a:schemeClr val="tx1"/>
-                </a:solidFill>
-                <a:latin typeface="Arial" charset="0"/>
-                <a:ea typeface="+mn-ea"/>
-                <a:cs typeface="+mn-cs"/>
-              </a:rPr>
-              <a:t>lpm:characteristic</a:t>
-            </a:r>
-            <a:r>
-              <a:rPr lang="fr-FR" sz="1200" i="1" kern="1200" dirty="0" smtClean="0">
-                <a:solidFill>
-                  <a:schemeClr val="tx1"/>
-                </a:solidFill>
-                <a:latin typeface="Arial" charset="0"/>
-                <a:ea typeface="+mn-ea"/>
-                <a:cs typeface="+mn-cs"/>
-              </a:rPr>
-              <a:t>&gt;</a:t>
-            </a:r>
-          </a:p>
-          <a:p>
-            <a:pPr lvl="3"/>
-            <a:r>
-              <a:rPr lang="fr-FR" sz="1200" i="1" kern="1200" dirty="0" smtClean="0">
-                <a:solidFill>
-                  <a:schemeClr val="tx1"/>
-                </a:solidFill>
-                <a:latin typeface="Arial" charset="0"/>
-                <a:ea typeface="+mn-ea"/>
-                <a:cs typeface="+mn-cs"/>
-              </a:rPr>
-              <a:t>            &lt;/</a:t>
-            </a:r>
-            <a:r>
-              <a:rPr lang="fr-FR" sz="1200" i="1" kern="1200" dirty="0" err="1" smtClean="0">
-                <a:solidFill>
-                  <a:schemeClr val="tx1"/>
-                </a:solidFill>
-                <a:latin typeface="Arial" charset="0"/>
-                <a:ea typeface="+mn-ea"/>
-                <a:cs typeface="+mn-cs"/>
-              </a:rPr>
-              <a:t>lpm:UserDependentParameters</a:t>
-            </a:r>
-            <a:r>
-              <a:rPr lang="fr-FR" sz="1200" i="1" kern="1200" dirty="0" smtClean="0">
-                <a:solidFill>
-                  <a:schemeClr val="tx1"/>
-                </a:solidFill>
-                <a:latin typeface="Arial" charset="0"/>
-                <a:ea typeface="+mn-ea"/>
-                <a:cs typeface="+mn-cs"/>
-              </a:rPr>
-              <a:t>&gt;</a:t>
-            </a:r>
-          </a:p>
-          <a:p>
-            <a:pPr lvl="3"/>
-            <a:r>
-              <a:rPr lang="fr-FR" sz="1200" i="1" kern="1200" dirty="0" smtClean="0">
-                <a:solidFill>
-                  <a:schemeClr val="tx1"/>
-                </a:solidFill>
-                <a:latin typeface="Arial" charset="0"/>
-                <a:ea typeface="+mn-ea"/>
-                <a:cs typeface="+mn-cs"/>
-              </a:rPr>
-              <a:t>        &lt;/</a:t>
-            </a:r>
-            <a:r>
-              <a:rPr lang="fr-FR" sz="1200" i="1" kern="1200" dirty="0" err="1" smtClean="0">
-                <a:solidFill>
-                  <a:schemeClr val="tx1"/>
-                </a:solidFill>
-                <a:latin typeface="Arial" charset="0"/>
-                <a:ea typeface="+mn-ea"/>
-                <a:cs typeface="+mn-cs"/>
-              </a:rPr>
-              <a:t>lpm:Service</a:t>
-            </a:r>
-            <a:r>
-              <a:rPr lang="fr-FR" sz="1200" i="1" kern="1200" dirty="0" smtClean="0">
-                <a:solidFill>
-                  <a:schemeClr val="tx1"/>
-                </a:solidFill>
-                <a:latin typeface="Arial" charset="0"/>
-                <a:ea typeface="+mn-ea"/>
-                <a:cs typeface="+mn-cs"/>
-              </a:rPr>
-              <a:t>&gt;</a:t>
-            </a:r>
-          </a:p>
-          <a:p>
-            <a:pPr lvl="3"/>
-            <a:r>
-              <a:rPr lang="fr-FR" sz="1200" i="1" kern="1200" dirty="0" smtClean="0">
-                <a:solidFill>
-                  <a:schemeClr val="tx1"/>
-                </a:solidFill>
-                <a:latin typeface="Arial" charset="0"/>
-                <a:ea typeface="+mn-ea"/>
-                <a:cs typeface="+mn-cs"/>
-              </a:rPr>
-              <a:t>    &lt;/</a:t>
-            </a:r>
-            <a:r>
-              <a:rPr lang="fr-FR" sz="1200" i="1" kern="1200" dirty="0" err="1" smtClean="0">
-                <a:solidFill>
-                  <a:schemeClr val="tx1"/>
-                </a:solidFill>
-                <a:latin typeface="Arial" charset="0"/>
-                <a:ea typeface="+mn-ea"/>
-                <a:cs typeface="+mn-cs"/>
-              </a:rPr>
-              <a:t>lpm:ServiceConfigurations</a:t>
-            </a:r>
-            <a:r>
-              <a:rPr lang="fr-FR" sz="1200" i="1" kern="1200" dirty="0" smtClean="0">
-                <a:solidFill>
-                  <a:schemeClr val="tx1"/>
-                </a:solidFill>
-                <a:latin typeface="Arial" charset="0"/>
-                <a:ea typeface="+mn-ea"/>
-                <a:cs typeface="+mn-cs"/>
-              </a:rPr>
-              <a:t>&gt;</a:t>
-            </a:r>
-          </a:p>
-          <a:p>
-            <a:pPr lvl="3"/>
-            <a:r>
-              <a:rPr lang="fr-FR" sz="1200" i="1" kern="1200" dirty="0" smtClean="0">
-                <a:solidFill>
-                  <a:schemeClr val="tx1"/>
-                </a:solidFill>
-                <a:latin typeface="Arial" charset="0"/>
-                <a:ea typeface="+mn-ea"/>
-                <a:cs typeface="+mn-cs"/>
-              </a:rPr>
-              <a:t>&lt;/</a:t>
-            </a:r>
-            <a:r>
-              <a:rPr lang="fr-FR" sz="1200" i="1" kern="1200" dirty="0" err="1" smtClean="0">
-                <a:solidFill>
-                  <a:schemeClr val="tx1"/>
-                </a:solidFill>
-                <a:latin typeface="Arial" charset="0"/>
-                <a:ea typeface="+mn-ea"/>
-                <a:cs typeface="+mn-cs"/>
-              </a:rPr>
-              <a:t>lpm:Handset</a:t>
-            </a:r>
-            <a:r>
-              <a:rPr lang="fr-FR" sz="1200" i="1" kern="1200" dirty="0" smtClean="0">
-                <a:solidFill>
-                  <a:schemeClr val="tx1"/>
-                </a:solidFill>
-                <a:latin typeface="Arial" charset="0"/>
-                <a:ea typeface="+mn-ea"/>
-                <a:cs typeface="+mn-cs"/>
-              </a:rPr>
-              <a:t>&gt;</a:t>
-            </a:r>
-          </a:p>
-          <a:p>
-            <a:pPr lvl="2"/>
-            <a:r>
-              <a:rPr lang="fr-FR" sz="1200" i="1" kern="1200" dirty="0" smtClean="0">
-                <a:solidFill>
-                  <a:schemeClr val="tx1"/>
-                </a:solidFill>
-                <a:latin typeface="Arial" charset="0"/>
-                <a:ea typeface="+mn-ea"/>
-                <a:cs typeface="+mn-cs"/>
-              </a:rPr>
-              <a:t>&lt;/</a:t>
-            </a:r>
-            <a:r>
-              <a:rPr lang="fr-FR" sz="1200" i="1" kern="1200" dirty="0" err="1" smtClean="0">
-                <a:solidFill>
-                  <a:schemeClr val="tx1"/>
-                </a:solidFill>
-                <a:latin typeface="Arial" charset="0"/>
-                <a:ea typeface="+mn-ea"/>
-                <a:cs typeface="+mn-cs"/>
-              </a:rPr>
-              <a:t>lpm:CreateSubscription</a:t>
-            </a:r>
-            <a:r>
-              <a:rPr lang="fr-FR" sz="1200" i="1" kern="1200" dirty="0" smtClean="0">
-                <a:solidFill>
-                  <a:schemeClr val="tx1"/>
-                </a:solidFill>
-                <a:latin typeface="Arial" charset="0"/>
-                <a:ea typeface="+mn-ea"/>
-                <a:cs typeface="+mn-cs"/>
-              </a:rPr>
-              <a:t> &gt;</a:t>
-            </a:r>
-          </a:p>
-          <a:p>
-            <a:pPr marL="457200" marR="0" lvl="1" indent="0" algn="l" defTabSz="914400" rtl="0" eaLnBrk="0" fontAlgn="base" latinLnBrk="0" hangingPunct="0">
-              <a:lnSpc>
-                <a:spcPct val="100000"/>
-              </a:lnSpc>
-              <a:spcBef>
-                <a:spcPct val="30000"/>
-              </a:spcBef>
-              <a:spcAft>
-                <a:spcPct val="0"/>
-              </a:spcAft>
-              <a:buClrTx/>
-              <a:buSzTx/>
-              <a:buFontTx/>
-              <a:buNone/>
-              <a:tabLst/>
-              <a:defRPr/>
-            </a:pPr>
-            <a:r>
-              <a:rPr lang="fr-FR" sz="1200" i="1" kern="1200" dirty="0" smtClean="0">
-                <a:solidFill>
-                  <a:schemeClr val="tx1"/>
-                </a:solidFill>
-                <a:latin typeface="Arial" charset="0"/>
-                <a:ea typeface="+mn-ea"/>
-                <a:cs typeface="+mn-cs"/>
-              </a:rPr>
-              <a:t>      &lt;/</a:t>
-            </a:r>
-            <a:r>
-              <a:rPr lang="fr-FR" sz="1200" i="1" kern="1200" dirty="0" err="1" smtClean="0">
-                <a:solidFill>
-                  <a:schemeClr val="tx1"/>
-                </a:solidFill>
-                <a:latin typeface="Arial" charset="0"/>
-                <a:ea typeface="+mn-ea"/>
-                <a:cs typeface="+mn-cs"/>
-              </a:rPr>
-              <a:t>sps:CreateSubscription</a:t>
-            </a:r>
-            <a:r>
-              <a:rPr lang="fr-FR" sz="1200" i="1" kern="1200" dirty="0" smtClean="0">
-                <a:solidFill>
-                  <a:schemeClr val="tx1"/>
-                </a:solidFill>
-                <a:latin typeface="Arial" charset="0"/>
-                <a:ea typeface="+mn-ea"/>
-                <a:cs typeface="+mn-cs"/>
-              </a:rPr>
-              <a:t>&gt;</a:t>
-            </a:r>
-          </a:p>
-          <a:p>
-            <a:pPr lvl="1"/>
-            <a:r>
-              <a:rPr lang="en-US" sz="1200" i="1" kern="1200" dirty="0" smtClean="0">
-                <a:solidFill>
-                  <a:schemeClr val="tx1"/>
-                </a:solidFill>
-                <a:latin typeface="Arial" charset="0"/>
-                <a:ea typeface="+mn-ea"/>
-                <a:cs typeface="+mn-cs"/>
-              </a:rPr>
-              <a:t>  &lt;/</a:t>
-            </a:r>
-            <a:r>
-              <a:rPr lang="en-US" sz="1200" i="1" kern="1200" dirty="0" err="1" smtClean="0">
-                <a:solidFill>
-                  <a:schemeClr val="tx1"/>
-                </a:solidFill>
-                <a:latin typeface="Arial" charset="0"/>
-                <a:ea typeface="+mn-ea"/>
-                <a:cs typeface="+mn-cs"/>
-              </a:rPr>
-              <a:t>sps:Order</a:t>
-            </a:r>
-            <a:r>
-              <a:rPr lang="en-US" sz="1200" i="1" kern="1200" dirty="0" smtClean="0">
-                <a:solidFill>
-                  <a:schemeClr val="tx1"/>
-                </a:solidFill>
-                <a:latin typeface="Arial" charset="0"/>
-                <a:ea typeface="+mn-ea"/>
-                <a:cs typeface="+mn-cs"/>
-              </a:rPr>
-              <a:t>&gt;</a:t>
-            </a:r>
-            <a:endParaRPr lang="fr-FR" sz="1200" i="1" kern="1200" dirty="0" smtClean="0">
-              <a:solidFill>
-                <a:schemeClr val="tx1"/>
-              </a:solidFill>
-              <a:latin typeface="Arial" charset="0"/>
-              <a:ea typeface="+mn-ea"/>
-              <a:cs typeface="+mn-cs"/>
-            </a:endParaRPr>
-          </a:p>
-          <a:p>
-            <a:r>
-              <a:rPr lang="en-US" sz="1200" i="1" kern="1200" dirty="0" smtClean="0">
-                <a:solidFill>
-                  <a:schemeClr val="tx1"/>
-                </a:solidFill>
-                <a:latin typeface="Arial" charset="0"/>
-                <a:ea typeface="+mn-ea"/>
-                <a:cs typeface="+mn-cs"/>
-              </a:rPr>
-              <a:t>      &lt;/S:Body&gt;</a:t>
-            </a:r>
-            <a:endParaRPr lang="fr-FR" sz="1200" i="1" kern="1200" dirty="0" smtClean="0">
-              <a:solidFill>
-                <a:schemeClr val="tx1"/>
-              </a:solidFill>
-              <a:latin typeface="Arial" charset="0"/>
-              <a:ea typeface="+mn-ea"/>
-              <a:cs typeface="+mn-cs"/>
-            </a:endParaRPr>
-          </a:p>
-          <a:p>
-            <a:r>
-              <a:rPr lang="en-US" sz="1200" i="1" kern="1200" dirty="0" smtClean="0">
-                <a:solidFill>
-                  <a:schemeClr val="tx1"/>
-                </a:solidFill>
-                <a:latin typeface="Arial" charset="0"/>
-                <a:ea typeface="+mn-ea"/>
-                <a:cs typeface="+mn-cs"/>
-              </a:rPr>
-              <a:t>&lt;/S:Envelope&gt;</a:t>
-            </a:r>
-            <a:endParaRPr lang="fr-FR" sz="1200" i="1" kern="1200" dirty="0" smtClean="0">
-              <a:solidFill>
-                <a:schemeClr val="tx1"/>
-              </a:solidFill>
-              <a:latin typeface="Arial" charset="0"/>
-              <a:ea typeface="+mn-ea"/>
-              <a:cs typeface="+mn-cs"/>
-            </a:endParaRPr>
-          </a:p>
         </p:txBody>
       </p:sp>
       <p:sp>
@@ -6348,7 +1929,7 @@
               <a:pPr>
                 <a:defRPr/>
               </a:pPr>
-              <a:t>8</a:t>
+              <a:t>11</a:t>
             </a:fld>
             <a:endParaRPr lang="fr-FR"/>
           </a:p>
@@ -9798,6 +5379,494 @@
 </p:sld>
 </file>
 
+<file path=ppt/slides/slide10.xml><?xml version="1.0" encoding="utf-8"?>
+<p:sld xmlns:a="http://schemas.openxmlformats.org/drawingml/2006/main" xmlns:r="http://schemas.openxmlformats.org/officeDocument/2006/relationships" xmlns:p="http://schemas.openxmlformats.org/presentationml/2006/main">
+  <p:cSld>
+    <p:spTree>
+      <p:nvGrpSpPr>
+        <p:cNvPr id="1" name=""/>
+        <p:cNvGrpSpPr/>
+        <p:nvPr/>
+      </p:nvGrpSpPr>
+      <p:grpSpPr>
+        <a:xfrm>
+          <a:off x="0" y="0"/>
+          <a:ext cx="0" cy="0"/>
+          <a:chOff x="0" y="0"/>
+          <a:chExt cx="0" cy="0"/>
+        </a:xfrm>
+      </p:grpSpPr>
+      <p:sp>
+        <p:nvSpPr>
+          <p:cNvPr id="2" name="Title 1"/>
+          <p:cNvSpPr>
+            <a:spLocks noGrp="1"/>
+          </p:cNvSpPr>
+          <p:nvPr>
+            <p:ph type="title"/>
+          </p:nvPr>
+        </p:nvSpPr>
+        <p:spPr/>
+        <p:txBody>
+          <a:bodyPr/>
+          <a:lstStyle/>
+          <a:p>
+            <a:r>
+              <a:rPr lang="en-US" dirty="0" smtClean="0"/>
+              <a:t>Keyword: final</a:t>
+            </a:r>
+            <a:endParaRPr lang="en-US" dirty="0"/>
+          </a:p>
+        </p:txBody>
+      </p:sp>
+      <p:sp>
+        <p:nvSpPr>
+          <p:cNvPr id="3" name="Content Placeholder 2"/>
+          <p:cNvSpPr>
+            <a:spLocks noGrp="1"/>
+          </p:cNvSpPr>
+          <p:nvPr>
+            <p:ph idx="1"/>
+          </p:nvPr>
+        </p:nvSpPr>
+        <p:spPr/>
+        <p:txBody>
+          <a:bodyPr/>
+          <a:lstStyle/>
+          <a:p>
+            <a:r>
+              <a:rPr lang="en-US" dirty="0" smtClean="0"/>
+              <a:t>Can be used on</a:t>
+            </a:r>
+          </a:p>
+          <a:p>
+            <a:pPr lvl="1"/>
+            <a:r>
+              <a:rPr lang="en-US" dirty="0" smtClean="0"/>
+              <a:t>Variable: stop value change</a:t>
+            </a:r>
+          </a:p>
+          <a:p>
+            <a:pPr lvl="2"/>
+            <a:r>
+              <a:rPr lang="en-US" dirty="0"/>
+              <a:t>Once a final variable has been assigned, it always contains the same value. If a final variable holds a reference to an object, then the </a:t>
+            </a:r>
+            <a:r>
+              <a:rPr lang="en-US" i="1" dirty="0"/>
+              <a:t>state of the object may be changed</a:t>
+            </a:r>
+            <a:r>
+              <a:rPr lang="en-US" dirty="0"/>
+              <a:t> by operations on the object, but </a:t>
+            </a:r>
+            <a:r>
+              <a:rPr lang="en-US" i="1" dirty="0"/>
+              <a:t>the variable will always refer to the same object (array)</a:t>
+            </a:r>
+            <a:endParaRPr lang="en-US" dirty="0" smtClean="0"/>
+          </a:p>
+          <a:p>
+            <a:pPr lvl="1"/>
+            <a:r>
+              <a:rPr lang="en-US" dirty="0" smtClean="0"/>
+              <a:t>Method: stop method overriding</a:t>
+            </a:r>
+          </a:p>
+          <a:p>
+            <a:pPr lvl="1"/>
+            <a:r>
+              <a:rPr lang="en-US" dirty="0" smtClean="0"/>
+              <a:t>Class: stop Inheritance</a:t>
+            </a:r>
+          </a:p>
+          <a:p>
+            <a:endParaRPr lang="en-US" i="1" dirty="0"/>
+          </a:p>
+        </p:txBody>
+      </p:sp>
+      <p:sp>
+        <p:nvSpPr>
+          <p:cNvPr id="4" name="Slide Number Placeholder 3"/>
+          <p:cNvSpPr>
+            <a:spLocks noGrp="1"/>
+          </p:cNvSpPr>
+          <p:nvPr>
+            <p:ph type="sldNum" sz="quarter" idx="10"/>
+          </p:nvPr>
+        </p:nvSpPr>
+        <p:spPr/>
+        <p:txBody>
+          <a:bodyPr/>
+          <a:lstStyle/>
+          <a:p>
+            <a:pPr>
+              <a:defRPr/>
+            </a:pPr>
+            <a:fld id="{924122BF-7BF8-427C-B7B6-4209414200B1}" type="slidenum">
+              <a:rPr lang="en-US" smtClean="0"/>
+              <a:pPr>
+                <a:defRPr/>
+              </a:pPr>
+              <a:t>10</a:t>
+            </a:fld>
+            <a:endParaRPr lang="en-US"/>
+          </a:p>
+        </p:txBody>
+      </p:sp>
+      <p:sp>
+        <p:nvSpPr>
+          <p:cNvPr id="5" name="Footer Placeholder 4"/>
+          <p:cNvSpPr>
+            <a:spLocks noGrp="1"/>
+          </p:cNvSpPr>
+          <p:nvPr>
+            <p:ph type="ftr" sz="quarter" idx="11"/>
+          </p:nvPr>
+        </p:nvSpPr>
+        <p:spPr/>
+        <p:txBody>
+          <a:bodyPr/>
+          <a:lstStyle/>
+          <a:p>
+            <a:pPr>
+              <a:defRPr/>
+            </a:pPr>
+            <a:r>
+              <a:rPr lang="en-US" smtClean="0"/>
+              <a:t>Gemalto Private</a:t>
+            </a:r>
+            <a:endParaRPr lang="en-US"/>
+          </a:p>
+        </p:txBody>
+      </p:sp>
+    </p:spTree>
+    <p:extLst>
+      <p:ext uri="{BB962C8B-B14F-4D97-AF65-F5344CB8AC3E}">
+        <p14:creationId xmlns:p14="http://schemas.microsoft.com/office/powerpoint/2010/main" val="916521952"/>
+      </p:ext>
+    </p:extLst>
+  </p:cSld>
+  <p:clrMapOvr>
+    <a:masterClrMapping/>
+  </p:clrMapOvr>
+</p:sld>
+</file>
+
+<file path=ppt/slides/slide11.xml><?xml version="1.0" encoding="utf-8"?>
+<p:sld xmlns:a="http://schemas.openxmlformats.org/drawingml/2006/main" xmlns:r="http://schemas.openxmlformats.org/officeDocument/2006/relationships" xmlns:p="http://schemas.openxmlformats.org/presentationml/2006/main">
+  <p:cSld>
+    <p:spTree>
+      <p:nvGrpSpPr>
+        <p:cNvPr id="1" name=""/>
+        <p:cNvGrpSpPr/>
+        <p:nvPr/>
+      </p:nvGrpSpPr>
+      <p:grpSpPr>
+        <a:xfrm>
+          <a:off x="0" y="0"/>
+          <a:ext cx="0" cy="0"/>
+          <a:chOff x="0" y="0"/>
+          <a:chExt cx="0" cy="0"/>
+        </a:xfrm>
+      </p:grpSpPr>
+      <p:sp>
+        <p:nvSpPr>
+          <p:cNvPr id="5122" name="Title 1"/>
+          <p:cNvSpPr>
+            <a:spLocks noGrp="1"/>
+          </p:cNvSpPr>
+          <p:nvPr>
+            <p:ph type="title"/>
+          </p:nvPr>
+        </p:nvSpPr>
+        <p:spPr>
+          <a:xfrm>
+            <a:off x="538162" y="188640"/>
+            <a:ext cx="8066286" cy="550862"/>
+          </a:xfrm>
+        </p:spPr>
+        <p:txBody>
+          <a:bodyPr/>
+          <a:lstStyle/>
+          <a:p>
+            <a:r>
+              <a:rPr lang="en-US" sz="2400" dirty="0"/>
+              <a:t>NGM Counter and validation</a:t>
+            </a:r>
+            <a:endParaRPr lang="en-US" sz="2400" dirty="0" smtClean="0"/>
+          </a:p>
+        </p:txBody>
+      </p:sp>
+      <p:sp>
+        <p:nvSpPr>
+          <p:cNvPr id="5123" name="Content Placeholder 2"/>
+          <p:cNvSpPr>
+            <a:spLocks noGrp="1"/>
+          </p:cNvSpPr>
+          <p:nvPr>
+            <p:ph idx="1"/>
+          </p:nvPr>
+        </p:nvSpPr>
+        <p:spPr>
+          <a:xfrm>
+            <a:off x="323528" y="692696"/>
+            <a:ext cx="8568952" cy="5760640"/>
+          </a:xfrm>
+        </p:spPr>
+        <p:txBody>
+          <a:bodyPr>
+            <a:normAutofit fontScale="92500" lnSpcReduction="10000"/>
+          </a:bodyPr>
+          <a:lstStyle/>
+          <a:p>
+            <a:pPr lvl="0"/>
+            <a:r>
+              <a:rPr lang="en-US" dirty="0"/>
+              <a:t>com.gemalto.osmsr.service.v31.interceptors.WSIncomingInterceptor, which used to count WS invocation/WS invocation succeeded/WS invocation failed</a:t>
+            </a:r>
+            <a:r>
+              <a:rPr lang="en-US" dirty="0" smtClean="0"/>
+              <a:t>.</a:t>
+            </a:r>
+            <a:endParaRPr lang="en-US" dirty="0"/>
+          </a:p>
+          <a:p>
+            <a:pPr lvl="1"/>
+            <a:r>
+              <a:rPr lang="en-US" dirty="0"/>
+              <a:t>For new method need to be monitor:</a:t>
+            </a:r>
+          </a:p>
+          <a:p>
+            <a:pPr lvl="2"/>
+            <a:r>
+              <a:rPr lang="en-US" dirty="0"/>
+              <a:t>add interceptor to the WS that the method belong to, if needed.</a:t>
+            </a:r>
+          </a:p>
+          <a:p>
+            <a:pPr lvl="2"/>
+            <a:r>
+              <a:rPr lang="en-US" dirty="0" err="1"/>
+              <a:t>Init</a:t>
+            </a:r>
+            <a:r>
+              <a:rPr lang="en-US" dirty="0"/>
+              <a:t> the </a:t>
+            </a:r>
+            <a:r>
+              <a:rPr lang="en-US" dirty="0" err="1"/>
+              <a:t>WSIncomingInterceptor.objectNames</a:t>
+            </a:r>
+            <a:r>
+              <a:rPr lang="en-US" dirty="0"/>
+              <a:t>: key à method name, value à object name;</a:t>
+            </a:r>
+          </a:p>
+          <a:p>
+            <a:pPr lvl="2"/>
+            <a:r>
+              <a:rPr lang="en-US" dirty="0"/>
+              <a:t>Register </a:t>
+            </a:r>
+            <a:r>
+              <a:rPr lang="en-US" dirty="0" err="1"/>
+              <a:t>Mbean</a:t>
+            </a:r>
+            <a:r>
+              <a:rPr lang="en-US" dirty="0"/>
+              <a:t> service with the object name in </a:t>
+            </a:r>
+            <a:r>
+              <a:rPr lang="en-US" dirty="0" err="1" smtClean="0"/>
+              <a:t>com.gemalto.osmsr.monitoring.jmx.MBeanRegister.mbeansCache</a:t>
+            </a:r>
+            <a:endParaRPr lang="en-US" dirty="0" smtClean="0"/>
+          </a:p>
+          <a:p>
+            <a:endParaRPr lang="en-US" dirty="0"/>
+          </a:p>
+          <a:p>
+            <a:pPr lvl="0"/>
+            <a:r>
+              <a:rPr lang="en-US" dirty="0"/>
+              <a:t>com.gemalto.osmsr.core.interceptors.AbstractUseCasePerformInterceptor, which used to monitor Use Case succeeded or not</a:t>
+            </a:r>
+            <a:r>
+              <a:rPr lang="en-US" dirty="0" smtClean="0"/>
+              <a:t>.</a:t>
+            </a:r>
+            <a:endParaRPr lang="en-US" dirty="0"/>
+          </a:p>
+          <a:p>
+            <a:pPr lvl="1"/>
+            <a:r>
+              <a:rPr lang="en-US" dirty="0"/>
+              <a:t>For use cases need to be monitor:</a:t>
+            </a:r>
+          </a:p>
+          <a:p>
+            <a:pPr lvl="2"/>
+            <a:r>
+              <a:rPr lang="en-US" dirty="0" err="1"/>
+              <a:t>com.gemalto.osmsr.core.interceptors.UseCaseStartedInterceptor</a:t>
+            </a:r>
+            <a:r>
+              <a:rPr lang="en-US" dirty="0"/>
+              <a:t>, annotate it to the ‘process controller’, for the moment, SR only have one ‘process controller’: </a:t>
+            </a:r>
+            <a:r>
+              <a:rPr lang="en-US" dirty="0" err="1"/>
+              <a:t>com.gemalto.osmsr.core.control.impl.ProcessControllerBean</a:t>
+            </a:r>
+            <a:endParaRPr lang="en-US" dirty="0"/>
+          </a:p>
+          <a:p>
+            <a:pPr lvl="2"/>
+            <a:r>
+              <a:rPr lang="en-US" dirty="0" err="1"/>
+              <a:t>com.gemalto.osmsr.core.interceptors.UseCaseFinishedInterceptor</a:t>
+            </a:r>
+            <a:r>
+              <a:rPr lang="en-US" dirty="0"/>
+              <a:t>, annotate it to ‘</a:t>
+            </a:r>
+            <a:r>
+              <a:rPr lang="en-US" dirty="0" err="1"/>
+              <a:t>IBusinessManager</a:t>
+            </a:r>
+            <a:r>
+              <a:rPr lang="en-US" dirty="0"/>
+              <a:t>’</a:t>
+            </a:r>
+          </a:p>
+          <a:p>
+            <a:pPr lvl="2"/>
+            <a:r>
+              <a:rPr lang="en-US" dirty="0" err="1"/>
+              <a:t>init</a:t>
+            </a:r>
+            <a:r>
+              <a:rPr lang="en-US" dirty="0"/>
+              <a:t> the com.gemalto.osmsr.core.interceptors.AbstractUseCasePerformInterceptor.objectNames</a:t>
+            </a:r>
+          </a:p>
+          <a:p>
+            <a:pPr lvl="2"/>
+            <a:r>
+              <a:rPr lang="en-US" dirty="0"/>
+              <a:t>register </a:t>
+            </a:r>
+            <a:r>
+              <a:rPr lang="en-US" dirty="0" err="1"/>
+              <a:t>MBean</a:t>
+            </a:r>
+            <a:r>
+              <a:rPr lang="en-US" dirty="0"/>
+              <a:t> service in </a:t>
+            </a:r>
+            <a:r>
+              <a:rPr lang="en-US" dirty="0" err="1" smtClean="0"/>
+              <a:t>com.gemalto.osmsr.monitoring.jmx.MBeanRegister.mbeansCache</a:t>
+            </a:r>
+            <a:endParaRPr lang="en-US" dirty="0" smtClean="0"/>
+          </a:p>
+          <a:p>
+            <a:endParaRPr lang="en-US" dirty="0"/>
+          </a:p>
+          <a:p>
+            <a:pPr lvl="0"/>
+            <a:r>
+              <a:rPr lang="en-US" dirty="0" err="1"/>
+              <a:t>com.gemalto.osmsr.systest.business.JMXCounterTestSuite</a:t>
+            </a:r>
+            <a:r>
+              <a:rPr lang="en-US" dirty="0"/>
+              <a:t>, which used to do system test</a:t>
+            </a:r>
+            <a:r>
+              <a:rPr lang="en-US" dirty="0" smtClean="0"/>
+              <a:t>.</a:t>
+            </a:r>
+            <a:endParaRPr lang="en-US" dirty="0"/>
+          </a:p>
+          <a:p>
+            <a:pPr lvl="1"/>
+            <a:endParaRPr lang="en-US" dirty="0" smtClean="0"/>
+          </a:p>
+        </p:txBody>
+      </p:sp>
+      <p:sp>
+        <p:nvSpPr>
+          <p:cNvPr id="5124" name="Slide Number Placeholder 3"/>
+          <p:cNvSpPr>
+            <a:spLocks noGrp="1"/>
+          </p:cNvSpPr>
+          <p:nvPr>
+            <p:ph type="sldNum" sz="quarter" idx="10"/>
+          </p:nvPr>
+        </p:nvSpPr>
+        <p:spPr bwMode="auto">
+          <a:noFill/>
+          <a:ln>
+            <a:miter lim="800000"/>
+            <a:headEnd/>
+            <a:tailEnd/>
+          </a:ln>
+        </p:spPr>
+        <p:txBody>
+          <a:bodyPr/>
+          <a:lstStyle/>
+          <a:p>
+            <a:fld id="{65E5F03D-E4FB-4D20-ADDD-2FFC593848C5}" type="slidenum">
+              <a:rPr lang="en-US" smtClean="0"/>
+              <a:pPr/>
+              <a:t>11</a:t>
+            </a:fld>
+            <a:endParaRPr lang="en-US" smtClean="0"/>
+          </a:p>
+        </p:txBody>
+      </p:sp>
+      <p:sp>
+        <p:nvSpPr>
+          <p:cNvPr id="5125" name="Footer Placeholder 4"/>
+          <p:cNvSpPr>
+            <a:spLocks noGrp="1"/>
+          </p:cNvSpPr>
+          <p:nvPr>
+            <p:ph type="ftr" sz="quarter" idx="11"/>
+          </p:nvPr>
+        </p:nvSpPr>
+        <p:spPr>
+          <a:noFill/>
+        </p:spPr>
+        <p:txBody>
+          <a:bodyPr/>
+          <a:lstStyle/>
+          <a:p>
+            <a:r>
+              <a:rPr lang="en-US" dirty="0" smtClean="0"/>
+              <a:t>Gemalto Private</a:t>
+            </a:r>
+          </a:p>
+        </p:txBody>
+      </p:sp>
+    </p:spTree>
+  </p:cSld>
+  <p:clrMapOvr>
+    <a:masterClrMapping/>
+  </p:clrMapOvr>
+  <p:timing>
+    <p:tnLst>
+      <p:par>
+        <p:cTn id="1" dur="indefinite" restart="never" nodeType="tmRoot"/>
+      </p:par>
+    </p:tnLst>
+  </p:timing>
+</p:sld>
+</file>
+
 <file path=ppt/slides/slide2.xml><?xml version="1.0" encoding="utf-8"?>
 <p:sld xmlns:a="http://schemas.openxmlformats.org/drawingml/2006/main" xmlns:r="http://schemas.openxmlformats.org/officeDocument/2006/relationships" xmlns:p="http://schemas.openxmlformats.org/presentationml/2006/main">
   <p:cSld>
@@ -10988,7 +7057,43 @@
           <a:bodyPr/>
           <a:lstStyle/>
           <a:p>
-            <a:endParaRPr lang="en-US"/>
+            <a:r>
+              <a:rPr lang="en-US" i="1" dirty="0"/>
+              <a:t>Mapped Diagnostic </a:t>
+            </a:r>
+            <a:r>
+              <a:rPr lang="en-US" i="1" dirty="0" smtClean="0"/>
+              <a:t>Context</a:t>
+            </a:r>
+            <a:endParaRPr lang="en-US" dirty="0" smtClean="0"/>
+          </a:p>
+          <a:p>
+            <a:r>
+              <a:rPr lang="en-US" b="1" i="1" dirty="0" smtClean="0"/>
+              <a:t>The </a:t>
+            </a:r>
+            <a:r>
+              <a:rPr lang="en-US" b="1" i="1" dirty="0"/>
+              <a:t>MDC is managed on a per thread basis</a:t>
+            </a:r>
+            <a:r>
+              <a:rPr lang="en-US" dirty="0" smtClean="0"/>
+              <a:t>.</a:t>
+            </a:r>
+          </a:p>
+          <a:p>
+            <a:endParaRPr lang="en-US" dirty="0"/>
+          </a:p>
+          <a:p>
+            <a:r>
+              <a:rPr lang="en-US" dirty="0" err="1" smtClean="0"/>
+              <a:t>HTTPCoreServiceBean.getNextBusinessCommand</a:t>
+            </a:r>
+            <a:r>
+              <a:rPr lang="en-US" dirty="0" smtClean="0"/>
+              <a:t>()</a:t>
+            </a:r>
+            <a:endParaRPr lang="en-US" dirty="0"/>
           </a:p>
         </p:txBody>
       </p:sp>
@@ -11079,7 +7184,7 @@
       </p:grpSpPr>
       <p:sp>
         <p:nvSpPr>
-          <p:cNvPr id="5122" name="Title 1"/>
+          <p:cNvPr id="2" name="Title 1"/>
           <p:cNvSpPr>
             <a:spLocks noGrp="1"/>
           </p:cNvSpPr>
@@ -11087,27 +7192,22 @@
             <p:ph type="title"/>
           </p:nvPr>
         </p:nvSpPr>
-        <p:spPr>
-          <a:xfrm>
-            <a:off x="538162" y="188640"/>
-            <a:ext cx="8066286" cy="550862"/>
-          </a:xfrm>
-        </p:spPr>
+        <p:spPr/>
         <p:txBody>
           <a:bodyPr/>
           <a:lstStyle/>
           <a:p>
             <a:r>
-              <a:rPr lang="en-US" sz="2400" dirty="0"/>
-              <a:t>NGM Counter and validation</a:t>
-            </a:r>
-            <a:endParaRPr lang="en-US" sz="2400" dirty="0" smtClean="0"/>
-          </a:p>
-        </p:txBody>
-      </p:sp>
-      <p:sp>
-        <p:nvSpPr>
-          <p:cNvPr id="5123" name="Content Placeholder 2"/>
+              <a:rPr lang="en-US" dirty="0" smtClean="0"/>
+              <a:t>Code block</a:t>
+            </a:r>
+            <a:endParaRPr lang="en-US" dirty="0"/>
+          </a:p>
+        </p:txBody>
+      </p:sp>
+      <p:sp>
+        <p:nvSpPr>
+          <p:cNvPr id="3" name="Content Placeholder 2"/>
           <p:cNvSpPr>
             <a:spLocks noGrp="1"/>
           </p:cNvSpPr>
@@ -11115,198 +7215,86 @@
             <p:ph idx="1"/>
           </p:nvPr>
         </p:nvSpPr>
-        <p:spPr>
-          <a:xfrm>
-            <a:off x="323528" y="692696"/>
-            <a:ext cx="8568952" cy="5760640"/>
-          </a:xfrm>
-        </p:spPr>
-        <p:txBody>
-          <a:bodyPr>
-            <a:normAutofit fontScale="92500" lnSpcReduction="10000"/>
-          </a:bodyPr>
+        <p:spPr/>
+        <p:txBody>
+          <a:bodyPr/>
           <a:lstStyle/>
           <a:p>
-            <a:pPr lvl="0"/>
+            <a:r>
+              <a:rPr lang="en-US" dirty="0" smtClean="0"/>
+              <a:t>Smsr1BusinessManager: line 128</a:t>
+            </a:r>
+          </a:p>
+          <a:p>
+            <a:endParaRPr lang="en-US" dirty="0"/>
+          </a:p>
+          <a:p>
+            <a:r>
+              <a:rPr lang="en-US" dirty="0" err="1" smtClean="0"/>
+              <a:t>AuditEuiccRequestProcessorBeanTest.testProcessResponse_type</a:t>
+            </a:r>
+            <a:r>
+              <a:rPr lang="en-US" dirty="0" smtClean="0"/>
+              <a:t>()</a:t>
+            </a:r>
+          </a:p>
+          <a:p>
+            <a:endParaRPr lang="en-US" dirty="0"/>
+          </a:p>
+          <a:p>
+            <a:r>
+              <a:rPr lang="en-US" dirty="0" err="1" smtClean="0"/>
+              <a:t>SmsFormatBySekmsTest.test_format_rsp_exception</a:t>
+            </a:r>
+            <a:r>
+              <a:rPr lang="en-US" dirty="0" smtClean="0"/>
+              <a:t>()</a:t>
+            </a:r>
+          </a:p>
+          <a:p>
+            <a:endParaRPr lang="en-US" dirty="0"/>
+          </a:p>
+          <a:p>
+            <a:r>
+              <a:rPr lang="en-US" dirty="0" err="1"/>
+              <a:t>com.gemalto.osmsr.cci.web.util.ExcelExporter.addReportHeader</a:t>
+            </a:r>
             <a:r>
               <a:rPr lang="en-US" dirty="0"/>
-              <a:t>com.gemalto.osmsr.service.v31.interceptors.WSIncomingInterceptor, which used to count WS invocation/WS invocation succeeded/WS invocation failed</a:t>
+              <a:t>(</a:t>
+            </a:r>
+            <a:r>
+              <a:rPr lang="en-US" dirty="0" err="1"/>
+              <a:t>HSSFSheet</a:t>
+            </a:r>
+            <a:r>
+              <a:rPr lang="en-US" dirty="0"/>
+              <a:t>, </a:t>
+            </a:r>
+            <a:r>
+              <a:rPr lang="en-US" dirty="0" err="1"/>
+              <a:t>int</a:t>
             </a:r>
             <a:r>
               <a:rPr lang="en-US" dirty="0" smtClean="0"/>
-              <a:t>.</a:t>
-            </a:r>
+              <a:t>)</a:t>
+            </a:r>
+          </a:p>
+          <a:p>
+            <a:pPr lvl="1"/>
+            <a:r>
+              <a:rPr lang="en-US" dirty="0" smtClean="0"/>
+              <a:t>Can use {} to limit the scope of variables (avoid to use a wrong variable)</a:t>
+            </a:r>
+          </a:p>
+          <a:p>
             <a:endParaRPr lang="en-US" dirty="0"/>
           </a:p>
-          <a:p>
-            <a:pPr lvl="1"/>
-            <a:r>
-              <a:rPr lang="en-US" dirty="0"/>
-              <a:t>For new method need to be monitor:</a:t>
-            </a:r>
-          </a:p>
-          <a:p>
-            <a:pPr lvl="2"/>
-            <a:r>
-              <a:rPr lang="en-US" dirty="0"/>
-              <a:t>add interceptor to the WS that the method belong to, if needed.</a:t>
-            </a:r>
-          </a:p>
-          <a:p>
-            <a:pPr lvl="2"/>
-            <a:r>
-              <a:rPr lang="en-US" dirty="0" err="1"/>
-              <a:t>Init</a:t>
-            </a:r>
-            <a:r>
-              <a:rPr lang="en-US" dirty="0"/>
-              <a:t> the </a:t>
-            </a:r>
-            <a:r>
-              <a:rPr lang="en-US" dirty="0" err="1"/>
-              <a:t>WSIncomingInterceptor.objectNames</a:t>
-            </a:r>
-            <a:r>
-              <a:rPr lang="en-US" dirty="0"/>
-              <a:t>: key à method name, value à object name;</a:t>
-            </a:r>
-          </a:p>
-          <a:p>
-            <a:pPr lvl="2"/>
-            <a:r>
-              <a:rPr lang="en-US" dirty="0"/>
-              <a:t>Register </a:t>
-            </a:r>
-            <a:r>
-              <a:rPr lang="en-US" dirty="0" err="1"/>
-              <a:t>Mbean</a:t>
-            </a:r>
-            <a:r>
-              <a:rPr lang="en-US" dirty="0"/>
-              <a:t> service with the object name in </a:t>
-            </a:r>
-            <a:r>
-              <a:rPr lang="en-US" dirty="0" err="1" smtClean="0"/>
-              <a:t>com.gemalto.osmsr.monitoring.jmx.MBeanRegister.mbeansCache</a:t>
-            </a:r>
-            <a:endParaRPr lang="en-US" dirty="0" smtClean="0"/>
-          </a:p>
-          <a:p>
-            <a:endParaRPr lang="en-US" dirty="0"/>
-          </a:p>
-          <a:p>
-            <a:pPr lvl="0"/>
-            <a:r>
-              <a:rPr lang="en-US" dirty="0"/>
-              <a:t>com.gemalto.osmsr.core.interceptors.AbstractUseCasePerformInterceptor, which used to monitor Use Case succeeded or not</a:t>
-            </a:r>
-            <a:r>
-              <a:rPr lang="en-US" dirty="0" smtClean="0"/>
-              <a:t>.</a:t>
-            </a:r>
-            <a:endParaRPr lang="en-US" dirty="0"/>
-          </a:p>
-          <a:p>
-            <a:pPr lvl="1"/>
-            <a:r>
-              <a:rPr lang="en-US" dirty="0"/>
-              <a:t>For use cases need to be monitor:</a:t>
-            </a:r>
-          </a:p>
-          <a:p>
-            <a:pPr lvl="2"/>
-            <a:r>
-              <a:rPr lang="en-US" dirty="0" err="1"/>
-              <a:t>com.gemalto.osmsr.core.interceptors.UseCaseStartedInterceptor</a:t>
-            </a:r>
-            <a:r>
-              <a:rPr lang="en-US" dirty="0"/>
-              <a:t>, annotate it to the ‘process controller’, for the moment, SR only have one ‘process controller’: </a:t>
-            </a:r>
-            <a:r>
-              <a:rPr lang="en-US" dirty="0" err="1"/>
-              <a:t>com.gemalto.osmsr.core.control.impl.ProcessControllerBean</a:t>
-            </a:r>
-            <a:endParaRPr lang="en-US" dirty="0"/>
-          </a:p>
-          <a:p>
-            <a:pPr lvl="2"/>
-            <a:r>
-              <a:rPr lang="en-US" dirty="0" err="1"/>
-              <a:t>com.gemalto.osmsr.core.interceptors.UseCaseFinishedInterceptor</a:t>
-            </a:r>
-            <a:r>
-              <a:rPr lang="en-US" dirty="0"/>
-              <a:t>, annotate it to ‘</a:t>
-            </a:r>
-            <a:r>
-              <a:rPr lang="en-US" dirty="0" err="1"/>
-              <a:t>IBusinessManager</a:t>
-            </a:r>
-            <a:r>
-              <a:rPr lang="en-US" dirty="0"/>
-              <a:t>’</a:t>
-            </a:r>
-          </a:p>
-          <a:p>
-            <a:pPr lvl="2"/>
-            <a:r>
-              <a:rPr lang="en-US" dirty="0" err="1"/>
-              <a:t>init</a:t>
-            </a:r>
-            <a:r>
-              <a:rPr lang="en-US" dirty="0"/>
-              <a:t> the com.gemalto.osmsr.core.interceptors.AbstractUseCasePerformInterceptor.objectNames</a:t>
-            </a:r>
-          </a:p>
-          <a:p>
-            <a:pPr lvl="2"/>
-            <a:r>
-              <a:rPr lang="en-US" dirty="0"/>
-              <a:t>register </a:t>
-            </a:r>
-            <a:r>
-              <a:rPr lang="en-US" dirty="0" err="1"/>
-              <a:t>MBean</a:t>
-            </a:r>
-            <a:r>
-              <a:rPr lang="en-US" dirty="0"/>
-              <a:t> service in </a:t>
-            </a:r>
-            <a:r>
-              <a:rPr lang="en-US" dirty="0" err="1" smtClean="0"/>
-              <a:t>com.gemalto.osmsr.monitoring.jmx.MBeanRegister.mbeansCache</a:t>
-            </a:r>
-            <a:endParaRPr lang="en-US" dirty="0" smtClean="0"/>
-          </a:p>
-          <a:p>
-            <a:endParaRPr lang="en-US" dirty="0"/>
-          </a:p>
-          <a:p>
-            <a:pPr lvl="0"/>
-            <a:r>
-              <a:rPr lang="en-US" dirty="0" err="1"/>
-              <a:t>com.gemalto.osmsr.systest.business.JMXCounterTestSuite</a:t>
-            </a:r>
-            <a:r>
-              <a:rPr lang="en-US" dirty="0"/>
-              <a:t>, which used to do system test</a:t>
-            </a:r>
-            <a:r>
-              <a:rPr lang="en-US" dirty="0" smtClean="0"/>
-              <a:t>.</a:t>
-            </a:r>
-            <a:endParaRPr lang="en-US" dirty="0"/>
-          </a:p>
-          <a:p>
-            <a:pPr lvl="1"/>
-            <a:endParaRPr lang="en-US" dirty="0" smtClean="0"/>
-          </a:p>
-        </p:txBody>
-      </p:sp>
-      <p:sp>
-        <p:nvSpPr>
-          <p:cNvPr id="5124" name="Slide Number Placeholder 3"/>
+        </p:txBody>
+      </p:sp>
+      <p:sp>
+        <p:nvSpPr>
+          <p:cNvPr id="4" name="Slide Number Placeholder 3"/>
           <p:cNvSpPr>
             <a:spLocks noGrp="1"/>
           </p:cNvSpPr>
@@ -11314,30 +7302,28 @@
             <p:ph type="sldNum" sz="quarter" idx="10"/>
           </p:nvPr>
         </p:nvSpPr>
-        <p:spPr bwMode="auto">
-          <a:noFill/>
-          <a:ln>
-            <a:miter lim="800000"/>
-            <a:headEnd/>
-            <a:tailEnd/>
-          </a:ln>
-        </p:spPr>
+        <p:spPr/>
         <p:txBody>
           <a:bodyPr/>
           <a:lstStyle/>
           <a:p>
-            <a:fld id="{65E5F03D-E4FB-4D20-ADDD-2FFC593848C5}" type="slidenum">
+            <a:pPr>
+              <a:defRPr/>
+            </a:pPr>
+            <a:fld id="{924122BF-7BF8-427C-B7B6-4209414200B1}" type="slidenum">
               <a:rPr lang="en-US" smtClean="0"/>
-              <a:pPr/>
+              <a:pPr>
+                <a:defRPr/>
+              </a:pPr>
               <a:t>8</a:t>
             </a:fld>
-            <a:endParaRPr lang="en-US" smtClean="0"/>
-          </a:p>
-        </p:txBody>
-      </p:sp>
-      <p:sp>
-        <p:nvSpPr>
-          <p:cNvPr id="5125" name="Footer Placeholder 4"/>
+            <a:endParaRPr lang="en-US"/>
+          </a:p>
+        </p:txBody>
+      </p:sp>
+      <p:sp>
+        <p:nvSpPr>
+          <p:cNvPr id="5" name="Footer Placeholder 4"/>
           <p:cNvSpPr>
             <a:spLocks noGrp="1"/>
           </p:cNvSpPr>
@@ -11345,32 +7331,205 @@
             <p:ph type="ftr" sz="quarter" idx="11"/>
           </p:nvPr>
         </p:nvSpPr>
-        <p:spPr>
-          <a:noFill/>
-        </p:spPr>
+        <p:spPr/>
         <p:txBody>
           <a:bodyPr/>
           <a:lstStyle/>
           <a:p>
-            <a:r>
-              <a:rPr lang="en-US" dirty="0" smtClean="0"/>
+            <a:pPr>
+              <a:defRPr/>
+            </a:pPr>
+            <a:r>
+              <a:rPr lang="en-US" smtClean="0"/>
               <a:t>Gemalto Private</a:t>
             </a:r>
+            <a:endParaRPr lang="en-US"/>
           </a:p>
         </p:txBody>
       </p:sp>
     </p:spTree>
+    <p:extLst>
+      <p:ext uri="{BB962C8B-B14F-4D97-AF65-F5344CB8AC3E}">
+        <p14:creationId xmlns:p14="http://schemas.microsoft.com/office/powerpoint/2010/main" val="2381828727"/>
+      </p:ext>
+    </p:extLst>
   </p:cSld>
   <p:clrMapOvr>
     <a:masterClrMapping/>
   </p:clrMapOvr>
-  <p:timing>
-    <p:tnLst>
-      <p:par>
-        <p:cTn id="1" dur="indefinite" restart="never" nodeType="tmRoot"/>
-      </p:par>
-    </p:tnLst>
-  </p:timing>
+</p:sld>
+</file>
+
+<file path=ppt/slides/slide9.xml><?xml version="1.0" encoding="utf-8"?>
+<p:sld xmlns:a="http://schemas.openxmlformats.org/drawingml/2006/main" xmlns:r="http://schemas.openxmlformats.org/officeDocument/2006/relationships" xmlns:p="http://schemas.openxmlformats.org/presentationml/2006/main">
+  <p:cSld>
+    <p:spTree>
+      <p:nvGrpSpPr>
+        <p:cNvPr id="1" name=""/>
+        <p:cNvGrpSpPr/>
+        <p:nvPr/>
+      </p:nvGrpSpPr>
+      <p:grpSpPr>
+        <a:xfrm>
+          <a:off x="0" y="0"/>
+          <a:ext cx="0" cy="0"/>
+          <a:chOff x="0" y="0"/>
+          <a:chExt cx="0" cy="0"/>
+        </a:xfrm>
+      </p:grpSpPr>
+      <p:sp>
+        <p:nvSpPr>
+          <p:cNvPr id="2" name="Title 1"/>
+          <p:cNvSpPr>
+            <a:spLocks noGrp="1"/>
+          </p:cNvSpPr>
+          <p:nvPr>
+            <p:ph type="title"/>
+          </p:nvPr>
+        </p:nvSpPr>
+        <p:spPr/>
+        <p:txBody>
+          <a:bodyPr/>
+          <a:lstStyle/>
+          <a:p>
+            <a:r>
+              <a:rPr lang="en-US" dirty="0" smtClean="0"/>
+              <a:t>Try to loop</a:t>
+            </a:r>
+            <a:endParaRPr lang="en-US" dirty="0"/>
+          </a:p>
+        </p:txBody>
+      </p:sp>
+      <p:sp>
+        <p:nvSpPr>
+          <p:cNvPr id="3" name="Content Placeholder 2"/>
+          <p:cNvSpPr>
+            <a:spLocks noGrp="1"/>
+          </p:cNvSpPr>
+          <p:nvPr>
+            <p:ph idx="1"/>
+          </p:nvPr>
+        </p:nvSpPr>
+        <p:spPr/>
+        <p:txBody>
+          <a:bodyPr/>
+          <a:lstStyle/>
+          <a:p>
+            <a:r>
+              <a:rPr lang="en-US" dirty="0" smtClean="0"/>
+              <a:t>Cases:</a:t>
+            </a:r>
+          </a:p>
+          <a:p>
+            <a:pPr lvl="1"/>
+            <a:r>
+              <a:rPr lang="en-US" dirty="0" smtClean="0"/>
+              <a:t>com.gemalto.osmsr.ui.service.util.OperationHistoryUtil.parseSuccessLine(String</a:t>
+            </a:r>
+            <a:r>
+              <a:rPr lang="en-US" dirty="0"/>
+              <a:t>)</a:t>
+            </a:r>
+            <a:endParaRPr lang="en-US" dirty="0" smtClean="0"/>
+          </a:p>
+          <a:p>
+            <a:pPr lvl="1"/>
+            <a:r>
+              <a:rPr lang="en-US" dirty="0" err="1" smtClean="0"/>
+              <a:t>com.gemalto.osmsr.cci.web.util.ExcelExporter.addReportHeader</a:t>
+            </a:r>
+            <a:r>
+              <a:rPr lang="en-US" dirty="0" smtClean="0"/>
+              <a:t>(</a:t>
+            </a:r>
+            <a:r>
+              <a:rPr lang="en-US" dirty="0" err="1" smtClean="0"/>
+              <a:t>HSSFSheet</a:t>
+            </a:r>
+            <a:r>
+              <a:rPr lang="en-US" dirty="0"/>
+              <a:t>, </a:t>
+            </a:r>
+            <a:r>
+              <a:rPr lang="en-US" dirty="0" err="1"/>
+              <a:t>int</a:t>
+            </a:r>
+            <a:r>
+              <a:rPr lang="en-US" dirty="0" smtClean="0"/>
+              <a:t>)</a:t>
+            </a:r>
+          </a:p>
+          <a:p>
+            <a:pPr lvl="1"/>
+            <a:endParaRPr lang="en-US" dirty="0"/>
+          </a:p>
+        </p:txBody>
+      </p:sp>
+      <p:sp>
+        <p:nvSpPr>
+          <p:cNvPr id="4" name="Slide Number Placeholder 3"/>
+          <p:cNvSpPr>
+            <a:spLocks noGrp="1"/>
+          </p:cNvSpPr>
+          <p:nvPr>
+            <p:ph type="sldNum" sz="quarter" idx="10"/>
+          </p:nvPr>
+        </p:nvSpPr>
+        <p:spPr/>
+        <p:txBody>
+          <a:bodyPr/>
+          <a:lstStyle/>
+          <a:p>
+            <a:pPr>
+              <a:defRPr/>
+            </a:pPr>
+            <a:fld id="{924122BF-7BF8-427C-B7B6-4209414200B1}" type="slidenum">
+              <a:rPr lang="en-US" smtClean="0"/>
+              <a:pPr>
+                <a:defRPr/>
+              </a:pPr>
+              <a:t>9</a:t>
+            </a:fld>
+            <a:endParaRPr lang="en-US"/>
+          </a:p>
+        </p:txBody>
+      </p:sp>
+      <p:sp>
+        <p:nvSpPr>
+          <p:cNvPr id="5" name="Footer Placeholder 4"/>
+          <p:cNvSpPr>
+            <a:spLocks noGrp="1"/>
+          </p:cNvSpPr>
+          <p:nvPr>
+            <p:ph type="ftr" sz="quarter" idx="11"/>
+          </p:nvPr>
+        </p:nvSpPr>
+        <p:spPr/>
+        <p:txBody>
+          <a:bodyPr/>
+          <a:lstStyle/>
+          <a:p>
+            <a:pPr>
+              <a:defRPr/>
+            </a:pPr>
+            <a:r>
+              <a:rPr lang="en-US" smtClean="0"/>
+              <a:t>Gemalto Private</a:t>
+            </a:r>
+            <a:endParaRPr lang="en-US"/>
+          </a:p>
+        </p:txBody>
+      </p:sp>
+    </p:spTree>
+    <p:extLst>
+      <p:ext uri="{BB962C8B-B14F-4D97-AF65-F5344CB8AC3E}">
+        <p14:creationId xmlns:p14="http://schemas.microsoft.com/office/powerpoint/2010/main" val="741111505"/>
+      </p:ext>
+    </p:extLst>
+  </p:cSld>
+  <p:clrMapOvr>
+    <a:masterClrMapping/>
+  </p:clrMapOvr>
 </p:sld>
 </file>
 

--- a/PPT/Code Review.pptx
+++ b/PPT/Code Review.pptx
@@ -5,10 +5,10 @@
     <p:sldMasterId id="2147483649" r:id="rId1"/>
   </p:sldMasterIdLst>
   <p:notesMasterIdLst>
-    <p:notesMasterId r:id="rId13"/>
+    <p:notesMasterId r:id="rId14"/>
   </p:notesMasterIdLst>
   <p:handoutMasterIdLst>
-    <p:handoutMasterId r:id="rId14"/>
+    <p:handoutMasterId r:id="rId15"/>
   </p:handoutMasterIdLst>
   <p:sldIdLst>
     <p:sldId id="1000" r:id="rId2"/>
@@ -21,7 +21,8 @@
     <p:sldId id="1489" r:id="rId9"/>
     <p:sldId id="1490" r:id="rId10"/>
     <p:sldId id="1491" r:id="rId11"/>
-    <p:sldId id="1477" r:id="rId12"/>
+    <p:sldId id="1492" r:id="rId12"/>
+    <p:sldId id="1477" r:id="rId13"/>
   </p:sldIdLst>
   <p:sldSz cx="9144000" cy="6858000" type="screen4x3"/>
   <p:notesSz cx="6888163" cy="10020300"/>
@@ -274,7 +275,7 @@
               <a:pPr>
                 <a:defRPr/>
               </a:pPr>
-              <a:t>2/6/2017</a:t>
+              <a:t>2/22/2017</a:t>
             </a:fld>
             <a:endParaRPr lang="en-GB"/>
           </a:p>
@@ -1929,7 +1930,7 @@
               <a:pPr>
                 <a:defRPr/>
               </a:pPr>
-              <a:t>11</a:t>
+              <a:t>12</a:t>
             </a:fld>
             <a:endParaRPr lang="fr-FR"/>
           </a:p>
@@ -5572,6 +5573,421 @@
       </p:grpSpPr>
       <p:sp>
         <p:nvSpPr>
+          <p:cNvPr id="2" name="Title 1"/>
+          <p:cNvSpPr>
+            <a:spLocks noGrp="1"/>
+          </p:cNvSpPr>
+          <p:nvPr>
+            <p:ph type="title"/>
+          </p:nvPr>
+        </p:nvSpPr>
+        <p:spPr/>
+        <p:txBody>
+          <a:bodyPr/>
+          <a:lstStyle/>
+          <a:p>
+            <a:r>
+              <a:rPr lang="en-US" dirty="0" err="1"/>
+              <a:t>java.io.Serializable</a:t>
+            </a:r>
+            <a:endParaRPr lang="en-US" dirty="0"/>
+          </a:p>
+        </p:txBody>
+      </p:sp>
+      <p:sp>
+        <p:nvSpPr>
+          <p:cNvPr id="3" name="Content Placeholder 2"/>
+          <p:cNvSpPr>
+            <a:spLocks noGrp="1"/>
+          </p:cNvSpPr>
+          <p:nvPr>
+            <p:ph idx="1"/>
+          </p:nvPr>
+        </p:nvSpPr>
+        <p:spPr/>
+        <p:txBody>
+          <a:bodyPr>
+            <a:normAutofit fontScale="70000" lnSpcReduction="20000"/>
+          </a:bodyPr>
+          <a:lstStyle/>
+          <a:p>
+            <a:r>
+              <a:rPr lang="en-US" dirty="0" smtClean="0"/>
+              <a:t>Has </a:t>
+            </a:r>
+            <a:r>
+              <a:rPr lang="en-US" i="1" dirty="0" smtClean="0"/>
+              <a:t>“</a:t>
+            </a:r>
+            <a:r>
+              <a:rPr lang="en-US" b="1" i="1" dirty="0" err="1" smtClean="0"/>
+              <a:t>serialVersionUID</a:t>
+            </a:r>
+            <a:r>
+              <a:rPr lang="en-US" i="1" dirty="0" smtClean="0"/>
+              <a:t>”</a:t>
+            </a:r>
+          </a:p>
+          <a:p>
+            <a:pPr lvl="1"/>
+            <a:r>
+              <a:rPr lang="en-US" dirty="0" smtClean="0"/>
+              <a:t>Different format</a:t>
+            </a:r>
+          </a:p>
+          <a:p>
+            <a:pPr lvl="2"/>
+            <a:r>
+              <a:rPr lang="en-US" dirty="0" smtClean="0"/>
+              <a:t>No impact</a:t>
+            </a:r>
+          </a:p>
+          <a:p>
+            <a:pPr lvl="1"/>
+            <a:r>
+              <a:rPr lang="en-US" dirty="0" smtClean="0"/>
+              <a:t>Add new field / </a:t>
+            </a:r>
+            <a:r>
+              <a:rPr lang="en-US" dirty="0"/>
+              <a:t>Remove one </a:t>
+            </a:r>
+            <a:r>
+              <a:rPr lang="en-US" dirty="0" smtClean="0"/>
+              <a:t>field</a:t>
+            </a:r>
+          </a:p>
+          <a:p>
+            <a:pPr lvl="2"/>
+            <a:r>
+              <a:rPr lang="en-US" dirty="0" smtClean="0"/>
+              <a:t>No impact</a:t>
+            </a:r>
+          </a:p>
+          <a:p>
+            <a:pPr lvl="1"/>
+            <a:r>
+              <a:rPr lang="en-US" dirty="0" smtClean="0"/>
+              <a:t>Rename one field</a:t>
+            </a:r>
+          </a:p>
+          <a:p>
+            <a:pPr lvl="2"/>
+            <a:r>
+              <a:rPr lang="en-US" dirty="0" smtClean="0"/>
+              <a:t>Can be </a:t>
+            </a:r>
+            <a:r>
+              <a:rPr lang="en-US" dirty="0" err="1" smtClean="0"/>
+              <a:t>deserialized</a:t>
+            </a:r>
+            <a:endParaRPr lang="en-US" dirty="0" smtClean="0"/>
+          </a:p>
+          <a:p>
+            <a:pPr lvl="2"/>
+            <a:r>
+              <a:rPr lang="en-US" dirty="0" smtClean="0"/>
+              <a:t>Value of the renamed field cannot be set</a:t>
+            </a:r>
+          </a:p>
+          <a:p>
+            <a:pPr lvl="1"/>
+            <a:r>
+              <a:rPr lang="en-US" dirty="0" smtClean="0"/>
+              <a:t>Add new method / </a:t>
+            </a:r>
+            <a:r>
+              <a:rPr lang="en-US" dirty="0"/>
+              <a:t>Remove one </a:t>
+            </a:r>
+            <a:r>
+              <a:rPr lang="en-US" dirty="0" smtClean="0"/>
+              <a:t>method / </a:t>
+            </a:r>
+            <a:r>
+              <a:rPr lang="en-US" dirty="0"/>
+              <a:t>Rename one method</a:t>
+            </a:r>
+            <a:endParaRPr lang="en-US" dirty="0" smtClean="0"/>
+          </a:p>
+          <a:p>
+            <a:pPr lvl="2"/>
+            <a:r>
+              <a:rPr lang="en-US" dirty="0" smtClean="0"/>
+              <a:t>No impact</a:t>
+            </a:r>
+          </a:p>
+          <a:p>
+            <a:pPr lvl="1"/>
+            <a:r>
+              <a:rPr lang="en-US" dirty="0" smtClean="0"/>
+              <a:t>Update type of one field</a:t>
+            </a:r>
+          </a:p>
+          <a:p>
+            <a:pPr lvl="2"/>
+            <a:r>
+              <a:rPr lang="en-US" dirty="0" smtClean="0"/>
+              <a:t>If primitive type / String, error: </a:t>
+            </a:r>
+            <a:r>
+              <a:rPr lang="en-US" dirty="0"/>
+              <a:t>incompatible types for </a:t>
+            </a:r>
+            <a:r>
+              <a:rPr lang="en-US" dirty="0" smtClean="0"/>
+              <a:t>field …</a:t>
+            </a:r>
+          </a:p>
+          <a:p>
+            <a:pPr lvl="2"/>
+            <a:r>
+              <a:rPr lang="en-US" dirty="0" smtClean="0"/>
+              <a:t>If Object, can be update to super class</a:t>
+            </a:r>
+          </a:p>
+          <a:p>
+            <a:pPr lvl="2"/>
+            <a:endParaRPr lang="en-US" dirty="0" smtClean="0"/>
+          </a:p>
+          <a:p>
+            <a:endParaRPr lang="en-US" dirty="0"/>
+          </a:p>
+          <a:p>
+            <a:r>
+              <a:rPr lang="en-US" dirty="0" smtClean="0"/>
+              <a:t>No “</a:t>
+            </a:r>
+            <a:r>
+              <a:rPr lang="en-US" b="1" i="1" dirty="0" err="1"/>
+              <a:t>serialVersionUID</a:t>
+            </a:r>
+            <a:r>
+              <a:rPr lang="en-US" dirty="0" smtClean="0"/>
+              <a:t>”</a:t>
+            </a:r>
+          </a:p>
+          <a:p>
+            <a:pPr lvl="1"/>
+            <a:r>
+              <a:rPr lang="en-US" dirty="0" smtClean="0"/>
+              <a:t>Different format</a:t>
+            </a:r>
+          </a:p>
+          <a:p>
+            <a:pPr lvl="2"/>
+            <a:r>
+              <a:rPr lang="en-US" dirty="0" smtClean="0"/>
+              <a:t>No impact</a:t>
+            </a:r>
+          </a:p>
+          <a:p>
+            <a:pPr lvl="1"/>
+            <a:r>
+              <a:rPr lang="en-US" dirty="0" smtClean="0"/>
+              <a:t>Add new field / Remove one field / Rename one field</a:t>
+            </a:r>
+          </a:p>
+          <a:p>
+            <a:pPr lvl="2"/>
+            <a:r>
+              <a:rPr lang="en-US" dirty="0" err="1" smtClean="0"/>
+              <a:t>java.io.InvalidClassException</a:t>
+            </a:r>
+            <a:endParaRPr lang="en-US" dirty="0" smtClean="0"/>
+          </a:p>
+          <a:p>
+            <a:pPr lvl="2"/>
+            <a:r>
+              <a:rPr lang="en-US" dirty="0"/>
+              <a:t>local class incompatible: stream </a:t>
+            </a:r>
+            <a:r>
+              <a:rPr lang="en-US" dirty="0" err="1"/>
+              <a:t>classdesc</a:t>
+            </a:r>
+            <a:r>
+              <a:rPr lang="en-US" dirty="0"/>
+              <a:t> </a:t>
+            </a:r>
+            <a:r>
+              <a:rPr lang="en-US" dirty="0" err="1"/>
+              <a:t>serialVersionUID</a:t>
+            </a:r>
+            <a:r>
+              <a:rPr lang="en-US" dirty="0"/>
+              <a:t> = </a:t>
+            </a:r>
+            <a:r>
+              <a:rPr lang="en-US" dirty="0" smtClean="0"/>
+              <a:t>…, </a:t>
+            </a:r>
+            <a:r>
+              <a:rPr lang="en-US" dirty="0"/>
+              <a:t>local class </a:t>
+            </a:r>
+            <a:r>
+              <a:rPr lang="en-US" dirty="0" err="1"/>
+              <a:t>serialVersionUID</a:t>
+            </a:r>
+            <a:r>
+              <a:rPr lang="en-US" dirty="0"/>
+              <a:t> = </a:t>
+            </a:r>
+            <a:r>
+              <a:rPr lang="en-US" dirty="0" smtClean="0"/>
+              <a:t>…</a:t>
+            </a:r>
+          </a:p>
+          <a:p>
+            <a:pPr lvl="1"/>
+            <a:r>
+              <a:rPr lang="en-US" dirty="0" smtClean="0"/>
+              <a:t>Add new method / Remove </a:t>
+            </a:r>
+            <a:r>
+              <a:rPr lang="en-US" dirty="0"/>
+              <a:t>one </a:t>
+            </a:r>
+            <a:r>
+              <a:rPr lang="en-US" dirty="0" smtClean="0"/>
+              <a:t>method / Rename one method</a:t>
+            </a:r>
+          </a:p>
+          <a:p>
+            <a:pPr lvl="2"/>
+            <a:r>
+              <a:rPr lang="en-US" dirty="0" smtClean="0"/>
+              <a:t>Error, same as above</a:t>
+            </a:r>
+          </a:p>
+          <a:p>
+            <a:pPr lvl="1"/>
+            <a:r>
+              <a:rPr lang="en-US" dirty="0" smtClean="0"/>
+              <a:t>Update type of one field</a:t>
+            </a:r>
+          </a:p>
+          <a:p>
+            <a:pPr lvl="2"/>
+            <a:r>
+              <a:rPr lang="en-US" dirty="0" smtClean="0"/>
+              <a:t>Error, same </a:t>
+            </a:r>
+            <a:r>
+              <a:rPr lang="en-US" smtClean="0"/>
+              <a:t>as above</a:t>
+            </a:r>
+            <a:endParaRPr lang="en-US" dirty="0" smtClean="0"/>
+          </a:p>
+          <a:p>
+            <a:pPr lvl="2"/>
+            <a:endParaRPr lang="en-US" dirty="0"/>
+          </a:p>
+          <a:p>
+            <a:r>
+              <a:rPr lang="en-US" dirty="0" smtClean="0"/>
+              <a:t>Key word “</a:t>
+            </a:r>
+            <a:r>
+              <a:rPr lang="en-US" b="1" dirty="0" smtClean="0"/>
+              <a:t>transient</a:t>
+            </a:r>
+            <a:r>
+              <a:rPr lang="en-US" dirty="0" smtClean="0"/>
+              <a:t>”</a:t>
+            </a:r>
+            <a:endParaRPr lang="en-US" dirty="0"/>
+          </a:p>
+        </p:txBody>
+      </p:sp>
+      <p:sp>
+        <p:nvSpPr>
+          <p:cNvPr id="4" name="Slide Number Placeholder 3"/>
+          <p:cNvSpPr>
+            <a:spLocks noGrp="1"/>
+          </p:cNvSpPr>
+          <p:nvPr>
+            <p:ph type="sldNum" sz="quarter" idx="10"/>
+          </p:nvPr>
+        </p:nvSpPr>
+        <p:spPr/>
+        <p:txBody>
+          <a:bodyPr/>
+          <a:lstStyle/>
+          <a:p>
+            <a:pPr>
+              <a:defRPr/>
+            </a:pPr>
+            <a:fld id="{924122BF-7BF8-427C-B7B6-4209414200B1}" type="slidenum">
+              <a:rPr lang="en-US" smtClean="0"/>
+              <a:pPr>
+                <a:defRPr/>
+              </a:pPr>
+              <a:t>11</a:t>
+            </a:fld>
+            <a:endParaRPr lang="en-US"/>
+          </a:p>
+        </p:txBody>
+      </p:sp>
+      <p:sp>
+        <p:nvSpPr>
+          <p:cNvPr id="5" name="Footer Placeholder 4"/>
+          <p:cNvSpPr>
+            <a:spLocks noGrp="1"/>
+          </p:cNvSpPr>
+          <p:nvPr>
+            <p:ph type="ftr" sz="quarter" idx="11"/>
+          </p:nvPr>
+        </p:nvSpPr>
+        <p:spPr/>
+        <p:txBody>
+          <a:bodyPr/>
+          <a:lstStyle/>
+          <a:p>
+            <a:pPr>
+              <a:defRPr/>
+            </a:pPr>
+            <a:r>
+              <a:rPr lang="en-US" smtClean="0"/>
+              <a:t>Gemalto Private</a:t>
+            </a:r>
+            <a:endParaRPr lang="en-US"/>
+          </a:p>
+        </p:txBody>
+      </p:sp>
+    </p:spTree>
+    <p:extLst>
+      <p:ext uri="{BB962C8B-B14F-4D97-AF65-F5344CB8AC3E}">
+        <p14:creationId xmlns:p14="http://schemas.microsoft.com/office/powerpoint/2010/main" val="1906548668"/>
+      </p:ext>
+    </p:extLst>
+  </p:cSld>
+  <p:clrMapOvr>
+    <a:masterClrMapping/>
+  </p:clrMapOvr>
+</p:sld>
+</file>
+
+<file path=ppt/slides/slide12.xml><?xml version="1.0" encoding="utf-8"?>
+<p:sld xmlns:a="http://schemas.openxmlformats.org/drawingml/2006/main" xmlns:r="http://schemas.openxmlformats.org/officeDocument/2006/relationships" xmlns:p="http://schemas.openxmlformats.org/presentationml/2006/main">
+  <p:cSld>
+    <p:spTree>
+      <p:nvGrpSpPr>
+        <p:cNvPr id="1" name=""/>
+        <p:cNvGrpSpPr/>
+        <p:nvPr/>
+      </p:nvGrpSpPr>
+      <p:grpSpPr>
+        <a:xfrm>
+          <a:off x="0" y="0"/>
+          <a:ext cx="0" cy="0"/>
+          <a:chOff x="0" y="0"/>
+          <a:chExt cx="0" cy="0"/>
+        </a:xfrm>
+      </p:grpSpPr>
+      <p:sp>
+        <p:nvSpPr>
           <p:cNvPr id="5122" name="Title 1"/>
           <p:cNvSpPr>
             <a:spLocks noGrp="1"/>
@@ -5822,7 +6238,7 @@
             <a:fld id="{65E5F03D-E4FB-4D20-ADDD-2FFC593848C5}" type="slidenum">
               <a:rPr lang="en-US" smtClean="0"/>
               <a:pPr/>
-              <a:t>11</a:t>
+              <a:t>12</a:t>
             </a:fld>
             <a:endParaRPr lang="en-US" smtClean="0"/>
           </a:p>

--- a/PPT/Code Review.pptx
+++ b/PPT/Code Review.pptx
@@ -5,10 +5,10 @@
     <p:sldMasterId id="2147483649" r:id="rId1"/>
   </p:sldMasterIdLst>
   <p:notesMasterIdLst>
-    <p:notesMasterId r:id="rId14"/>
+    <p:notesMasterId r:id="rId15"/>
   </p:notesMasterIdLst>
   <p:handoutMasterIdLst>
-    <p:handoutMasterId r:id="rId15"/>
+    <p:handoutMasterId r:id="rId16"/>
   </p:handoutMasterIdLst>
   <p:sldIdLst>
     <p:sldId id="1000" r:id="rId2"/>
@@ -22,7 +22,8 @@
     <p:sldId id="1490" r:id="rId10"/>
     <p:sldId id="1491" r:id="rId11"/>
     <p:sldId id="1492" r:id="rId12"/>
-    <p:sldId id="1477" r:id="rId13"/>
+    <p:sldId id="1493" r:id="rId13"/>
+    <p:sldId id="1477" r:id="rId14"/>
   </p:sldIdLst>
   <p:sldSz cx="9144000" cy="6858000" type="screen4x3"/>
   <p:notesSz cx="6888163" cy="10020300"/>
@@ -275,7 +276,7 @@
               <a:pPr>
                 <a:defRPr/>
               </a:pPr>
-              <a:t>2/22/2017</a:t>
+              <a:t>3/6/2017</a:t>
             </a:fld>
             <a:endParaRPr lang="en-GB"/>
           </a:p>
@@ -1930,7 +1931,7 @@
               <a:pPr>
                 <a:defRPr/>
               </a:pPr>
-              <a:t>12</a:t>
+              <a:t>13</a:t>
             </a:fld>
             <a:endParaRPr lang="fr-FR"/>
           </a:p>
@@ -5988,6 +5989,248 @@
       </p:grpSpPr>
       <p:sp>
         <p:nvSpPr>
+          <p:cNvPr id="2" name="Title 1"/>
+          <p:cNvSpPr>
+            <a:spLocks noGrp="1"/>
+          </p:cNvSpPr>
+          <p:nvPr>
+            <p:ph type="title"/>
+          </p:nvPr>
+        </p:nvSpPr>
+        <p:spPr/>
+        <p:txBody>
+          <a:bodyPr/>
+          <a:lstStyle/>
+          <a:p>
+            <a:endParaRPr lang="en-US"/>
+          </a:p>
+        </p:txBody>
+      </p:sp>
+      <p:sp>
+        <p:nvSpPr>
+          <p:cNvPr id="3" name="Content Placeholder 2"/>
+          <p:cNvSpPr>
+            <a:spLocks noGrp="1"/>
+          </p:cNvSpPr>
+          <p:nvPr>
+            <p:ph idx="1"/>
+          </p:nvPr>
+        </p:nvSpPr>
+        <p:spPr/>
+        <p:txBody>
+          <a:bodyPr/>
+          <a:lstStyle/>
+          <a:p>
+            <a:r>
+              <a:rPr lang="en-US" dirty="0" smtClean="0"/>
+              <a:t>I spend 1.5 hour to solve </a:t>
+            </a:r>
+            <a:r>
+              <a:rPr lang="en-US" smtClean="0"/>
+              <a:t>the issue below</a:t>
+            </a:r>
+            <a:endParaRPr lang="en-US" dirty="0" smtClean="0"/>
+          </a:p>
+          <a:p>
+            <a:pPr lvl="1"/>
+            <a:r>
+              <a:rPr lang="en-US" dirty="0" smtClean="0"/>
+              <a:t>/</a:t>
+            </a:r>
+            <a:r>
+              <a:rPr lang="en-US" dirty="0" err="1" smtClean="0"/>
+              <a:t>osmsr</a:t>
+            </a:r>
+            <a:r>
+              <a:rPr lang="en-US" dirty="0" smtClean="0"/>
+              <a:t>-</a:t>
+            </a:r>
+            <a:r>
+              <a:rPr lang="en-US" dirty="0" err="1" smtClean="0"/>
+              <a:t>gui</a:t>
+            </a:r>
+            <a:r>
+              <a:rPr lang="en-US" dirty="0" smtClean="0"/>
+              <a:t>-web/</a:t>
+            </a:r>
+            <a:r>
+              <a:rPr lang="en-US" dirty="0" err="1" smtClean="0"/>
+              <a:t>src</a:t>
+            </a:r>
+            <a:r>
+              <a:rPr lang="en-US" dirty="0" smtClean="0"/>
+              <a:t>/main/</a:t>
+            </a:r>
+            <a:r>
+              <a:rPr lang="en-US" dirty="0" err="1" smtClean="0"/>
+              <a:t>webapp</a:t>
+            </a:r>
+            <a:r>
+              <a:rPr lang="en-US" dirty="0" smtClean="0"/>
+              <a:t>/WEB-INF/widgets/trigram/</a:t>
+            </a:r>
+            <a:r>
+              <a:rPr lang="en-US" dirty="0" err="1" smtClean="0"/>
+              <a:t>perSubscriptionProfile.jsp</a:t>
+            </a:r>
+            <a:endParaRPr lang="en-US" dirty="0" smtClean="0"/>
+          </a:p>
+          <a:p>
+            <a:pPr lvl="2"/>
+            <a:r>
+              <a:rPr lang="en-US" dirty="0" smtClean="0"/>
+              <a:t>Missed one ‘&lt;/div&gt;</a:t>
+            </a:r>
+            <a:endParaRPr lang="en-US" dirty="0"/>
+          </a:p>
+          <a:p>
+            <a:pPr lvl="1"/>
+            <a:r>
+              <a:rPr lang="en-US" dirty="0"/>
+              <a:t>/</a:t>
+            </a:r>
+            <a:r>
+              <a:rPr lang="en-US" dirty="0" err="1" smtClean="0"/>
+              <a:t>osmsr</a:t>
+            </a:r>
+            <a:r>
+              <a:rPr lang="en-US" dirty="0" smtClean="0"/>
+              <a:t>-</a:t>
+            </a:r>
+            <a:r>
+              <a:rPr lang="en-US" dirty="0" err="1" smtClean="0"/>
+              <a:t>gui</a:t>
+            </a:r>
+            <a:r>
+              <a:rPr lang="en-US" dirty="0" smtClean="0"/>
+              <a:t>-web/</a:t>
+            </a:r>
+            <a:r>
+              <a:rPr lang="en-US" dirty="0" err="1" smtClean="0"/>
+              <a:t>src</a:t>
+            </a:r>
+            <a:r>
+              <a:rPr lang="en-US" dirty="0" smtClean="0"/>
+              <a:t>/main/</a:t>
+            </a:r>
+            <a:r>
+              <a:rPr lang="en-US" dirty="0" err="1" smtClean="0"/>
+              <a:t>webapp</a:t>
+            </a:r>
+            <a:r>
+              <a:rPr lang="en-US" dirty="0" smtClean="0"/>
+              <a:t>/WEB-INF/widgets/trigram/</a:t>
+            </a:r>
+            <a:r>
+              <a:rPr lang="en-US" dirty="0" err="1" smtClean="0"/>
+              <a:t>eumProperties.jsp</a:t>
+            </a:r>
+            <a:endParaRPr lang="en-US" dirty="0" smtClean="0"/>
+          </a:p>
+          <a:p>
+            <a:pPr lvl="2"/>
+            <a:r>
+              <a:rPr lang="en-US" dirty="0" smtClean="0"/>
+              <a:t>One more ‘&lt;/div&gt;’</a:t>
+            </a:r>
+          </a:p>
+          <a:p>
+            <a:pPr lvl="2"/>
+            <a:endParaRPr lang="en-US" dirty="0" smtClean="0"/>
+          </a:p>
+          <a:p>
+            <a:pPr lvl="1"/>
+            <a:endParaRPr lang="en-US" dirty="0"/>
+          </a:p>
+        </p:txBody>
+      </p:sp>
+      <p:sp>
+        <p:nvSpPr>
+          <p:cNvPr id="4" name="Slide Number Placeholder 3"/>
+          <p:cNvSpPr>
+            <a:spLocks noGrp="1"/>
+          </p:cNvSpPr>
+          <p:nvPr>
+            <p:ph type="sldNum" sz="quarter" idx="10"/>
+          </p:nvPr>
+        </p:nvSpPr>
+        <p:spPr/>
+        <p:txBody>
+          <a:bodyPr/>
+          <a:lstStyle/>
+          <a:p>
+            <a:pPr>
+              <a:defRPr/>
+            </a:pPr>
+            <a:fld id="{924122BF-7BF8-427C-B7B6-4209414200B1}" type="slidenum">
+              <a:rPr lang="en-US" smtClean="0"/>
+              <a:pPr>
+                <a:defRPr/>
+              </a:pPr>
+              <a:t>12</a:t>
+            </a:fld>
+            <a:endParaRPr lang="en-US"/>
+          </a:p>
+        </p:txBody>
+      </p:sp>
+      <p:sp>
+        <p:nvSpPr>
+          <p:cNvPr id="5" name="Footer Placeholder 4"/>
+          <p:cNvSpPr>
+            <a:spLocks noGrp="1"/>
+          </p:cNvSpPr>
+          <p:nvPr>
+            <p:ph type="ftr" sz="quarter" idx="11"/>
+          </p:nvPr>
+        </p:nvSpPr>
+        <p:spPr/>
+        <p:txBody>
+          <a:bodyPr/>
+          <a:lstStyle/>
+          <a:p>
+            <a:pPr>
+              <a:defRPr/>
+            </a:pPr>
+            <a:r>
+              <a:rPr lang="en-US" smtClean="0"/>
+              <a:t>Gemalto Private</a:t>
+            </a:r>
+            <a:endParaRPr lang="en-US"/>
+          </a:p>
+        </p:txBody>
+      </p:sp>
+    </p:spTree>
+    <p:extLst>
+      <p:ext uri="{BB962C8B-B14F-4D97-AF65-F5344CB8AC3E}">
+        <p14:creationId xmlns:p14="http://schemas.microsoft.com/office/powerpoint/2010/main" val="1646151157"/>
+      </p:ext>
+    </p:extLst>
+  </p:cSld>
+  <p:clrMapOvr>
+    <a:masterClrMapping/>
+  </p:clrMapOvr>
+</p:sld>
+</file>
+
+<file path=ppt/slides/slide13.xml><?xml version="1.0" encoding="utf-8"?>
+<p:sld xmlns:a="http://schemas.openxmlformats.org/drawingml/2006/main" xmlns:r="http://schemas.openxmlformats.org/officeDocument/2006/relationships" xmlns:p="http://schemas.openxmlformats.org/presentationml/2006/main">
+  <p:cSld>
+    <p:spTree>
+      <p:nvGrpSpPr>
+        <p:cNvPr id="1" name=""/>
+        <p:cNvGrpSpPr/>
+        <p:nvPr/>
+      </p:nvGrpSpPr>
+      <p:grpSpPr>
+        <a:xfrm>
+          <a:off x="0" y="0"/>
+          <a:ext cx="0" cy="0"/>
+          <a:chOff x="0" y="0"/>
+          <a:chExt cx="0" cy="0"/>
+        </a:xfrm>
+      </p:grpSpPr>
+      <p:sp>
+        <p:nvSpPr>
           <p:cNvPr id="5122" name="Title 1"/>
           <p:cNvSpPr>
             <a:spLocks noGrp="1"/>
@@ -6238,7 +6481,7 @@
             <a:fld id="{65E5F03D-E4FB-4D20-ADDD-2FFC593848C5}" type="slidenum">
               <a:rPr lang="en-US" smtClean="0"/>
               <a:pPr/>
-              <a:t>12</a:t>
+              <a:t>13</a:t>
             </a:fld>
             <a:endParaRPr lang="en-US" smtClean="0"/>
           </a:p>

--- a/PPT/Code Review.pptx
+++ b/PPT/Code Review.pptx
@@ -5,10 +5,10 @@
     <p:sldMasterId id="2147483649" r:id="rId1"/>
   </p:sldMasterIdLst>
   <p:notesMasterIdLst>
-    <p:notesMasterId r:id="rId15"/>
+    <p:notesMasterId r:id="rId17"/>
   </p:notesMasterIdLst>
   <p:handoutMasterIdLst>
-    <p:handoutMasterId r:id="rId16"/>
+    <p:handoutMasterId r:id="rId18"/>
   </p:handoutMasterIdLst>
   <p:sldIdLst>
     <p:sldId id="1000" r:id="rId2"/>
@@ -24,6 +24,8 @@
     <p:sldId id="1492" r:id="rId12"/>
     <p:sldId id="1493" r:id="rId13"/>
     <p:sldId id="1477" r:id="rId14"/>
+    <p:sldId id="1494" r:id="rId15"/>
+    <p:sldId id="1495" r:id="rId16"/>
   </p:sldIdLst>
   <p:sldSz cx="9144000" cy="6858000" type="screen4x3"/>
   <p:notesSz cx="6888163" cy="10020300"/>
@@ -276,7 +278,7 @@
               <a:pPr>
                 <a:defRPr/>
               </a:pPr>
-              <a:t>3/6/2017</a:t>
+              <a:t>6/19/2017</a:t>
             </a:fld>
             <a:endParaRPr lang="en-GB"/>
           </a:p>
@@ -1941,6 +1943,116 @@
     <p:extLst>
       <p:ext uri="{BB962C8B-B14F-4D97-AF65-F5344CB8AC3E}">
         <p14:creationId xmlns:p14="http://schemas.microsoft.com/office/powerpoint/2010/main" val="3251183766"/>
+      </p:ext>
+    </p:extLst>
+  </p:cSld>
+  <p:clrMapOvr>
+    <a:masterClrMapping/>
+  </p:clrMapOvr>
+</p:notes>
+</file>
+
+<file path=ppt/notesSlides/notesSlide6.xml><?xml version="1.0" encoding="utf-8"?>
+<p:notes xmlns:a="http://schemas.openxmlformats.org/drawingml/2006/main" xmlns:r="http://schemas.openxmlformats.org/officeDocument/2006/relationships" xmlns:p="http://schemas.openxmlformats.org/presentationml/2006/main">
+  <p:cSld>
+    <p:spTree>
+      <p:nvGrpSpPr>
+        <p:cNvPr id="1" name=""/>
+        <p:cNvGrpSpPr/>
+        <p:nvPr/>
+      </p:nvGrpSpPr>
+      <p:grpSpPr>
+        <a:xfrm>
+          <a:off x="0" y="0"/>
+          <a:ext cx="0" cy="0"/>
+          <a:chOff x="0" y="0"/>
+          <a:chExt cx="0" cy="0"/>
+        </a:xfrm>
+      </p:grpSpPr>
+      <p:sp>
+        <p:nvSpPr>
+          <p:cNvPr id="2" name="Slide Image Placeholder 1"/>
+          <p:cNvSpPr>
+            <a:spLocks noGrp="1" noRot="1" noChangeAspect="1"/>
+          </p:cNvSpPr>
+          <p:nvPr>
+            <p:ph type="sldImg"/>
+          </p:nvPr>
+        </p:nvSpPr>
+        <p:spPr/>
+      </p:sp>
+      <p:sp>
+        <p:nvSpPr>
+          <p:cNvPr id="3" name="Notes Placeholder 2"/>
+          <p:cNvSpPr>
+            <a:spLocks noGrp="1"/>
+          </p:cNvSpPr>
+          <p:nvPr>
+            <p:ph type="body" idx="1"/>
+          </p:nvPr>
+        </p:nvSpPr>
+        <p:spPr/>
+        <p:txBody>
+          <a:bodyPr/>
+          <a:lstStyle/>
+          <a:p>
+            <a:r>
+              <a:rPr lang="en-US" dirty="0" smtClean="0"/>
+              <a:t>SMSGW: Used</a:t>
+            </a:r>
+            <a:r>
+              <a:rPr lang="en-US" baseline="0" dirty="0" smtClean="0"/>
+              <a:t> for SMS connection</a:t>
+            </a:r>
+          </a:p>
+          <a:p>
+            <a:r>
+              <a:rPr lang="en-US" baseline="0" dirty="0" smtClean="0"/>
+              <a:t>OTAIPGW: Used for HTTP connection</a:t>
+            </a:r>
+          </a:p>
+          <a:p>
+            <a:r>
+              <a:rPr lang="en-US" baseline="0" dirty="0" smtClean="0"/>
+              <a:t>KCS: for handshake of HTTP Connection</a:t>
+            </a:r>
+            <a:endParaRPr lang="en-US" dirty="0"/>
+          </a:p>
+        </p:txBody>
+      </p:sp>
+      <p:sp>
+        <p:nvSpPr>
+          <p:cNvPr id="4" name="Slide Number Placeholder 3"/>
+          <p:cNvSpPr>
+            <a:spLocks noGrp="1"/>
+          </p:cNvSpPr>
+          <p:nvPr>
+            <p:ph type="sldNum" sz="quarter" idx="10"/>
+          </p:nvPr>
+        </p:nvSpPr>
+        <p:spPr/>
+        <p:txBody>
+          <a:bodyPr/>
+          <a:lstStyle/>
+          <a:p>
+            <a:pPr>
+              <a:defRPr/>
+            </a:pPr>
+            <a:fld id="{C291F52E-180F-4BF8-88D7-B3DDCEAB137E}" type="slidenum">
+              <a:rPr lang="fr-FR" smtClean="0"/>
+              <a:pPr>
+                <a:defRPr/>
+              </a:pPr>
+              <a:t>15</a:t>
+            </a:fld>
+            <a:endParaRPr lang="fr-FR"/>
+          </a:p>
+        </p:txBody>
+      </p:sp>
+    </p:spTree>
+    <p:extLst>
+      <p:ext uri="{BB962C8B-B14F-4D97-AF65-F5344CB8AC3E}">
+        <p14:creationId xmlns:p14="http://schemas.microsoft.com/office/powerpoint/2010/main" val="2350534391"/>
       </p:ext>
     </p:extLst>
   </p:cSld>
@@ -6526,6 +6638,1100 @@
 </p:sld>
 </file>
 
+<file path=ppt/slides/slide14.xml><?xml version="1.0" encoding="utf-8"?>
+<p:sld xmlns:a="http://schemas.openxmlformats.org/drawingml/2006/main" xmlns:r="http://schemas.openxmlformats.org/officeDocument/2006/relationships" xmlns:p="http://schemas.openxmlformats.org/presentationml/2006/main">
+  <p:cSld>
+    <p:spTree>
+      <p:nvGrpSpPr>
+        <p:cNvPr id="1" name=""/>
+        <p:cNvGrpSpPr/>
+        <p:nvPr/>
+      </p:nvGrpSpPr>
+      <p:grpSpPr>
+        <a:xfrm>
+          <a:off x="0" y="0"/>
+          <a:ext cx="0" cy="0"/>
+          <a:chOff x="0" y="0"/>
+          <a:chExt cx="0" cy="0"/>
+        </a:xfrm>
+      </p:grpSpPr>
+      <p:sp>
+        <p:nvSpPr>
+          <p:cNvPr id="2" name="Title 1"/>
+          <p:cNvSpPr>
+            <a:spLocks noGrp="1"/>
+          </p:cNvSpPr>
+          <p:nvPr>
+            <p:ph type="title"/>
+          </p:nvPr>
+        </p:nvSpPr>
+        <p:spPr/>
+        <p:txBody>
+          <a:bodyPr/>
+          <a:lstStyle/>
+          <a:p>
+            <a:r>
+              <a:rPr lang="en-US" dirty="0" err="1" smtClean="0"/>
+              <a:t>EclipseLink</a:t>
+            </a:r>
+            <a:r>
+              <a:rPr lang="en-US" dirty="0" smtClean="0"/>
+              <a:t> Cache</a:t>
+            </a:r>
+            <a:endParaRPr lang="en-US" dirty="0"/>
+          </a:p>
+        </p:txBody>
+      </p:sp>
+      <p:sp>
+        <p:nvSpPr>
+          <p:cNvPr id="3" name="Content Placeholder 2"/>
+          <p:cNvSpPr>
+            <a:spLocks noGrp="1"/>
+          </p:cNvSpPr>
+          <p:nvPr>
+            <p:ph idx="1"/>
+          </p:nvPr>
+        </p:nvSpPr>
+        <p:spPr/>
+        <p:txBody>
+          <a:bodyPr/>
+          <a:lstStyle/>
+          <a:p>
+            <a:endParaRPr lang="en-US"/>
+          </a:p>
+        </p:txBody>
+      </p:sp>
+      <p:sp>
+        <p:nvSpPr>
+          <p:cNvPr id="4" name="Slide Number Placeholder 3"/>
+          <p:cNvSpPr>
+            <a:spLocks noGrp="1"/>
+          </p:cNvSpPr>
+          <p:nvPr>
+            <p:ph type="sldNum" sz="quarter" idx="10"/>
+          </p:nvPr>
+        </p:nvSpPr>
+        <p:spPr/>
+        <p:txBody>
+          <a:bodyPr/>
+          <a:lstStyle/>
+          <a:p>
+            <a:pPr>
+              <a:defRPr/>
+            </a:pPr>
+            <a:fld id="{924122BF-7BF8-427C-B7B6-4209414200B1}" type="slidenum">
+              <a:rPr lang="en-US" smtClean="0"/>
+              <a:pPr>
+                <a:defRPr/>
+              </a:pPr>
+              <a:t>14</a:t>
+            </a:fld>
+            <a:endParaRPr lang="en-US"/>
+          </a:p>
+        </p:txBody>
+      </p:sp>
+      <p:sp>
+        <p:nvSpPr>
+          <p:cNvPr id="5" name="Footer Placeholder 4"/>
+          <p:cNvSpPr>
+            <a:spLocks noGrp="1"/>
+          </p:cNvSpPr>
+          <p:nvPr>
+            <p:ph type="ftr" sz="quarter" idx="11"/>
+          </p:nvPr>
+        </p:nvSpPr>
+        <p:spPr/>
+        <p:txBody>
+          <a:bodyPr/>
+          <a:lstStyle/>
+          <a:p>
+            <a:pPr>
+              <a:defRPr/>
+            </a:pPr>
+            <a:r>
+              <a:rPr lang="en-US" smtClean="0"/>
+              <a:t>Gemalto Private</a:t>
+            </a:r>
+            <a:endParaRPr lang="en-US"/>
+          </a:p>
+        </p:txBody>
+      </p:sp>
+    </p:spTree>
+    <p:extLst>
+      <p:ext uri="{BB962C8B-B14F-4D97-AF65-F5344CB8AC3E}">
+        <p14:creationId xmlns:p14="http://schemas.microsoft.com/office/powerpoint/2010/main" val="1066627046"/>
+      </p:ext>
+    </p:extLst>
+  </p:cSld>
+  <p:clrMapOvr>
+    <a:masterClrMapping/>
+  </p:clrMapOvr>
+</p:sld>
+</file>
+
+<file path=ppt/slides/slide15.xml><?xml version="1.0" encoding="utf-8"?>
+<p:sld xmlns:a="http://schemas.openxmlformats.org/drawingml/2006/main" xmlns:r="http://schemas.openxmlformats.org/officeDocument/2006/relationships" xmlns:p="http://schemas.openxmlformats.org/presentationml/2006/main">
+  <p:cSld>
+    <p:spTree>
+      <p:nvGrpSpPr>
+        <p:cNvPr id="1" name=""/>
+        <p:cNvGrpSpPr/>
+        <p:nvPr/>
+      </p:nvGrpSpPr>
+      <p:grpSpPr>
+        <a:xfrm>
+          <a:off x="0" y="0"/>
+          <a:ext cx="0" cy="0"/>
+          <a:chOff x="0" y="0"/>
+          <a:chExt cx="0" cy="0"/>
+        </a:xfrm>
+      </p:grpSpPr>
+      <p:sp>
+        <p:nvSpPr>
+          <p:cNvPr id="2" name="Title 1"/>
+          <p:cNvSpPr>
+            <a:spLocks noGrp="1"/>
+          </p:cNvSpPr>
+          <p:nvPr>
+            <p:ph type="title"/>
+          </p:nvPr>
+        </p:nvSpPr>
+        <p:spPr/>
+        <p:txBody>
+          <a:bodyPr/>
+          <a:lstStyle/>
+          <a:p>
+            <a:r>
+              <a:rPr lang="en-US" dirty="0" smtClean="0"/>
+              <a:t>SR – Architecture</a:t>
+            </a:r>
+            <a:endParaRPr lang="en-US" dirty="0"/>
+          </a:p>
+        </p:txBody>
+      </p:sp>
+      <p:sp>
+        <p:nvSpPr>
+          <p:cNvPr id="4" name="Slide Number Placeholder 3"/>
+          <p:cNvSpPr>
+            <a:spLocks noGrp="1"/>
+          </p:cNvSpPr>
+          <p:nvPr>
+            <p:ph type="sldNum" sz="quarter" idx="10"/>
+          </p:nvPr>
+        </p:nvSpPr>
+        <p:spPr/>
+        <p:txBody>
+          <a:bodyPr/>
+          <a:lstStyle/>
+          <a:p>
+            <a:pPr>
+              <a:defRPr/>
+            </a:pPr>
+            <a:fld id="{924122BF-7BF8-427C-B7B6-4209414200B1}" type="slidenum">
+              <a:rPr lang="en-US" smtClean="0"/>
+              <a:pPr>
+                <a:defRPr/>
+              </a:pPr>
+              <a:t>15</a:t>
+            </a:fld>
+            <a:endParaRPr lang="en-US"/>
+          </a:p>
+        </p:txBody>
+      </p:sp>
+      <p:sp>
+        <p:nvSpPr>
+          <p:cNvPr id="5" name="Footer Placeholder 4"/>
+          <p:cNvSpPr>
+            <a:spLocks noGrp="1"/>
+          </p:cNvSpPr>
+          <p:nvPr>
+            <p:ph type="ftr" sz="quarter" idx="11"/>
+          </p:nvPr>
+        </p:nvSpPr>
+        <p:spPr/>
+        <p:txBody>
+          <a:bodyPr/>
+          <a:lstStyle/>
+          <a:p>
+            <a:pPr>
+              <a:defRPr/>
+            </a:pPr>
+            <a:r>
+              <a:rPr lang="en-US" smtClean="0"/>
+              <a:t>Gemalto Private</a:t>
+            </a:r>
+            <a:endParaRPr lang="en-US"/>
+          </a:p>
+        </p:txBody>
+      </p:sp>
+      <p:sp>
+        <p:nvSpPr>
+          <p:cNvPr id="6" name="Oval 5"/>
+          <p:cNvSpPr/>
+          <p:nvPr/>
+        </p:nvSpPr>
+        <p:spPr>
+          <a:xfrm>
+            <a:off x="755576" y="1772816"/>
+            <a:ext cx="720080" cy="720080"/>
+          </a:xfrm>
+          <a:prstGeom prst="ellipse">
+            <a:avLst/>
+          </a:prstGeom>
+        </p:spPr>
+        <p:style>
+          <a:lnRef idx="2">
+            <a:schemeClr val="accent1">
+              <a:shade val="50000"/>
+            </a:schemeClr>
+          </a:lnRef>
+          <a:fillRef idx="1">
+            <a:schemeClr val="accent1"/>
+          </a:fillRef>
+          <a:effectRef idx="0">
+            <a:schemeClr val="accent1"/>
+          </a:effectRef>
+          <a:fontRef idx="minor">
+            <a:schemeClr val="lt1"/>
+          </a:fontRef>
+        </p:style>
+        <p:txBody>
+          <a:bodyPr rtlCol="0" anchor="ctr"/>
+          <a:lstStyle/>
+          <a:p>
+            <a:pPr algn="ctr"/>
+            <a:r>
+              <a:rPr lang="en-US" sz="1000" dirty="0" smtClean="0"/>
+              <a:t>MNO</a:t>
+            </a:r>
+            <a:endParaRPr lang="en-US" sz="1000" dirty="0"/>
+          </a:p>
+        </p:txBody>
+      </p:sp>
+      <p:sp>
+        <p:nvSpPr>
+          <p:cNvPr id="7" name="Oval 6"/>
+          <p:cNvSpPr/>
+          <p:nvPr/>
+        </p:nvSpPr>
+        <p:spPr>
+          <a:xfrm>
+            <a:off x="6876256" y="3579416"/>
+            <a:ext cx="1008112" cy="720080"/>
+          </a:xfrm>
+          <a:prstGeom prst="ellipse">
+            <a:avLst/>
+          </a:prstGeom>
+        </p:spPr>
+        <p:style>
+          <a:lnRef idx="2">
+            <a:schemeClr val="accent1">
+              <a:shade val="50000"/>
+            </a:schemeClr>
+          </a:lnRef>
+          <a:fillRef idx="1">
+            <a:schemeClr val="accent1"/>
+          </a:fillRef>
+          <a:effectRef idx="0">
+            <a:schemeClr val="accent1"/>
+          </a:effectRef>
+          <a:fontRef idx="minor">
+            <a:schemeClr val="lt1"/>
+          </a:fontRef>
+        </p:style>
+        <p:txBody>
+          <a:bodyPr rtlCol="0" anchor="ctr"/>
+          <a:lstStyle/>
+          <a:p>
+            <a:pPr algn="ctr"/>
+            <a:r>
+              <a:rPr lang="en-US" sz="1000" dirty="0" smtClean="0"/>
+              <a:t>SMDP</a:t>
+            </a:r>
+            <a:endParaRPr lang="en-US" sz="1000" dirty="0"/>
+          </a:p>
+        </p:txBody>
+      </p:sp>
+      <p:sp>
+        <p:nvSpPr>
+          <p:cNvPr id="8" name="Oval 7"/>
+          <p:cNvSpPr/>
+          <p:nvPr/>
+        </p:nvSpPr>
+        <p:spPr>
+          <a:xfrm>
+            <a:off x="5659760" y="5479065"/>
+            <a:ext cx="720080" cy="720080"/>
+          </a:xfrm>
+          <a:prstGeom prst="ellipse">
+            <a:avLst/>
+          </a:prstGeom>
+        </p:spPr>
+        <p:style>
+          <a:lnRef idx="2">
+            <a:schemeClr val="accent1">
+              <a:shade val="50000"/>
+            </a:schemeClr>
+          </a:lnRef>
+          <a:fillRef idx="1">
+            <a:schemeClr val="accent1"/>
+          </a:fillRef>
+          <a:effectRef idx="0">
+            <a:schemeClr val="accent1"/>
+          </a:effectRef>
+          <a:fontRef idx="minor">
+            <a:schemeClr val="lt1"/>
+          </a:fontRef>
+        </p:style>
+        <p:txBody>
+          <a:bodyPr rtlCol="0" anchor="ctr"/>
+          <a:lstStyle/>
+          <a:p>
+            <a:pPr algn="ctr"/>
+            <a:r>
+              <a:rPr lang="en-US" sz="1000" dirty="0" smtClean="0"/>
+              <a:t>KMS</a:t>
+            </a:r>
+            <a:endParaRPr lang="en-US" sz="1000" dirty="0"/>
+          </a:p>
+        </p:txBody>
+      </p:sp>
+      <p:sp>
+        <p:nvSpPr>
+          <p:cNvPr id="10" name="Oval 9"/>
+          <p:cNvSpPr/>
+          <p:nvPr/>
+        </p:nvSpPr>
+        <p:spPr>
+          <a:xfrm>
+            <a:off x="6804248" y="875078"/>
+            <a:ext cx="720080" cy="720080"/>
+          </a:xfrm>
+          <a:prstGeom prst="ellipse">
+            <a:avLst/>
+          </a:prstGeom>
+        </p:spPr>
+        <p:style>
+          <a:lnRef idx="2">
+            <a:schemeClr val="accent1">
+              <a:shade val="50000"/>
+            </a:schemeClr>
+          </a:lnRef>
+          <a:fillRef idx="1">
+            <a:schemeClr val="accent1"/>
+          </a:fillRef>
+          <a:effectRef idx="0">
+            <a:schemeClr val="accent1"/>
+          </a:effectRef>
+          <a:fontRef idx="minor">
+            <a:schemeClr val="lt1"/>
+          </a:fontRef>
+        </p:style>
+        <p:txBody>
+          <a:bodyPr rtlCol="0" anchor="ctr"/>
+          <a:lstStyle/>
+          <a:p>
+            <a:pPr algn="ctr"/>
+            <a:r>
+              <a:rPr lang="en-US" sz="1000" dirty="0" smtClean="0"/>
+              <a:t>OP5</a:t>
+            </a:r>
+            <a:endParaRPr lang="en-US" sz="1000" dirty="0"/>
+          </a:p>
+        </p:txBody>
+      </p:sp>
+      <p:grpSp>
+        <p:nvGrpSpPr>
+          <p:cNvPr id="21" name="Group 20"/>
+          <p:cNvGrpSpPr/>
+          <p:nvPr/>
+        </p:nvGrpSpPr>
+        <p:grpSpPr>
+          <a:xfrm>
+            <a:off x="2627784" y="1412776"/>
+            <a:ext cx="2736304" cy="3760043"/>
+            <a:chOff x="2626792" y="1436403"/>
+            <a:chExt cx="2736304" cy="3760043"/>
+          </a:xfrm>
+        </p:grpSpPr>
+        <p:sp>
+          <p:nvSpPr>
+            <p:cNvPr id="9" name="Rounded Rectangle 8"/>
+            <p:cNvSpPr/>
+            <p:nvPr/>
+          </p:nvSpPr>
+          <p:spPr>
+            <a:xfrm>
+              <a:off x="2626792" y="1436403"/>
+              <a:ext cx="2736304" cy="3760043"/>
+            </a:xfrm>
+            <a:prstGeom prst="roundRect">
+              <a:avLst/>
+            </a:prstGeom>
+            <a:solidFill>
+              <a:srgbClr val="F2FBBD"/>
+            </a:solidFill>
+            <a:ln w="19050">
+              <a:prstDash val="lgDashDot"/>
+            </a:ln>
+          </p:spPr>
+          <p:style>
+            <a:lnRef idx="2">
+              <a:schemeClr val="accent1">
+                <a:shade val="50000"/>
+              </a:schemeClr>
+            </a:lnRef>
+            <a:fillRef idx="1">
+              <a:schemeClr val="accent1"/>
+            </a:fillRef>
+            <a:effectRef idx="0">
+              <a:schemeClr val="accent1"/>
+            </a:effectRef>
+            <a:fontRef idx="minor">
+              <a:schemeClr val="lt1"/>
+            </a:fontRef>
+          </p:style>
+          <p:txBody>
+            <a:bodyPr rtlCol="0" anchor="t"/>
+            <a:lstStyle/>
+            <a:p>
+              <a:pPr algn="ctr"/>
+              <a:r>
+                <a:rPr lang="en-US" sz="1000" b="1" dirty="0" smtClean="0">
+                  <a:solidFill>
+                    <a:schemeClr val="tx1"/>
+                  </a:solidFill>
+                </a:rPr>
+                <a:t>OSMSR</a:t>
+              </a:r>
+              <a:endParaRPr lang="en-US" sz="1000" b="1" dirty="0">
+                <a:solidFill>
+                  <a:schemeClr val="tx1"/>
+                </a:solidFill>
+              </a:endParaRPr>
+            </a:p>
+          </p:txBody>
+        </p:sp>
+        <p:sp>
+          <p:nvSpPr>
+            <p:cNvPr id="11" name="Rounded Rectangle 10"/>
+            <p:cNvSpPr/>
+            <p:nvPr/>
+          </p:nvSpPr>
+          <p:spPr>
+            <a:xfrm>
+              <a:off x="2993745" y="4795859"/>
+              <a:ext cx="2028780" cy="288032"/>
+            </a:xfrm>
+            <a:prstGeom prst="roundRect">
+              <a:avLst/>
+            </a:prstGeom>
+            <a:solidFill>
+              <a:schemeClr val="tx2">
+                <a:lumMod val="40000"/>
+                <a:lumOff val="60000"/>
+              </a:schemeClr>
+            </a:solidFill>
+            <a:ln w="6350">
+              <a:solidFill>
+                <a:schemeClr val="tx1"/>
+              </a:solidFill>
+            </a:ln>
+          </p:spPr>
+          <p:style>
+            <a:lnRef idx="2">
+              <a:schemeClr val="accent1">
+                <a:shade val="50000"/>
+              </a:schemeClr>
+            </a:lnRef>
+            <a:fillRef idx="1">
+              <a:schemeClr val="accent1"/>
+            </a:fillRef>
+            <a:effectRef idx="0">
+              <a:schemeClr val="accent1"/>
+            </a:effectRef>
+            <a:fontRef idx="minor">
+              <a:schemeClr val="lt1"/>
+            </a:fontRef>
+          </p:style>
+          <p:txBody>
+            <a:bodyPr rtlCol="0" anchor="ctr"/>
+            <a:lstStyle/>
+            <a:p>
+              <a:pPr algn="ctr"/>
+              <a:r>
+                <a:rPr lang="en-US" sz="900" dirty="0" smtClean="0">
+                  <a:solidFill>
+                    <a:schemeClr val="tx1"/>
+                  </a:solidFill>
+                </a:rPr>
+                <a:t>Core</a:t>
+              </a:r>
+              <a:endParaRPr lang="en-US" sz="900" dirty="0">
+                <a:solidFill>
+                  <a:schemeClr val="tx1"/>
+                </a:solidFill>
+              </a:endParaRPr>
+            </a:p>
+          </p:txBody>
+        </p:sp>
+        <p:sp>
+          <p:nvSpPr>
+            <p:cNvPr id="12" name="Rounded Rectangle 11"/>
+            <p:cNvSpPr/>
+            <p:nvPr/>
+          </p:nvSpPr>
+          <p:spPr>
+            <a:xfrm>
+              <a:off x="2986187" y="3017273"/>
+              <a:ext cx="2028780" cy="288032"/>
+            </a:xfrm>
+            <a:prstGeom prst="roundRect">
+              <a:avLst/>
+            </a:prstGeom>
+            <a:solidFill>
+              <a:schemeClr val="tx2">
+                <a:lumMod val="40000"/>
+                <a:lumOff val="60000"/>
+              </a:schemeClr>
+            </a:solidFill>
+            <a:ln w="6350">
+              <a:solidFill>
+                <a:schemeClr val="tx1"/>
+              </a:solidFill>
+            </a:ln>
+          </p:spPr>
+          <p:style>
+            <a:lnRef idx="2">
+              <a:schemeClr val="accent1">
+                <a:shade val="50000"/>
+              </a:schemeClr>
+            </a:lnRef>
+            <a:fillRef idx="1">
+              <a:schemeClr val="accent1"/>
+            </a:fillRef>
+            <a:effectRef idx="0">
+              <a:schemeClr val="accent1"/>
+            </a:effectRef>
+            <a:fontRef idx="minor">
+              <a:schemeClr val="lt1"/>
+            </a:fontRef>
+          </p:style>
+          <p:txBody>
+            <a:bodyPr rtlCol="0" anchor="ctr"/>
+            <a:lstStyle/>
+            <a:p>
+              <a:pPr algn="ctr"/>
+              <a:r>
+                <a:rPr lang="en-US" sz="900" dirty="0" smtClean="0">
+                  <a:solidFill>
+                    <a:schemeClr val="tx1"/>
+                  </a:solidFill>
+                </a:rPr>
+                <a:t>OTAIPGW</a:t>
+              </a:r>
+              <a:endParaRPr lang="en-US" sz="900" dirty="0">
+                <a:solidFill>
+                  <a:schemeClr val="tx1"/>
+                </a:solidFill>
+              </a:endParaRPr>
+            </a:p>
+          </p:txBody>
+        </p:sp>
+        <p:sp>
+          <p:nvSpPr>
+            <p:cNvPr id="13" name="Rounded Rectangle 12"/>
+            <p:cNvSpPr/>
+            <p:nvPr/>
+          </p:nvSpPr>
+          <p:spPr>
+            <a:xfrm>
+              <a:off x="2989357" y="4444820"/>
+              <a:ext cx="2025610" cy="288032"/>
+            </a:xfrm>
+            <a:prstGeom prst="roundRect">
+              <a:avLst/>
+            </a:prstGeom>
+            <a:solidFill>
+              <a:schemeClr val="tx2">
+                <a:lumMod val="40000"/>
+                <a:lumOff val="60000"/>
+              </a:schemeClr>
+            </a:solidFill>
+            <a:ln w="6350">
+              <a:solidFill>
+                <a:schemeClr val="tx1"/>
+              </a:solidFill>
+            </a:ln>
+          </p:spPr>
+          <p:style>
+            <a:lnRef idx="2">
+              <a:schemeClr val="accent1">
+                <a:shade val="50000"/>
+              </a:schemeClr>
+            </a:lnRef>
+            <a:fillRef idx="1">
+              <a:schemeClr val="accent1"/>
+            </a:fillRef>
+            <a:effectRef idx="0">
+              <a:schemeClr val="accent1"/>
+            </a:effectRef>
+            <a:fontRef idx="minor">
+              <a:schemeClr val="lt1"/>
+            </a:fontRef>
+          </p:style>
+          <p:txBody>
+            <a:bodyPr rtlCol="0" anchor="ctr"/>
+            <a:lstStyle/>
+            <a:p>
+              <a:pPr algn="ctr"/>
+              <a:r>
+                <a:rPr lang="en-US" sz="900" dirty="0" smtClean="0">
+                  <a:solidFill>
+                    <a:schemeClr val="tx1"/>
+                  </a:solidFill>
+                </a:rPr>
+                <a:t>Request</a:t>
+              </a:r>
+              <a:endParaRPr lang="en-US" sz="900" dirty="0">
+                <a:solidFill>
+                  <a:schemeClr val="tx1"/>
+                </a:solidFill>
+              </a:endParaRPr>
+            </a:p>
+          </p:txBody>
+        </p:sp>
+        <p:sp>
+          <p:nvSpPr>
+            <p:cNvPr id="14" name="Rounded Rectangle 13"/>
+            <p:cNvSpPr/>
+            <p:nvPr/>
+          </p:nvSpPr>
+          <p:spPr>
+            <a:xfrm>
+              <a:off x="2978629" y="3732375"/>
+              <a:ext cx="2036338" cy="288032"/>
+            </a:xfrm>
+            <a:prstGeom prst="roundRect">
+              <a:avLst/>
+            </a:prstGeom>
+            <a:solidFill>
+              <a:schemeClr val="tx2">
+                <a:lumMod val="40000"/>
+                <a:lumOff val="60000"/>
+              </a:schemeClr>
+            </a:solidFill>
+            <a:ln w="6350">
+              <a:solidFill>
+                <a:schemeClr val="tx1"/>
+              </a:solidFill>
+            </a:ln>
+          </p:spPr>
+          <p:style>
+            <a:lnRef idx="2">
+              <a:schemeClr val="accent1">
+                <a:shade val="50000"/>
+              </a:schemeClr>
+            </a:lnRef>
+            <a:fillRef idx="1">
+              <a:schemeClr val="accent1"/>
+            </a:fillRef>
+            <a:effectRef idx="0">
+              <a:schemeClr val="accent1"/>
+            </a:effectRef>
+            <a:fontRef idx="minor">
+              <a:schemeClr val="lt1"/>
+            </a:fontRef>
+          </p:style>
+          <p:txBody>
+            <a:bodyPr rtlCol="0" anchor="ctr"/>
+            <a:lstStyle/>
+            <a:p>
+              <a:pPr algn="ctr"/>
+              <a:r>
+                <a:rPr lang="en-US" sz="900" dirty="0" smtClean="0">
+                  <a:solidFill>
+                    <a:schemeClr val="tx1"/>
+                  </a:solidFill>
+                </a:rPr>
+                <a:t>SEKMS</a:t>
+              </a:r>
+              <a:endParaRPr lang="en-US" sz="900" dirty="0">
+                <a:solidFill>
+                  <a:schemeClr val="tx1"/>
+                </a:solidFill>
+              </a:endParaRPr>
+            </a:p>
+          </p:txBody>
+        </p:sp>
+        <p:sp>
+          <p:nvSpPr>
+            <p:cNvPr id="15" name="Rounded Rectangle 14"/>
+            <p:cNvSpPr/>
+            <p:nvPr/>
+          </p:nvSpPr>
+          <p:spPr>
+            <a:xfrm>
+              <a:off x="2986187" y="3379175"/>
+              <a:ext cx="2036338" cy="288032"/>
+            </a:xfrm>
+            <a:prstGeom prst="roundRect">
+              <a:avLst/>
+            </a:prstGeom>
+            <a:solidFill>
+              <a:schemeClr val="tx2">
+                <a:lumMod val="40000"/>
+                <a:lumOff val="60000"/>
+              </a:schemeClr>
+            </a:solidFill>
+            <a:ln w="6350">
+              <a:solidFill>
+                <a:schemeClr val="tx1"/>
+              </a:solidFill>
+            </a:ln>
+          </p:spPr>
+          <p:style>
+            <a:lnRef idx="2">
+              <a:schemeClr val="accent1">
+                <a:shade val="50000"/>
+              </a:schemeClr>
+            </a:lnRef>
+            <a:fillRef idx="1">
+              <a:schemeClr val="accent1"/>
+            </a:fillRef>
+            <a:effectRef idx="0">
+              <a:schemeClr val="accent1"/>
+            </a:effectRef>
+            <a:fontRef idx="minor">
+              <a:schemeClr val="lt1"/>
+            </a:fontRef>
+          </p:style>
+          <p:txBody>
+            <a:bodyPr rtlCol="0" anchor="ctr"/>
+            <a:lstStyle/>
+            <a:p>
+              <a:pPr algn="ctr"/>
+              <a:r>
+                <a:rPr lang="en-US" sz="900" dirty="0">
+                  <a:solidFill>
+                    <a:schemeClr val="tx1"/>
+                  </a:solidFill>
+                </a:rPr>
+                <a:t>SMSGW</a:t>
+              </a:r>
+            </a:p>
+          </p:txBody>
+        </p:sp>
+        <p:sp>
+          <p:nvSpPr>
+            <p:cNvPr id="16" name="Rounded Rectangle 15"/>
+            <p:cNvSpPr/>
+            <p:nvPr/>
+          </p:nvSpPr>
+          <p:spPr>
+            <a:xfrm>
+              <a:off x="2986187" y="4098302"/>
+              <a:ext cx="2036338" cy="288032"/>
+            </a:xfrm>
+            <a:prstGeom prst="roundRect">
+              <a:avLst/>
+            </a:prstGeom>
+            <a:solidFill>
+              <a:schemeClr val="tx2">
+                <a:lumMod val="40000"/>
+                <a:lumOff val="60000"/>
+              </a:schemeClr>
+            </a:solidFill>
+            <a:ln w="6350">
+              <a:solidFill>
+                <a:schemeClr val="tx1"/>
+              </a:solidFill>
+            </a:ln>
+          </p:spPr>
+          <p:style>
+            <a:lnRef idx="2">
+              <a:schemeClr val="accent1">
+                <a:shade val="50000"/>
+              </a:schemeClr>
+            </a:lnRef>
+            <a:fillRef idx="1">
+              <a:schemeClr val="accent1"/>
+            </a:fillRef>
+            <a:effectRef idx="0">
+              <a:schemeClr val="accent1"/>
+            </a:effectRef>
+            <a:fontRef idx="minor">
+              <a:schemeClr val="lt1"/>
+            </a:fontRef>
+          </p:style>
+          <p:txBody>
+            <a:bodyPr rtlCol="0" anchor="ctr"/>
+            <a:lstStyle/>
+            <a:p>
+              <a:pPr algn="ctr"/>
+              <a:r>
+                <a:rPr lang="en-US" sz="900" dirty="0" smtClean="0">
+                  <a:solidFill>
+                    <a:schemeClr val="tx1"/>
+                  </a:solidFill>
+                </a:rPr>
+                <a:t>KCS</a:t>
+              </a:r>
+              <a:endParaRPr lang="en-US" sz="900" dirty="0">
+                <a:solidFill>
+                  <a:schemeClr val="tx1"/>
+                </a:solidFill>
+              </a:endParaRPr>
+            </a:p>
+          </p:txBody>
+        </p:sp>
+        <p:sp>
+          <p:nvSpPr>
+            <p:cNvPr id="17" name="Rounded Rectangle 16"/>
+            <p:cNvSpPr/>
+            <p:nvPr/>
+          </p:nvSpPr>
+          <p:spPr>
+            <a:xfrm>
+              <a:off x="2986187" y="2660048"/>
+              <a:ext cx="2028780" cy="288032"/>
+            </a:xfrm>
+            <a:prstGeom prst="roundRect">
+              <a:avLst/>
+            </a:prstGeom>
+            <a:solidFill>
+              <a:schemeClr val="tx2">
+                <a:lumMod val="40000"/>
+                <a:lumOff val="60000"/>
+              </a:schemeClr>
+            </a:solidFill>
+            <a:ln w="6350">
+              <a:solidFill>
+                <a:schemeClr val="tx1"/>
+              </a:solidFill>
+            </a:ln>
+          </p:spPr>
+          <p:style>
+            <a:lnRef idx="2">
+              <a:schemeClr val="accent1">
+                <a:shade val="50000"/>
+              </a:schemeClr>
+            </a:lnRef>
+            <a:fillRef idx="1">
+              <a:schemeClr val="accent1"/>
+            </a:fillRef>
+            <a:effectRef idx="0">
+              <a:schemeClr val="accent1"/>
+            </a:effectRef>
+            <a:fontRef idx="minor">
+              <a:schemeClr val="lt1"/>
+            </a:fontRef>
+          </p:style>
+          <p:txBody>
+            <a:bodyPr rtlCol="0" anchor="ctr"/>
+            <a:lstStyle/>
+            <a:p>
+              <a:pPr algn="ctr"/>
+              <a:r>
+                <a:rPr lang="en-US" sz="900" dirty="0" smtClean="0">
+                  <a:solidFill>
+                    <a:schemeClr val="tx1"/>
+                  </a:solidFill>
+                </a:rPr>
+                <a:t>SEKMS_SCI</a:t>
+              </a:r>
+              <a:endParaRPr lang="en-US" sz="900" dirty="0">
+                <a:solidFill>
+                  <a:schemeClr val="tx1"/>
+                </a:solidFill>
+              </a:endParaRPr>
+            </a:p>
+          </p:txBody>
+        </p:sp>
+        <p:sp>
+          <p:nvSpPr>
+            <p:cNvPr id="18" name="Rounded Rectangle 17"/>
+            <p:cNvSpPr/>
+            <p:nvPr/>
+          </p:nvSpPr>
+          <p:spPr>
+            <a:xfrm>
+              <a:off x="2983993" y="2294121"/>
+              <a:ext cx="2036338" cy="288032"/>
+            </a:xfrm>
+            <a:prstGeom prst="roundRect">
+              <a:avLst/>
+            </a:prstGeom>
+            <a:solidFill>
+              <a:schemeClr val="tx2">
+                <a:lumMod val="40000"/>
+                <a:lumOff val="60000"/>
+              </a:schemeClr>
+            </a:solidFill>
+            <a:ln w="6350">
+              <a:solidFill>
+                <a:schemeClr val="tx1"/>
+              </a:solidFill>
+            </a:ln>
+          </p:spPr>
+          <p:style>
+            <a:lnRef idx="2">
+              <a:schemeClr val="accent1">
+                <a:shade val="50000"/>
+              </a:schemeClr>
+            </a:lnRef>
+            <a:fillRef idx="1">
+              <a:schemeClr val="accent1"/>
+            </a:fillRef>
+            <a:effectRef idx="0">
+              <a:schemeClr val="accent1"/>
+            </a:effectRef>
+            <a:fontRef idx="minor">
+              <a:schemeClr val="lt1"/>
+            </a:fontRef>
+          </p:style>
+          <p:txBody>
+            <a:bodyPr rtlCol="0" anchor="ctr"/>
+            <a:lstStyle/>
+            <a:p>
+              <a:pPr algn="ctr"/>
+              <a:r>
+                <a:rPr lang="en-US" sz="900" dirty="0" smtClean="0">
+                  <a:solidFill>
+                    <a:schemeClr val="tx1"/>
+                  </a:solidFill>
+                </a:rPr>
+                <a:t>SMSGW_SCI</a:t>
+              </a:r>
+              <a:endParaRPr lang="en-US" sz="900" dirty="0">
+                <a:solidFill>
+                  <a:schemeClr val="tx1"/>
+                </a:solidFill>
+              </a:endParaRPr>
+            </a:p>
+          </p:txBody>
+        </p:sp>
+        <p:sp>
+          <p:nvSpPr>
+            <p:cNvPr id="19" name="Rounded Rectangle 18"/>
+            <p:cNvSpPr/>
+            <p:nvPr/>
+          </p:nvSpPr>
+          <p:spPr>
+            <a:xfrm>
+              <a:off x="2993745" y="1934558"/>
+              <a:ext cx="2036338" cy="288032"/>
+            </a:xfrm>
+            <a:prstGeom prst="roundRect">
+              <a:avLst/>
+            </a:prstGeom>
+            <a:solidFill>
+              <a:schemeClr val="tx2">
+                <a:lumMod val="40000"/>
+                <a:lumOff val="60000"/>
+              </a:schemeClr>
+            </a:solidFill>
+            <a:ln w="6350">
+              <a:solidFill>
+                <a:schemeClr val="tx1"/>
+              </a:solidFill>
+            </a:ln>
+          </p:spPr>
+          <p:style>
+            <a:lnRef idx="2">
+              <a:schemeClr val="accent1">
+                <a:shade val="50000"/>
+              </a:schemeClr>
+            </a:lnRef>
+            <a:fillRef idx="1">
+              <a:schemeClr val="accent1"/>
+            </a:fillRef>
+            <a:effectRef idx="0">
+              <a:schemeClr val="accent1"/>
+            </a:effectRef>
+            <a:fontRef idx="minor">
+              <a:schemeClr val="lt1"/>
+            </a:fontRef>
+          </p:style>
+          <p:txBody>
+            <a:bodyPr rtlCol="0" anchor="ctr"/>
+            <a:lstStyle/>
+            <a:p>
+              <a:pPr algn="ctr"/>
+              <a:r>
+                <a:rPr lang="en-US" sz="900" dirty="0" smtClean="0">
+                  <a:solidFill>
+                    <a:schemeClr val="tx1"/>
+                  </a:solidFill>
+                </a:rPr>
+                <a:t>SMSR</a:t>
+              </a:r>
+              <a:endParaRPr lang="en-US" sz="900" dirty="0">
+                <a:solidFill>
+                  <a:schemeClr val="tx1"/>
+                </a:solidFill>
+              </a:endParaRPr>
+            </a:p>
+          </p:txBody>
+        </p:sp>
+      </p:grpSp>
+      <p:sp>
+        <p:nvSpPr>
+          <p:cNvPr id="22" name="Oval 21"/>
+          <p:cNvSpPr/>
+          <p:nvPr/>
+        </p:nvSpPr>
+        <p:spPr>
+          <a:xfrm>
+            <a:off x="467544" y="3718283"/>
+            <a:ext cx="1224136" cy="720080"/>
+          </a:xfrm>
+          <a:prstGeom prst="ellipse">
+            <a:avLst/>
+          </a:prstGeom>
+        </p:spPr>
+        <p:style>
+          <a:lnRef idx="2">
+            <a:schemeClr val="accent1">
+              <a:shade val="50000"/>
+            </a:schemeClr>
+          </a:lnRef>
+          <a:fillRef idx="1">
+            <a:schemeClr val="accent1"/>
+          </a:fillRef>
+          <a:effectRef idx="0">
+            <a:schemeClr val="accent1"/>
+          </a:effectRef>
+          <a:fontRef idx="minor">
+            <a:schemeClr val="lt1"/>
+          </a:fontRef>
+        </p:style>
+        <p:txBody>
+          <a:bodyPr rtlCol="0" anchor="ctr"/>
+          <a:lstStyle/>
+          <a:p>
+            <a:pPr algn="ctr"/>
+            <a:r>
+              <a:rPr lang="en-US" sz="1000" dirty="0" smtClean="0"/>
+              <a:t>OTACS</a:t>
+            </a:r>
+            <a:endParaRPr lang="en-US" sz="1000" dirty="0"/>
+          </a:p>
+        </p:txBody>
+      </p:sp>
+    </p:spTree>
+    <p:extLst>
+      <p:ext uri="{BB962C8B-B14F-4D97-AF65-F5344CB8AC3E}">
+        <p14:creationId xmlns:p14="http://schemas.microsoft.com/office/powerpoint/2010/main" val="1401309474"/>
+      </p:ext>
+    </p:extLst>
+  </p:cSld>
+  <p:clrMapOvr>
+    <a:masterClrMapping/>
+  </p:clrMapOvr>
+</p:sld>
+</file>
+
 <file path=ppt/slides/slide2.xml><?xml version="1.0" encoding="utf-8"?>
 <p:sld xmlns:a="http://schemas.openxmlformats.org/drawingml/2006/main" xmlns:r="http://schemas.openxmlformats.org/officeDocument/2006/relationships" xmlns:p="http://schemas.openxmlformats.org/presentationml/2006/main">
   <p:cSld>
@@ -7306,6 +8512,14 @@
               <a:rPr lang="en-US" dirty="0" smtClean="0"/>
               <a:t>For constructor, think about ‘Builder’</a:t>
             </a:r>
+          </a:p>
+          <a:p>
+            <a:pPr lvl="2"/>
+            <a:r>
+              <a:rPr lang="en-US" dirty="0" err="1"/>
+              <a:t>com.gemalto.osmsr.sci.web.util.AuditTrailUtils</a:t>
+            </a:r>
+            <a:endParaRPr lang="en-US" dirty="0" smtClean="0"/>
           </a:p>
           <a:p>
             <a:pPr lvl="1"/>
